--- a/_Organisation/Präsentation/Voodoo_PP1.pptx
+++ b/_Organisation/Präsentation/Voodoo_PP1.pptx
@@ -13209,6 +13209,15 @@
           <a:blip r:embed="rId3" cstate="print">
             <a:biLevel thresh="75000"/>
             <a:extLst>
+              <a:ext uri="{BEBA8EAE-BF5A-486C-A8C5-ECC9F3942E4B}">
+                <a14:imgProps xmlns:a14="http://schemas.microsoft.com/office/drawing/2010/main">
+                  <a14:imgLayer r:embed="rId4">
+                    <a14:imgEffect>
+                      <a14:saturation sat="66000"/>
+                    </a14:imgEffect>
+                  </a14:imgLayer>
+                </a14:imgProps>
+              </a:ext>
               <a:ext uri="{28A0092B-C50C-407E-A947-70E740481C1C}">
                 <a14:useLocalDpi xmlns:a14="http://schemas.microsoft.com/office/drawing/2010/main" val="0"/>
               </a:ext>
@@ -15462,14 +15471,7 @@
                 <a:latin typeface="MV Boli" pitchFamily="2" charset="0"/>
                 <a:cs typeface="MV Boli" pitchFamily="2" charset="0"/>
               </a:rPr>
-              <a:t>Gate </a:t>
-            </a:r>
-            <a:r>
-              <a:rPr lang="de-DE" sz="3600" dirty="0" smtClean="0">
-                <a:latin typeface="MV Boli" pitchFamily="2" charset="0"/>
-                <a:cs typeface="MV Boli" pitchFamily="2" charset="0"/>
-              </a:rPr>
-              <a:t>1</a:t>
+              <a:t>Gate 1</a:t>
             </a:r>
             <a:endParaRPr lang="de-DE" sz="3600" dirty="0">
               <a:latin typeface="MV Boli" pitchFamily="2" charset="0"/>
@@ -16590,18 +16592,6 @@
               </a:srgbClr>
             </a:duotone>
             <a:extLst>
-              <a:ext uri="{BEBA8EAE-BF5A-486C-A8C5-ECC9F3942E4B}">
-                <a14:imgProps xmlns:a14="http://schemas.microsoft.com/office/drawing/2010/main">
-                  <a14:imgLayer r:embed="rId4">
-                    <a14:imgEffect>
-                      <a14:saturation sat="0"/>
-                    </a14:imgEffect>
-                    <a14:imgEffect>
-                      <a14:brightnessContrast bright="20000" contrast="-40000"/>
-                    </a14:imgEffect>
-                  </a14:imgLayer>
-                </a14:imgProps>
-              </a:ext>
               <a:ext uri="{28A0092B-C50C-407E-A947-70E740481C1C}">
                 <a14:useLocalDpi xmlns:a14="http://schemas.microsoft.com/office/drawing/2010/main" val="0"/>
               </a:ext>
@@ -16637,7 +16627,7 @@
           <p:nvPr/>
         </p:nvPicPr>
         <p:blipFill>
-          <a:blip r:embed="rId5" cstate="print">
+          <a:blip r:embed="rId4" cstate="print">
             <a:duotone>
               <a:prstClr val="black"/>
               <a:srgbClr val="00B050">
@@ -16674,7 +16664,7 @@
           <p:nvPr/>
         </p:nvPicPr>
         <p:blipFill>
-          <a:blip r:embed="rId6" cstate="print">
+          <a:blip r:embed="rId5" cstate="print">
             <a:duotone>
               <a:prstClr val="black"/>
               <a:srgbClr val="00B0F0">
@@ -16685,7 +16675,7 @@
             <a:extLst>
               <a:ext uri="{BEBA8EAE-BF5A-486C-A8C5-ECC9F3942E4B}">
                 <a14:imgProps xmlns:a14="http://schemas.microsoft.com/office/drawing/2010/main">
-                  <a14:imgLayer r:embed="rId7">
+                  <a14:imgLayer r:embed="rId6">
                     <a14:imgEffect>
                       <a14:colorTemperature colorTemp="7200"/>
                     </a14:imgEffect>
@@ -17208,10 +17198,6 @@
               </a:rPr>
               <a:t>2</a:t>
             </a:r>
-            <a:endParaRPr lang="de-DE" sz="3600" dirty="0">
-              <a:latin typeface="MV Boli" pitchFamily="2" charset="0"/>
-              <a:cs typeface="MV Boli" pitchFamily="2" charset="0"/>
-            </a:endParaRPr>
           </a:p>
         </p:txBody>
       </p:sp>
@@ -17255,10 +17241,6 @@
               </a:rPr>
               <a:t> (Tutorial) oder Operationsraum?</a:t>
             </a:r>
-            <a:endParaRPr lang="de-DE" sz="2400" dirty="0" smtClean="0">
-              <a:latin typeface="MV Boli" pitchFamily="2" charset="0"/>
-              <a:cs typeface="MV Boli" pitchFamily="2" charset="0"/>
-            </a:endParaRPr>
           </a:p>
           <a:p>
             <a:pPr marL="342900" indent="-342900">
@@ -17335,14 +17317,7 @@
                 <a:latin typeface="MV Boli" pitchFamily="2" charset="0"/>
                 <a:cs typeface="MV Boli" pitchFamily="2" charset="0"/>
               </a:rPr>
-              <a:t>Second </a:t>
-            </a:r>
-            <a:r>
-              <a:rPr lang="de-DE" sz="2400" dirty="0" smtClean="0">
-                <a:latin typeface="MV Boli" pitchFamily="2" charset="0"/>
-                <a:cs typeface="MV Boli" pitchFamily="2" charset="0"/>
-              </a:rPr>
-              <a:t>core mechanic: </a:t>
+              <a:t>Second core mechanic: </a:t>
             </a:r>
             <a:r>
               <a:rPr lang="de-DE" sz="2400" dirty="0" err="1" smtClean="0">

--- a/_Organisation/Präsentation/Voodoo_PP1.pptx
+++ b/_Organisation/Präsentation/Voodoo_PP1.pptx
@@ -5,17 +5,16 @@
     <p:sldMasterId id="2147483924" r:id="rId1"/>
   </p:sldMasterIdLst>
   <p:notesMasterIdLst>
-    <p:notesMasterId r:id="rId10"/>
+    <p:notesMasterId r:id="rId9"/>
   </p:notesMasterIdLst>
   <p:sldIdLst>
     <p:sldId id="256" r:id="rId2"/>
     <p:sldId id="259" r:id="rId3"/>
-    <p:sldId id="260" r:id="rId4"/>
-    <p:sldId id="263" r:id="rId5"/>
-    <p:sldId id="261" r:id="rId6"/>
-    <p:sldId id="265" r:id="rId7"/>
-    <p:sldId id="266" r:id="rId8"/>
-    <p:sldId id="264" r:id="rId9"/>
+    <p:sldId id="263" r:id="rId4"/>
+    <p:sldId id="261" r:id="rId5"/>
+    <p:sldId id="265" r:id="rId6"/>
+    <p:sldId id="266" r:id="rId7"/>
+    <p:sldId id="264" r:id="rId8"/>
   </p:sldIdLst>
   <p:sldSz cx="9144000" cy="5143500" type="screen16x9"/>
   <p:notesSz cx="6858000" cy="9144000"/>
@@ -133,3071 +132,6 @@
 </p:presentation>
 </file>
 
-<file path=ppt/diagrams/colors1.xml><?xml version="1.0" encoding="utf-8"?>
-<dgm:colorsDef xmlns:dgm="http://schemas.openxmlformats.org/drawingml/2006/diagram" xmlns:a="http://schemas.openxmlformats.org/drawingml/2006/main" uniqueId="urn:microsoft.com/office/officeart/2005/8/colors/accent0_1">
-  <dgm:title val=""/>
-  <dgm:desc val=""/>
-  <dgm:catLst>
-    <dgm:cat type="mainScheme" pri="10100"/>
-  </dgm:catLst>
-  <dgm:styleLbl name="node0">
-    <dgm:fillClrLst meth="repeat">
-      <a:schemeClr val="lt1"/>
-    </dgm:fillClrLst>
-    <dgm:linClrLst meth="repeat">
-      <a:schemeClr val="dk1">
-        <a:shade val="80000"/>
-      </a:schemeClr>
-    </dgm:linClrLst>
-    <dgm:effectClrLst/>
-    <dgm:txLinClrLst/>
-    <dgm:txFillClrLst meth="repeat">
-      <a:schemeClr val="dk1"/>
-    </dgm:txFillClrLst>
-    <dgm:txEffectClrLst/>
-  </dgm:styleLbl>
-  <dgm:styleLbl name="node1">
-    <dgm:fillClrLst meth="repeat">
-      <a:schemeClr val="lt1"/>
-    </dgm:fillClrLst>
-    <dgm:linClrLst meth="repeat">
-      <a:schemeClr val="dk1">
-        <a:shade val="80000"/>
-      </a:schemeClr>
-    </dgm:linClrLst>
-    <dgm:effectClrLst/>
-    <dgm:txLinClrLst/>
-    <dgm:txFillClrLst meth="repeat">
-      <a:schemeClr val="dk1"/>
-    </dgm:txFillClrLst>
-    <dgm:txEffectClrLst/>
-  </dgm:styleLbl>
-  <dgm:styleLbl name="alignNode1">
-    <dgm:fillClrLst meth="repeat">
-      <a:schemeClr val="lt1"/>
-    </dgm:fillClrLst>
-    <dgm:linClrLst meth="repeat">
-      <a:schemeClr val="dk1">
-        <a:shade val="80000"/>
-      </a:schemeClr>
-    </dgm:linClrLst>
-    <dgm:effectClrLst/>
-    <dgm:txLinClrLst/>
-    <dgm:txFillClrLst meth="repeat">
-      <a:schemeClr val="dk1"/>
-    </dgm:txFillClrLst>
-    <dgm:txEffectClrLst/>
-  </dgm:styleLbl>
-  <dgm:styleLbl name="lnNode1">
-    <dgm:fillClrLst meth="repeat">
-      <a:schemeClr val="lt1"/>
-    </dgm:fillClrLst>
-    <dgm:linClrLst meth="repeat">
-      <a:schemeClr val="dk1">
-        <a:shade val="80000"/>
-      </a:schemeClr>
-    </dgm:linClrLst>
-    <dgm:effectClrLst/>
-    <dgm:txLinClrLst/>
-    <dgm:txFillClrLst meth="repeat">
-      <a:schemeClr val="dk1"/>
-    </dgm:txFillClrLst>
-    <dgm:txEffectClrLst/>
-  </dgm:styleLbl>
-  <dgm:styleLbl name="vennNode1">
-    <dgm:fillClrLst meth="repeat">
-      <a:schemeClr val="lt1">
-        <a:alpha val="50000"/>
-      </a:schemeClr>
-    </dgm:fillClrLst>
-    <dgm:linClrLst meth="repeat">
-      <a:schemeClr val="dk1">
-        <a:shade val="80000"/>
-      </a:schemeClr>
-    </dgm:linClrLst>
-    <dgm:effectClrLst/>
-    <dgm:txLinClrLst/>
-    <dgm:txFillClrLst/>
-    <dgm:txEffectClrLst/>
-  </dgm:styleLbl>
-  <dgm:styleLbl name="node2">
-    <dgm:fillClrLst meth="repeat">
-      <a:schemeClr val="lt1"/>
-    </dgm:fillClrLst>
-    <dgm:linClrLst meth="repeat">
-      <a:schemeClr val="dk1">
-        <a:shade val="80000"/>
-      </a:schemeClr>
-    </dgm:linClrLst>
-    <dgm:effectClrLst/>
-    <dgm:txLinClrLst/>
-    <dgm:txFillClrLst meth="repeat">
-      <a:schemeClr val="dk1"/>
-    </dgm:txFillClrLst>
-    <dgm:txEffectClrLst/>
-  </dgm:styleLbl>
-  <dgm:styleLbl name="node3">
-    <dgm:fillClrLst meth="repeat">
-      <a:schemeClr val="lt1"/>
-    </dgm:fillClrLst>
-    <dgm:linClrLst meth="repeat">
-      <a:schemeClr val="dk1">
-        <a:shade val="80000"/>
-      </a:schemeClr>
-    </dgm:linClrLst>
-    <dgm:effectClrLst/>
-    <dgm:txLinClrLst/>
-    <dgm:txFillClrLst meth="repeat">
-      <a:schemeClr val="dk1"/>
-    </dgm:txFillClrLst>
-    <dgm:txEffectClrLst/>
-  </dgm:styleLbl>
-  <dgm:styleLbl name="node4">
-    <dgm:fillClrLst meth="repeat">
-      <a:schemeClr val="lt1"/>
-    </dgm:fillClrLst>
-    <dgm:linClrLst meth="repeat">
-      <a:schemeClr val="dk1">
-        <a:shade val="80000"/>
-      </a:schemeClr>
-    </dgm:linClrLst>
-    <dgm:effectClrLst/>
-    <dgm:txLinClrLst/>
-    <dgm:txFillClrLst meth="repeat">
-      <a:schemeClr val="dk1"/>
-    </dgm:txFillClrLst>
-    <dgm:txEffectClrLst/>
-  </dgm:styleLbl>
-  <dgm:styleLbl name="fgImgPlace1">
-    <dgm:fillClrLst meth="repeat">
-      <a:schemeClr val="dk1">
-        <a:tint val="40000"/>
-      </a:schemeClr>
-    </dgm:fillClrLst>
-    <dgm:linClrLst meth="repeat">
-      <a:schemeClr val="dk1">
-        <a:shade val="80000"/>
-      </a:schemeClr>
-    </dgm:linClrLst>
-    <dgm:effectClrLst/>
-    <dgm:txLinClrLst/>
-    <dgm:txFillClrLst meth="repeat">
-      <a:schemeClr val="lt1"/>
-    </dgm:txFillClrLst>
-    <dgm:txEffectClrLst/>
-  </dgm:styleLbl>
-  <dgm:styleLbl name="alignImgPlace1">
-    <dgm:fillClrLst meth="repeat">
-      <a:schemeClr val="dk1">
-        <a:tint val="40000"/>
-      </a:schemeClr>
-    </dgm:fillClrLst>
-    <dgm:linClrLst meth="repeat">
-      <a:schemeClr val="dk1">
-        <a:shade val="80000"/>
-      </a:schemeClr>
-    </dgm:linClrLst>
-    <dgm:effectClrLst/>
-    <dgm:txLinClrLst/>
-    <dgm:txFillClrLst meth="repeat">
-      <a:schemeClr val="lt1"/>
-    </dgm:txFillClrLst>
-    <dgm:txEffectClrLst/>
-  </dgm:styleLbl>
-  <dgm:styleLbl name="bgImgPlace1">
-    <dgm:fillClrLst meth="repeat">
-      <a:schemeClr val="dk1">
-        <a:tint val="40000"/>
-      </a:schemeClr>
-    </dgm:fillClrLst>
-    <dgm:linClrLst meth="repeat">
-      <a:schemeClr val="dk1">
-        <a:shade val="80000"/>
-      </a:schemeClr>
-    </dgm:linClrLst>
-    <dgm:effectClrLst/>
-    <dgm:txLinClrLst/>
-    <dgm:txFillClrLst meth="repeat">
-      <a:schemeClr val="lt1"/>
-    </dgm:txFillClrLst>
-    <dgm:txEffectClrLst/>
-  </dgm:styleLbl>
-  <dgm:styleLbl name="sibTrans2D1">
-    <dgm:fillClrLst meth="repeat">
-      <a:schemeClr val="dk1">
-        <a:tint val="60000"/>
-      </a:schemeClr>
-    </dgm:fillClrLst>
-    <dgm:linClrLst meth="repeat">
-      <a:schemeClr val="dk1">
-        <a:tint val="60000"/>
-      </a:schemeClr>
-    </dgm:linClrLst>
-    <dgm:effectClrLst/>
-    <dgm:txLinClrLst/>
-    <dgm:txFillClrLst meth="repeat">
-      <a:schemeClr val="dk1"/>
-    </dgm:txFillClrLst>
-    <dgm:txEffectClrLst/>
-  </dgm:styleLbl>
-  <dgm:styleLbl name="fgSibTrans2D1">
-    <dgm:fillClrLst meth="repeat">
-      <a:schemeClr val="dk1">
-        <a:tint val="60000"/>
-      </a:schemeClr>
-    </dgm:fillClrLst>
-    <dgm:linClrLst meth="repeat">
-      <a:schemeClr val="dk1">
-        <a:tint val="60000"/>
-      </a:schemeClr>
-    </dgm:linClrLst>
-    <dgm:effectClrLst/>
-    <dgm:txLinClrLst/>
-    <dgm:txFillClrLst meth="repeat">
-      <a:schemeClr val="dk1"/>
-    </dgm:txFillClrLst>
-    <dgm:txEffectClrLst/>
-  </dgm:styleLbl>
-  <dgm:styleLbl name="bgSibTrans2D1">
-    <dgm:fillClrLst meth="repeat">
-      <a:schemeClr val="dk1">
-        <a:tint val="60000"/>
-      </a:schemeClr>
-    </dgm:fillClrLst>
-    <dgm:linClrLst meth="repeat">
-      <a:schemeClr val="dk1">
-        <a:tint val="60000"/>
-      </a:schemeClr>
-    </dgm:linClrLst>
-    <dgm:effectClrLst/>
-    <dgm:txLinClrLst/>
-    <dgm:txFillClrLst meth="repeat">
-      <a:schemeClr val="dk1"/>
-    </dgm:txFillClrLst>
-    <dgm:txEffectClrLst/>
-  </dgm:styleLbl>
-  <dgm:styleLbl name="sibTrans1D1">
-    <dgm:fillClrLst meth="repeat">
-      <a:schemeClr val="dk1"/>
-    </dgm:fillClrLst>
-    <dgm:linClrLst meth="repeat">
-      <a:schemeClr val="dk1"/>
-    </dgm:linClrLst>
-    <dgm:effectClrLst/>
-    <dgm:txLinClrLst/>
-    <dgm:txFillClrLst meth="repeat">
-      <a:schemeClr val="tx1"/>
-    </dgm:txFillClrLst>
-    <dgm:txEffectClrLst/>
-  </dgm:styleLbl>
-  <dgm:styleLbl name="callout">
-    <dgm:fillClrLst meth="repeat">
-      <a:schemeClr val="dk1"/>
-    </dgm:fillClrLst>
-    <dgm:linClrLst meth="repeat">
-      <a:schemeClr val="dk1"/>
-    </dgm:linClrLst>
-    <dgm:effectClrLst/>
-    <dgm:txLinClrLst/>
-    <dgm:txFillClrLst meth="repeat">
-      <a:schemeClr val="tx1"/>
-    </dgm:txFillClrLst>
-    <dgm:txEffectClrLst/>
-  </dgm:styleLbl>
-  <dgm:styleLbl name="asst0">
-    <dgm:fillClrLst meth="repeat">
-      <a:schemeClr val="lt1"/>
-    </dgm:fillClrLst>
-    <dgm:linClrLst meth="repeat">
-      <a:schemeClr val="dk1">
-        <a:shade val="80000"/>
-      </a:schemeClr>
-    </dgm:linClrLst>
-    <dgm:effectClrLst/>
-    <dgm:txLinClrLst/>
-    <dgm:txFillClrLst meth="repeat">
-      <a:schemeClr val="dk1"/>
-    </dgm:txFillClrLst>
-    <dgm:txEffectClrLst/>
-  </dgm:styleLbl>
-  <dgm:styleLbl name="asst1">
-    <dgm:fillClrLst meth="repeat">
-      <a:schemeClr val="lt1"/>
-    </dgm:fillClrLst>
-    <dgm:linClrLst meth="repeat">
-      <a:schemeClr val="dk1">
-        <a:shade val="80000"/>
-      </a:schemeClr>
-    </dgm:linClrLst>
-    <dgm:effectClrLst/>
-    <dgm:txLinClrLst/>
-    <dgm:txFillClrLst meth="repeat">
-      <a:schemeClr val="dk1"/>
-    </dgm:txFillClrLst>
-    <dgm:txEffectClrLst/>
-  </dgm:styleLbl>
-  <dgm:styleLbl name="asst2">
-    <dgm:fillClrLst meth="repeat">
-      <a:schemeClr val="lt1"/>
-    </dgm:fillClrLst>
-    <dgm:linClrLst meth="repeat">
-      <a:schemeClr val="dk1">
-        <a:shade val="80000"/>
-      </a:schemeClr>
-    </dgm:linClrLst>
-    <dgm:effectClrLst/>
-    <dgm:txLinClrLst/>
-    <dgm:txFillClrLst meth="repeat">
-      <a:schemeClr val="dk1"/>
-    </dgm:txFillClrLst>
-    <dgm:txEffectClrLst/>
-  </dgm:styleLbl>
-  <dgm:styleLbl name="asst3">
-    <dgm:fillClrLst meth="repeat">
-      <a:schemeClr val="lt1"/>
-    </dgm:fillClrLst>
-    <dgm:linClrLst meth="repeat">
-      <a:schemeClr val="dk1">
-        <a:shade val="80000"/>
-      </a:schemeClr>
-    </dgm:linClrLst>
-    <dgm:effectClrLst/>
-    <dgm:txLinClrLst/>
-    <dgm:txFillClrLst meth="repeat">
-      <a:schemeClr val="dk1"/>
-    </dgm:txFillClrLst>
-    <dgm:txEffectClrLst/>
-  </dgm:styleLbl>
-  <dgm:styleLbl name="asst4">
-    <dgm:fillClrLst meth="repeat">
-      <a:schemeClr val="lt1"/>
-    </dgm:fillClrLst>
-    <dgm:linClrLst meth="repeat">
-      <a:schemeClr val="dk1">
-        <a:shade val="80000"/>
-      </a:schemeClr>
-    </dgm:linClrLst>
-    <dgm:effectClrLst/>
-    <dgm:txLinClrLst/>
-    <dgm:txFillClrLst meth="repeat">
-      <a:schemeClr val="dk1"/>
-    </dgm:txFillClrLst>
-    <dgm:txEffectClrLst/>
-  </dgm:styleLbl>
-  <dgm:styleLbl name="parChTrans2D1">
-    <dgm:fillClrLst meth="repeat">
-      <a:schemeClr val="dk1">
-        <a:tint val="60000"/>
-      </a:schemeClr>
-    </dgm:fillClrLst>
-    <dgm:linClrLst meth="repeat">
-      <a:schemeClr val="dk1">
-        <a:tint val="60000"/>
-      </a:schemeClr>
-    </dgm:linClrLst>
-    <dgm:effectClrLst/>
-    <dgm:txLinClrLst/>
-    <dgm:txFillClrLst/>
-    <dgm:txEffectClrLst/>
-  </dgm:styleLbl>
-  <dgm:styleLbl name="parChTrans2D2">
-    <dgm:fillClrLst meth="repeat">
-      <a:schemeClr val="dk1"/>
-    </dgm:fillClrLst>
-    <dgm:linClrLst meth="repeat">
-      <a:schemeClr val="dk1"/>
-    </dgm:linClrLst>
-    <dgm:effectClrLst/>
-    <dgm:txLinClrLst/>
-    <dgm:txFillClrLst/>
-    <dgm:txEffectClrLst/>
-  </dgm:styleLbl>
-  <dgm:styleLbl name="parChTrans2D3">
-    <dgm:fillClrLst meth="repeat">
-      <a:schemeClr val="dk1"/>
-    </dgm:fillClrLst>
-    <dgm:linClrLst meth="repeat">
-      <a:schemeClr val="dk1"/>
-    </dgm:linClrLst>
-    <dgm:effectClrLst/>
-    <dgm:txLinClrLst/>
-    <dgm:txFillClrLst/>
-    <dgm:txEffectClrLst/>
-  </dgm:styleLbl>
-  <dgm:styleLbl name="parChTrans2D4">
-    <dgm:fillClrLst meth="repeat">
-      <a:schemeClr val="dk1"/>
-    </dgm:fillClrLst>
-    <dgm:linClrLst meth="repeat">
-      <a:schemeClr val="dk1"/>
-    </dgm:linClrLst>
-    <dgm:effectClrLst/>
-    <dgm:txLinClrLst/>
-    <dgm:txFillClrLst meth="repeat">
-      <a:schemeClr val="lt1"/>
-    </dgm:txFillClrLst>
-    <dgm:txEffectClrLst/>
-  </dgm:styleLbl>
-  <dgm:styleLbl name="parChTrans1D1">
-    <dgm:fillClrLst meth="repeat">
-      <a:schemeClr val="dk1"/>
-    </dgm:fillClrLst>
-    <dgm:linClrLst meth="repeat">
-      <a:schemeClr val="dk1">
-        <a:shade val="60000"/>
-      </a:schemeClr>
-    </dgm:linClrLst>
-    <dgm:effectClrLst/>
-    <dgm:txLinClrLst/>
-    <dgm:txFillClrLst meth="repeat">
-      <a:schemeClr val="tx1"/>
-    </dgm:txFillClrLst>
-    <dgm:txEffectClrLst/>
-  </dgm:styleLbl>
-  <dgm:styleLbl name="parChTrans1D2">
-    <dgm:fillClrLst meth="repeat">
-      <a:schemeClr val="dk1"/>
-    </dgm:fillClrLst>
-    <dgm:linClrLst meth="repeat">
-      <a:schemeClr val="dk1">
-        <a:shade val="60000"/>
-      </a:schemeClr>
-    </dgm:linClrLst>
-    <dgm:effectClrLst/>
-    <dgm:txLinClrLst/>
-    <dgm:txFillClrLst meth="repeat">
-      <a:schemeClr val="tx1"/>
-    </dgm:txFillClrLst>
-    <dgm:txEffectClrLst/>
-  </dgm:styleLbl>
-  <dgm:styleLbl name="parChTrans1D3">
-    <dgm:fillClrLst meth="repeat">
-      <a:schemeClr val="dk1"/>
-    </dgm:fillClrLst>
-    <dgm:linClrLst meth="repeat">
-      <a:schemeClr val="dk1">
-        <a:shade val="80000"/>
-      </a:schemeClr>
-    </dgm:linClrLst>
-    <dgm:effectClrLst/>
-    <dgm:txLinClrLst/>
-    <dgm:txFillClrLst meth="repeat">
-      <a:schemeClr val="tx1"/>
-    </dgm:txFillClrLst>
-    <dgm:txEffectClrLst/>
-  </dgm:styleLbl>
-  <dgm:styleLbl name="parChTrans1D4">
-    <dgm:fillClrLst meth="repeat">
-      <a:schemeClr val="dk1"/>
-    </dgm:fillClrLst>
-    <dgm:linClrLst meth="repeat">
-      <a:schemeClr val="dk1">
-        <a:shade val="80000"/>
-      </a:schemeClr>
-    </dgm:linClrLst>
-    <dgm:effectClrLst/>
-    <dgm:txLinClrLst/>
-    <dgm:txFillClrLst meth="repeat">
-      <a:schemeClr val="tx1"/>
-    </dgm:txFillClrLst>
-    <dgm:txEffectClrLst/>
-  </dgm:styleLbl>
-  <dgm:styleLbl name="fgAcc1">
-    <dgm:fillClrLst meth="repeat">
-      <a:schemeClr val="dk1">
-        <a:alpha val="90000"/>
-        <a:tint val="40000"/>
-      </a:schemeClr>
-    </dgm:fillClrLst>
-    <dgm:linClrLst meth="repeat">
-      <a:schemeClr val="dk1"/>
-    </dgm:linClrLst>
-    <dgm:effectClrLst/>
-    <dgm:txLinClrLst/>
-    <dgm:txFillClrLst meth="repeat">
-      <a:schemeClr val="dk1"/>
-    </dgm:txFillClrLst>
-    <dgm:txEffectClrLst/>
-  </dgm:styleLbl>
-  <dgm:styleLbl name="conFgAcc1">
-    <dgm:fillClrLst meth="repeat">
-      <a:schemeClr val="dk1">
-        <a:alpha val="90000"/>
-        <a:tint val="40000"/>
-      </a:schemeClr>
-    </dgm:fillClrLst>
-    <dgm:linClrLst meth="repeat">
-      <a:schemeClr val="dk1"/>
-    </dgm:linClrLst>
-    <dgm:effectClrLst/>
-    <dgm:txLinClrLst/>
-    <dgm:txFillClrLst meth="repeat">
-      <a:schemeClr val="dk1"/>
-    </dgm:txFillClrLst>
-    <dgm:txEffectClrLst/>
-  </dgm:styleLbl>
-  <dgm:styleLbl name="alignAcc1">
-    <dgm:fillClrLst meth="repeat">
-      <a:schemeClr val="dk1">
-        <a:alpha val="90000"/>
-        <a:tint val="40000"/>
-      </a:schemeClr>
-    </dgm:fillClrLst>
-    <dgm:linClrLst meth="repeat">
-      <a:schemeClr val="dk1"/>
-    </dgm:linClrLst>
-    <dgm:effectClrLst/>
-    <dgm:txLinClrLst/>
-    <dgm:txFillClrLst meth="repeat">
-      <a:schemeClr val="dk1"/>
-    </dgm:txFillClrLst>
-    <dgm:txEffectClrLst/>
-  </dgm:styleLbl>
-  <dgm:styleLbl name="trAlignAcc1">
-    <dgm:fillClrLst meth="repeat">
-      <a:schemeClr val="dk1">
-        <a:alpha val="40000"/>
-        <a:tint val="40000"/>
-      </a:schemeClr>
-    </dgm:fillClrLst>
-    <dgm:linClrLst meth="repeat">
-      <a:schemeClr val="dk1"/>
-    </dgm:linClrLst>
-    <dgm:effectClrLst/>
-    <dgm:txLinClrLst/>
-    <dgm:txFillClrLst meth="repeat">
-      <a:schemeClr val="dk1"/>
-    </dgm:txFillClrLst>
-    <dgm:txEffectClrLst/>
-  </dgm:styleLbl>
-  <dgm:styleLbl name="bgAcc1">
-    <dgm:fillClrLst meth="repeat">
-      <a:schemeClr val="dk1">
-        <a:alpha val="90000"/>
-        <a:tint val="40000"/>
-      </a:schemeClr>
-    </dgm:fillClrLst>
-    <dgm:linClrLst meth="repeat">
-      <a:schemeClr val="dk1"/>
-    </dgm:linClrLst>
-    <dgm:effectClrLst/>
-    <dgm:txLinClrLst/>
-    <dgm:txFillClrLst meth="repeat">
-      <a:schemeClr val="dk1"/>
-    </dgm:txFillClrLst>
-    <dgm:txEffectClrLst/>
-  </dgm:styleLbl>
-  <dgm:styleLbl name="solidFgAcc1">
-    <dgm:fillClrLst meth="repeat">
-      <a:schemeClr val="lt1"/>
-    </dgm:fillClrLst>
-    <dgm:linClrLst meth="repeat">
-      <a:schemeClr val="dk1"/>
-    </dgm:linClrLst>
-    <dgm:effectClrLst/>
-    <dgm:txLinClrLst/>
-    <dgm:txFillClrLst meth="repeat">
-      <a:schemeClr val="dk1"/>
-    </dgm:txFillClrLst>
-    <dgm:txEffectClrLst/>
-  </dgm:styleLbl>
-  <dgm:styleLbl name="solidAlignAcc1">
-    <dgm:fillClrLst meth="repeat">
-      <a:schemeClr val="lt1"/>
-    </dgm:fillClrLst>
-    <dgm:linClrLst meth="repeat">
-      <a:schemeClr val="dk1"/>
-    </dgm:linClrLst>
-    <dgm:effectClrLst/>
-    <dgm:txLinClrLst/>
-    <dgm:txFillClrLst meth="repeat">
-      <a:schemeClr val="dk1"/>
-    </dgm:txFillClrLst>
-    <dgm:txEffectClrLst/>
-  </dgm:styleLbl>
-  <dgm:styleLbl name="solidBgAcc1">
-    <dgm:fillClrLst meth="repeat">
-      <a:schemeClr val="lt1"/>
-    </dgm:fillClrLst>
-    <dgm:linClrLst meth="repeat">
-      <a:schemeClr val="dk1"/>
-    </dgm:linClrLst>
-    <dgm:effectClrLst/>
-    <dgm:txLinClrLst/>
-    <dgm:txFillClrLst meth="repeat">
-      <a:schemeClr val="dk1"/>
-    </dgm:txFillClrLst>
-    <dgm:txEffectClrLst/>
-  </dgm:styleLbl>
-  <dgm:styleLbl name="fgAccFollowNode1">
-    <dgm:fillClrLst meth="repeat">
-      <a:schemeClr val="lt1">
-        <a:alpha val="90000"/>
-        <a:tint val="40000"/>
-      </a:schemeClr>
-    </dgm:fillClrLst>
-    <dgm:linClrLst meth="repeat">
-      <a:schemeClr val="dk1">
-        <a:alpha val="90000"/>
-      </a:schemeClr>
-    </dgm:linClrLst>
-    <dgm:effectClrLst/>
-    <dgm:txLinClrLst/>
-    <dgm:txFillClrLst meth="repeat">
-      <a:schemeClr val="dk1"/>
-    </dgm:txFillClrLst>
-    <dgm:txEffectClrLst/>
-  </dgm:styleLbl>
-  <dgm:styleLbl name="alignAccFollowNode1">
-    <dgm:fillClrLst meth="repeat">
-      <a:schemeClr val="lt1">
-        <a:alpha val="90000"/>
-        <a:tint val="40000"/>
-      </a:schemeClr>
-    </dgm:fillClrLst>
-    <dgm:linClrLst meth="repeat">
-      <a:schemeClr val="dk1">
-        <a:alpha val="90000"/>
-      </a:schemeClr>
-    </dgm:linClrLst>
-    <dgm:effectClrLst/>
-    <dgm:txLinClrLst/>
-    <dgm:txFillClrLst meth="repeat">
-      <a:schemeClr val="dk1"/>
-    </dgm:txFillClrLst>
-    <dgm:txEffectClrLst/>
-  </dgm:styleLbl>
-  <dgm:styleLbl name="bgAccFollowNode1">
-    <dgm:fillClrLst meth="repeat">
-      <a:schemeClr val="lt1">
-        <a:alpha val="90000"/>
-        <a:tint val="40000"/>
-      </a:schemeClr>
-    </dgm:fillClrLst>
-    <dgm:linClrLst meth="repeat">
-      <a:schemeClr val="dk1">
-        <a:alpha val="90000"/>
-      </a:schemeClr>
-    </dgm:linClrLst>
-    <dgm:effectClrLst/>
-    <dgm:txLinClrLst/>
-    <dgm:txFillClrLst meth="repeat">
-      <a:schemeClr val="dk1"/>
-    </dgm:txFillClrLst>
-    <dgm:txEffectClrLst/>
-  </dgm:styleLbl>
-  <dgm:styleLbl name="fgAcc0">
-    <dgm:fillClrLst meth="repeat">
-      <a:schemeClr val="dk1">
-        <a:alpha val="90000"/>
-        <a:tint val="40000"/>
-      </a:schemeClr>
-    </dgm:fillClrLst>
-    <dgm:linClrLst meth="repeat">
-      <a:schemeClr val="dk1"/>
-    </dgm:linClrLst>
-    <dgm:effectClrLst/>
-    <dgm:txLinClrLst/>
-    <dgm:txFillClrLst meth="repeat">
-      <a:schemeClr val="dk1"/>
-    </dgm:txFillClrLst>
-    <dgm:txEffectClrLst/>
-  </dgm:styleLbl>
-  <dgm:styleLbl name="fgAcc2">
-    <dgm:fillClrLst meth="repeat">
-      <a:schemeClr val="dk1">
-        <a:alpha val="90000"/>
-        <a:tint val="40000"/>
-      </a:schemeClr>
-    </dgm:fillClrLst>
-    <dgm:linClrLst meth="repeat">
-      <a:schemeClr val="dk1"/>
-    </dgm:linClrLst>
-    <dgm:effectClrLst/>
-    <dgm:txLinClrLst/>
-    <dgm:txFillClrLst meth="repeat">
-      <a:schemeClr val="dk1"/>
-    </dgm:txFillClrLst>
-    <dgm:txEffectClrLst/>
-  </dgm:styleLbl>
-  <dgm:styleLbl name="fgAcc3">
-    <dgm:fillClrLst meth="repeat">
-      <a:schemeClr val="dk1">
-        <a:alpha val="90000"/>
-        <a:tint val="40000"/>
-      </a:schemeClr>
-    </dgm:fillClrLst>
-    <dgm:linClrLst meth="repeat">
-      <a:schemeClr val="dk1"/>
-    </dgm:linClrLst>
-    <dgm:effectClrLst/>
-    <dgm:txLinClrLst/>
-    <dgm:txFillClrLst meth="repeat">
-      <a:schemeClr val="dk1"/>
-    </dgm:txFillClrLst>
-    <dgm:txEffectClrLst/>
-  </dgm:styleLbl>
-  <dgm:styleLbl name="fgAcc4">
-    <dgm:fillClrLst meth="repeat">
-      <a:schemeClr val="dk1">
-        <a:alpha val="90000"/>
-        <a:tint val="40000"/>
-      </a:schemeClr>
-    </dgm:fillClrLst>
-    <dgm:linClrLst meth="repeat">
-      <a:schemeClr val="dk1"/>
-    </dgm:linClrLst>
-    <dgm:effectClrLst/>
-    <dgm:txLinClrLst/>
-    <dgm:txFillClrLst meth="repeat">
-      <a:schemeClr val="dk1"/>
-    </dgm:txFillClrLst>
-    <dgm:txEffectClrLst/>
-  </dgm:styleLbl>
-  <dgm:styleLbl name="bgShp">
-    <dgm:fillClrLst meth="repeat">
-      <a:schemeClr val="dk1">
-        <a:tint val="40000"/>
-      </a:schemeClr>
-    </dgm:fillClrLst>
-    <dgm:linClrLst meth="repeat">
-      <a:schemeClr val="dk1"/>
-    </dgm:linClrLst>
-    <dgm:effectClrLst/>
-    <dgm:txLinClrLst/>
-    <dgm:txFillClrLst meth="repeat">
-      <a:schemeClr val="dk1"/>
-    </dgm:txFillClrLst>
-    <dgm:txEffectClrLst/>
-  </dgm:styleLbl>
-  <dgm:styleLbl name="dkBgShp">
-    <dgm:fillClrLst meth="repeat">
-      <a:schemeClr val="dk1">
-        <a:shade val="80000"/>
-      </a:schemeClr>
-    </dgm:fillClrLst>
-    <dgm:linClrLst meth="repeat">
-      <a:schemeClr val="dk1"/>
-    </dgm:linClrLst>
-    <dgm:effectClrLst/>
-    <dgm:txLinClrLst/>
-    <dgm:txFillClrLst meth="repeat">
-      <a:schemeClr val="lt1"/>
-    </dgm:txFillClrLst>
-    <dgm:txEffectClrLst/>
-  </dgm:styleLbl>
-  <dgm:styleLbl name="trBgShp">
-    <dgm:fillClrLst meth="repeat">
-      <a:schemeClr val="dk1">
-        <a:tint val="50000"/>
-        <a:alpha val="40000"/>
-      </a:schemeClr>
-    </dgm:fillClrLst>
-    <dgm:linClrLst meth="repeat">
-      <a:schemeClr val="dk1"/>
-    </dgm:linClrLst>
-    <dgm:effectClrLst/>
-    <dgm:txLinClrLst/>
-    <dgm:txFillClrLst meth="repeat">
-      <a:schemeClr val="lt1"/>
-    </dgm:txFillClrLst>
-    <dgm:txEffectClrLst/>
-  </dgm:styleLbl>
-  <dgm:styleLbl name="fgShp">
-    <dgm:fillClrLst meth="repeat">
-      <a:schemeClr val="dk1">
-        <a:tint val="60000"/>
-      </a:schemeClr>
-    </dgm:fillClrLst>
-    <dgm:linClrLst meth="repeat">
-      <a:schemeClr val="lt1"/>
-    </dgm:linClrLst>
-    <dgm:effectClrLst/>
-    <dgm:txLinClrLst/>
-    <dgm:txFillClrLst meth="repeat">
-      <a:schemeClr val="dk1"/>
-    </dgm:txFillClrLst>
-    <dgm:txEffectClrLst/>
-  </dgm:styleLbl>
-  <dgm:styleLbl name="revTx">
-    <dgm:fillClrLst meth="repeat">
-      <a:schemeClr val="lt1">
-        <a:alpha val="0"/>
-      </a:schemeClr>
-    </dgm:fillClrLst>
-    <dgm:linClrLst meth="repeat">
-      <a:schemeClr val="dk1">
-        <a:alpha val="0"/>
-      </a:schemeClr>
-    </dgm:linClrLst>
-    <dgm:effectClrLst/>
-    <dgm:txLinClrLst/>
-    <dgm:txFillClrLst meth="repeat">
-      <a:schemeClr val="tx1"/>
-    </dgm:txFillClrLst>
-    <dgm:txEffectClrLst/>
-  </dgm:styleLbl>
-</dgm:colorsDef>
-</file>
-
-<file path=ppt/diagrams/data1.xml><?xml version="1.0" encoding="utf-8"?>
-<dgm:dataModel xmlns:dgm="http://schemas.openxmlformats.org/drawingml/2006/diagram" xmlns:a="http://schemas.openxmlformats.org/drawingml/2006/main">
-  <dgm:ptLst>
-    <dgm:pt modelId="{9EEEDAC5-4E1C-4603-9334-9F084C187352}" type="doc">
-      <dgm:prSet loTypeId="urn:microsoft.com/office/officeart/2005/8/layout/cycle1" loCatId="cycle" qsTypeId="urn:microsoft.com/office/officeart/2005/8/quickstyle/simple5" qsCatId="simple" csTypeId="urn:microsoft.com/office/officeart/2005/8/colors/accent0_1" csCatId="mainScheme" phldr="1"/>
-      <dgm:spPr/>
-      <dgm:t>
-        <a:bodyPr/>
-        <a:lstStyle/>
-        <a:p>
-          <a:endParaRPr lang="de-DE"/>
-        </a:p>
-      </dgm:t>
-    </dgm:pt>
-    <dgm:pt modelId="{F67AE151-64A6-4306-992F-E380237442EC}">
-      <dgm:prSet phldrT="[Text]" custT="1"/>
-      <dgm:spPr/>
-      <dgm:t>
-        <a:bodyPr/>
-        <a:lstStyle/>
-        <a:p>
-          <a:r>
-            <a:rPr lang="de-DE" sz="1800" dirty="0">
-              <a:solidFill>
-                <a:schemeClr val="tx2"/>
-              </a:solidFill>
-              <a:latin typeface="MV Boli" pitchFamily="2" charset="0"/>
-              <a:cs typeface="MV Boli" pitchFamily="2" charset="0"/>
-            </a:rPr>
-            <a:t>Enter Room</a:t>
-          </a:r>
-        </a:p>
-      </dgm:t>
-    </dgm:pt>
-    <dgm:pt modelId="{F111D6FC-39EC-49F3-916A-1F6FEFAF4ED6}" type="parTrans" cxnId="{96866E7E-BC9A-4371-921D-9FA5D26D494D}">
-      <dgm:prSet/>
-      <dgm:spPr/>
-      <dgm:t>
-        <a:bodyPr/>
-        <a:lstStyle/>
-        <a:p>
-          <a:endParaRPr lang="de-DE"/>
-        </a:p>
-      </dgm:t>
-    </dgm:pt>
-    <dgm:pt modelId="{C6F7374C-FFC2-4396-B50C-4622FFAC711C}" type="sibTrans" cxnId="{96866E7E-BC9A-4371-921D-9FA5D26D494D}">
-      <dgm:prSet/>
-      <dgm:spPr/>
-      <dgm:t>
-        <a:bodyPr/>
-        <a:lstStyle/>
-        <a:p>
-          <a:endParaRPr lang="de-DE"/>
-        </a:p>
-      </dgm:t>
-    </dgm:pt>
-    <dgm:pt modelId="{96628D2C-7EAB-4274-9837-8BDC1B87D12C}">
-      <dgm:prSet phldrT="[Text]" custT="1"/>
-      <dgm:spPr/>
-      <dgm:t>
-        <a:bodyPr/>
-        <a:lstStyle/>
-        <a:p>
-          <a:r>
-            <a:rPr lang="de-DE" sz="1800" dirty="0" smtClean="0">
-              <a:solidFill>
-                <a:schemeClr val="tx2"/>
-              </a:solidFill>
-              <a:latin typeface="MV Boli" pitchFamily="2" charset="0"/>
-              <a:cs typeface="MV Boli" pitchFamily="2" charset="0"/>
-            </a:rPr>
-            <a:t>Clairvoyance</a:t>
-          </a:r>
-          <a:endParaRPr lang="de-DE" sz="1800" dirty="0">
-            <a:solidFill>
-              <a:schemeClr val="tx2"/>
-            </a:solidFill>
-            <a:latin typeface="MV Boli" pitchFamily="2" charset="0"/>
-            <a:cs typeface="MV Boli" pitchFamily="2" charset="0"/>
-          </a:endParaRPr>
-        </a:p>
-      </dgm:t>
-    </dgm:pt>
-    <dgm:pt modelId="{C22FAF56-931C-4581-BF1B-3F6A8449AAE4}" type="parTrans" cxnId="{F86B7884-593C-434B-AE61-75768AA6DB28}">
-      <dgm:prSet/>
-      <dgm:spPr/>
-      <dgm:t>
-        <a:bodyPr/>
-        <a:lstStyle/>
-        <a:p>
-          <a:endParaRPr lang="de-DE"/>
-        </a:p>
-      </dgm:t>
-    </dgm:pt>
-    <dgm:pt modelId="{DDA921E5-18F1-436D-AF1F-1C5A65A5B14D}" type="sibTrans" cxnId="{F86B7884-593C-434B-AE61-75768AA6DB28}">
-      <dgm:prSet/>
-      <dgm:spPr/>
-      <dgm:t>
-        <a:bodyPr/>
-        <a:lstStyle/>
-        <a:p>
-          <a:endParaRPr lang="de-DE"/>
-        </a:p>
-      </dgm:t>
-    </dgm:pt>
-    <dgm:pt modelId="{E7366139-2E93-4E6B-999D-EAC4D31D9442}">
-      <dgm:prSet phldrT="[Text]" custT="1"/>
-      <dgm:spPr/>
-      <dgm:t>
-        <a:bodyPr/>
-        <a:lstStyle/>
-        <a:p>
-          <a:r>
-            <a:rPr lang="de-DE" sz="1800" dirty="0" smtClean="0">
-              <a:solidFill>
-                <a:schemeClr val="tx2"/>
-              </a:solidFill>
-              <a:latin typeface="MV Boli" pitchFamily="2" charset="0"/>
-              <a:cs typeface="MV Boli" pitchFamily="2" charset="0"/>
-            </a:rPr>
-            <a:t>Offering</a:t>
-          </a:r>
-          <a:endParaRPr lang="de-DE" sz="1800" dirty="0">
-            <a:solidFill>
-              <a:schemeClr val="tx2"/>
-            </a:solidFill>
-            <a:latin typeface="MV Boli" pitchFamily="2" charset="0"/>
-            <a:cs typeface="MV Boli" pitchFamily="2" charset="0"/>
-          </a:endParaRPr>
-        </a:p>
-      </dgm:t>
-    </dgm:pt>
-    <dgm:pt modelId="{E1A36387-F97D-43EB-9F35-9236BD1CA5BB}" type="parTrans" cxnId="{3CFE2921-DE23-4DD0-B2A3-511BC89CD467}">
-      <dgm:prSet/>
-      <dgm:spPr/>
-      <dgm:t>
-        <a:bodyPr/>
-        <a:lstStyle/>
-        <a:p>
-          <a:endParaRPr lang="de-DE"/>
-        </a:p>
-      </dgm:t>
-    </dgm:pt>
-    <dgm:pt modelId="{317BF9F5-A087-4F47-AC75-C17C296C7A75}" type="sibTrans" cxnId="{3CFE2921-DE23-4DD0-B2A3-511BC89CD467}">
-      <dgm:prSet/>
-      <dgm:spPr/>
-      <dgm:t>
-        <a:bodyPr/>
-        <a:lstStyle/>
-        <a:p>
-          <a:endParaRPr lang="de-DE"/>
-        </a:p>
-      </dgm:t>
-    </dgm:pt>
-    <dgm:pt modelId="{327738D1-4468-4C96-AE85-E76ED1488943}">
-      <dgm:prSet phldrT="[Text]" custT="1"/>
-      <dgm:spPr/>
-      <dgm:t>
-        <a:bodyPr/>
-        <a:lstStyle/>
-        <a:p>
-          <a:r>
-            <a:rPr lang="de-DE" sz="1800" dirty="0" smtClean="0">
-              <a:solidFill>
-                <a:schemeClr val="tx2"/>
-              </a:solidFill>
-              <a:latin typeface="MV Boli" pitchFamily="2" charset="0"/>
-              <a:cs typeface="MV Boli" pitchFamily="2" charset="0"/>
-            </a:rPr>
-            <a:t>Posession</a:t>
-          </a:r>
-          <a:endParaRPr lang="de-DE" sz="1800" dirty="0">
-            <a:solidFill>
-              <a:schemeClr val="tx2"/>
-            </a:solidFill>
-            <a:latin typeface="MV Boli" pitchFamily="2" charset="0"/>
-            <a:cs typeface="MV Boli" pitchFamily="2" charset="0"/>
-          </a:endParaRPr>
-        </a:p>
-      </dgm:t>
-    </dgm:pt>
-    <dgm:pt modelId="{2DBE0B07-FD22-409F-9DFC-ADAF7F984974}" type="parTrans" cxnId="{5240BA0F-D373-4B72-A881-4D29E4A13D1B}">
-      <dgm:prSet/>
-      <dgm:spPr/>
-      <dgm:t>
-        <a:bodyPr/>
-        <a:lstStyle/>
-        <a:p>
-          <a:endParaRPr lang="de-DE"/>
-        </a:p>
-      </dgm:t>
-    </dgm:pt>
-    <dgm:pt modelId="{4622733E-9E84-4A5B-A393-47F0086A4240}" type="sibTrans" cxnId="{5240BA0F-D373-4B72-A881-4D29E4A13D1B}">
-      <dgm:prSet/>
-      <dgm:spPr/>
-      <dgm:t>
-        <a:bodyPr/>
-        <a:lstStyle/>
-        <a:p>
-          <a:endParaRPr lang="de-DE"/>
-        </a:p>
-      </dgm:t>
-    </dgm:pt>
-    <dgm:pt modelId="{078045A0-F657-4EBE-8D23-B0F976E3CE34}" type="pres">
-      <dgm:prSet presAssocID="{9EEEDAC5-4E1C-4603-9334-9F084C187352}" presName="cycle" presStyleCnt="0">
-        <dgm:presLayoutVars>
-          <dgm:dir/>
-          <dgm:resizeHandles val="exact"/>
-        </dgm:presLayoutVars>
-      </dgm:prSet>
-      <dgm:spPr/>
-      <dgm:t>
-        <a:bodyPr/>
-        <a:lstStyle/>
-        <a:p>
-          <a:endParaRPr lang="de-DE"/>
-        </a:p>
-      </dgm:t>
-    </dgm:pt>
-    <dgm:pt modelId="{80B15AFE-3F34-430D-AD39-4E80EF6556F5}" type="pres">
-      <dgm:prSet presAssocID="{F67AE151-64A6-4306-992F-E380237442EC}" presName="dummy" presStyleCnt="0"/>
-      <dgm:spPr/>
-      <dgm:t>
-        <a:bodyPr/>
-        <a:lstStyle/>
-        <a:p>
-          <a:endParaRPr lang="de-DE"/>
-        </a:p>
-      </dgm:t>
-    </dgm:pt>
-    <dgm:pt modelId="{EE66156B-3253-463E-8770-08B381EBFE88}" type="pres">
-      <dgm:prSet presAssocID="{F67AE151-64A6-4306-992F-E380237442EC}" presName="node" presStyleLbl="revTx" presStyleIdx="0" presStyleCnt="4">
-        <dgm:presLayoutVars>
-          <dgm:bulletEnabled val="1"/>
-        </dgm:presLayoutVars>
-      </dgm:prSet>
-      <dgm:spPr/>
-      <dgm:t>
-        <a:bodyPr/>
-        <a:lstStyle/>
-        <a:p>
-          <a:endParaRPr lang="de-DE"/>
-        </a:p>
-      </dgm:t>
-    </dgm:pt>
-    <dgm:pt modelId="{E226B249-1392-4EE7-ACC2-00EB84AB2948}" type="pres">
-      <dgm:prSet presAssocID="{C6F7374C-FFC2-4396-B50C-4622FFAC711C}" presName="sibTrans" presStyleLbl="node1" presStyleIdx="0" presStyleCnt="4"/>
-      <dgm:spPr/>
-      <dgm:t>
-        <a:bodyPr/>
-        <a:lstStyle/>
-        <a:p>
-          <a:endParaRPr lang="de-DE"/>
-        </a:p>
-      </dgm:t>
-    </dgm:pt>
-    <dgm:pt modelId="{5D6E78C9-5B7D-49EB-91D8-2B5414DB650E}" type="pres">
-      <dgm:prSet presAssocID="{96628D2C-7EAB-4274-9837-8BDC1B87D12C}" presName="dummy" presStyleCnt="0"/>
-      <dgm:spPr/>
-      <dgm:t>
-        <a:bodyPr/>
-        <a:lstStyle/>
-        <a:p>
-          <a:endParaRPr lang="de-DE"/>
-        </a:p>
-      </dgm:t>
-    </dgm:pt>
-    <dgm:pt modelId="{80BCFAE1-1161-4D0D-92C3-9CEB34B8EE0D}" type="pres">
-      <dgm:prSet presAssocID="{96628D2C-7EAB-4274-9837-8BDC1B87D12C}" presName="node" presStyleLbl="revTx" presStyleIdx="1" presStyleCnt="4" custScaleX="134420">
-        <dgm:presLayoutVars>
-          <dgm:bulletEnabled val="1"/>
-        </dgm:presLayoutVars>
-      </dgm:prSet>
-      <dgm:spPr/>
-      <dgm:t>
-        <a:bodyPr/>
-        <a:lstStyle/>
-        <a:p>
-          <a:endParaRPr lang="de-DE"/>
-        </a:p>
-      </dgm:t>
-    </dgm:pt>
-    <dgm:pt modelId="{98E4E2C3-7BBD-46E1-9A48-23348DF1BE49}" type="pres">
-      <dgm:prSet presAssocID="{DDA921E5-18F1-436D-AF1F-1C5A65A5B14D}" presName="sibTrans" presStyleLbl="node1" presStyleIdx="1" presStyleCnt="4"/>
-      <dgm:spPr/>
-      <dgm:t>
-        <a:bodyPr/>
-        <a:lstStyle/>
-        <a:p>
-          <a:endParaRPr lang="de-DE"/>
-        </a:p>
-      </dgm:t>
-    </dgm:pt>
-    <dgm:pt modelId="{8EF16F83-7E48-4FEB-BA9A-4264F189B7E4}" type="pres">
-      <dgm:prSet presAssocID="{E7366139-2E93-4E6B-999D-EAC4D31D9442}" presName="dummy" presStyleCnt="0"/>
-      <dgm:spPr/>
-      <dgm:t>
-        <a:bodyPr/>
-        <a:lstStyle/>
-        <a:p>
-          <a:endParaRPr lang="de-DE"/>
-        </a:p>
-      </dgm:t>
-    </dgm:pt>
-    <dgm:pt modelId="{BA141A2B-EFCD-406E-9F7A-165081E8E2FA}" type="pres">
-      <dgm:prSet presAssocID="{E7366139-2E93-4E6B-999D-EAC4D31D9442}" presName="node" presStyleLbl="revTx" presStyleIdx="2" presStyleCnt="4" custScaleX="113546">
-        <dgm:presLayoutVars>
-          <dgm:bulletEnabled val="1"/>
-        </dgm:presLayoutVars>
-      </dgm:prSet>
-      <dgm:spPr/>
-      <dgm:t>
-        <a:bodyPr/>
-        <a:lstStyle/>
-        <a:p>
-          <a:endParaRPr lang="de-DE"/>
-        </a:p>
-      </dgm:t>
-    </dgm:pt>
-    <dgm:pt modelId="{37ACC3FE-496A-4E50-A5DC-20988C058B0C}" type="pres">
-      <dgm:prSet presAssocID="{317BF9F5-A087-4F47-AC75-C17C296C7A75}" presName="sibTrans" presStyleLbl="node1" presStyleIdx="2" presStyleCnt="4"/>
-      <dgm:spPr/>
-      <dgm:t>
-        <a:bodyPr/>
-        <a:lstStyle/>
-        <a:p>
-          <a:endParaRPr lang="de-DE"/>
-        </a:p>
-      </dgm:t>
-    </dgm:pt>
-    <dgm:pt modelId="{1409F35A-1864-433C-88A9-ABADCC2C125E}" type="pres">
-      <dgm:prSet presAssocID="{327738D1-4468-4C96-AE85-E76ED1488943}" presName="dummy" presStyleCnt="0"/>
-      <dgm:spPr/>
-      <dgm:t>
-        <a:bodyPr/>
-        <a:lstStyle/>
-        <a:p>
-          <a:endParaRPr lang="de-DE"/>
-        </a:p>
-      </dgm:t>
-    </dgm:pt>
-    <dgm:pt modelId="{2A8129C4-1292-444A-AAD8-D66E8FFB695A}" type="pres">
-      <dgm:prSet presAssocID="{327738D1-4468-4C96-AE85-E76ED1488943}" presName="node" presStyleLbl="revTx" presStyleIdx="3" presStyleCnt="4" custScaleX="128688">
-        <dgm:presLayoutVars>
-          <dgm:bulletEnabled val="1"/>
-        </dgm:presLayoutVars>
-      </dgm:prSet>
-      <dgm:spPr/>
-      <dgm:t>
-        <a:bodyPr/>
-        <a:lstStyle/>
-        <a:p>
-          <a:endParaRPr lang="de-DE"/>
-        </a:p>
-      </dgm:t>
-    </dgm:pt>
-    <dgm:pt modelId="{2DB9D6A3-6E26-44E7-99BA-9B63DD6F9F61}" type="pres">
-      <dgm:prSet presAssocID="{4622733E-9E84-4A5B-A393-47F0086A4240}" presName="sibTrans" presStyleLbl="node1" presStyleIdx="3" presStyleCnt="4"/>
-      <dgm:spPr/>
-      <dgm:t>
-        <a:bodyPr/>
-        <a:lstStyle/>
-        <a:p>
-          <a:endParaRPr lang="de-DE"/>
-        </a:p>
-      </dgm:t>
-    </dgm:pt>
-  </dgm:ptLst>
-  <dgm:cxnLst>
-    <dgm:cxn modelId="{C6ED6294-C9F3-480B-A930-4FB4F680B595}" type="presOf" srcId="{96628D2C-7EAB-4274-9837-8BDC1B87D12C}" destId="{80BCFAE1-1161-4D0D-92C3-9CEB34B8EE0D}" srcOrd="0" destOrd="0" presId="urn:microsoft.com/office/officeart/2005/8/layout/cycle1"/>
-    <dgm:cxn modelId="{7A43B27F-0AA0-46B9-942C-7003F7488DB0}" type="presOf" srcId="{C6F7374C-FFC2-4396-B50C-4622FFAC711C}" destId="{E226B249-1392-4EE7-ACC2-00EB84AB2948}" srcOrd="0" destOrd="0" presId="urn:microsoft.com/office/officeart/2005/8/layout/cycle1"/>
-    <dgm:cxn modelId="{F98E1B72-5F09-46D2-BFBA-D2083C9D3D8B}" type="presOf" srcId="{E7366139-2E93-4E6B-999D-EAC4D31D9442}" destId="{BA141A2B-EFCD-406E-9F7A-165081E8E2FA}" srcOrd="0" destOrd="0" presId="urn:microsoft.com/office/officeart/2005/8/layout/cycle1"/>
-    <dgm:cxn modelId="{BB6454F5-73FE-49E5-B3E9-5E8FB5E7620F}" type="presOf" srcId="{327738D1-4468-4C96-AE85-E76ED1488943}" destId="{2A8129C4-1292-444A-AAD8-D66E8FFB695A}" srcOrd="0" destOrd="0" presId="urn:microsoft.com/office/officeart/2005/8/layout/cycle1"/>
-    <dgm:cxn modelId="{C57F83E1-1377-424B-88FD-24449FA9116A}" type="presOf" srcId="{F67AE151-64A6-4306-992F-E380237442EC}" destId="{EE66156B-3253-463E-8770-08B381EBFE88}" srcOrd="0" destOrd="0" presId="urn:microsoft.com/office/officeart/2005/8/layout/cycle1"/>
-    <dgm:cxn modelId="{F86B7884-593C-434B-AE61-75768AA6DB28}" srcId="{9EEEDAC5-4E1C-4603-9334-9F084C187352}" destId="{96628D2C-7EAB-4274-9837-8BDC1B87D12C}" srcOrd="1" destOrd="0" parTransId="{C22FAF56-931C-4581-BF1B-3F6A8449AAE4}" sibTransId="{DDA921E5-18F1-436D-AF1F-1C5A65A5B14D}"/>
-    <dgm:cxn modelId="{3CFE2921-DE23-4DD0-B2A3-511BC89CD467}" srcId="{9EEEDAC5-4E1C-4603-9334-9F084C187352}" destId="{E7366139-2E93-4E6B-999D-EAC4D31D9442}" srcOrd="2" destOrd="0" parTransId="{E1A36387-F97D-43EB-9F35-9236BD1CA5BB}" sibTransId="{317BF9F5-A087-4F47-AC75-C17C296C7A75}"/>
-    <dgm:cxn modelId="{B00C9048-6A8D-4267-9515-1570AE1F9029}" type="presOf" srcId="{317BF9F5-A087-4F47-AC75-C17C296C7A75}" destId="{37ACC3FE-496A-4E50-A5DC-20988C058B0C}" srcOrd="0" destOrd="0" presId="urn:microsoft.com/office/officeart/2005/8/layout/cycle1"/>
-    <dgm:cxn modelId="{96866E7E-BC9A-4371-921D-9FA5D26D494D}" srcId="{9EEEDAC5-4E1C-4603-9334-9F084C187352}" destId="{F67AE151-64A6-4306-992F-E380237442EC}" srcOrd="0" destOrd="0" parTransId="{F111D6FC-39EC-49F3-916A-1F6FEFAF4ED6}" sibTransId="{C6F7374C-FFC2-4396-B50C-4622FFAC711C}"/>
-    <dgm:cxn modelId="{5240BA0F-D373-4B72-A881-4D29E4A13D1B}" srcId="{9EEEDAC5-4E1C-4603-9334-9F084C187352}" destId="{327738D1-4468-4C96-AE85-E76ED1488943}" srcOrd="3" destOrd="0" parTransId="{2DBE0B07-FD22-409F-9DFC-ADAF7F984974}" sibTransId="{4622733E-9E84-4A5B-A393-47F0086A4240}"/>
-    <dgm:cxn modelId="{CE690537-E250-4473-8168-B65AA6F4A236}" type="presOf" srcId="{4622733E-9E84-4A5B-A393-47F0086A4240}" destId="{2DB9D6A3-6E26-44E7-99BA-9B63DD6F9F61}" srcOrd="0" destOrd="0" presId="urn:microsoft.com/office/officeart/2005/8/layout/cycle1"/>
-    <dgm:cxn modelId="{28CD72BF-8C50-400A-B168-2E34B7904184}" type="presOf" srcId="{DDA921E5-18F1-436D-AF1F-1C5A65A5B14D}" destId="{98E4E2C3-7BBD-46E1-9A48-23348DF1BE49}" srcOrd="0" destOrd="0" presId="urn:microsoft.com/office/officeart/2005/8/layout/cycle1"/>
-    <dgm:cxn modelId="{5E1AA169-3019-4FFE-8F57-FD24A77E01D3}" type="presOf" srcId="{9EEEDAC5-4E1C-4603-9334-9F084C187352}" destId="{078045A0-F657-4EBE-8D23-B0F976E3CE34}" srcOrd="0" destOrd="0" presId="urn:microsoft.com/office/officeart/2005/8/layout/cycle1"/>
-    <dgm:cxn modelId="{AC7D3889-D43B-4212-9E95-5F064816C229}" type="presParOf" srcId="{078045A0-F657-4EBE-8D23-B0F976E3CE34}" destId="{80B15AFE-3F34-430D-AD39-4E80EF6556F5}" srcOrd="0" destOrd="0" presId="urn:microsoft.com/office/officeart/2005/8/layout/cycle1"/>
-    <dgm:cxn modelId="{37A002E9-5DB7-4C03-B2D2-6C5ED430C603}" type="presParOf" srcId="{078045A0-F657-4EBE-8D23-B0F976E3CE34}" destId="{EE66156B-3253-463E-8770-08B381EBFE88}" srcOrd="1" destOrd="0" presId="urn:microsoft.com/office/officeart/2005/8/layout/cycle1"/>
-    <dgm:cxn modelId="{C1976F1D-B369-43BF-8879-0C84AA13F226}" type="presParOf" srcId="{078045A0-F657-4EBE-8D23-B0F976E3CE34}" destId="{E226B249-1392-4EE7-ACC2-00EB84AB2948}" srcOrd="2" destOrd="0" presId="urn:microsoft.com/office/officeart/2005/8/layout/cycle1"/>
-    <dgm:cxn modelId="{FD5A9389-9882-47E3-95A8-A630AB6DA940}" type="presParOf" srcId="{078045A0-F657-4EBE-8D23-B0F976E3CE34}" destId="{5D6E78C9-5B7D-49EB-91D8-2B5414DB650E}" srcOrd="3" destOrd="0" presId="urn:microsoft.com/office/officeart/2005/8/layout/cycle1"/>
-    <dgm:cxn modelId="{B8EE7F91-EBA2-41B9-B708-877855EF1270}" type="presParOf" srcId="{078045A0-F657-4EBE-8D23-B0F976E3CE34}" destId="{80BCFAE1-1161-4D0D-92C3-9CEB34B8EE0D}" srcOrd="4" destOrd="0" presId="urn:microsoft.com/office/officeart/2005/8/layout/cycle1"/>
-    <dgm:cxn modelId="{8A56CC52-A436-459B-B679-90F8D9A64E10}" type="presParOf" srcId="{078045A0-F657-4EBE-8D23-B0F976E3CE34}" destId="{98E4E2C3-7BBD-46E1-9A48-23348DF1BE49}" srcOrd="5" destOrd="0" presId="urn:microsoft.com/office/officeart/2005/8/layout/cycle1"/>
-    <dgm:cxn modelId="{002AFFDD-20E0-4DF0-82EF-43D486AA867A}" type="presParOf" srcId="{078045A0-F657-4EBE-8D23-B0F976E3CE34}" destId="{8EF16F83-7E48-4FEB-BA9A-4264F189B7E4}" srcOrd="6" destOrd="0" presId="urn:microsoft.com/office/officeart/2005/8/layout/cycle1"/>
-    <dgm:cxn modelId="{B574E2B6-0048-47DA-AF65-9D9F62915FFF}" type="presParOf" srcId="{078045A0-F657-4EBE-8D23-B0F976E3CE34}" destId="{BA141A2B-EFCD-406E-9F7A-165081E8E2FA}" srcOrd="7" destOrd="0" presId="urn:microsoft.com/office/officeart/2005/8/layout/cycle1"/>
-    <dgm:cxn modelId="{F4F23FBC-4793-4E0E-9A99-903D909C4356}" type="presParOf" srcId="{078045A0-F657-4EBE-8D23-B0F976E3CE34}" destId="{37ACC3FE-496A-4E50-A5DC-20988C058B0C}" srcOrd="8" destOrd="0" presId="urn:microsoft.com/office/officeart/2005/8/layout/cycle1"/>
-    <dgm:cxn modelId="{E25BABBB-F535-406B-B887-EABCC494978B}" type="presParOf" srcId="{078045A0-F657-4EBE-8D23-B0F976E3CE34}" destId="{1409F35A-1864-433C-88A9-ABADCC2C125E}" srcOrd="9" destOrd="0" presId="urn:microsoft.com/office/officeart/2005/8/layout/cycle1"/>
-    <dgm:cxn modelId="{9A791B6F-1570-41C1-A280-71CA2F90B4DA}" type="presParOf" srcId="{078045A0-F657-4EBE-8D23-B0F976E3CE34}" destId="{2A8129C4-1292-444A-AAD8-D66E8FFB695A}" srcOrd="10" destOrd="0" presId="urn:microsoft.com/office/officeart/2005/8/layout/cycle1"/>
-    <dgm:cxn modelId="{131C1C64-E7CB-4078-8ADF-B8F6E4548A26}" type="presParOf" srcId="{078045A0-F657-4EBE-8D23-B0F976E3CE34}" destId="{2DB9D6A3-6E26-44E7-99BA-9B63DD6F9F61}" srcOrd="11" destOrd="0" presId="urn:microsoft.com/office/officeart/2005/8/layout/cycle1"/>
-  </dgm:cxnLst>
-  <dgm:bg/>
-  <dgm:whole/>
-  <dgm:extLst>
-    <a:ext uri="http://schemas.microsoft.com/office/drawing/2008/diagram">
-      <dsp:dataModelExt xmlns:dsp="http://schemas.microsoft.com/office/drawing/2008/diagram" relId="rId7" minVer="http://schemas.openxmlformats.org/drawingml/2006/diagram"/>
-    </a:ext>
-  </dgm:extLst>
-</dgm:dataModel>
-</file>
-
-<file path=ppt/diagrams/drawing1.xml><?xml version="1.0" encoding="utf-8"?>
-<dsp:drawing xmlns:dgm="http://schemas.openxmlformats.org/drawingml/2006/diagram" xmlns:dsp="http://schemas.microsoft.com/office/drawing/2008/diagram" xmlns:a="http://schemas.openxmlformats.org/drawingml/2006/main">
-  <dsp:spTree>
-    <dsp:nvGrpSpPr>
-      <dsp:cNvPr id="0" name=""/>
-      <dsp:cNvGrpSpPr/>
-    </dsp:nvGrpSpPr>
-    <dsp:grpSpPr/>
-    <dsp:sp modelId="{EE66156B-3253-463E-8770-08B381EBFE88}">
-      <dsp:nvSpPr>
-        <dsp:cNvPr id="0" name=""/>
-        <dsp:cNvSpPr/>
-      </dsp:nvSpPr>
-      <dsp:spPr>
-        <a:xfrm>
-          <a:off x="2635835" y="62836"/>
-          <a:ext cx="991235" cy="991235"/>
-        </a:xfrm>
-        <a:prstGeom prst="rect">
-          <a:avLst/>
-        </a:prstGeom>
-        <a:noFill/>
-        <a:ln>
-          <a:noFill/>
-        </a:ln>
-        <a:effectLst/>
-      </dsp:spPr>
-      <dsp:style>
-        <a:lnRef idx="0">
-          <a:scrgbClr r="0" g="0" b="0"/>
-        </a:lnRef>
-        <a:fillRef idx="0">
-          <a:scrgbClr r="0" g="0" b="0"/>
-        </a:fillRef>
-        <a:effectRef idx="0">
-          <a:scrgbClr r="0" g="0" b="0"/>
-        </a:effectRef>
-        <a:fontRef idx="minor"/>
-      </dsp:style>
-      <dsp:txBody>
-        <a:bodyPr spcFirstLastPara="0" vert="horz" wrap="square" lIns="22860" tIns="22860" rIns="22860" bIns="22860" numCol="1" spcCol="1270" anchor="ctr" anchorCtr="0">
-          <a:noAutofit/>
-        </a:bodyPr>
-        <a:lstStyle/>
-        <a:p>
-          <a:pPr lvl="0" algn="ctr" defTabSz="800100">
-            <a:lnSpc>
-              <a:spcPct val="90000"/>
-            </a:lnSpc>
-            <a:spcBef>
-              <a:spcPct val="0"/>
-            </a:spcBef>
-            <a:spcAft>
-              <a:spcPct val="35000"/>
-            </a:spcAft>
-          </a:pPr>
-          <a:r>
-            <a:rPr lang="de-DE" sz="1800" kern="1200" dirty="0">
-              <a:solidFill>
-                <a:schemeClr val="tx2"/>
-              </a:solidFill>
-              <a:latin typeface="MV Boli" pitchFamily="2" charset="0"/>
-              <a:cs typeface="MV Boli" pitchFamily="2" charset="0"/>
-            </a:rPr>
-            <a:t>Enter Room</a:t>
-          </a:r>
-        </a:p>
-      </dsp:txBody>
-      <dsp:txXfrm>
-        <a:off x="2635835" y="62836"/>
-        <a:ext cx="991235" cy="991235"/>
-      </dsp:txXfrm>
-    </dsp:sp>
-    <dsp:sp modelId="{E226B249-1392-4EE7-ACC2-00EB84AB2948}">
-      <dsp:nvSpPr>
-        <dsp:cNvPr id="0" name=""/>
-        <dsp:cNvSpPr/>
-      </dsp:nvSpPr>
-      <dsp:spPr>
-        <a:xfrm>
-          <a:off x="890731" y="535"/>
-          <a:ext cx="2798639" cy="2798639"/>
-        </a:xfrm>
-        <a:prstGeom prst="circularArrow">
-          <a:avLst>
-            <a:gd name="adj1" fmla="val 6907"/>
-            <a:gd name="adj2" fmla="val 465712"/>
-            <a:gd name="adj3" fmla="val 547898"/>
-            <a:gd name="adj4" fmla="val 20586389"/>
-            <a:gd name="adj5" fmla="val 8058"/>
-          </a:avLst>
-        </a:prstGeom>
-        <a:gradFill rotWithShape="0">
-          <a:gsLst>
-            <a:gs pos="0">
-              <a:schemeClr val="lt1">
-                <a:hueOff val="0"/>
-                <a:satOff val="0"/>
-                <a:lumOff val="0"/>
-                <a:alphaOff val="0"/>
-                <a:tint val="98000"/>
-                <a:satMod val="120000"/>
-                <a:lumMod val="110000"/>
-              </a:schemeClr>
-            </a:gs>
-            <a:gs pos="100000">
-              <a:schemeClr val="lt1">
-                <a:hueOff val="0"/>
-                <a:satOff val="0"/>
-                <a:lumOff val="0"/>
-                <a:alphaOff val="0"/>
-                <a:shade val="90000"/>
-                <a:lumMod val="90000"/>
-              </a:schemeClr>
-            </a:gs>
-          </a:gsLst>
-          <a:lin ang="5400000" scaled="0"/>
-        </a:gradFill>
-        <a:ln>
-          <a:noFill/>
-        </a:ln>
-        <a:effectLst>
-          <a:outerShdw blurRad="88900" dist="38100" dir="5400000" algn="ctr" rotWithShape="0">
-            <a:srgbClr val="000000">
-              <a:alpha val="65000"/>
-            </a:srgbClr>
-          </a:outerShdw>
-        </a:effectLst>
-        <a:scene3d>
-          <a:camera prst="orthographicFront">
-            <a:rot lat="0" lon="0" rev="0"/>
-          </a:camera>
-          <a:lightRig rig="threePt" dir="tl">
-            <a:rot lat="0" lon="0" rev="5400000"/>
-          </a:lightRig>
-        </a:scene3d>
-        <a:sp3d>
-          <a:bevelT w="25400" h="38100"/>
-        </a:sp3d>
-      </dsp:spPr>
-      <dsp:style>
-        <a:lnRef idx="0">
-          <a:scrgbClr r="0" g="0" b="0"/>
-        </a:lnRef>
-        <a:fillRef idx="3">
-          <a:scrgbClr r="0" g="0" b="0"/>
-        </a:fillRef>
-        <a:effectRef idx="3">
-          <a:scrgbClr r="0" g="0" b="0"/>
-        </a:effectRef>
-        <a:fontRef idx="minor">
-          <a:schemeClr val="lt1"/>
-        </a:fontRef>
-      </dsp:style>
-    </dsp:sp>
-    <dsp:sp modelId="{80BCFAE1-1161-4D0D-92C3-9CEB34B8EE0D}">
-      <dsp:nvSpPr>
-        <dsp:cNvPr id="0" name=""/>
-        <dsp:cNvSpPr/>
-      </dsp:nvSpPr>
-      <dsp:spPr>
-        <a:xfrm>
-          <a:off x="2465243" y="1745638"/>
-          <a:ext cx="1332418" cy="991235"/>
-        </a:xfrm>
-        <a:prstGeom prst="rect">
-          <a:avLst/>
-        </a:prstGeom>
-        <a:noFill/>
-        <a:ln>
-          <a:noFill/>
-        </a:ln>
-        <a:effectLst/>
-      </dsp:spPr>
-      <dsp:style>
-        <a:lnRef idx="0">
-          <a:scrgbClr r="0" g="0" b="0"/>
-        </a:lnRef>
-        <a:fillRef idx="0">
-          <a:scrgbClr r="0" g="0" b="0"/>
-        </a:fillRef>
-        <a:effectRef idx="0">
-          <a:scrgbClr r="0" g="0" b="0"/>
-        </a:effectRef>
-        <a:fontRef idx="minor"/>
-      </dsp:style>
-      <dsp:txBody>
-        <a:bodyPr spcFirstLastPara="0" vert="horz" wrap="square" lIns="22860" tIns="22860" rIns="22860" bIns="22860" numCol="1" spcCol="1270" anchor="ctr" anchorCtr="0">
-          <a:noAutofit/>
-        </a:bodyPr>
-        <a:lstStyle/>
-        <a:p>
-          <a:pPr lvl="0" algn="ctr" defTabSz="800100">
-            <a:lnSpc>
-              <a:spcPct val="90000"/>
-            </a:lnSpc>
-            <a:spcBef>
-              <a:spcPct val="0"/>
-            </a:spcBef>
-            <a:spcAft>
-              <a:spcPct val="35000"/>
-            </a:spcAft>
-          </a:pPr>
-          <a:r>
-            <a:rPr lang="de-DE" sz="1800" kern="1200" dirty="0" smtClean="0">
-              <a:solidFill>
-                <a:schemeClr val="tx2"/>
-              </a:solidFill>
-              <a:latin typeface="MV Boli" pitchFamily="2" charset="0"/>
-              <a:cs typeface="MV Boli" pitchFamily="2" charset="0"/>
-            </a:rPr>
-            <a:t>Clairvoyance</a:t>
-          </a:r>
-          <a:endParaRPr lang="de-DE" sz="1800" kern="1200" dirty="0">
-            <a:solidFill>
-              <a:schemeClr val="tx2"/>
-            </a:solidFill>
-            <a:latin typeface="MV Boli" pitchFamily="2" charset="0"/>
-            <a:cs typeface="MV Boli" pitchFamily="2" charset="0"/>
-          </a:endParaRPr>
-        </a:p>
-      </dsp:txBody>
-      <dsp:txXfrm>
-        <a:off x="2465243" y="1745638"/>
-        <a:ext cx="1332418" cy="991235"/>
-      </dsp:txXfrm>
-    </dsp:sp>
-    <dsp:sp modelId="{98E4E2C3-7BBD-46E1-9A48-23348DF1BE49}">
-      <dsp:nvSpPr>
-        <dsp:cNvPr id="0" name=""/>
-        <dsp:cNvSpPr/>
-      </dsp:nvSpPr>
-      <dsp:spPr>
-        <a:xfrm>
-          <a:off x="890731" y="535"/>
-          <a:ext cx="2798639" cy="2798639"/>
-        </a:xfrm>
-        <a:prstGeom prst="circularArrow">
-          <a:avLst>
-            <a:gd name="adj1" fmla="val 6907"/>
-            <a:gd name="adj2" fmla="val 465712"/>
-            <a:gd name="adj3" fmla="val 5746860"/>
-            <a:gd name="adj4" fmla="val 4892013"/>
-            <a:gd name="adj5" fmla="val 8058"/>
-          </a:avLst>
-        </a:prstGeom>
-        <a:gradFill rotWithShape="0">
-          <a:gsLst>
-            <a:gs pos="0">
-              <a:schemeClr val="lt1">
-                <a:hueOff val="0"/>
-                <a:satOff val="0"/>
-                <a:lumOff val="0"/>
-                <a:alphaOff val="0"/>
-                <a:tint val="98000"/>
-                <a:satMod val="120000"/>
-                <a:lumMod val="110000"/>
-              </a:schemeClr>
-            </a:gs>
-            <a:gs pos="100000">
-              <a:schemeClr val="lt1">
-                <a:hueOff val="0"/>
-                <a:satOff val="0"/>
-                <a:lumOff val="0"/>
-                <a:alphaOff val="0"/>
-                <a:shade val="90000"/>
-                <a:lumMod val="90000"/>
-              </a:schemeClr>
-            </a:gs>
-          </a:gsLst>
-          <a:lin ang="5400000" scaled="0"/>
-        </a:gradFill>
-        <a:ln>
-          <a:noFill/>
-        </a:ln>
-        <a:effectLst>
-          <a:outerShdw blurRad="88900" dist="38100" dir="5400000" algn="ctr" rotWithShape="0">
-            <a:srgbClr val="000000">
-              <a:alpha val="65000"/>
-            </a:srgbClr>
-          </a:outerShdw>
-        </a:effectLst>
-        <a:scene3d>
-          <a:camera prst="orthographicFront">
-            <a:rot lat="0" lon="0" rev="0"/>
-          </a:camera>
-          <a:lightRig rig="threePt" dir="tl">
-            <a:rot lat="0" lon="0" rev="5400000"/>
-          </a:lightRig>
-        </a:scene3d>
-        <a:sp3d>
-          <a:bevelT w="25400" h="38100"/>
-        </a:sp3d>
-      </dsp:spPr>
-      <dsp:style>
-        <a:lnRef idx="0">
-          <a:scrgbClr r="0" g="0" b="0"/>
-        </a:lnRef>
-        <a:fillRef idx="3">
-          <a:scrgbClr r="0" g="0" b="0"/>
-        </a:fillRef>
-        <a:effectRef idx="3">
-          <a:scrgbClr r="0" g="0" b="0"/>
-        </a:effectRef>
-        <a:fontRef idx="minor">
-          <a:schemeClr val="lt1"/>
-        </a:fontRef>
-      </dsp:style>
-    </dsp:sp>
-    <dsp:sp modelId="{BA141A2B-EFCD-406E-9F7A-165081E8E2FA}">
-      <dsp:nvSpPr>
-        <dsp:cNvPr id="0" name=""/>
-        <dsp:cNvSpPr/>
-      </dsp:nvSpPr>
-      <dsp:spPr>
-        <a:xfrm>
-          <a:off x="885896" y="1745638"/>
-          <a:ext cx="1125507" cy="991235"/>
-        </a:xfrm>
-        <a:prstGeom prst="rect">
-          <a:avLst/>
-        </a:prstGeom>
-        <a:noFill/>
-        <a:ln>
-          <a:noFill/>
-        </a:ln>
-        <a:effectLst/>
-      </dsp:spPr>
-      <dsp:style>
-        <a:lnRef idx="0">
-          <a:scrgbClr r="0" g="0" b="0"/>
-        </a:lnRef>
-        <a:fillRef idx="0">
-          <a:scrgbClr r="0" g="0" b="0"/>
-        </a:fillRef>
-        <a:effectRef idx="0">
-          <a:scrgbClr r="0" g="0" b="0"/>
-        </a:effectRef>
-        <a:fontRef idx="minor"/>
-      </dsp:style>
-      <dsp:txBody>
-        <a:bodyPr spcFirstLastPara="0" vert="horz" wrap="square" lIns="22860" tIns="22860" rIns="22860" bIns="22860" numCol="1" spcCol="1270" anchor="ctr" anchorCtr="0">
-          <a:noAutofit/>
-        </a:bodyPr>
-        <a:lstStyle/>
-        <a:p>
-          <a:pPr lvl="0" algn="ctr" defTabSz="800100">
-            <a:lnSpc>
-              <a:spcPct val="90000"/>
-            </a:lnSpc>
-            <a:spcBef>
-              <a:spcPct val="0"/>
-            </a:spcBef>
-            <a:spcAft>
-              <a:spcPct val="35000"/>
-            </a:spcAft>
-          </a:pPr>
-          <a:r>
-            <a:rPr lang="de-DE" sz="1800" kern="1200" dirty="0" smtClean="0">
-              <a:solidFill>
-                <a:schemeClr val="tx2"/>
-              </a:solidFill>
-              <a:latin typeface="MV Boli" pitchFamily="2" charset="0"/>
-              <a:cs typeface="MV Boli" pitchFamily="2" charset="0"/>
-            </a:rPr>
-            <a:t>Offering</a:t>
-          </a:r>
-          <a:endParaRPr lang="de-DE" sz="1800" kern="1200" dirty="0">
-            <a:solidFill>
-              <a:schemeClr val="tx2"/>
-            </a:solidFill>
-            <a:latin typeface="MV Boli" pitchFamily="2" charset="0"/>
-            <a:cs typeface="MV Boli" pitchFamily="2" charset="0"/>
-          </a:endParaRPr>
-        </a:p>
-      </dsp:txBody>
-      <dsp:txXfrm>
-        <a:off x="885896" y="1745638"/>
-        <a:ext cx="1125507" cy="991235"/>
-      </dsp:txXfrm>
-    </dsp:sp>
-    <dsp:sp modelId="{37ACC3FE-496A-4E50-A5DC-20988C058B0C}">
-      <dsp:nvSpPr>
-        <dsp:cNvPr id="0" name=""/>
-        <dsp:cNvSpPr/>
-      </dsp:nvSpPr>
-      <dsp:spPr>
-        <a:xfrm>
-          <a:off x="890731" y="535"/>
-          <a:ext cx="2798639" cy="2798639"/>
-        </a:xfrm>
-        <a:prstGeom prst="circularArrow">
-          <a:avLst>
-            <a:gd name="adj1" fmla="val 6907"/>
-            <a:gd name="adj2" fmla="val 465712"/>
-            <a:gd name="adj3" fmla="val 11347898"/>
-            <a:gd name="adj4" fmla="val 9786389"/>
-            <a:gd name="adj5" fmla="val 8058"/>
-          </a:avLst>
-        </a:prstGeom>
-        <a:gradFill rotWithShape="0">
-          <a:gsLst>
-            <a:gs pos="0">
-              <a:schemeClr val="lt1">
-                <a:hueOff val="0"/>
-                <a:satOff val="0"/>
-                <a:lumOff val="0"/>
-                <a:alphaOff val="0"/>
-                <a:tint val="98000"/>
-                <a:satMod val="120000"/>
-                <a:lumMod val="110000"/>
-              </a:schemeClr>
-            </a:gs>
-            <a:gs pos="100000">
-              <a:schemeClr val="lt1">
-                <a:hueOff val="0"/>
-                <a:satOff val="0"/>
-                <a:lumOff val="0"/>
-                <a:alphaOff val="0"/>
-                <a:shade val="90000"/>
-                <a:lumMod val="90000"/>
-              </a:schemeClr>
-            </a:gs>
-          </a:gsLst>
-          <a:lin ang="5400000" scaled="0"/>
-        </a:gradFill>
-        <a:ln>
-          <a:noFill/>
-        </a:ln>
-        <a:effectLst>
-          <a:outerShdw blurRad="88900" dist="38100" dir="5400000" algn="ctr" rotWithShape="0">
-            <a:srgbClr val="000000">
-              <a:alpha val="65000"/>
-            </a:srgbClr>
-          </a:outerShdw>
-        </a:effectLst>
-        <a:scene3d>
-          <a:camera prst="orthographicFront">
-            <a:rot lat="0" lon="0" rev="0"/>
-          </a:camera>
-          <a:lightRig rig="threePt" dir="tl">
-            <a:rot lat="0" lon="0" rev="5400000"/>
-          </a:lightRig>
-        </a:scene3d>
-        <a:sp3d>
-          <a:bevelT w="25400" h="38100"/>
-        </a:sp3d>
-      </dsp:spPr>
-      <dsp:style>
-        <a:lnRef idx="0">
-          <a:scrgbClr r="0" g="0" b="0"/>
-        </a:lnRef>
-        <a:fillRef idx="3">
-          <a:scrgbClr r="0" g="0" b="0"/>
-        </a:fillRef>
-        <a:effectRef idx="3">
-          <a:scrgbClr r="0" g="0" b="0"/>
-        </a:effectRef>
-        <a:fontRef idx="minor">
-          <a:schemeClr val="lt1"/>
-        </a:fontRef>
-      </dsp:style>
-    </dsp:sp>
-    <dsp:sp modelId="{2A8129C4-1292-444A-AAD8-D66E8FFB695A}">
-      <dsp:nvSpPr>
-        <dsp:cNvPr id="0" name=""/>
-        <dsp:cNvSpPr/>
-      </dsp:nvSpPr>
-      <dsp:spPr>
-        <a:xfrm>
-          <a:off x="810849" y="62836"/>
-          <a:ext cx="1275600" cy="991235"/>
-        </a:xfrm>
-        <a:prstGeom prst="rect">
-          <a:avLst/>
-        </a:prstGeom>
-        <a:noFill/>
-        <a:ln>
-          <a:noFill/>
-        </a:ln>
-        <a:effectLst/>
-      </dsp:spPr>
-      <dsp:style>
-        <a:lnRef idx="0">
-          <a:scrgbClr r="0" g="0" b="0"/>
-        </a:lnRef>
-        <a:fillRef idx="0">
-          <a:scrgbClr r="0" g="0" b="0"/>
-        </a:fillRef>
-        <a:effectRef idx="0">
-          <a:scrgbClr r="0" g="0" b="0"/>
-        </a:effectRef>
-        <a:fontRef idx="minor"/>
-      </dsp:style>
-      <dsp:txBody>
-        <a:bodyPr spcFirstLastPara="0" vert="horz" wrap="square" lIns="22860" tIns="22860" rIns="22860" bIns="22860" numCol="1" spcCol="1270" anchor="ctr" anchorCtr="0">
-          <a:noAutofit/>
-        </a:bodyPr>
-        <a:lstStyle/>
-        <a:p>
-          <a:pPr lvl="0" algn="ctr" defTabSz="800100">
-            <a:lnSpc>
-              <a:spcPct val="90000"/>
-            </a:lnSpc>
-            <a:spcBef>
-              <a:spcPct val="0"/>
-            </a:spcBef>
-            <a:spcAft>
-              <a:spcPct val="35000"/>
-            </a:spcAft>
-          </a:pPr>
-          <a:r>
-            <a:rPr lang="de-DE" sz="1800" kern="1200" dirty="0" smtClean="0">
-              <a:solidFill>
-                <a:schemeClr val="tx2"/>
-              </a:solidFill>
-              <a:latin typeface="MV Boli" pitchFamily="2" charset="0"/>
-              <a:cs typeface="MV Boli" pitchFamily="2" charset="0"/>
-            </a:rPr>
-            <a:t>Posession</a:t>
-          </a:r>
-          <a:endParaRPr lang="de-DE" sz="1800" kern="1200" dirty="0">
-            <a:solidFill>
-              <a:schemeClr val="tx2"/>
-            </a:solidFill>
-            <a:latin typeface="MV Boli" pitchFamily="2" charset="0"/>
-            <a:cs typeface="MV Boli" pitchFamily="2" charset="0"/>
-          </a:endParaRPr>
-        </a:p>
-      </dsp:txBody>
-      <dsp:txXfrm>
-        <a:off x="810849" y="62836"/>
-        <a:ext cx="1275600" cy="991235"/>
-      </dsp:txXfrm>
-    </dsp:sp>
-    <dsp:sp modelId="{2DB9D6A3-6E26-44E7-99BA-9B63DD6F9F61}">
-      <dsp:nvSpPr>
-        <dsp:cNvPr id="0" name=""/>
-        <dsp:cNvSpPr/>
-      </dsp:nvSpPr>
-      <dsp:spPr>
-        <a:xfrm>
-          <a:off x="890731" y="535"/>
-          <a:ext cx="2798639" cy="2798639"/>
-        </a:xfrm>
-        <a:prstGeom prst="circularArrow">
-          <a:avLst>
-            <a:gd name="adj1" fmla="val 6907"/>
-            <a:gd name="adj2" fmla="val 465712"/>
-            <a:gd name="adj3" fmla="val 16747898"/>
-            <a:gd name="adj4" fmla="val 15608877"/>
-            <a:gd name="adj5" fmla="val 8058"/>
-          </a:avLst>
-        </a:prstGeom>
-        <a:gradFill rotWithShape="0">
-          <a:gsLst>
-            <a:gs pos="0">
-              <a:schemeClr val="lt1">
-                <a:hueOff val="0"/>
-                <a:satOff val="0"/>
-                <a:lumOff val="0"/>
-                <a:alphaOff val="0"/>
-                <a:tint val="98000"/>
-                <a:satMod val="120000"/>
-                <a:lumMod val="110000"/>
-              </a:schemeClr>
-            </a:gs>
-            <a:gs pos="100000">
-              <a:schemeClr val="lt1">
-                <a:hueOff val="0"/>
-                <a:satOff val="0"/>
-                <a:lumOff val="0"/>
-                <a:alphaOff val="0"/>
-                <a:shade val="90000"/>
-                <a:lumMod val="90000"/>
-              </a:schemeClr>
-            </a:gs>
-          </a:gsLst>
-          <a:lin ang="5400000" scaled="0"/>
-        </a:gradFill>
-        <a:ln>
-          <a:noFill/>
-        </a:ln>
-        <a:effectLst>
-          <a:outerShdw blurRad="88900" dist="38100" dir="5400000" algn="ctr" rotWithShape="0">
-            <a:srgbClr val="000000">
-              <a:alpha val="65000"/>
-            </a:srgbClr>
-          </a:outerShdw>
-        </a:effectLst>
-        <a:scene3d>
-          <a:camera prst="orthographicFront">
-            <a:rot lat="0" lon="0" rev="0"/>
-          </a:camera>
-          <a:lightRig rig="threePt" dir="tl">
-            <a:rot lat="0" lon="0" rev="5400000"/>
-          </a:lightRig>
-        </a:scene3d>
-        <a:sp3d>
-          <a:bevelT w="25400" h="38100"/>
-        </a:sp3d>
-      </dsp:spPr>
-      <dsp:style>
-        <a:lnRef idx="0">
-          <a:scrgbClr r="0" g="0" b="0"/>
-        </a:lnRef>
-        <a:fillRef idx="3">
-          <a:scrgbClr r="0" g="0" b="0"/>
-        </a:fillRef>
-        <a:effectRef idx="3">
-          <a:scrgbClr r="0" g="0" b="0"/>
-        </a:effectRef>
-        <a:fontRef idx="minor">
-          <a:schemeClr val="lt1"/>
-        </a:fontRef>
-      </dsp:style>
-    </dsp:sp>
-  </dsp:spTree>
-</dsp:drawing>
-</file>
-
-<file path=ppt/diagrams/layout1.xml><?xml version="1.0" encoding="utf-8"?>
-<dgm:layoutDef xmlns:dgm="http://schemas.openxmlformats.org/drawingml/2006/diagram" xmlns:a="http://schemas.openxmlformats.org/drawingml/2006/main" uniqueId="urn:microsoft.com/office/officeart/2005/8/layout/cycle1">
-  <dgm:title val=""/>
-  <dgm:desc val=""/>
-  <dgm:catLst>
-    <dgm:cat type="cycle" pri="2000"/>
-  </dgm:catLst>
-  <dgm:sampData>
-    <dgm:dataModel>
-      <dgm:ptLst>
-        <dgm:pt modelId="0" type="doc"/>
-        <dgm:pt modelId="1">
-          <dgm:prSet phldr="1"/>
-        </dgm:pt>
-        <dgm:pt modelId="2">
-          <dgm:prSet phldr="1"/>
-        </dgm:pt>
-        <dgm:pt modelId="3">
-          <dgm:prSet phldr="1"/>
-        </dgm:pt>
-        <dgm:pt modelId="4">
-          <dgm:prSet phldr="1"/>
-        </dgm:pt>
-        <dgm:pt modelId="5">
-          <dgm:prSet phldr="1"/>
-        </dgm:pt>
-      </dgm:ptLst>
-      <dgm:cxnLst>
-        <dgm:cxn modelId="6" srcId="0" destId="1" srcOrd="0" destOrd="0"/>
-        <dgm:cxn modelId="7" srcId="0" destId="2" srcOrd="1" destOrd="0"/>
-        <dgm:cxn modelId="8" srcId="0" destId="3" srcOrd="2" destOrd="0"/>
-        <dgm:cxn modelId="9" srcId="0" destId="4" srcOrd="3" destOrd="0"/>
-        <dgm:cxn modelId="10" srcId="0" destId="5" srcOrd="4" destOrd="0"/>
-      </dgm:cxnLst>
-      <dgm:bg/>
-      <dgm:whole/>
-    </dgm:dataModel>
-  </dgm:sampData>
-  <dgm:styleData>
-    <dgm:dataModel>
-      <dgm:ptLst>
-        <dgm:pt modelId="0" type="doc"/>
-        <dgm:pt modelId="1"/>
-        <dgm:pt modelId="2"/>
-        <dgm:pt modelId="3"/>
-      </dgm:ptLst>
-      <dgm:cxnLst>
-        <dgm:cxn modelId="4" srcId="0" destId="1" srcOrd="0" destOrd="0"/>
-        <dgm:cxn modelId="5" srcId="0" destId="2" srcOrd="1" destOrd="0"/>
-        <dgm:cxn modelId="6" srcId="0" destId="3" srcOrd="2" destOrd="0"/>
-      </dgm:cxnLst>
-      <dgm:bg/>
-      <dgm:whole/>
-    </dgm:dataModel>
-  </dgm:styleData>
-  <dgm:clrData>
-    <dgm:dataModel>
-      <dgm:ptLst>
-        <dgm:pt modelId="0" type="doc"/>
-        <dgm:pt modelId="1"/>
-        <dgm:pt modelId="2"/>
-        <dgm:pt modelId="3"/>
-        <dgm:pt modelId="4"/>
-        <dgm:pt modelId="5"/>
-        <dgm:pt modelId="6"/>
-      </dgm:ptLst>
-      <dgm:cxnLst>
-        <dgm:cxn modelId="7" srcId="0" destId="1" srcOrd="0" destOrd="0"/>
-        <dgm:cxn modelId="8" srcId="0" destId="2" srcOrd="1" destOrd="0"/>
-        <dgm:cxn modelId="9" srcId="0" destId="3" srcOrd="2" destOrd="0"/>
-        <dgm:cxn modelId="10" srcId="0" destId="4" srcOrd="3" destOrd="0"/>
-        <dgm:cxn modelId="11" srcId="0" destId="5" srcOrd="4" destOrd="0"/>
-        <dgm:cxn modelId="12" srcId="0" destId="6" srcOrd="5" destOrd="0"/>
-      </dgm:cxnLst>
-      <dgm:bg/>
-      <dgm:whole/>
-    </dgm:dataModel>
-  </dgm:clrData>
-  <dgm:layoutNode name="cycle">
-    <dgm:varLst>
-      <dgm:dir/>
-      <dgm:resizeHandles val="exact"/>
-    </dgm:varLst>
-    <dgm:choose name="Name0">
-      <dgm:if name="Name1" func="var" arg="dir" op="equ" val="norm">
-        <dgm:alg type="cycle">
-          <dgm:param type="stAng" val="0"/>
-          <dgm:param type="spanAng" val="360"/>
-        </dgm:alg>
-      </dgm:if>
-      <dgm:else name="Name2">
-        <dgm:alg type="cycle">
-          <dgm:param type="stAng" val="0"/>
-          <dgm:param type="spanAng" val="-360"/>
-        </dgm:alg>
-      </dgm:else>
-    </dgm:choose>
-    <dgm:shape xmlns:r="http://schemas.openxmlformats.org/officeDocument/2006/relationships" r:blip="">
-      <dgm:adjLst/>
-    </dgm:shape>
-    <dgm:presOf/>
-    <dgm:choose name="Name3">
-      <dgm:if name="Name4" func="var" arg="dir" op="equ" val="norm">
-        <dgm:constrLst>
-          <dgm:constr type="diam" val="1"/>
-          <dgm:constr type="w" for="ch" forName="node" refType="w"/>
-          <dgm:constr type="w" for="ch" ptType="sibTrans" refType="w" refFor="ch" refForName="node" fact="0.5"/>
-          <dgm:constr type="h" for="ch" ptType="sibTrans" op="equ"/>
-          <dgm:constr type="diam" for="ch" ptType="sibTrans" refType="diam" op="equ"/>
-          <dgm:constr type="sibSp" refType="w" refFor="ch" refForName="node" fact="0.15"/>
-          <dgm:constr type="w" for="ch" forName="dummy" refType="sibSp" fact="2.8"/>
-          <dgm:constr type="primFontSz" for="ch" forName="node" op="equ" val="65"/>
-        </dgm:constrLst>
-      </dgm:if>
-      <dgm:else name="Name5">
-        <dgm:constrLst>
-          <dgm:constr type="diam" val="1"/>
-          <dgm:constr type="w" for="ch" forName="node" refType="w"/>
-          <dgm:constr type="w" for="ch" ptType="sibTrans" refType="w" refFor="ch" refForName="node" fact="0.5"/>
-          <dgm:constr type="h" for="ch" ptType="sibTrans" op="equ"/>
-          <dgm:constr type="diam" for="ch" ptType="sibTrans" refType="diam" op="equ" fact="-1"/>
-          <dgm:constr type="sibSp" refType="w" refFor="ch" refForName="node" fact="0.15"/>
-          <dgm:constr type="w" for="ch" forName="dummy" refType="sibSp" fact="2.8"/>
-          <dgm:constr type="primFontSz" for="ch" forName="node" op="equ" val="65"/>
-        </dgm:constrLst>
-      </dgm:else>
-    </dgm:choose>
-    <dgm:ruleLst>
-      <dgm:rule type="diam" val="INF" fact="NaN" max="NaN"/>
-    </dgm:ruleLst>
-    <dgm:forEach name="nodesForEach" axis="ch" ptType="node">
-      <dgm:choose name="Name6">
-        <dgm:if name="Name7" axis="par ch" ptType="doc node" func="cnt" op="gt" val="1">
-          <dgm:layoutNode name="dummy">
-            <dgm:alg type="sp"/>
-            <dgm:shape xmlns:r="http://schemas.openxmlformats.org/officeDocument/2006/relationships" r:blip="">
-              <dgm:adjLst/>
-            </dgm:shape>
-            <dgm:presOf/>
-            <dgm:constrLst>
-              <dgm:constr type="h" refType="w"/>
-            </dgm:constrLst>
-            <dgm:ruleLst/>
-          </dgm:layoutNode>
-        </dgm:if>
-        <dgm:else name="Name8"/>
-      </dgm:choose>
-      <dgm:layoutNode name="node" styleLbl="revTx">
-        <dgm:varLst>
-          <dgm:bulletEnabled val="1"/>
-        </dgm:varLst>
-        <dgm:alg type="tx">
-          <dgm:param type="txAnchorVertCh" val="mid"/>
-        </dgm:alg>
-        <dgm:shape xmlns:r="http://schemas.openxmlformats.org/officeDocument/2006/relationships" type="rect" r:blip="">
-          <dgm:adjLst/>
-        </dgm:shape>
-        <dgm:presOf axis="desOrSelf" ptType="node"/>
-        <dgm:constrLst>
-          <dgm:constr type="h" refType="w"/>
-          <dgm:constr type="lMarg" refType="primFontSz" fact="0.1"/>
-          <dgm:constr type="rMarg" refType="primFontSz" fact="0.1"/>
-          <dgm:constr type="tMarg" refType="primFontSz" fact="0.1"/>
-          <dgm:constr type="bMarg" refType="primFontSz" fact="0.1"/>
-        </dgm:constrLst>
-        <dgm:ruleLst>
-          <dgm:rule type="primFontSz" val="5" fact="NaN" max="NaN"/>
-        </dgm:ruleLst>
-      </dgm:layoutNode>
-      <dgm:choose name="Name9">
-        <dgm:if name="Name10" axis="par ch" ptType="doc node" func="cnt" op="gt" val="1">
-          <dgm:forEach name="Name11" axis="followSib" ptType="sibTrans" hideLastTrans="0" cnt="1">
-            <dgm:layoutNode name="sibTrans" styleLbl="node1">
-              <dgm:alg type="conn">
-                <dgm:param type="connRout" val="curve"/>
-                <dgm:param type="begPts" val="radial"/>
-                <dgm:param type="endPts" val="radial"/>
-              </dgm:alg>
-              <dgm:shape xmlns:r="http://schemas.openxmlformats.org/officeDocument/2006/relationships" type="conn" r:blip="">
-                <dgm:adjLst/>
-              </dgm:shape>
-              <dgm:presOf axis="self"/>
-              <dgm:constrLst>
-                <dgm:constr type="h" refType="w" fact="0.65"/>
-                <dgm:constr type="begPad"/>
-                <dgm:constr type="endPad"/>
-              </dgm:constrLst>
-              <dgm:ruleLst/>
-            </dgm:layoutNode>
-          </dgm:forEach>
-        </dgm:if>
-        <dgm:else name="Name12"/>
-      </dgm:choose>
-    </dgm:forEach>
-  </dgm:layoutNode>
-</dgm:layoutDef>
-</file>
-
-<file path=ppt/diagrams/quickStyle1.xml><?xml version="1.0" encoding="utf-8"?>
-<dgm:styleDef xmlns:dgm="http://schemas.openxmlformats.org/drawingml/2006/diagram" xmlns:a="http://schemas.openxmlformats.org/drawingml/2006/main" uniqueId="urn:microsoft.com/office/officeart/2005/8/quickstyle/simple5">
-  <dgm:title val=""/>
-  <dgm:desc val=""/>
-  <dgm:catLst>
-    <dgm:cat type="simple" pri="10500"/>
-  </dgm:catLst>
-  <dgm:scene3d>
-    <a:camera prst="orthographicFront"/>
-    <a:lightRig rig="threePt" dir="t"/>
-  </dgm:scene3d>
-  <dgm:styleLbl name="node0">
-    <dgm:scene3d>
-      <a:camera prst="orthographicFront"/>
-      <a:lightRig rig="threePt" dir="t"/>
-    </dgm:scene3d>
-    <dgm:sp3d/>
-    <dgm:txPr/>
-    <dgm:style>
-      <a:lnRef idx="0">
-        <a:scrgbClr r="0" g="0" b="0"/>
-      </a:lnRef>
-      <a:fillRef idx="3">
-        <a:scrgbClr r="0" g="0" b="0"/>
-      </a:fillRef>
-      <a:effectRef idx="3">
-        <a:scrgbClr r="0" g="0" b="0"/>
-      </a:effectRef>
-      <a:fontRef idx="minor">
-        <a:schemeClr val="lt1"/>
-      </a:fontRef>
-    </dgm:style>
-  </dgm:styleLbl>
-  <dgm:styleLbl name="lnNode1">
-    <dgm:scene3d>
-      <a:camera prst="orthographicFront"/>
-      <a:lightRig rig="threePt" dir="t"/>
-    </dgm:scene3d>
-    <dgm:sp3d/>
-    <dgm:txPr/>
-    <dgm:style>
-      <a:lnRef idx="0">
-        <a:scrgbClr r="0" g="0" b="0"/>
-      </a:lnRef>
-      <a:fillRef idx="3">
-        <a:scrgbClr r="0" g="0" b="0"/>
-      </a:fillRef>
-      <a:effectRef idx="3">
-        <a:scrgbClr r="0" g="0" b="0"/>
-      </a:effectRef>
-      <a:fontRef idx="minor">
-        <a:schemeClr val="lt1"/>
-      </a:fontRef>
-    </dgm:style>
-  </dgm:styleLbl>
-  <dgm:styleLbl name="vennNode1">
-    <dgm:scene3d>
-      <a:camera prst="orthographicFront"/>
-      <a:lightRig rig="threePt" dir="t"/>
-    </dgm:scene3d>
-    <dgm:sp3d/>
-    <dgm:txPr/>
-    <dgm:style>
-      <a:lnRef idx="0">
-        <a:scrgbClr r="0" g="0" b="0"/>
-      </a:lnRef>
-      <a:fillRef idx="3">
-        <a:scrgbClr r="0" g="0" b="0"/>
-      </a:fillRef>
-      <a:effectRef idx="3">
-        <a:scrgbClr r="0" g="0" b="0"/>
-      </a:effectRef>
-      <a:fontRef idx="minor">
-        <a:schemeClr val="tx1"/>
-      </a:fontRef>
-    </dgm:style>
-  </dgm:styleLbl>
-  <dgm:styleLbl name="alignNode1">
-    <dgm:scene3d>
-      <a:camera prst="orthographicFront"/>
-      <a:lightRig rig="threePt" dir="t"/>
-    </dgm:scene3d>
-    <dgm:sp3d/>
-    <dgm:txPr/>
-    <dgm:style>
-      <a:lnRef idx="1">
-        <a:scrgbClr r="0" g="0" b="0"/>
-      </a:lnRef>
-      <a:fillRef idx="3">
-        <a:scrgbClr r="0" g="0" b="0"/>
-      </a:fillRef>
-      <a:effectRef idx="3">
-        <a:scrgbClr r="0" g="0" b="0"/>
-      </a:effectRef>
-      <a:fontRef idx="minor">
-        <a:schemeClr val="lt1"/>
-      </a:fontRef>
-    </dgm:style>
-  </dgm:styleLbl>
-  <dgm:styleLbl name="node1">
-    <dgm:scene3d>
-      <a:camera prst="orthographicFront"/>
-      <a:lightRig rig="threePt" dir="t"/>
-    </dgm:scene3d>
-    <dgm:sp3d/>
-    <dgm:txPr/>
-    <dgm:style>
-      <a:lnRef idx="0">
-        <a:scrgbClr r="0" g="0" b="0"/>
-      </a:lnRef>
-      <a:fillRef idx="3">
-        <a:scrgbClr r="0" g="0" b="0"/>
-      </a:fillRef>
-      <a:effectRef idx="3">
-        <a:scrgbClr r="0" g="0" b="0"/>
-      </a:effectRef>
-      <a:fontRef idx="minor">
-        <a:schemeClr val="lt1"/>
-      </a:fontRef>
-    </dgm:style>
-  </dgm:styleLbl>
-  <dgm:styleLbl name="node2">
-    <dgm:scene3d>
-      <a:camera prst="orthographicFront"/>
-      <a:lightRig rig="threePt" dir="t"/>
-    </dgm:scene3d>
-    <dgm:sp3d/>
-    <dgm:txPr/>
-    <dgm:style>
-      <a:lnRef idx="0">
-        <a:scrgbClr r="0" g="0" b="0"/>
-      </a:lnRef>
-      <a:fillRef idx="3">
-        <a:scrgbClr r="0" g="0" b="0"/>
-      </a:fillRef>
-      <a:effectRef idx="3">
-        <a:scrgbClr r="0" g="0" b="0"/>
-      </a:effectRef>
-      <a:fontRef idx="minor">
-        <a:schemeClr val="lt1"/>
-      </a:fontRef>
-    </dgm:style>
-  </dgm:styleLbl>
-  <dgm:styleLbl name="node3">
-    <dgm:scene3d>
-      <a:camera prst="orthographicFront"/>
-      <a:lightRig rig="threePt" dir="t"/>
-    </dgm:scene3d>
-    <dgm:sp3d/>
-    <dgm:txPr/>
-    <dgm:style>
-      <a:lnRef idx="0">
-        <a:scrgbClr r="0" g="0" b="0"/>
-      </a:lnRef>
-      <a:fillRef idx="3">
-        <a:scrgbClr r="0" g="0" b="0"/>
-      </a:fillRef>
-      <a:effectRef idx="3">
-        <a:scrgbClr r="0" g="0" b="0"/>
-      </a:effectRef>
-      <a:fontRef idx="minor">
-        <a:schemeClr val="lt1"/>
-      </a:fontRef>
-    </dgm:style>
-  </dgm:styleLbl>
-  <dgm:styleLbl name="node4">
-    <dgm:scene3d>
-      <a:camera prst="orthographicFront"/>
-      <a:lightRig rig="threePt" dir="t"/>
-    </dgm:scene3d>
-    <dgm:sp3d/>
-    <dgm:txPr/>
-    <dgm:style>
-      <a:lnRef idx="0">
-        <a:scrgbClr r="0" g="0" b="0"/>
-      </a:lnRef>
-      <a:fillRef idx="3">
-        <a:scrgbClr r="0" g="0" b="0"/>
-      </a:fillRef>
-      <a:effectRef idx="3">
-        <a:scrgbClr r="0" g="0" b="0"/>
-      </a:effectRef>
-      <a:fontRef idx="minor">
-        <a:schemeClr val="lt1"/>
-      </a:fontRef>
-    </dgm:style>
-  </dgm:styleLbl>
-  <dgm:styleLbl name="fgImgPlace1">
-    <dgm:scene3d>
-      <a:camera prst="orthographicFront"/>
-      <a:lightRig rig="threePt" dir="t"/>
-    </dgm:scene3d>
-    <dgm:sp3d/>
-    <dgm:txPr/>
-    <dgm:style>
-      <a:lnRef idx="0">
-        <a:scrgbClr r="0" g="0" b="0"/>
-      </a:lnRef>
-      <a:fillRef idx="1">
-        <a:scrgbClr r="0" g="0" b="0"/>
-      </a:fillRef>
-      <a:effectRef idx="3">
-        <a:scrgbClr r="0" g="0" b="0"/>
-      </a:effectRef>
-      <a:fontRef idx="minor"/>
-    </dgm:style>
-  </dgm:styleLbl>
-  <dgm:styleLbl name="alignImgPlace1">
-    <dgm:scene3d>
-      <a:camera prst="orthographicFront"/>
-      <a:lightRig rig="threePt" dir="t"/>
-    </dgm:scene3d>
-    <dgm:sp3d/>
-    <dgm:txPr/>
-    <dgm:style>
-      <a:lnRef idx="0">
-        <a:scrgbClr r="0" g="0" b="0"/>
-      </a:lnRef>
-      <a:fillRef idx="1">
-        <a:scrgbClr r="0" g="0" b="0"/>
-      </a:fillRef>
-      <a:effectRef idx="3">
-        <a:scrgbClr r="0" g="0" b="0"/>
-      </a:effectRef>
-      <a:fontRef idx="minor"/>
-    </dgm:style>
-  </dgm:styleLbl>
-  <dgm:styleLbl name="bgImgPlace1">
-    <dgm:scene3d>
-      <a:camera prst="orthographicFront"/>
-      <a:lightRig rig="threePt" dir="t"/>
-    </dgm:scene3d>
-    <dgm:sp3d/>
-    <dgm:txPr/>
-    <dgm:style>
-      <a:lnRef idx="0">
-        <a:scrgbClr r="0" g="0" b="0"/>
-      </a:lnRef>
-      <a:fillRef idx="1">
-        <a:scrgbClr r="0" g="0" b="0"/>
-      </a:fillRef>
-      <a:effectRef idx="3">
-        <a:scrgbClr r="0" g="0" b="0"/>
-      </a:effectRef>
-      <a:fontRef idx="minor"/>
-    </dgm:style>
-  </dgm:styleLbl>
-  <dgm:styleLbl name="sibTrans2D1">
-    <dgm:scene3d>
-      <a:camera prst="orthographicFront"/>
-      <a:lightRig rig="threePt" dir="t"/>
-    </dgm:scene3d>
-    <dgm:sp3d/>
-    <dgm:txPr/>
-    <dgm:style>
-      <a:lnRef idx="0">
-        <a:scrgbClr r="0" g="0" b="0"/>
-      </a:lnRef>
-      <a:fillRef idx="3">
-        <a:scrgbClr r="0" g="0" b="0"/>
-      </a:fillRef>
-      <a:effectRef idx="3">
-        <a:scrgbClr r="0" g="0" b="0"/>
-      </a:effectRef>
-      <a:fontRef idx="minor">
-        <a:schemeClr val="lt1"/>
-      </a:fontRef>
-    </dgm:style>
-  </dgm:styleLbl>
-  <dgm:styleLbl name="fgSibTrans2D1">
-    <dgm:scene3d>
-      <a:camera prst="orthographicFront"/>
-      <a:lightRig rig="threePt" dir="t"/>
-    </dgm:scene3d>
-    <dgm:sp3d/>
-    <dgm:txPr/>
-    <dgm:style>
-      <a:lnRef idx="0">
-        <a:scrgbClr r="0" g="0" b="0"/>
-      </a:lnRef>
-      <a:fillRef idx="3">
-        <a:scrgbClr r="0" g="0" b="0"/>
-      </a:fillRef>
-      <a:effectRef idx="3">
-        <a:scrgbClr r="0" g="0" b="0"/>
-      </a:effectRef>
-      <a:fontRef idx="minor">
-        <a:schemeClr val="lt1"/>
-      </a:fontRef>
-    </dgm:style>
-  </dgm:styleLbl>
-  <dgm:styleLbl name="bgSibTrans2D1">
-    <dgm:scene3d>
-      <a:camera prst="orthographicFront"/>
-      <a:lightRig rig="threePt" dir="t"/>
-    </dgm:scene3d>
-    <dgm:sp3d/>
-    <dgm:txPr/>
-    <dgm:style>
-      <a:lnRef idx="0">
-        <a:scrgbClr r="0" g="0" b="0"/>
-      </a:lnRef>
-      <a:fillRef idx="3">
-        <a:scrgbClr r="0" g="0" b="0"/>
-      </a:fillRef>
-      <a:effectRef idx="3">
-        <a:scrgbClr r="0" g="0" b="0"/>
-      </a:effectRef>
-      <a:fontRef idx="minor">
-        <a:schemeClr val="lt1"/>
-      </a:fontRef>
-    </dgm:style>
-  </dgm:styleLbl>
-  <dgm:styleLbl name="sibTrans1D1">
-    <dgm:scene3d>
-      <a:camera prst="orthographicFront"/>
-      <a:lightRig rig="threePt" dir="t"/>
-    </dgm:scene3d>
-    <dgm:sp3d/>
-    <dgm:txPr/>
-    <dgm:style>
-      <a:lnRef idx="1">
-        <a:scrgbClr r="0" g="0" b="0"/>
-      </a:lnRef>
-      <a:fillRef idx="0">
-        <a:scrgbClr r="0" g="0" b="0"/>
-      </a:fillRef>
-      <a:effectRef idx="0">
-        <a:scrgbClr r="0" g="0" b="0"/>
-      </a:effectRef>
-      <a:fontRef idx="minor"/>
-    </dgm:style>
-  </dgm:styleLbl>
-  <dgm:styleLbl name="callout">
-    <dgm:scene3d>
-      <a:camera prst="orthographicFront"/>
-      <a:lightRig rig="threePt" dir="t"/>
-    </dgm:scene3d>
-    <dgm:sp3d/>
-    <dgm:txPr/>
-    <dgm:style>
-      <a:lnRef idx="1">
-        <a:scrgbClr r="0" g="0" b="0"/>
-      </a:lnRef>
-      <a:fillRef idx="0">
-        <a:scrgbClr r="0" g="0" b="0"/>
-      </a:fillRef>
-      <a:effectRef idx="1">
-        <a:scrgbClr r="0" g="0" b="0"/>
-      </a:effectRef>
-      <a:fontRef idx="minor"/>
-    </dgm:style>
-  </dgm:styleLbl>
-  <dgm:styleLbl name="asst0">
-    <dgm:scene3d>
-      <a:camera prst="orthographicFront"/>
-      <a:lightRig rig="threePt" dir="t"/>
-    </dgm:scene3d>
-    <dgm:sp3d/>
-    <dgm:txPr/>
-    <dgm:style>
-      <a:lnRef idx="0">
-        <a:scrgbClr r="0" g="0" b="0"/>
-      </a:lnRef>
-      <a:fillRef idx="3">
-        <a:scrgbClr r="0" g="0" b="0"/>
-      </a:fillRef>
-      <a:effectRef idx="3">
-        <a:scrgbClr r="0" g="0" b="0"/>
-      </a:effectRef>
-      <a:fontRef idx="minor">
-        <a:schemeClr val="lt1"/>
-      </a:fontRef>
-    </dgm:style>
-  </dgm:styleLbl>
-  <dgm:styleLbl name="asst1">
-    <dgm:scene3d>
-      <a:camera prst="orthographicFront"/>
-      <a:lightRig rig="threePt" dir="t"/>
-    </dgm:scene3d>
-    <dgm:sp3d/>
-    <dgm:txPr/>
-    <dgm:style>
-      <a:lnRef idx="0">
-        <a:scrgbClr r="0" g="0" b="0"/>
-      </a:lnRef>
-      <a:fillRef idx="3">
-        <a:scrgbClr r="0" g="0" b="0"/>
-      </a:fillRef>
-      <a:effectRef idx="3">
-        <a:scrgbClr r="0" g="0" b="0"/>
-      </a:effectRef>
-      <a:fontRef idx="minor">
-        <a:schemeClr val="lt1"/>
-      </a:fontRef>
-    </dgm:style>
-  </dgm:styleLbl>
-  <dgm:styleLbl name="asst2">
-    <dgm:scene3d>
-      <a:camera prst="orthographicFront"/>
-      <a:lightRig rig="threePt" dir="t"/>
-    </dgm:scene3d>
-    <dgm:sp3d/>
-    <dgm:txPr/>
-    <dgm:style>
-      <a:lnRef idx="0">
-        <a:scrgbClr r="0" g="0" b="0"/>
-      </a:lnRef>
-      <a:fillRef idx="3">
-        <a:scrgbClr r="0" g="0" b="0"/>
-      </a:fillRef>
-      <a:effectRef idx="3">
-        <a:scrgbClr r="0" g="0" b="0"/>
-      </a:effectRef>
-      <a:fontRef idx="minor">
-        <a:schemeClr val="lt1"/>
-      </a:fontRef>
-    </dgm:style>
-  </dgm:styleLbl>
-  <dgm:styleLbl name="asst3">
-    <dgm:scene3d>
-      <a:camera prst="orthographicFront"/>
-      <a:lightRig rig="threePt" dir="t"/>
-    </dgm:scene3d>
-    <dgm:sp3d/>
-    <dgm:txPr/>
-    <dgm:style>
-      <a:lnRef idx="0">
-        <a:scrgbClr r="0" g="0" b="0"/>
-      </a:lnRef>
-      <a:fillRef idx="3">
-        <a:scrgbClr r="0" g="0" b="0"/>
-      </a:fillRef>
-      <a:effectRef idx="3">
-        <a:scrgbClr r="0" g="0" b="0"/>
-      </a:effectRef>
-      <a:fontRef idx="minor">
-        <a:schemeClr val="lt1"/>
-      </a:fontRef>
-    </dgm:style>
-  </dgm:styleLbl>
-  <dgm:styleLbl name="asst4">
-    <dgm:scene3d>
-      <a:camera prst="orthographicFront"/>
-      <a:lightRig rig="threePt" dir="t"/>
-    </dgm:scene3d>
-    <dgm:sp3d/>
-    <dgm:txPr/>
-    <dgm:style>
-      <a:lnRef idx="0">
-        <a:scrgbClr r="0" g="0" b="0"/>
-      </a:lnRef>
-      <a:fillRef idx="3">
-        <a:scrgbClr r="0" g="0" b="0"/>
-      </a:fillRef>
-      <a:effectRef idx="3">
-        <a:scrgbClr r="0" g="0" b="0"/>
-      </a:effectRef>
-      <a:fontRef idx="minor">
-        <a:schemeClr val="lt1"/>
-      </a:fontRef>
-    </dgm:style>
-  </dgm:styleLbl>
-  <dgm:styleLbl name="parChTrans2D1">
-    <dgm:scene3d>
-      <a:camera prst="orthographicFront"/>
-      <a:lightRig rig="threePt" dir="t"/>
-    </dgm:scene3d>
-    <dgm:sp3d/>
-    <dgm:txPr/>
-    <dgm:style>
-      <a:lnRef idx="0">
-        <a:scrgbClr r="0" g="0" b="0"/>
-      </a:lnRef>
-      <a:fillRef idx="3">
-        <a:scrgbClr r="0" g="0" b="0"/>
-      </a:fillRef>
-      <a:effectRef idx="3">
-        <a:scrgbClr r="0" g="0" b="0"/>
-      </a:effectRef>
-      <a:fontRef idx="minor">
-        <a:schemeClr val="lt1"/>
-      </a:fontRef>
-    </dgm:style>
-  </dgm:styleLbl>
-  <dgm:styleLbl name="parChTrans2D2">
-    <dgm:scene3d>
-      <a:camera prst="orthographicFront"/>
-      <a:lightRig rig="threePt" dir="t"/>
-    </dgm:scene3d>
-    <dgm:sp3d/>
-    <dgm:txPr/>
-    <dgm:style>
-      <a:lnRef idx="0">
-        <a:scrgbClr r="0" g="0" b="0"/>
-      </a:lnRef>
-      <a:fillRef idx="3">
-        <a:scrgbClr r="0" g="0" b="0"/>
-      </a:fillRef>
-      <a:effectRef idx="3">
-        <a:scrgbClr r="0" g="0" b="0"/>
-      </a:effectRef>
-      <a:fontRef idx="minor">
-        <a:schemeClr val="lt1"/>
-      </a:fontRef>
-    </dgm:style>
-  </dgm:styleLbl>
-  <dgm:styleLbl name="parChTrans2D3">
-    <dgm:scene3d>
-      <a:camera prst="orthographicFront"/>
-      <a:lightRig rig="threePt" dir="t"/>
-    </dgm:scene3d>
-    <dgm:sp3d/>
-    <dgm:txPr/>
-    <dgm:style>
-      <a:lnRef idx="0">
-        <a:scrgbClr r="0" g="0" b="0"/>
-      </a:lnRef>
-      <a:fillRef idx="3">
-        <a:scrgbClr r="0" g="0" b="0"/>
-      </a:fillRef>
-      <a:effectRef idx="3">
-        <a:scrgbClr r="0" g="0" b="0"/>
-      </a:effectRef>
-      <a:fontRef idx="minor">
-        <a:schemeClr val="lt1"/>
-      </a:fontRef>
-    </dgm:style>
-  </dgm:styleLbl>
-  <dgm:styleLbl name="parChTrans2D4">
-    <dgm:scene3d>
-      <a:camera prst="orthographicFront"/>
-      <a:lightRig rig="threePt" dir="t"/>
-    </dgm:scene3d>
-    <dgm:sp3d/>
-    <dgm:txPr/>
-    <dgm:style>
-      <a:lnRef idx="0">
-        <a:scrgbClr r="0" g="0" b="0"/>
-      </a:lnRef>
-      <a:fillRef idx="3">
-        <a:scrgbClr r="0" g="0" b="0"/>
-      </a:fillRef>
-      <a:effectRef idx="3">
-        <a:scrgbClr r="0" g="0" b="0"/>
-      </a:effectRef>
-      <a:fontRef idx="minor">
-        <a:schemeClr val="lt1"/>
-      </a:fontRef>
-    </dgm:style>
-  </dgm:styleLbl>
-  <dgm:styleLbl name="parChTrans1D1">
-    <dgm:scene3d>
-      <a:camera prst="orthographicFront"/>
-      <a:lightRig rig="threePt" dir="t"/>
-    </dgm:scene3d>
-    <dgm:sp3d/>
-    <dgm:txPr/>
-    <dgm:style>
-      <a:lnRef idx="2">
-        <a:scrgbClr r="0" g="0" b="0"/>
-      </a:lnRef>
-      <a:fillRef idx="0">
-        <a:scrgbClr r="0" g="0" b="0"/>
-      </a:fillRef>
-      <a:effectRef idx="0">
-        <a:scrgbClr r="0" g="0" b="0"/>
-      </a:effectRef>
-      <a:fontRef idx="minor"/>
-    </dgm:style>
-  </dgm:styleLbl>
-  <dgm:styleLbl name="parChTrans1D2">
-    <dgm:scene3d>
-      <a:camera prst="orthographicFront"/>
-      <a:lightRig rig="threePt" dir="t"/>
-    </dgm:scene3d>
-    <dgm:sp3d/>
-    <dgm:txPr/>
-    <dgm:style>
-      <a:lnRef idx="2">
-        <a:scrgbClr r="0" g="0" b="0"/>
-      </a:lnRef>
-      <a:fillRef idx="0">
-        <a:scrgbClr r="0" g="0" b="0"/>
-      </a:fillRef>
-      <a:effectRef idx="0">
-        <a:scrgbClr r="0" g="0" b="0"/>
-      </a:effectRef>
-      <a:fontRef idx="minor"/>
-    </dgm:style>
-  </dgm:styleLbl>
-  <dgm:styleLbl name="parChTrans1D3">
-    <dgm:scene3d>
-      <a:camera prst="orthographicFront"/>
-      <a:lightRig rig="threePt" dir="t"/>
-    </dgm:scene3d>
-    <dgm:sp3d/>
-    <dgm:txPr/>
-    <dgm:style>
-      <a:lnRef idx="2">
-        <a:scrgbClr r="0" g="0" b="0"/>
-      </a:lnRef>
-      <a:fillRef idx="0">
-        <a:scrgbClr r="0" g="0" b="0"/>
-      </a:fillRef>
-      <a:effectRef idx="0">
-        <a:scrgbClr r="0" g="0" b="0"/>
-      </a:effectRef>
-      <a:fontRef idx="minor"/>
-    </dgm:style>
-  </dgm:styleLbl>
-  <dgm:styleLbl name="parChTrans1D4">
-    <dgm:scene3d>
-      <a:camera prst="orthographicFront"/>
-      <a:lightRig rig="threePt" dir="t"/>
-    </dgm:scene3d>
-    <dgm:sp3d/>
-    <dgm:txPr/>
-    <dgm:style>
-      <a:lnRef idx="2">
-        <a:scrgbClr r="0" g="0" b="0"/>
-      </a:lnRef>
-      <a:fillRef idx="0">
-        <a:scrgbClr r="0" g="0" b="0"/>
-      </a:fillRef>
-      <a:effectRef idx="0">
-        <a:scrgbClr r="0" g="0" b="0"/>
-      </a:effectRef>
-      <a:fontRef idx="minor"/>
-    </dgm:style>
-  </dgm:styleLbl>
-  <dgm:styleLbl name="fgAcc1">
-    <dgm:scene3d>
-      <a:camera prst="orthographicFront"/>
-      <a:lightRig rig="threePt" dir="t"/>
-    </dgm:scene3d>
-    <dgm:sp3d/>
-    <dgm:txPr/>
-    <dgm:style>
-      <a:lnRef idx="1">
-        <a:scrgbClr r="0" g="0" b="0"/>
-      </a:lnRef>
-      <a:fillRef idx="1">
-        <a:scrgbClr r="0" g="0" b="0"/>
-      </a:fillRef>
-      <a:effectRef idx="2">
-        <a:scrgbClr r="0" g="0" b="0"/>
-      </a:effectRef>
-      <a:fontRef idx="minor"/>
-    </dgm:style>
-  </dgm:styleLbl>
-  <dgm:styleLbl name="conFgAcc1">
-    <dgm:scene3d>
-      <a:camera prst="orthographicFront"/>
-      <a:lightRig rig="threePt" dir="t"/>
-    </dgm:scene3d>
-    <dgm:sp3d/>
-    <dgm:txPr/>
-    <dgm:style>
-      <a:lnRef idx="1">
-        <a:scrgbClr r="0" g="0" b="0"/>
-      </a:lnRef>
-      <a:fillRef idx="1">
-        <a:scrgbClr r="0" g="0" b="0"/>
-      </a:fillRef>
-      <a:effectRef idx="2">
-        <a:scrgbClr r="0" g="0" b="0"/>
-      </a:effectRef>
-      <a:fontRef idx="minor"/>
-    </dgm:style>
-  </dgm:styleLbl>
-  <dgm:styleLbl name="alignAcc1">
-    <dgm:scene3d>
-      <a:camera prst="orthographicFront"/>
-      <a:lightRig rig="threePt" dir="t"/>
-    </dgm:scene3d>
-    <dgm:sp3d/>
-    <dgm:txPr/>
-    <dgm:style>
-      <a:lnRef idx="1">
-        <a:scrgbClr r="0" g="0" b="0"/>
-      </a:lnRef>
-      <a:fillRef idx="1">
-        <a:scrgbClr r="0" g="0" b="0"/>
-      </a:fillRef>
-      <a:effectRef idx="2">
-        <a:scrgbClr r="0" g="0" b="0"/>
-      </a:effectRef>
-      <a:fontRef idx="minor"/>
-    </dgm:style>
-  </dgm:styleLbl>
-  <dgm:styleLbl name="trAlignAcc1">
-    <dgm:scene3d>
-      <a:camera prst="orthographicFront"/>
-      <a:lightRig rig="threePt" dir="t"/>
-    </dgm:scene3d>
-    <dgm:sp3d/>
-    <dgm:txPr/>
-    <dgm:style>
-      <a:lnRef idx="1">
-        <a:scrgbClr r="0" g="0" b="0"/>
-      </a:lnRef>
-      <a:fillRef idx="1">
-        <a:scrgbClr r="0" g="0" b="0"/>
-      </a:fillRef>
-      <a:effectRef idx="0">
-        <a:scrgbClr r="0" g="0" b="0"/>
-      </a:effectRef>
-      <a:fontRef idx="minor"/>
-    </dgm:style>
-  </dgm:styleLbl>
-  <dgm:styleLbl name="bgAcc1">
-    <dgm:scene3d>
-      <a:camera prst="orthographicFront"/>
-      <a:lightRig rig="threePt" dir="t"/>
-    </dgm:scene3d>
-    <dgm:sp3d/>
-    <dgm:txPr/>
-    <dgm:style>
-      <a:lnRef idx="1">
-        <a:scrgbClr r="0" g="0" b="0"/>
-      </a:lnRef>
-      <a:fillRef idx="1">
-        <a:scrgbClr r="0" g="0" b="0"/>
-      </a:fillRef>
-      <a:effectRef idx="2">
-        <a:scrgbClr r="0" g="0" b="0"/>
-      </a:effectRef>
-      <a:fontRef idx="minor"/>
-    </dgm:style>
-  </dgm:styleLbl>
-  <dgm:styleLbl name="solidFgAcc1">
-    <dgm:scene3d>
-      <a:camera prst="orthographicFront"/>
-      <a:lightRig rig="threePt" dir="t"/>
-    </dgm:scene3d>
-    <dgm:sp3d/>
-    <dgm:txPr/>
-    <dgm:style>
-      <a:lnRef idx="1">
-        <a:scrgbClr r="0" g="0" b="0"/>
-      </a:lnRef>
-      <a:fillRef idx="1">
-        <a:scrgbClr r="0" g="0" b="0"/>
-      </a:fillRef>
-      <a:effectRef idx="2">
-        <a:scrgbClr r="0" g="0" b="0"/>
-      </a:effectRef>
-      <a:fontRef idx="minor"/>
-    </dgm:style>
-  </dgm:styleLbl>
-  <dgm:styleLbl name="solidAlignAcc1">
-    <dgm:scene3d>
-      <a:camera prst="orthographicFront"/>
-      <a:lightRig rig="threePt" dir="t"/>
-    </dgm:scene3d>
-    <dgm:sp3d/>
-    <dgm:txPr/>
-    <dgm:style>
-      <a:lnRef idx="1">
-        <a:scrgbClr r="0" g="0" b="0"/>
-      </a:lnRef>
-      <a:fillRef idx="1">
-        <a:scrgbClr r="0" g="0" b="0"/>
-      </a:fillRef>
-      <a:effectRef idx="3">
-        <a:scrgbClr r="0" g="0" b="0"/>
-      </a:effectRef>
-      <a:fontRef idx="minor"/>
-    </dgm:style>
-  </dgm:styleLbl>
-  <dgm:styleLbl name="solidBgAcc1">
-    <dgm:scene3d>
-      <a:camera prst="orthographicFront"/>
-      <a:lightRig rig="threePt" dir="t"/>
-    </dgm:scene3d>
-    <dgm:sp3d/>
-    <dgm:txPr/>
-    <dgm:style>
-      <a:lnRef idx="1">
-        <a:scrgbClr r="0" g="0" b="0"/>
-      </a:lnRef>
-      <a:fillRef idx="1">
-        <a:scrgbClr r="0" g="0" b="0"/>
-      </a:fillRef>
-      <a:effectRef idx="3">
-        <a:scrgbClr r="0" g="0" b="0"/>
-      </a:effectRef>
-      <a:fontRef idx="minor"/>
-    </dgm:style>
-  </dgm:styleLbl>
-  <dgm:styleLbl name="fgAccFollowNode1">
-    <dgm:scene3d>
-      <a:camera prst="orthographicFront"/>
-      <a:lightRig rig="threePt" dir="t"/>
-    </dgm:scene3d>
-    <dgm:sp3d/>
-    <dgm:txPr/>
-    <dgm:style>
-      <a:lnRef idx="1">
-        <a:scrgbClr r="0" g="0" b="0"/>
-      </a:lnRef>
-      <a:fillRef idx="1">
-        <a:scrgbClr r="0" g="0" b="0"/>
-      </a:fillRef>
-      <a:effectRef idx="2">
-        <a:scrgbClr r="0" g="0" b="0"/>
-      </a:effectRef>
-      <a:fontRef idx="minor"/>
-    </dgm:style>
-  </dgm:styleLbl>
-  <dgm:styleLbl name="alignAccFollowNode1">
-    <dgm:scene3d>
-      <a:camera prst="orthographicFront"/>
-      <a:lightRig rig="threePt" dir="t"/>
-    </dgm:scene3d>
-    <dgm:sp3d/>
-    <dgm:txPr/>
-    <dgm:style>
-      <a:lnRef idx="1">
-        <a:scrgbClr r="0" g="0" b="0"/>
-      </a:lnRef>
-      <a:fillRef idx="1">
-        <a:scrgbClr r="0" g="0" b="0"/>
-      </a:fillRef>
-      <a:effectRef idx="2">
-        <a:scrgbClr r="0" g="0" b="0"/>
-      </a:effectRef>
-      <a:fontRef idx="minor"/>
-    </dgm:style>
-  </dgm:styleLbl>
-  <dgm:styleLbl name="bgAccFollowNode1">
-    <dgm:scene3d>
-      <a:camera prst="orthographicFront"/>
-      <a:lightRig rig="threePt" dir="t"/>
-    </dgm:scene3d>
-    <dgm:sp3d/>
-    <dgm:txPr/>
-    <dgm:style>
-      <a:lnRef idx="1">
-        <a:scrgbClr r="0" g="0" b="0"/>
-      </a:lnRef>
-      <a:fillRef idx="1">
-        <a:scrgbClr r="0" g="0" b="0"/>
-      </a:fillRef>
-      <a:effectRef idx="2">
-        <a:scrgbClr r="0" g="0" b="0"/>
-      </a:effectRef>
-      <a:fontRef idx="minor"/>
-    </dgm:style>
-  </dgm:styleLbl>
-  <dgm:styleLbl name="fgAcc0">
-    <dgm:scene3d>
-      <a:camera prst="orthographicFront"/>
-      <a:lightRig rig="threePt" dir="t"/>
-    </dgm:scene3d>
-    <dgm:sp3d/>
-    <dgm:txPr/>
-    <dgm:style>
-      <a:lnRef idx="1">
-        <a:scrgbClr r="0" g="0" b="0"/>
-      </a:lnRef>
-      <a:fillRef idx="1">
-        <a:scrgbClr r="0" g="0" b="0"/>
-      </a:fillRef>
-      <a:effectRef idx="2">
-        <a:scrgbClr r="0" g="0" b="0"/>
-      </a:effectRef>
-      <a:fontRef idx="minor"/>
-    </dgm:style>
-  </dgm:styleLbl>
-  <dgm:styleLbl name="fgAcc2">
-    <dgm:scene3d>
-      <a:camera prst="orthographicFront"/>
-      <a:lightRig rig="threePt" dir="t"/>
-    </dgm:scene3d>
-    <dgm:sp3d/>
-    <dgm:txPr/>
-    <dgm:style>
-      <a:lnRef idx="1">
-        <a:scrgbClr r="0" g="0" b="0"/>
-      </a:lnRef>
-      <a:fillRef idx="1">
-        <a:scrgbClr r="0" g="0" b="0"/>
-      </a:fillRef>
-      <a:effectRef idx="2">
-        <a:scrgbClr r="0" g="0" b="0"/>
-      </a:effectRef>
-      <a:fontRef idx="minor"/>
-    </dgm:style>
-  </dgm:styleLbl>
-  <dgm:styleLbl name="fgAcc3">
-    <dgm:scene3d>
-      <a:camera prst="orthographicFront"/>
-      <a:lightRig rig="threePt" dir="t"/>
-    </dgm:scene3d>
-    <dgm:sp3d/>
-    <dgm:txPr/>
-    <dgm:style>
-      <a:lnRef idx="1">
-        <a:scrgbClr r="0" g="0" b="0"/>
-      </a:lnRef>
-      <a:fillRef idx="1">
-        <a:scrgbClr r="0" g="0" b="0"/>
-      </a:fillRef>
-      <a:effectRef idx="2">
-        <a:scrgbClr r="0" g="0" b="0"/>
-      </a:effectRef>
-      <a:fontRef idx="minor"/>
-    </dgm:style>
-  </dgm:styleLbl>
-  <dgm:styleLbl name="fgAcc4">
-    <dgm:scene3d>
-      <a:camera prst="orthographicFront"/>
-      <a:lightRig rig="threePt" dir="t"/>
-    </dgm:scene3d>
-    <dgm:sp3d/>
-    <dgm:txPr/>
-    <dgm:style>
-      <a:lnRef idx="1">
-        <a:scrgbClr r="0" g="0" b="0"/>
-      </a:lnRef>
-      <a:fillRef idx="1">
-        <a:scrgbClr r="0" g="0" b="0"/>
-      </a:fillRef>
-      <a:effectRef idx="2">
-        <a:scrgbClr r="0" g="0" b="0"/>
-      </a:effectRef>
-      <a:fontRef idx="minor"/>
-    </dgm:style>
-  </dgm:styleLbl>
-  <dgm:styleLbl name="bgShp">
-    <dgm:scene3d>
-      <a:camera prst="orthographicFront"/>
-      <a:lightRig rig="threePt" dir="t"/>
-    </dgm:scene3d>
-    <dgm:sp3d/>
-    <dgm:txPr/>
-    <dgm:style>
-      <a:lnRef idx="0">
-        <a:scrgbClr r="0" g="0" b="0"/>
-      </a:lnRef>
-      <a:fillRef idx="1">
-        <a:scrgbClr r="0" g="0" b="0"/>
-      </a:fillRef>
-      <a:effectRef idx="2">
-        <a:scrgbClr r="0" g="0" b="0"/>
-      </a:effectRef>
-      <a:fontRef idx="minor"/>
-    </dgm:style>
-  </dgm:styleLbl>
-  <dgm:styleLbl name="dkBgShp">
-    <dgm:scene3d>
-      <a:camera prst="orthographicFront"/>
-      <a:lightRig rig="threePt" dir="t"/>
-    </dgm:scene3d>
-    <dgm:sp3d/>
-    <dgm:txPr/>
-    <dgm:style>
-      <a:lnRef idx="0">
-        <a:scrgbClr r="0" g="0" b="0"/>
-      </a:lnRef>
-      <a:fillRef idx="1">
-        <a:scrgbClr r="0" g="0" b="0"/>
-      </a:fillRef>
-      <a:effectRef idx="3">
-        <a:scrgbClr r="0" g="0" b="0"/>
-      </a:effectRef>
-      <a:fontRef idx="minor"/>
-    </dgm:style>
-  </dgm:styleLbl>
-  <dgm:styleLbl name="trBgShp">
-    <dgm:scene3d>
-      <a:camera prst="orthographicFront"/>
-      <a:lightRig rig="threePt" dir="t"/>
-    </dgm:scene3d>
-    <dgm:sp3d/>
-    <dgm:txPr/>
-    <dgm:style>
-      <a:lnRef idx="0">
-        <a:scrgbClr r="0" g="0" b="0"/>
-      </a:lnRef>
-      <a:fillRef idx="1">
-        <a:scrgbClr r="0" g="0" b="0"/>
-      </a:fillRef>
-      <a:effectRef idx="0">
-        <a:scrgbClr r="0" g="0" b="0"/>
-      </a:effectRef>
-      <a:fontRef idx="minor"/>
-    </dgm:style>
-  </dgm:styleLbl>
-  <dgm:styleLbl name="fgShp">
-    <dgm:scene3d>
-      <a:camera prst="orthographicFront"/>
-      <a:lightRig rig="threePt" dir="t"/>
-    </dgm:scene3d>
-    <dgm:sp3d/>
-    <dgm:txPr/>
-    <dgm:style>
-      <a:lnRef idx="0">
-        <a:scrgbClr r="0" g="0" b="0"/>
-      </a:lnRef>
-      <a:fillRef idx="3">
-        <a:scrgbClr r="0" g="0" b="0"/>
-      </a:fillRef>
-      <a:effectRef idx="3">
-        <a:scrgbClr r="0" g="0" b="0"/>
-      </a:effectRef>
-      <a:fontRef idx="minor"/>
-    </dgm:style>
-  </dgm:styleLbl>
-  <dgm:styleLbl name="revTx">
-    <dgm:scene3d>
-      <a:camera prst="orthographicFront"/>
-      <a:lightRig rig="threePt" dir="t"/>
-    </dgm:scene3d>
-    <dgm:sp3d/>
-    <dgm:txPr/>
-    <dgm:style>
-      <a:lnRef idx="0">
-        <a:scrgbClr r="0" g="0" b="0"/>
-      </a:lnRef>
-      <a:fillRef idx="0">
-        <a:scrgbClr r="0" g="0" b="0"/>
-      </a:fillRef>
-      <a:effectRef idx="0">
-        <a:scrgbClr r="0" g="0" b="0"/>
-      </a:effectRef>
-      <a:fontRef idx="minor"/>
-    </dgm:style>
-  </dgm:styleLbl>
-</dgm:styleDef>
-</file>
-
 <file path=ppt/notesMasters/notesMaster1.xml><?xml version="1.0" encoding="utf-8"?>
 <p:notesMaster xmlns:a="http://schemas.openxmlformats.org/drawingml/2006/main" xmlns:r="http://schemas.openxmlformats.org/officeDocument/2006/relationships" xmlns:p="http://schemas.openxmlformats.org/presentationml/2006/main">
   <p:cSld>
@@ -3280,7 +214,7 @@
           <a:p>
             <a:fld id="{6970F1A7-B44C-47F4-9D4E-59C4A99A588C}" type="datetimeFigureOut">
               <a:rPr lang="de-DE" smtClean="0"/>
-              <a:t>11.05.2018</a:t>
+              <a:t>22.05.2018</a:t>
             </a:fld>
             <a:endParaRPr lang="de-DE"/>
           </a:p>
@@ -3837,7 +771,7 @@
           <a:p>
             <a:fld id="{1DC63592-9D31-432D-A510-4EFC698F70CA}" type="datetimeFigureOut">
               <a:rPr lang="de-DE" smtClean="0"/>
-              <a:t>11.05.2018</a:t>
+              <a:t>22.05.2018</a:t>
             </a:fld>
             <a:endParaRPr lang="de-DE"/>
           </a:p>
@@ -4014,7 +948,7 @@
           <a:p>
             <a:fld id="{1DC63592-9D31-432D-A510-4EFC698F70CA}" type="datetimeFigureOut">
               <a:rPr lang="de-DE" smtClean="0"/>
-              <a:t>11.05.2018</a:t>
+              <a:t>22.05.2018</a:t>
             </a:fld>
             <a:endParaRPr lang="de-DE"/>
           </a:p>
@@ -4196,7 +1130,7 @@
           <a:p>
             <a:fld id="{1DC63592-9D31-432D-A510-4EFC698F70CA}" type="datetimeFigureOut">
               <a:rPr lang="de-DE" smtClean="0"/>
-              <a:t>11.05.2018</a:t>
+              <a:t>22.05.2018</a:t>
             </a:fld>
             <a:endParaRPr lang="de-DE"/>
           </a:p>
@@ -4405,7 +1339,7 @@
           <a:p>
             <a:fld id="{1DC63592-9D31-432D-A510-4EFC698F70CA}" type="datetimeFigureOut">
               <a:rPr lang="de-DE" smtClean="0"/>
-              <a:t>11.05.2018</a:t>
+              <a:t>22.05.2018</a:t>
             </a:fld>
             <a:endParaRPr lang="de-DE"/>
           </a:p>
@@ -4653,7 +1587,7 @@
           <a:p>
             <a:fld id="{1DC63592-9D31-432D-A510-4EFC698F70CA}" type="datetimeFigureOut">
               <a:rPr lang="de-DE" smtClean="0"/>
-              <a:t>11.05.2018</a:t>
+              <a:t>22.05.2018</a:t>
             </a:fld>
             <a:endParaRPr lang="de-DE"/>
           </a:p>
@@ -4970,7 +1904,7 @@
           <a:p>
             <a:fld id="{1DC63592-9D31-432D-A510-4EFC698F70CA}" type="datetimeFigureOut">
               <a:rPr lang="de-DE" smtClean="0"/>
-              <a:t>11.05.2018</a:t>
+              <a:t>22.05.2018</a:t>
             </a:fld>
             <a:endParaRPr lang="de-DE"/>
           </a:p>
@@ -5420,7 +2354,7 @@
           <a:p>
             <a:fld id="{1DC63592-9D31-432D-A510-4EFC698F70CA}" type="datetimeFigureOut">
               <a:rPr lang="de-DE" smtClean="0"/>
-              <a:t>11.05.2018</a:t>
+              <a:t>22.05.2018</a:t>
             </a:fld>
             <a:endParaRPr lang="de-DE"/>
           </a:p>
@@ -5540,7 +2474,7 @@
           <a:p>
             <a:fld id="{1DC63592-9D31-432D-A510-4EFC698F70CA}" type="datetimeFigureOut">
               <a:rPr lang="de-DE" smtClean="0"/>
-              <a:t>11.05.2018</a:t>
+              <a:t>22.05.2018</a:t>
             </a:fld>
             <a:endParaRPr lang="de-DE"/>
           </a:p>
@@ -5637,7 +2571,7 @@
           <a:p>
             <a:fld id="{1DC63592-9D31-432D-A510-4EFC698F70CA}" type="datetimeFigureOut">
               <a:rPr lang="de-DE" smtClean="0"/>
-              <a:t>11.05.2018</a:t>
+              <a:t>22.05.2018</a:t>
             </a:fld>
             <a:endParaRPr lang="de-DE"/>
           </a:p>
@@ -5929,7 +2863,7 @@
           <a:p>
             <a:fld id="{1DC63592-9D31-432D-A510-4EFC698F70CA}" type="datetimeFigureOut">
               <a:rPr lang="de-DE" smtClean="0"/>
-              <a:t>11.05.2018</a:t>
+              <a:t>22.05.2018</a:t>
             </a:fld>
             <a:endParaRPr lang="de-DE"/>
           </a:p>
@@ -6127,7 +3061,7 @@
           <a:p>
             <a:fld id="{1DC63592-9D31-432D-A510-4EFC698F70CA}" type="datetimeFigureOut">
               <a:rPr lang="de-DE" smtClean="0"/>
-              <a:t>11.05.2018</a:t>
+              <a:t>22.05.2018</a:t>
             </a:fld>
             <a:endParaRPr lang="de-DE"/>
           </a:p>
@@ -10685,7 +7619,7 @@
           <a:p>
             <a:fld id="{1DC63592-9D31-432D-A510-4EFC698F70CA}" type="datetimeFigureOut">
               <a:rPr lang="de-DE" smtClean="0"/>
-              <a:t>11.05.2018</a:t>
+              <a:t>22.05.2018</a:t>
             </a:fld>
             <a:endParaRPr lang="de-DE"/>
           </a:p>
@@ -13069,7 +10003,7 @@
         </p:nvSpPr>
         <p:spPr>
           <a:xfrm>
-            <a:off x="1371600" y="1113588"/>
+            <a:off x="1371600" y="1707654"/>
             <a:ext cx="6400800" cy="3115512"/>
           </a:xfrm>
         </p:spPr>
@@ -13237,6 +10171,367 @@
           </a:prstGeom>
         </p:spPr>
       </p:pic>
+      <p:sp>
+        <p:nvSpPr>
+          <p:cNvPr id="4" name="Textfeld 3"/>
+          <p:cNvSpPr txBox="1"/>
+          <p:nvPr/>
+        </p:nvSpPr>
+        <p:spPr>
+          <a:xfrm>
+            <a:off x="685800" y="987574"/>
+            <a:ext cx="7772400" cy="646331"/>
+          </a:xfrm>
+          <a:prstGeom prst="rect">
+            <a:avLst/>
+          </a:prstGeom>
+          <a:noFill/>
+        </p:spPr>
+        <p:txBody>
+          <a:bodyPr wrap="square" rtlCol="0">
+            <a:spAutoFit/>
+          </a:bodyPr>
+          <a:lstStyle/>
+          <a:p>
+            <a:pPr algn="ctr"/>
+            <a:r>
+              <a:rPr lang="en-US" dirty="0" smtClean="0">
+                <a:solidFill>
+                  <a:schemeClr val="tx2">
+                    <a:lumMod val="20000"/>
+                    <a:lumOff val="80000"/>
+                  </a:schemeClr>
+                </a:solidFill>
+                <a:latin typeface="MV Boli" panose="02000500030200090000" pitchFamily="2" charset="0"/>
+                <a:cs typeface="MV Boli" panose="02000500030200090000" pitchFamily="2" charset="0"/>
+              </a:rPr>
+              <a:t>Die </a:t>
+            </a:r>
+            <a:r>
+              <a:rPr lang="en-US" dirty="0" err="1" smtClean="0">
+                <a:solidFill>
+                  <a:schemeClr val="tx2">
+                    <a:lumMod val="20000"/>
+                    <a:lumOff val="80000"/>
+                  </a:schemeClr>
+                </a:solidFill>
+                <a:latin typeface="MV Boli" panose="02000500030200090000" pitchFamily="2" charset="0"/>
+                <a:cs typeface="MV Boli" panose="02000500030200090000" pitchFamily="2" charset="0"/>
+              </a:rPr>
+              <a:t>kleine</a:t>
+            </a:r>
+            <a:r>
+              <a:rPr lang="en-US" dirty="0" smtClean="0">
+                <a:solidFill>
+                  <a:schemeClr val="tx2">
+                    <a:lumMod val="20000"/>
+                    <a:lumOff val="80000"/>
+                  </a:schemeClr>
+                </a:solidFill>
+                <a:latin typeface="MV Boli" panose="02000500030200090000" pitchFamily="2" charset="0"/>
+                <a:cs typeface="MV Boli" panose="02000500030200090000" pitchFamily="2" charset="0"/>
+              </a:rPr>
+              <a:t> Voodoo-</a:t>
+            </a:r>
+            <a:r>
+              <a:rPr lang="en-US" dirty="0" err="1" smtClean="0">
+                <a:solidFill>
+                  <a:schemeClr val="tx2">
+                    <a:lumMod val="20000"/>
+                    <a:lumOff val="80000"/>
+                  </a:schemeClr>
+                </a:solidFill>
+                <a:latin typeface="MV Boli" panose="02000500030200090000" pitchFamily="2" charset="0"/>
+                <a:cs typeface="MV Boli" panose="02000500030200090000" pitchFamily="2" charset="0"/>
+              </a:rPr>
+              <a:t>Puppe</a:t>
+            </a:r>
+            <a:r>
+              <a:rPr lang="en-US" dirty="0" smtClean="0">
+                <a:solidFill>
+                  <a:schemeClr val="tx2">
+                    <a:lumMod val="20000"/>
+                    <a:lumOff val="80000"/>
+                  </a:schemeClr>
+                </a:solidFill>
+                <a:latin typeface="MV Boli" panose="02000500030200090000" pitchFamily="2" charset="0"/>
+                <a:cs typeface="MV Boli" panose="02000500030200090000" pitchFamily="2" charset="0"/>
+              </a:rPr>
+              <a:t> Larry </a:t>
+            </a:r>
+            <a:r>
+              <a:rPr lang="en-US" dirty="0" err="1" smtClean="0">
+                <a:solidFill>
+                  <a:schemeClr val="tx2">
+                    <a:lumMod val="20000"/>
+                    <a:lumOff val="80000"/>
+                  </a:schemeClr>
+                </a:solidFill>
+                <a:latin typeface="MV Boli" panose="02000500030200090000" pitchFamily="2" charset="0"/>
+                <a:cs typeface="MV Boli" panose="02000500030200090000" pitchFamily="2" charset="0"/>
+              </a:rPr>
+              <a:t>ist</a:t>
+            </a:r>
+            <a:r>
+              <a:rPr lang="en-US" dirty="0" smtClean="0">
+                <a:solidFill>
+                  <a:schemeClr val="tx2">
+                    <a:lumMod val="20000"/>
+                    <a:lumOff val="80000"/>
+                  </a:schemeClr>
+                </a:solidFill>
+                <a:latin typeface="MV Boli" panose="02000500030200090000" pitchFamily="2" charset="0"/>
+                <a:cs typeface="MV Boli" panose="02000500030200090000" pitchFamily="2" charset="0"/>
+              </a:rPr>
+              <a:t> </a:t>
+            </a:r>
+            <a:r>
+              <a:rPr lang="en-US" dirty="0" err="1" smtClean="0">
+                <a:solidFill>
+                  <a:schemeClr val="tx2">
+                    <a:lumMod val="20000"/>
+                    <a:lumOff val="80000"/>
+                  </a:schemeClr>
+                </a:solidFill>
+                <a:latin typeface="MV Boli" panose="02000500030200090000" pitchFamily="2" charset="0"/>
+                <a:cs typeface="MV Boli" panose="02000500030200090000" pitchFamily="2" charset="0"/>
+              </a:rPr>
+              <a:t>zum</a:t>
+            </a:r>
+            <a:r>
+              <a:rPr lang="en-US" dirty="0" smtClean="0">
+                <a:solidFill>
+                  <a:schemeClr val="tx2">
+                    <a:lumMod val="20000"/>
+                    <a:lumOff val="80000"/>
+                  </a:schemeClr>
+                </a:solidFill>
+                <a:latin typeface="MV Boli" panose="02000500030200090000" pitchFamily="2" charset="0"/>
+                <a:cs typeface="MV Boli" panose="02000500030200090000" pitchFamily="2" charset="0"/>
+              </a:rPr>
+              <a:t> </a:t>
+            </a:r>
+            <a:r>
+              <a:rPr lang="en-US" dirty="0" err="1" smtClean="0">
+                <a:solidFill>
+                  <a:schemeClr val="tx2">
+                    <a:lumMod val="20000"/>
+                    <a:lumOff val="80000"/>
+                  </a:schemeClr>
+                </a:solidFill>
+                <a:latin typeface="MV Boli" panose="02000500030200090000" pitchFamily="2" charset="0"/>
+                <a:cs typeface="MV Boli" panose="02000500030200090000" pitchFamily="2" charset="0"/>
+              </a:rPr>
+              <a:t>Leben</a:t>
+            </a:r>
+            <a:r>
+              <a:rPr lang="en-US" dirty="0" smtClean="0">
+                <a:solidFill>
+                  <a:schemeClr val="tx2">
+                    <a:lumMod val="20000"/>
+                    <a:lumOff val="80000"/>
+                  </a:schemeClr>
+                </a:solidFill>
+                <a:latin typeface="MV Boli" panose="02000500030200090000" pitchFamily="2" charset="0"/>
+                <a:cs typeface="MV Boli" panose="02000500030200090000" pitchFamily="2" charset="0"/>
+              </a:rPr>
+              <a:t> </a:t>
+            </a:r>
+            <a:r>
+              <a:rPr lang="en-US" dirty="0" err="1" smtClean="0">
+                <a:solidFill>
+                  <a:schemeClr val="tx2">
+                    <a:lumMod val="20000"/>
+                    <a:lumOff val="80000"/>
+                  </a:schemeClr>
+                </a:solidFill>
+                <a:latin typeface="MV Boli" panose="02000500030200090000" pitchFamily="2" charset="0"/>
+                <a:cs typeface="MV Boli" panose="02000500030200090000" pitchFamily="2" charset="0"/>
+              </a:rPr>
+              <a:t>erwacht</a:t>
+            </a:r>
+            <a:r>
+              <a:rPr lang="en-US" dirty="0" smtClean="0">
+                <a:solidFill>
+                  <a:schemeClr val="tx2">
+                    <a:lumMod val="20000"/>
+                    <a:lumOff val="80000"/>
+                  </a:schemeClr>
+                </a:solidFill>
+                <a:latin typeface="MV Boli" panose="02000500030200090000" pitchFamily="2" charset="0"/>
+                <a:cs typeface="MV Boli" panose="02000500030200090000" pitchFamily="2" charset="0"/>
+              </a:rPr>
+              <a:t> und </a:t>
+            </a:r>
+            <a:r>
+              <a:rPr lang="en-US" dirty="0" err="1" smtClean="0">
+                <a:solidFill>
+                  <a:schemeClr val="tx2">
+                    <a:lumMod val="20000"/>
+                    <a:lumOff val="80000"/>
+                  </a:schemeClr>
+                </a:solidFill>
+                <a:latin typeface="MV Boli" panose="02000500030200090000" pitchFamily="2" charset="0"/>
+                <a:cs typeface="MV Boli" panose="02000500030200090000" pitchFamily="2" charset="0"/>
+              </a:rPr>
+              <a:t>versucht</a:t>
+            </a:r>
+            <a:r>
+              <a:rPr lang="en-US" dirty="0" smtClean="0">
+                <a:solidFill>
+                  <a:schemeClr val="tx2">
+                    <a:lumMod val="20000"/>
+                    <a:lumOff val="80000"/>
+                  </a:schemeClr>
+                </a:solidFill>
+                <a:latin typeface="MV Boli" panose="02000500030200090000" pitchFamily="2" charset="0"/>
+                <a:cs typeface="MV Boli" panose="02000500030200090000" pitchFamily="2" charset="0"/>
+              </a:rPr>
+              <a:t> nun </a:t>
+            </a:r>
+            <a:r>
+              <a:rPr lang="en-US" dirty="0" err="1" smtClean="0">
+                <a:solidFill>
+                  <a:schemeClr val="tx2">
+                    <a:lumMod val="20000"/>
+                    <a:lumOff val="80000"/>
+                  </a:schemeClr>
+                </a:solidFill>
+                <a:latin typeface="MV Boli" panose="02000500030200090000" pitchFamily="2" charset="0"/>
+                <a:cs typeface="MV Boli" panose="02000500030200090000" pitchFamily="2" charset="0"/>
+              </a:rPr>
+              <a:t>aus</a:t>
+            </a:r>
+            <a:r>
+              <a:rPr lang="en-US" dirty="0" smtClean="0">
+                <a:solidFill>
+                  <a:schemeClr val="tx2">
+                    <a:lumMod val="20000"/>
+                    <a:lumOff val="80000"/>
+                  </a:schemeClr>
+                </a:solidFill>
+                <a:latin typeface="MV Boli" panose="02000500030200090000" pitchFamily="2" charset="0"/>
+                <a:cs typeface="MV Boli" panose="02000500030200090000" pitchFamily="2" charset="0"/>
+              </a:rPr>
+              <a:t> </a:t>
+            </a:r>
+            <a:r>
+              <a:rPr lang="en-US" dirty="0" err="1" smtClean="0">
+                <a:solidFill>
+                  <a:schemeClr val="tx2">
+                    <a:lumMod val="20000"/>
+                    <a:lumOff val="80000"/>
+                  </a:schemeClr>
+                </a:solidFill>
+                <a:latin typeface="MV Boli" panose="02000500030200090000" pitchFamily="2" charset="0"/>
+                <a:cs typeface="MV Boli" panose="02000500030200090000" pitchFamily="2" charset="0"/>
+              </a:rPr>
+              <a:t>dem</a:t>
+            </a:r>
+            <a:r>
+              <a:rPr lang="en-US" dirty="0" smtClean="0">
+                <a:solidFill>
+                  <a:schemeClr val="tx2">
+                    <a:lumMod val="20000"/>
+                    <a:lumOff val="80000"/>
+                  </a:schemeClr>
+                </a:solidFill>
+                <a:latin typeface="MV Boli" panose="02000500030200090000" pitchFamily="2" charset="0"/>
+                <a:cs typeface="MV Boli" panose="02000500030200090000" pitchFamily="2" charset="0"/>
+              </a:rPr>
+              <a:t> </a:t>
+            </a:r>
+            <a:r>
+              <a:rPr lang="en-US" dirty="0" err="1" smtClean="0">
+                <a:solidFill>
+                  <a:schemeClr val="tx2">
+                    <a:lumMod val="20000"/>
+                    <a:lumOff val="80000"/>
+                  </a:schemeClr>
+                </a:solidFill>
+                <a:latin typeface="MV Boli" panose="02000500030200090000" pitchFamily="2" charset="0"/>
+                <a:cs typeface="MV Boli" panose="02000500030200090000" pitchFamily="2" charset="0"/>
+              </a:rPr>
+              <a:t>unterirdischen</a:t>
+            </a:r>
+            <a:r>
+              <a:rPr lang="en-US" dirty="0" smtClean="0">
+                <a:solidFill>
+                  <a:schemeClr val="tx2">
+                    <a:lumMod val="20000"/>
+                    <a:lumOff val="80000"/>
+                  </a:schemeClr>
+                </a:solidFill>
+                <a:latin typeface="MV Boli" panose="02000500030200090000" pitchFamily="2" charset="0"/>
+                <a:cs typeface="MV Boli" panose="02000500030200090000" pitchFamily="2" charset="0"/>
+              </a:rPr>
+              <a:t> Bunker </a:t>
+            </a:r>
+            <a:r>
+              <a:rPr lang="en-US" dirty="0" err="1" smtClean="0">
+                <a:solidFill>
+                  <a:schemeClr val="tx2">
+                    <a:lumMod val="20000"/>
+                    <a:lumOff val="80000"/>
+                  </a:schemeClr>
+                </a:solidFill>
+                <a:latin typeface="MV Boli" panose="02000500030200090000" pitchFamily="2" charset="0"/>
+                <a:cs typeface="MV Boli" panose="02000500030200090000" pitchFamily="2" charset="0"/>
+              </a:rPr>
+              <a:t>zu</a:t>
+            </a:r>
+            <a:r>
+              <a:rPr lang="en-US" dirty="0" smtClean="0">
+                <a:solidFill>
+                  <a:schemeClr val="tx2">
+                    <a:lumMod val="20000"/>
+                    <a:lumOff val="80000"/>
+                  </a:schemeClr>
+                </a:solidFill>
+                <a:latin typeface="MV Boli" panose="02000500030200090000" pitchFamily="2" charset="0"/>
+                <a:cs typeface="MV Boli" panose="02000500030200090000" pitchFamily="2" charset="0"/>
+              </a:rPr>
+              <a:t> </a:t>
+            </a:r>
+            <a:r>
+              <a:rPr lang="en-US" dirty="0" err="1" smtClean="0">
+                <a:solidFill>
+                  <a:schemeClr val="tx2">
+                    <a:lumMod val="20000"/>
+                    <a:lumOff val="80000"/>
+                  </a:schemeClr>
+                </a:solidFill>
+                <a:latin typeface="MV Boli" panose="02000500030200090000" pitchFamily="2" charset="0"/>
+                <a:cs typeface="MV Boli" panose="02000500030200090000" pitchFamily="2" charset="0"/>
+              </a:rPr>
+              <a:t>fliehen</a:t>
+            </a:r>
+            <a:r>
+              <a:rPr lang="en-US" dirty="0" smtClean="0">
+                <a:solidFill>
+                  <a:schemeClr val="tx2">
+                    <a:lumMod val="20000"/>
+                    <a:lumOff val="80000"/>
+                  </a:schemeClr>
+                </a:solidFill>
+                <a:latin typeface="MV Boli" panose="02000500030200090000" pitchFamily="2" charset="0"/>
+                <a:cs typeface="MV Boli" panose="02000500030200090000" pitchFamily="2" charset="0"/>
+              </a:rPr>
+              <a:t>.</a:t>
+            </a:r>
+            <a:endParaRPr lang="de-DE" dirty="0">
+              <a:solidFill>
+                <a:schemeClr val="tx2">
+                  <a:lumMod val="20000"/>
+                  <a:lumOff val="80000"/>
+                </a:schemeClr>
+              </a:solidFill>
+              <a:latin typeface="MV Boli" panose="02000500030200090000" pitchFamily="2" charset="0"/>
+              <a:cs typeface="MV Boli" panose="02000500030200090000" pitchFamily="2" charset="0"/>
+            </a:endParaRPr>
+          </a:p>
+        </p:txBody>
+      </p:sp>
     </p:spTree>
     <p:extLst>
       <p:ext uri="{BB962C8B-B14F-4D97-AF65-F5344CB8AC3E}">
@@ -13644,764 +10939,6 @@
 </file>
 
 <file path=ppt/slides/slide3.xml><?xml version="1.0" encoding="utf-8"?>
-<p:sld xmlns:a="http://schemas.openxmlformats.org/drawingml/2006/main" xmlns:r="http://schemas.openxmlformats.org/officeDocument/2006/relationships" xmlns:p="http://schemas.openxmlformats.org/presentationml/2006/main">
-  <p:cSld>
-    <p:spTree>
-      <p:nvGrpSpPr>
-        <p:cNvPr id="1" name=""/>
-        <p:cNvGrpSpPr/>
-        <p:nvPr/>
-      </p:nvGrpSpPr>
-      <p:grpSpPr>
-        <a:xfrm>
-          <a:off x="0" y="0"/>
-          <a:ext cx="0" cy="0"/>
-          <a:chOff x="0" y="0"/>
-          <a:chExt cx="0" cy="0"/>
-        </a:xfrm>
-      </p:grpSpPr>
-      <p:pic>
-        <p:nvPicPr>
-          <p:cNvPr id="5" name="Grafik 4"/>
-          <p:cNvPicPr>
-            <a:picLocks noChangeAspect="1"/>
-          </p:cNvPicPr>
-          <p:nvPr/>
-        </p:nvPicPr>
-        <p:blipFill>
-          <a:blip r:embed="rId2" cstate="print">
-            <a:extLst>
-              <a:ext uri="{28A0092B-C50C-407E-A947-70E740481C1C}">
-                <a14:useLocalDpi xmlns:a14="http://schemas.microsoft.com/office/drawing/2010/main" val="0"/>
-              </a:ext>
-            </a:extLst>
-          </a:blip>
-          <a:stretch>
-            <a:fillRect/>
-          </a:stretch>
-        </p:blipFill>
-        <p:spPr>
-          <a:xfrm>
-            <a:off x="138331" y="0"/>
-            <a:ext cx="8826157" cy="4948014"/>
-          </a:xfrm>
-          <a:prstGeom prst="rect">
-            <a:avLst/>
-          </a:prstGeom>
-          <a:ln>
-            <a:noFill/>
-          </a:ln>
-          <a:effectLst>
-            <a:softEdge rad="317500"/>
-          </a:effectLst>
-        </p:spPr>
-      </p:pic>
-      <p:sp>
-        <p:nvSpPr>
-          <p:cNvPr id="2" name="Titel 1"/>
-          <p:cNvSpPr>
-            <a:spLocks noGrp="1"/>
-          </p:cNvSpPr>
-          <p:nvPr>
-            <p:ph type="ctrTitle"/>
-          </p:nvPr>
-        </p:nvSpPr>
-        <p:spPr>
-          <a:xfrm>
-            <a:off x="685800" y="303499"/>
-            <a:ext cx="7772400" cy="756083"/>
-          </a:xfrm>
-        </p:spPr>
-        <p:txBody>
-          <a:bodyPr>
-            <a:normAutofit/>
-          </a:bodyPr>
-          <a:lstStyle/>
-          <a:p>
-            <a:pPr algn="ctr"/>
-            <a:r>
-              <a:rPr lang="de-DE" sz="3600" dirty="0" smtClean="0">
-                <a:latin typeface="MV Boli" pitchFamily="2" charset="0"/>
-                <a:cs typeface="MV Boli" pitchFamily="2" charset="0"/>
-              </a:rPr>
-              <a:t>Gameplay</a:t>
-            </a:r>
-            <a:endParaRPr lang="de-DE" sz="3600" dirty="0">
-              <a:latin typeface="MV Boli" pitchFamily="2" charset="0"/>
-              <a:cs typeface="MV Boli" pitchFamily="2" charset="0"/>
-            </a:endParaRPr>
-          </a:p>
-        </p:txBody>
-      </p:sp>
-      <p:graphicFrame>
-        <p:nvGraphicFramePr>
-          <p:cNvPr id="4" name="Diagramm 3"/>
-          <p:cNvGraphicFramePr/>
-          <p:nvPr>
-            <p:extLst>
-              <p:ext uri="{D42A27DB-BD31-4B8C-83A1-F6EECF244321}">
-                <p14:modId xmlns:p14="http://schemas.microsoft.com/office/powerpoint/2010/main" val="2471622560"/>
-              </p:ext>
-            </p:extLst>
-          </p:nvPr>
-        </p:nvGraphicFramePr>
-        <p:xfrm>
-          <a:off x="287524" y="1635646"/>
-          <a:ext cx="4608512" cy="2799710"/>
-        </p:xfrm>
-        <a:graphic>
-          <a:graphicData uri="http://schemas.openxmlformats.org/drawingml/2006/diagram">
-            <dgm:relIds xmlns:dgm="http://schemas.openxmlformats.org/drawingml/2006/diagram" xmlns:r="http://schemas.openxmlformats.org/officeDocument/2006/relationships" r:dm="rId3" r:lo="rId4" r:qs="rId5" r:cs="rId6"/>
-          </a:graphicData>
-        </a:graphic>
-      </p:graphicFrame>
-      <p:sp>
-        <p:nvSpPr>
-          <p:cNvPr id="3" name="Textfeld 2"/>
-          <p:cNvSpPr txBox="1"/>
-          <p:nvPr/>
-        </p:nvSpPr>
-        <p:spPr>
-          <a:xfrm>
-            <a:off x="446953" y="1059582"/>
-            <a:ext cx="4104456" cy="461665"/>
-          </a:xfrm>
-          <a:prstGeom prst="rect">
-            <a:avLst/>
-          </a:prstGeom>
-          <a:noFill/>
-        </p:spPr>
-        <p:txBody>
-          <a:bodyPr wrap="square" rtlCol="0">
-            <a:spAutoFit/>
-          </a:bodyPr>
-          <a:lstStyle/>
-          <a:p>
-            <a:pPr algn="ctr"/>
-            <a:r>
-              <a:rPr lang="de-DE" sz="2400" dirty="0" smtClean="0">
-                <a:latin typeface="MV Boli" pitchFamily="2" charset="0"/>
-                <a:cs typeface="MV Boli" pitchFamily="2" charset="0"/>
-              </a:rPr>
-              <a:t>Core Game Loop</a:t>
-            </a:r>
-            <a:endParaRPr lang="de-DE" sz="2400" dirty="0">
-              <a:latin typeface="MV Boli" pitchFamily="2" charset="0"/>
-              <a:cs typeface="MV Boli" pitchFamily="2" charset="0"/>
-            </a:endParaRPr>
-          </a:p>
-        </p:txBody>
-      </p:sp>
-      <p:sp>
-        <p:nvSpPr>
-          <p:cNvPr id="6" name="Textfeld 5"/>
-          <p:cNvSpPr txBox="1"/>
-          <p:nvPr/>
-        </p:nvSpPr>
-        <p:spPr>
-          <a:xfrm>
-            <a:off x="4551409" y="915566"/>
-            <a:ext cx="3981031" cy="3647152"/>
-          </a:xfrm>
-          <a:prstGeom prst="rect">
-            <a:avLst/>
-          </a:prstGeom>
-          <a:noFill/>
-        </p:spPr>
-        <p:txBody>
-          <a:bodyPr wrap="square" rtlCol="0">
-            <a:spAutoFit/>
-          </a:bodyPr>
-          <a:lstStyle/>
-          <a:p>
-            <a:pPr>
-              <a:lnSpc>
-                <a:spcPct val="150000"/>
-              </a:lnSpc>
-            </a:pPr>
-            <a:r>
-              <a:rPr lang="de-DE" sz="2400" dirty="0" smtClean="0">
-                <a:latin typeface="MV Boli" pitchFamily="2" charset="0"/>
-                <a:cs typeface="MV Boli" pitchFamily="2" charset="0"/>
-              </a:rPr>
-              <a:t>Mechanics:</a:t>
-            </a:r>
-            <a:r>
-              <a:rPr lang="de-DE" dirty="0" smtClean="0">
-                <a:latin typeface="MV Boli" pitchFamily="2" charset="0"/>
-                <a:cs typeface="MV Boli" pitchFamily="2" charset="0"/>
-              </a:rPr>
-              <a:t> </a:t>
-            </a:r>
-          </a:p>
-          <a:p>
-            <a:pPr marL="285750" indent="-285750">
-              <a:lnSpc>
-                <a:spcPct val="150000"/>
-              </a:lnSpc>
-              <a:buFont typeface="Courier New" pitchFamily="49" charset="0"/>
-              <a:buChar char="o"/>
-            </a:pPr>
-            <a:r>
-              <a:rPr lang="de-DE" dirty="0" smtClean="0">
-                <a:solidFill>
-                  <a:schemeClr val="tx2"/>
-                </a:solidFill>
-                <a:latin typeface="MV Boli" pitchFamily="2" charset="0"/>
-                <a:cs typeface="MV Boli" pitchFamily="2" charset="0"/>
-              </a:rPr>
-              <a:t>Clairvoyance – Watch the room from a static perspective</a:t>
-            </a:r>
-          </a:p>
-          <a:p>
-            <a:pPr marL="285750" indent="-285750">
-              <a:lnSpc>
-                <a:spcPct val="150000"/>
-              </a:lnSpc>
-              <a:buFont typeface="Courier New" pitchFamily="49" charset="0"/>
-              <a:buChar char="o"/>
-            </a:pPr>
-            <a:r>
-              <a:rPr lang="de-DE" dirty="0" smtClean="0">
-                <a:solidFill>
-                  <a:schemeClr val="tx2"/>
-                </a:solidFill>
-                <a:latin typeface="MV Boli" pitchFamily="2" charset="0"/>
-                <a:cs typeface="MV Boli" pitchFamily="2" charset="0"/>
-              </a:rPr>
-              <a:t>Posession – Posess a guard </a:t>
-            </a:r>
-          </a:p>
-          <a:p>
-            <a:pPr marL="285750" indent="-285750">
-              <a:lnSpc>
-                <a:spcPct val="150000"/>
-              </a:lnSpc>
-              <a:buFont typeface="Courier New" pitchFamily="49" charset="0"/>
-              <a:buChar char="o"/>
-            </a:pPr>
-            <a:endParaRPr lang="de-DE" dirty="0">
-              <a:latin typeface="MV Boli" pitchFamily="2" charset="0"/>
-              <a:cs typeface="MV Boli" pitchFamily="2" charset="0"/>
-            </a:endParaRPr>
-          </a:p>
-          <a:p>
-            <a:pPr>
-              <a:lnSpc>
-                <a:spcPct val="150000"/>
-              </a:lnSpc>
-            </a:pPr>
-            <a:r>
-              <a:rPr lang="de-DE" sz="2400" dirty="0" smtClean="0">
-                <a:latin typeface="MV Boli" pitchFamily="2" charset="0"/>
-                <a:cs typeface="MV Boli" pitchFamily="2" charset="0"/>
-              </a:rPr>
-              <a:t>Camera: </a:t>
-            </a:r>
-          </a:p>
-          <a:p>
-            <a:pPr marL="285750" indent="-285750">
-              <a:lnSpc>
-                <a:spcPct val="150000"/>
-              </a:lnSpc>
-              <a:buFont typeface="Courier New" pitchFamily="49" charset="0"/>
-              <a:buChar char="o"/>
-            </a:pPr>
-            <a:r>
-              <a:rPr lang="de-DE" dirty="0" smtClean="0">
-                <a:solidFill>
-                  <a:schemeClr val="tx2"/>
-                </a:solidFill>
-                <a:latin typeface="MV Boli" pitchFamily="2" charset="0"/>
-                <a:cs typeface="MV Boli" pitchFamily="2" charset="0"/>
-              </a:rPr>
-              <a:t>Third person slightly from below</a:t>
-            </a:r>
-          </a:p>
-          <a:p>
-            <a:pPr>
-              <a:lnSpc>
-                <a:spcPct val="150000"/>
-              </a:lnSpc>
-            </a:pPr>
-            <a:endParaRPr lang="de-DE" sz="1600" dirty="0">
-              <a:latin typeface="MV Boli" pitchFamily="2" charset="0"/>
-              <a:cs typeface="MV Boli" pitchFamily="2" charset="0"/>
-            </a:endParaRPr>
-          </a:p>
-        </p:txBody>
-      </p:sp>
-    </p:spTree>
-    <p:extLst>
-      <p:ext uri="{BB962C8B-B14F-4D97-AF65-F5344CB8AC3E}">
-        <p14:creationId xmlns:p14="http://schemas.microsoft.com/office/powerpoint/2010/main" val="2035362994"/>
-      </p:ext>
-    </p:extLst>
-  </p:cSld>
-  <p:clrMapOvr>
-    <a:masterClrMapping/>
-  </p:clrMapOvr>
-  <p:timing>
-    <p:tnLst>
-      <p:par>
-        <p:cTn id="1" dur="indefinite" restart="never" nodeType="tmRoot">
-          <p:childTnLst>
-            <p:seq concurrent="1" nextAc="seek">
-              <p:cTn id="2" dur="indefinite" nodeType="mainSeq">
-                <p:childTnLst>
-                  <p:par>
-                    <p:cTn id="3" fill="hold">
-                      <p:stCondLst>
-                        <p:cond delay="indefinite"/>
-                        <p:cond evt="onBegin" delay="0">
-                          <p:tn val="2"/>
-                        </p:cond>
-                      </p:stCondLst>
-                      <p:childTnLst>
-                        <p:par>
-                          <p:cTn id="4" fill="hold">
-                            <p:stCondLst>
-                              <p:cond delay="0"/>
-                            </p:stCondLst>
-                            <p:childTnLst>
-                              <p:par>
-                                <p:cTn id="5" presetID="6" presetClass="entr" presetSubtype="32" fill="hold" grpId="0" nodeType="withEffect">
-                                  <p:stCondLst>
-                                    <p:cond delay="0"/>
-                                  </p:stCondLst>
-                                  <p:childTnLst>
-                                    <p:set>
-                                      <p:cBhvr>
-                                        <p:cTn id="6" dur="1" fill="hold">
-                                          <p:stCondLst>
-                                            <p:cond delay="0"/>
-                                          </p:stCondLst>
-                                        </p:cTn>
-                                        <p:tgtEl>
-                                          <p:spTgt spid="2"/>
-                                        </p:tgtEl>
-                                        <p:attrNameLst>
-                                          <p:attrName>style.visibility</p:attrName>
-                                        </p:attrNameLst>
-                                      </p:cBhvr>
-                                      <p:to>
-                                        <p:strVal val="visible"/>
-                                      </p:to>
-                                    </p:set>
-                                    <p:animEffect transition="in" filter="circle(out)">
-                                      <p:cBhvr>
-                                        <p:cTn id="7" dur="2000"/>
-                                        <p:tgtEl>
-                                          <p:spTgt spid="2"/>
-                                        </p:tgtEl>
-                                      </p:cBhvr>
-                                    </p:animEffect>
-                                  </p:childTnLst>
-                                </p:cTn>
-                              </p:par>
-                            </p:childTnLst>
-                          </p:cTn>
-                        </p:par>
-                        <p:par>
-                          <p:cTn id="8" fill="hold">
-                            <p:stCondLst>
-                              <p:cond delay="2000"/>
-                            </p:stCondLst>
-                            <p:childTnLst>
-                              <p:par>
-                                <p:cTn id="9" presetID="22" presetClass="entr" presetSubtype="8" fill="hold" nodeType="afterEffect">
-                                  <p:stCondLst>
-                                    <p:cond delay="0"/>
-                                  </p:stCondLst>
-                                  <p:childTnLst>
-                                    <p:set>
-                                      <p:cBhvr>
-                                        <p:cTn id="10" dur="1" fill="hold">
-                                          <p:stCondLst>
-                                            <p:cond delay="0"/>
-                                          </p:stCondLst>
-                                        </p:cTn>
-                                        <p:tgtEl>
-                                          <p:spTgt spid="3">
-                                            <p:txEl>
-                                              <p:pRg st="0" end="0"/>
-                                            </p:txEl>
-                                          </p:spTgt>
-                                        </p:tgtEl>
-                                        <p:attrNameLst>
-                                          <p:attrName>style.visibility</p:attrName>
-                                        </p:attrNameLst>
-                                      </p:cBhvr>
-                                      <p:to>
-                                        <p:strVal val="visible"/>
-                                      </p:to>
-                                    </p:set>
-                                    <p:animEffect transition="in" filter="wipe(left)">
-                                      <p:cBhvr>
-                                        <p:cTn id="11" dur="500"/>
-                                        <p:tgtEl>
-                                          <p:spTgt spid="3">
-                                            <p:txEl>
-                                              <p:pRg st="0" end="0"/>
-                                            </p:txEl>
-                                          </p:spTgt>
-                                        </p:tgtEl>
-                                      </p:cBhvr>
-                                    </p:animEffect>
-                                  </p:childTnLst>
-                                </p:cTn>
-                              </p:par>
-                            </p:childTnLst>
-                          </p:cTn>
-                        </p:par>
-                        <p:par>
-                          <p:cTn id="12" fill="hold">
-                            <p:stCondLst>
-                              <p:cond delay="2500"/>
-                            </p:stCondLst>
-                            <p:childTnLst>
-                              <p:par>
-                                <p:cTn id="13" presetID="6" presetClass="entr" presetSubtype="32" fill="hold" grpId="0" nodeType="afterEffect">
-                                  <p:stCondLst>
-                                    <p:cond delay="500"/>
-                                  </p:stCondLst>
-                                  <p:childTnLst>
-                                    <p:set>
-                                      <p:cBhvr>
-                                        <p:cTn id="14" dur="1" fill="hold">
-                                          <p:stCondLst>
-                                            <p:cond delay="0"/>
-                                          </p:stCondLst>
-                                        </p:cTn>
-                                        <p:tgtEl>
-                                          <p:spTgt spid="4"/>
-                                        </p:tgtEl>
-                                        <p:attrNameLst>
-                                          <p:attrName>style.visibility</p:attrName>
-                                        </p:attrNameLst>
-                                      </p:cBhvr>
-                                      <p:to>
-                                        <p:strVal val="visible"/>
-                                      </p:to>
-                                    </p:set>
-                                    <p:animEffect transition="in" filter="circle(out)">
-                                      <p:cBhvr>
-                                        <p:cTn id="15" dur="2000"/>
-                                        <p:tgtEl>
-                                          <p:spTgt spid="4"/>
-                                        </p:tgtEl>
-                                      </p:cBhvr>
-                                    </p:animEffect>
-                                  </p:childTnLst>
-                                </p:cTn>
-                              </p:par>
-                            </p:childTnLst>
-                          </p:cTn>
-                        </p:par>
-                      </p:childTnLst>
-                    </p:cTn>
-                  </p:par>
-                  <p:par>
-                    <p:cTn id="16" fill="hold">
-                      <p:stCondLst>
-                        <p:cond delay="indefinite"/>
-                      </p:stCondLst>
-                      <p:childTnLst>
-                        <p:par>
-                          <p:cTn id="17" fill="hold">
-                            <p:stCondLst>
-                              <p:cond delay="0"/>
-                            </p:stCondLst>
-                            <p:childTnLst>
-                              <p:par>
-                                <p:cTn id="18" presetID="22" presetClass="entr" presetSubtype="8" fill="hold" nodeType="clickEffect">
-                                  <p:stCondLst>
-                                    <p:cond delay="0"/>
-                                  </p:stCondLst>
-                                  <p:childTnLst>
-                                    <p:set>
-                                      <p:cBhvr>
-                                        <p:cTn id="19" dur="1" fill="hold">
-                                          <p:stCondLst>
-                                            <p:cond delay="0"/>
-                                          </p:stCondLst>
-                                        </p:cTn>
-                                        <p:tgtEl>
-                                          <p:spTgt spid="6">
-                                            <p:txEl>
-                                              <p:pRg st="0" end="0"/>
-                                            </p:txEl>
-                                          </p:spTgt>
-                                        </p:tgtEl>
-                                        <p:attrNameLst>
-                                          <p:attrName>style.visibility</p:attrName>
-                                        </p:attrNameLst>
-                                      </p:cBhvr>
-                                      <p:to>
-                                        <p:strVal val="visible"/>
-                                      </p:to>
-                                    </p:set>
-                                    <p:animEffect transition="in" filter="wipe(left)">
-                                      <p:cBhvr>
-                                        <p:cTn id="20" dur="500"/>
-                                        <p:tgtEl>
-                                          <p:spTgt spid="6">
-                                            <p:txEl>
-                                              <p:pRg st="0" end="0"/>
-                                            </p:txEl>
-                                          </p:spTgt>
-                                        </p:tgtEl>
-                                      </p:cBhvr>
-                                    </p:animEffect>
-                                  </p:childTnLst>
-                                </p:cTn>
-                              </p:par>
-                            </p:childTnLst>
-                          </p:cTn>
-                        </p:par>
-                        <p:par>
-                          <p:cTn id="21" fill="hold">
-                            <p:stCondLst>
-                              <p:cond delay="500"/>
-                            </p:stCondLst>
-                            <p:childTnLst>
-                              <p:par>
-                                <p:cTn id="22" presetID="22" presetClass="entr" presetSubtype="8" fill="hold" nodeType="afterEffect">
-                                  <p:stCondLst>
-                                    <p:cond delay="500"/>
-                                  </p:stCondLst>
-                                  <p:childTnLst>
-                                    <p:set>
-                                      <p:cBhvr>
-                                        <p:cTn id="23" dur="1" fill="hold">
-                                          <p:stCondLst>
-                                            <p:cond delay="0"/>
-                                          </p:stCondLst>
-                                        </p:cTn>
-                                        <p:tgtEl>
-                                          <p:spTgt spid="6">
-                                            <p:txEl>
-                                              <p:pRg st="1" end="1"/>
-                                            </p:txEl>
-                                          </p:spTgt>
-                                        </p:tgtEl>
-                                        <p:attrNameLst>
-                                          <p:attrName>style.visibility</p:attrName>
-                                        </p:attrNameLst>
-                                      </p:cBhvr>
-                                      <p:to>
-                                        <p:strVal val="visible"/>
-                                      </p:to>
-                                    </p:set>
-                                    <p:animEffect transition="in" filter="wipe(left)">
-                                      <p:cBhvr>
-                                        <p:cTn id="24" dur="500"/>
-                                        <p:tgtEl>
-                                          <p:spTgt spid="6">
-                                            <p:txEl>
-                                              <p:pRg st="1" end="1"/>
-                                            </p:txEl>
-                                          </p:spTgt>
-                                        </p:tgtEl>
-                                      </p:cBhvr>
-                                    </p:animEffect>
-                                  </p:childTnLst>
-                                </p:cTn>
-                              </p:par>
-                            </p:childTnLst>
-                          </p:cTn>
-                        </p:par>
-                        <p:par>
-                          <p:cTn id="25" fill="hold">
-                            <p:stCondLst>
-                              <p:cond delay="1500"/>
-                            </p:stCondLst>
-                            <p:childTnLst>
-                              <p:par>
-                                <p:cTn id="26" presetID="22" presetClass="entr" presetSubtype="8" fill="hold" nodeType="afterEffect">
-                                  <p:stCondLst>
-                                    <p:cond delay="500"/>
-                                  </p:stCondLst>
-                                  <p:childTnLst>
-                                    <p:set>
-                                      <p:cBhvr>
-                                        <p:cTn id="27" dur="1" fill="hold">
-                                          <p:stCondLst>
-                                            <p:cond delay="0"/>
-                                          </p:stCondLst>
-                                        </p:cTn>
-                                        <p:tgtEl>
-                                          <p:spTgt spid="6">
-                                            <p:txEl>
-                                              <p:pRg st="2" end="2"/>
-                                            </p:txEl>
-                                          </p:spTgt>
-                                        </p:tgtEl>
-                                        <p:attrNameLst>
-                                          <p:attrName>style.visibility</p:attrName>
-                                        </p:attrNameLst>
-                                      </p:cBhvr>
-                                      <p:to>
-                                        <p:strVal val="visible"/>
-                                      </p:to>
-                                    </p:set>
-                                    <p:animEffect transition="in" filter="wipe(left)">
-                                      <p:cBhvr>
-                                        <p:cTn id="28" dur="500"/>
-                                        <p:tgtEl>
-                                          <p:spTgt spid="6">
-                                            <p:txEl>
-                                              <p:pRg st="2" end="2"/>
-                                            </p:txEl>
-                                          </p:spTgt>
-                                        </p:tgtEl>
-                                      </p:cBhvr>
-                                    </p:animEffect>
-                                  </p:childTnLst>
-                                </p:cTn>
-                              </p:par>
-                            </p:childTnLst>
-                          </p:cTn>
-                        </p:par>
-                        <p:par>
-                          <p:cTn id="29" fill="hold">
-                            <p:stCondLst>
-                              <p:cond delay="2500"/>
-                            </p:stCondLst>
-                            <p:childTnLst>
-                              <p:par>
-                                <p:cTn id="30" presetID="22" presetClass="entr" presetSubtype="8" fill="hold" nodeType="afterEffect">
-                                  <p:stCondLst>
-                                    <p:cond delay="500"/>
-                                  </p:stCondLst>
-                                  <p:childTnLst>
-                                    <p:set>
-                                      <p:cBhvr>
-                                        <p:cTn id="31" dur="1" fill="hold">
-                                          <p:stCondLst>
-                                            <p:cond delay="0"/>
-                                          </p:stCondLst>
-                                        </p:cTn>
-                                        <p:tgtEl>
-                                          <p:spTgt spid="6">
-                                            <p:txEl>
-                                              <p:pRg st="4" end="4"/>
-                                            </p:txEl>
-                                          </p:spTgt>
-                                        </p:tgtEl>
-                                        <p:attrNameLst>
-                                          <p:attrName>style.visibility</p:attrName>
-                                        </p:attrNameLst>
-                                      </p:cBhvr>
-                                      <p:to>
-                                        <p:strVal val="visible"/>
-                                      </p:to>
-                                    </p:set>
-                                    <p:animEffect transition="in" filter="wipe(left)">
-                                      <p:cBhvr>
-                                        <p:cTn id="32" dur="500"/>
-                                        <p:tgtEl>
-                                          <p:spTgt spid="6">
-                                            <p:txEl>
-                                              <p:pRg st="4" end="4"/>
-                                            </p:txEl>
-                                          </p:spTgt>
-                                        </p:tgtEl>
-                                      </p:cBhvr>
-                                    </p:animEffect>
-                                  </p:childTnLst>
-                                </p:cTn>
-                              </p:par>
-                            </p:childTnLst>
-                          </p:cTn>
-                        </p:par>
-                        <p:par>
-                          <p:cTn id="33" fill="hold">
-                            <p:stCondLst>
-                              <p:cond delay="3500"/>
-                            </p:stCondLst>
-                            <p:childTnLst>
-                              <p:par>
-                                <p:cTn id="34" presetID="22" presetClass="entr" presetSubtype="8" fill="hold" nodeType="afterEffect">
-                                  <p:stCondLst>
-                                    <p:cond delay="500"/>
-                                  </p:stCondLst>
-                                  <p:childTnLst>
-                                    <p:set>
-                                      <p:cBhvr>
-                                        <p:cTn id="35" dur="1" fill="hold">
-                                          <p:stCondLst>
-                                            <p:cond delay="0"/>
-                                          </p:stCondLst>
-                                        </p:cTn>
-                                        <p:tgtEl>
-                                          <p:spTgt spid="6">
-                                            <p:txEl>
-                                              <p:pRg st="5" end="5"/>
-                                            </p:txEl>
-                                          </p:spTgt>
-                                        </p:tgtEl>
-                                        <p:attrNameLst>
-                                          <p:attrName>style.visibility</p:attrName>
-                                        </p:attrNameLst>
-                                      </p:cBhvr>
-                                      <p:to>
-                                        <p:strVal val="visible"/>
-                                      </p:to>
-                                    </p:set>
-                                    <p:animEffect transition="in" filter="wipe(left)">
-                                      <p:cBhvr>
-                                        <p:cTn id="36" dur="500"/>
-                                        <p:tgtEl>
-                                          <p:spTgt spid="6">
-                                            <p:txEl>
-                                              <p:pRg st="5" end="5"/>
-                                            </p:txEl>
-                                          </p:spTgt>
-                                        </p:tgtEl>
-                                      </p:cBhvr>
-                                    </p:animEffect>
-                                  </p:childTnLst>
-                                </p:cTn>
-                              </p:par>
-                            </p:childTnLst>
-                          </p:cTn>
-                        </p:par>
-                      </p:childTnLst>
-                    </p:cTn>
-                  </p:par>
-                </p:childTnLst>
-              </p:cTn>
-              <p:prevCondLst>
-                <p:cond evt="onPrev" delay="0">
-                  <p:tgtEl>
-                    <p:sldTgt/>
-                  </p:tgtEl>
-                </p:cond>
-              </p:prevCondLst>
-              <p:nextCondLst>
-                <p:cond evt="onNext" delay="0">
-                  <p:tgtEl>
-                    <p:sldTgt/>
-                  </p:tgtEl>
-                </p:cond>
-              </p:nextCondLst>
-            </p:seq>
-          </p:childTnLst>
-        </p:cTn>
-      </p:par>
-    </p:tnLst>
-    <p:bldLst>
-      <p:bldP spid="2" grpId="0"/>
-      <p:bldGraphic spid="4" grpId="0">
-        <p:bldAsOne/>
-      </p:bldGraphic>
-    </p:bldLst>
-  </p:timing>
-</p:sld>
-</file>
-
-<file path=ppt/slides/slide4.xml><?xml version="1.0" encoding="utf-8"?>
 <p:sld xmlns:a="http://schemas.openxmlformats.org/drawingml/2006/main" xmlns:r="http://schemas.openxmlformats.org/officeDocument/2006/relationships" xmlns:p="http://schemas.openxmlformats.org/presentationml/2006/main">
   <p:cSld>
     <p:spTree>
@@ -15390,7 +11927,7 @@
 </p:sld>
 </file>
 
-<file path=ppt/slides/slide5.xml><?xml version="1.0" encoding="utf-8"?>
+<file path=ppt/slides/slide4.xml><?xml version="1.0" encoding="utf-8"?>
 <p:sld xmlns:a="http://schemas.openxmlformats.org/drawingml/2006/main" xmlns:r="http://schemas.openxmlformats.org/officeDocument/2006/relationships" xmlns:p="http://schemas.openxmlformats.org/presentationml/2006/main">
   <p:cSld>
     <p:spTree>
@@ -15498,7 +12035,7 @@
         </p:spPr>
         <p:txBody>
           <a:bodyPr>
-            <a:normAutofit fontScale="85000" lnSpcReduction="10000"/>
+            <a:normAutofit/>
           </a:bodyPr>
           <a:lstStyle/>
           <a:p>
@@ -15507,11 +12044,46 @@
               <a:buChar char="o"/>
             </a:pPr>
             <a:r>
-              <a:rPr lang="de-DE" sz="2400" dirty="0" smtClean="0">
+              <a:rPr lang="de-DE" sz="1800" dirty="0" smtClean="0">
                 <a:latin typeface="MV Boli" pitchFamily="2" charset="0"/>
                 <a:cs typeface="MV Boli" pitchFamily="2" charset="0"/>
               </a:rPr>
-              <a:t>Core Experience – 1 playable stage</a:t>
+              <a:t>Core Experience – 1 </a:t>
+            </a:r>
+            <a:r>
+              <a:rPr lang="de-DE" sz="1800" dirty="0" err="1" smtClean="0">
+                <a:latin typeface="MV Boli" pitchFamily="2" charset="0"/>
+                <a:cs typeface="MV Boli" pitchFamily="2" charset="0"/>
+              </a:rPr>
+              <a:t>basic</a:t>
+            </a:r>
+            <a:r>
+              <a:rPr lang="de-DE" sz="1800" dirty="0" smtClean="0">
+                <a:latin typeface="MV Boli" pitchFamily="2" charset="0"/>
+                <a:cs typeface="MV Boli" pitchFamily="2" charset="0"/>
+              </a:rPr>
+              <a:t> </a:t>
+            </a:r>
+            <a:r>
+              <a:rPr lang="de-DE" sz="1800" dirty="0" err="1" smtClean="0">
+                <a:latin typeface="MV Boli" pitchFamily="2" charset="0"/>
+                <a:cs typeface="MV Boli" pitchFamily="2" charset="0"/>
+              </a:rPr>
+              <a:t>playable</a:t>
+            </a:r>
+            <a:r>
+              <a:rPr lang="de-DE" sz="1800" dirty="0" smtClean="0">
+                <a:latin typeface="MV Boli" pitchFamily="2" charset="0"/>
+                <a:cs typeface="MV Boli" pitchFamily="2" charset="0"/>
+              </a:rPr>
+              <a:t> </a:t>
+            </a:r>
+            <a:r>
+              <a:rPr lang="de-DE" sz="1800" dirty="0" smtClean="0">
+                <a:latin typeface="MV Boli" pitchFamily="2" charset="0"/>
+                <a:cs typeface="MV Boli" pitchFamily="2" charset="0"/>
+              </a:rPr>
+              <a:t>stage</a:t>
             </a:r>
           </a:p>
           <a:p>
@@ -15519,7 +12091,7 @@
               <a:buFont typeface="Courier New" pitchFamily="49" charset="0"/>
               <a:buChar char="o"/>
             </a:pPr>
-            <a:endParaRPr lang="de-DE" sz="2400" dirty="0" smtClean="0">
+            <a:endParaRPr lang="de-DE" sz="1800" dirty="0" smtClean="0">
               <a:latin typeface="MV Boli" pitchFamily="2" charset="0"/>
               <a:cs typeface="MV Boli" pitchFamily="2" charset="0"/>
             </a:endParaRPr>
@@ -15530,7 +12102,7 @@
               <a:buChar char="o"/>
             </a:pPr>
             <a:r>
-              <a:rPr lang="de-DE" sz="2400" dirty="0" smtClean="0">
+              <a:rPr lang="de-DE" sz="1800" dirty="0" smtClean="0">
                 <a:latin typeface="MV Boli" pitchFamily="2" charset="0"/>
                 <a:cs typeface="MV Boli" pitchFamily="2" charset="0"/>
               </a:rPr>
@@ -15542,7 +12114,7 @@
               <a:buFont typeface="Courier New" pitchFamily="49" charset="0"/>
               <a:buChar char="o"/>
             </a:pPr>
-            <a:endParaRPr lang="de-DE" sz="2400" dirty="0" smtClean="0">
+            <a:endParaRPr lang="de-DE" sz="1800" dirty="0" smtClean="0">
               <a:latin typeface="MV Boli" pitchFamily="2" charset="0"/>
               <a:cs typeface="MV Boli" pitchFamily="2" charset="0"/>
             </a:endParaRPr>
@@ -15553,7 +12125,7 @@
               <a:buChar char="o"/>
             </a:pPr>
             <a:r>
-              <a:rPr lang="de-DE" sz="2400" dirty="0" smtClean="0">
+              <a:rPr lang="de-DE" sz="1800" dirty="0" smtClean="0">
                 <a:latin typeface="MV Boli" pitchFamily="2" charset="0"/>
                 <a:cs typeface="MV Boli" pitchFamily="2" charset="0"/>
               </a:rPr>
@@ -15593,7 +12165,7 @@
         </p:spPr>
         <p:txBody>
           <a:bodyPr vert="horz" lIns="91440" tIns="45720" rIns="91440" bIns="45720" rtlCol="0" anchor="t">
-            <a:normAutofit fontScale="85000" lnSpcReduction="20000"/>
+            <a:normAutofit fontScale="70000" lnSpcReduction="20000"/>
           </a:bodyPr>
           <a:lstStyle>
             <a:lvl1pPr marL="0" indent="0" algn="l" defTabSz="457200" rtl="0" eaLnBrk="1" latinLnBrk="0" hangingPunct="1">
@@ -15784,34 +12356,48 @@
               <a:buChar char="o"/>
             </a:pPr>
             <a:r>
-              <a:rPr lang="de-DE" sz="2400" dirty="0" smtClean="0">
+              <a:rPr lang="de-DE" sz="2600" dirty="0" smtClean="0">
                 <a:latin typeface="MV Boli" pitchFamily="2" charset="0"/>
                 <a:cs typeface="MV Boli" pitchFamily="2" charset="0"/>
               </a:rPr>
               <a:t>Core Experience – 1 </a:t>
             </a:r>
             <a:r>
-              <a:rPr lang="de-DE" sz="2400" dirty="0" err="1" smtClean="0">
+              <a:rPr lang="de-DE" sz="2600" dirty="0" err="1" smtClean="0">
+                <a:latin typeface="MV Boli" pitchFamily="2" charset="0"/>
+                <a:cs typeface="MV Boli" pitchFamily="2" charset="0"/>
+              </a:rPr>
+              <a:t>basic</a:t>
+            </a:r>
+            <a:r>
+              <a:rPr lang="de-DE" sz="2600" dirty="0" smtClean="0">
+                <a:latin typeface="MV Boli" pitchFamily="2" charset="0"/>
+                <a:cs typeface="MV Boli" pitchFamily="2" charset="0"/>
+              </a:rPr>
+              <a:t> </a:t>
+            </a:r>
+            <a:r>
+              <a:rPr lang="de-DE" sz="2600" dirty="0" err="1" smtClean="0">
                 <a:latin typeface="MV Boli" pitchFamily="2" charset="0"/>
                 <a:cs typeface="MV Boli" pitchFamily="2" charset="0"/>
               </a:rPr>
               <a:t>playable</a:t>
             </a:r>
             <a:r>
-              <a:rPr lang="de-DE" sz="2400" dirty="0" smtClean="0">
+              <a:rPr lang="de-DE" sz="2600" dirty="0" smtClean="0">
                 <a:latin typeface="MV Boli" pitchFamily="2" charset="0"/>
                 <a:cs typeface="MV Boli" pitchFamily="2" charset="0"/>
               </a:rPr>
               <a:t> </a:t>
             </a:r>
             <a:r>
-              <a:rPr lang="de-DE" sz="2400" dirty="0" err="1" smtClean="0">
+              <a:rPr lang="de-DE" sz="2600" dirty="0" err="1" smtClean="0">
                 <a:latin typeface="MV Boli" pitchFamily="2" charset="0"/>
                 <a:cs typeface="MV Boli" pitchFamily="2" charset="0"/>
               </a:rPr>
               <a:t>stage</a:t>
             </a:r>
-            <a:endParaRPr lang="de-DE" sz="2400" dirty="0" smtClean="0">
+            <a:endParaRPr lang="de-DE" sz="2600" dirty="0" smtClean="0">
               <a:latin typeface="MV Boli" pitchFamily="2" charset="0"/>
               <a:cs typeface="MV Boli" pitchFamily="2" charset="0"/>
             </a:endParaRPr>
@@ -15821,7 +12407,7 @@
               <a:buFont typeface="Courier New" pitchFamily="49" charset="0"/>
               <a:buChar char="o"/>
             </a:pPr>
-            <a:endParaRPr lang="de-DE" sz="2400" dirty="0" smtClean="0">
+            <a:endParaRPr lang="de-DE" sz="2600" dirty="0" smtClean="0">
               <a:latin typeface="MV Boli" pitchFamily="2" charset="0"/>
               <a:cs typeface="MV Boli" pitchFamily="2" charset="0"/>
             </a:endParaRPr>
@@ -15832,90 +12418,90 @@
               <a:buChar char="o"/>
             </a:pPr>
             <a:r>
-              <a:rPr lang="de-DE" sz="2400" dirty="0" smtClean="0">
+              <a:rPr lang="de-DE" sz="2600" dirty="0" smtClean="0">
                 <a:latin typeface="MV Boli" pitchFamily="2" charset="0"/>
                 <a:cs typeface="MV Boli" pitchFamily="2" charset="0"/>
               </a:rPr>
               <a:t>Basic, non-</a:t>
             </a:r>
             <a:r>
-              <a:rPr lang="de-DE" sz="2400" dirty="0" err="1" smtClean="0">
+              <a:rPr lang="de-DE" sz="2600" dirty="0" err="1" smtClean="0">
                 <a:latin typeface="MV Boli" pitchFamily="2" charset="0"/>
                 <a:cs typeface="MV Boli" pitchFamily="2" charset="0"/>
               </a:rPr>
               <a:t>animated</a:t>
             </a:r>
             <a:r>
-              <a:rPr lang="de-DE" sz="2400" dirty="0" smtClean="0">
+              <a:rPr lang="de-DE" sz="2600" dirty="0" smtClean="0">
                 <a:latin typeface="MV Boli" pitchFamily="2" charset="0"/>
                 <a:cs typeface="MV Boli" pitchFamily="2" charset="0"/>
               </a:rPr>
               <a:t> </a:t>
             </a:r>
             <a:r>
-              <a:rPr lang="de-DE" sz="2400" dirty="0" err="1" smtClean="0">
+              <a:rPr lang="de-DE" sz="2600" dirty="0" err="1" smtClean="0">
                 <a:latin typeface="MV Boli" pitchFamily="2" charset="0"/>
                 <a:cs typeface="MV Boli" pitchFamily="2" charset="0"/>
               </a:rPr>
               <a:t>low-poly</a:t>
             </a:r>
             <a:r>
-              <a:rPr lang="de-DE" sz="2400" dirty="0" smtClean="0">
+              <a:rPr lang="de-DE" sz="2600" dirty="0" smtClean="0">
                 <a:latin typeface="MV Boli" pitchFamily="2" charset="0"/>
                 <a:cs typeface="MV Boli" pitchFamily="2" charset="0"/>
               </a:rPr>
               <a:t> </a:t>
             </a:r>
             <a:r>
-              <a:rPr lang="de-DE" sz="2400" dirty="0" err="1" smtClean="0">
+              <a:rPr lang="de-DE" sz="2600" dirty="0" err="1" smtClean="0">
                 <a:latin typeface="MV Boli" pitchFamily="2" charset="0"/>
                 <a:cs typeface="MV Boli" pitchFamily="2" charset="0"/>
               </a:rPr>
               <a:t>main</a:t>
             </a:r>
             <a:r>
-              <a:rPr lang="de-DE" sz="2400" dirty="0" smtClean="0">
+              <a:rPr lang="de-DE" sz="2600" dirty="0" smtClean="0">
                 <a:latin typeface="MV Boli" pitchFamily="2" charset="0"/>
                 <a:cs typeface="MV Boli" pitchFamily="2" charset="0"/>
               </a:rPr>
               <a:t> </a:t>
             </a:r>
             <a:r>
-              <a:rPr lang="de-DE" sz="2400" dirty="0" err="1" smtClean="0">
+              <a:rPr lang="de-DE" sz="2600" dirty="0" err="1" smtClean="0">
                 <a:latin typeface="MV Boli" pitchFamily="2" charset="0"/>
                 <a:cs typeface="MV Boli" pitchFamily="2" charset="0"/>
               </a:rPr>
               <a:t>character</a:t>
             </a:r>
             <a:r>
-              <a:rPr lang="de-DE" sz="2400" dirty="0" smtClean="0">
+              <a:rPr lang="de-DE" sz="2600" dirty="0" smtClean="0">
                 <a:latin typeface="MV Boli" pitchFamily="2" charset="0"/>
                 <a:cs typeface="MV Boli" pitchFamily="2" charset="0"/>
               </a:rPr>
               <a:t> </a:t>
             </a:r>
             <a:r>
-              <a:rPr lang="de-DE" sz="2400" dirty="0" err="1" smtClean="0">
+              <a:rPr lang="de-DE" sz="2600" dirty="0" err="1" smtClean="0">
                 <a:latin typeface="MV Boli" pitchFamily="2" charset="0"/>
                 <a:cs typeface="MV Boli" pitchFamily="2" charset="0"/>
               </a:rPr>
               <a:t>with</a:t>
             </a:r>
             <a:r>
-              <a:rPr lang="de-DE" sz="2400" dirty="0" smtClean="0">
+              <a:rPr lang="de-DE" sz="2600" dirty="0" smtClean="0">
                 <a:latin typeface="MV Boli" pitchFamily="2" charset="0"/>
                 <a:cs typeface="MV Boli" pitchFamily="2" charset="0"/>
               </a:rPr>
               <a:t> </a:t>
             </a:r>
             <a:r>
-              <a:rPr lang="de-DE" sz="2400" dirty="0" err="1" smtClean="0">
+              <a:rPr lang="de-DE" sz="2600" dirty="0" err="1" smtClean="0">
                 <a:latin typeface="MV Boli" pitchFamily="2" charset="0"/>
                 <a:cs typeface="MV Boli" pitchFamily="2" charset="0"/>
               </a:rPr>
               <a:t>textures</a:t>
             </a:r>
-            <a:endParaRPr lang="de-DE" sz="2400" dirty="0" smtClean="0">
+            <a:endParaRPr lang="de-DE" sz="2600" dirty="0" smtClean="0">
               <a:latin typeface="MV Boli" pitchFamily="2" charset="0"/>
               <a:cs typeface="MV Boli" pitchFamily="2" charset="0"/>
             </a:endParaRPr>
@@ -15925,7 +12511,7 @@
               <a:buFont typeface="Courier New" pitchFamily="49" charset="0"/>
               <a:buChar char="o"/>
             </a:pPr>
-            <a:endParaRPr lang="de-DE" sz="2400" dirty="0" smtClean="0">
+            <a:endParaRPr lang="de-DE" sz="2600" dirty="0" smtClean="0">
               <a:latin typeface="MV Boli" pitchFamily="2" charset="0"/>
               <a:cs typeface="MV Boli" pitchFamily="2" charset="0"/>
             </a:endParaRPr>
@@ -15936,48 +12522,76 @@
               <a:buChar char="o"/>
             </a:pPr>
             <a:r>
-              <a:rPr lang="de-DE" sz="2400" dirty="0" smtClean="0">
+              <a:rPr lang="de-DE" sz="2600" dirty="0" smtClean="0">
                 <a:latin typeface="MV Boli" pitchFamily="2" charset="0"/>
                 <a:cs typeface="MV Boli" pitchFamily="2" charset="0"/>
               </a:rPr>
               <a:t>First </a:t>
             </a:r>
             <a:r>
-              <a:rPr lang="de-DE" sz="2400" dirty="0" err="1" smtClean="0">
+              <a:rPr lang="de-DE" sz="2600" dirty="0" err="1" smtClean="0">
                 <a:latin typeface="MV Boli" pitchFamily="2" charset="0"/>
                 <a:cs typeface="MV Boli" pitchFamily="2" charset="0"/>
               </a:rPr>
               <a:t>core</a:t>
             </a:r>
             <a:r>
-              <a:rPr lang="de-DE" sz="2400" dirty="0" smtClean="0">
+              <a:rPr lang="de-DE" sz="2600" dirty="0" smtClean="0">
                 <a:latin typeface="MV Boli" pitchFamily="2" charset="0"/>
                 <a:cs typeface="MV Boli" pitchFamily="2" charset="0"/>
               </a:rPr>
               <a:t> </a:t>
             </a:r>
             <a:r>
-              <a:rPr lang="de-DE" sz="2400" dirty="0" err="1" smtClean="0">
+              <a:rPr lang="de-DE" sz="2600" dirty="0" err="1" smtClean="0">
                 <a:latin typeface="MV Boli" pitchFamily="2" charset="0"/>
                 <a:cs typeface="MV Boli" pitchFamily="2" charset="0"/>
               </a:rPr>
               <a:t>mechanic</a:t>
             </a:r>
             <a:r>
-              <a:rPr lang="de-DE" sz="2400" dirty="0" smtClean="0">
+              <a:rPr lang="de-DE" sz="2600" dirty="0" smtClean="0">
                 <a:latin typeface="MV Boli" pitchFamily="2" charset="0"/>
                 <a:cs typeface="MV Boli" pitchFamily="2" charset="0"/>
               </a:rPr>
               <a:t>: </a:t>
             </a:r>
             <a:r>
-              <a:rPr lang="de-DE" sz="2400" dirty="0" err="1" smtClean="0">
+              <a:rPr lang="de-DE" sz="2600" dirty="0" err="1" smtClean="0">
                 <a:latin typeface="MV Boli" pitchFamily="2" charset="0"/>
                 <a:cs typeface="MV Boli" pitchFamily="2" charset="0"/>
               </a:rPr>
               <a:t>Clairvoyance</a:t>
             </a:r>
-            <a:endParaRPr lang="de-DE" sz="2400" dirty="0" smtClean="0">
+            <a:r>
+              <a:rPr lang="de-DE" sz="2600" dirty="0" smtClean="0">
+                <a:latin typeface="MV Boli" pitchFamily="2" charset="0"/>
+                <a:cs typeface="MV Boli" pitchFamily="2" charset="0"/>
+              </a:rPr>
+              <a:t> + </a:t>
+            </a:r>
+            <a:r>
+              <a:rPr lang="de-DE" sz="2600" dirty="0" err="1" smtClean="0">
+                <a:latin typeface="MV Boli" pitchFamily="2" charset="0"/>
+                <a:cs typeface="MV Boli" pitchFamily="2" charset="0"/>
+              </a:rPr>
+              <a:t>forshadowing</a:t>
+            </a:r>
+            <a:r>
+              <a:rPr lang="de-DE" sz="2600" dirty="0" smtClean="0">
+                <a:latin typeface="MV Boli" pitchFamily="2" charset="0"/>
+                <a:cs typeface="MV Boli" pitchFamily="2" charset="0"/>
+              </a:rPr>
+              <a:t> </a:t>
+            </a:r>
+            <a:r>
+              <a:rPr lang="de-DE" sz="2600" dirty="0" err="1" smtClean="0">
+                <a:latin typeface="MV Boli" pitchFamily="2" charset="0"/>
+                <a:cs typeface="MV Boli" pitchFamily="2" charset="0"/>
+              </a:rPr>
+              <a:t>Posession</a:t>
+            </a:r>
+            <a:endParaRPr lang="de-DE" sz="2600" dirty="0" smtClean="0">
               <a:latin typeface="MV Boli" pitchFamily="2" charset="0"/>
               <a:cs typeface="MV Boli" pitchFamily="2" charset="0"/>
             </a:endParaRPr>
@@ -16484,7 +13098,7 @@
 </p:sld>
 </file>
 
-<file path=ppt/slides/slide6.xml><?xml version="1.0" encoding="utf-8"?>
+<file path=ppt/slides/slide5.xml><?xml version="1.0" encoding="utf-8"?>
 <p:sld xmlns:a="http://schemas.openxmlformats.org/drawingml/2006/main" xmlns:r="http://schemas.openxmlformats.org/officeDocument/2006/relationships" xmlns:p="http://schemas.openxmlformats.org/presentationml/2006/main">
   <p:cSld>
     <p:spTree>
@@ -16692,8 +13306,8 @@
           </a:stretch>
         </p:blipFill>
         <p:spPr>
-          <a:xfrm rot="5220000" flipV="1">
-            <a:off x="7267064" y="-968293"/>
+          <a:xfrm rot="10620000" flipV="1">
+            <a:off x="6835714" y="3931422"/>
             <a:ext cx="4608512" cy="3361254"/>
           </a:xfrm>
           <a:prstGeom prst="rect">
@@ -16904,7 +13518,7 @@
                             </p:stCondLst>
                             <p:childTnLst>
                               <p:par>
-                                <p:cTn id="18" presetID="47" presetClass="entr" presetSubtype="0" fill="hold" nodeType="afterEffect">
+                                <p:cTn id="18" presetID="42" presetClass="entr" presetSubtype="0" fill="hold" nodeType="afterEffect">
                                   <p:stCondLst>
                                     <p:cond delay="1250"/>
                                   </p:stCondLst>
@@ -16971,7 +13585,7 @@
                                       <p:tavLst>
                                         <p:tav tm="0">
                                           <p:val>
-                                            <p:strVal val="#ppt_y-.1"/>
+                                            <p:strVal val="#ppt_y+.1"/>
                                           </p:val>
                                         </p:tav>
                                         <p:tav tm="100000">
@@ -16994,9 +13608,9 @@
                             </p:stCondLst>
                             <p:childTnLst>
                               <p:par>
-                                <p:cTn id="24" presetID="47" presetClass="exit" presetSubtype="0" fill="hold" nodeType="afterEffect">
+                                <p:cTn id="24" presetID="42" presetClass="exit" presetSubtype="0" fill="hold" nodeType="afterEffect">
                                   <p:stCondLst>
-                                    <p:cond delay="0"/>
+                                    <p:cond delay="4000"/>
                                   </p:stCondLst>
                                   <p:childTnLst>
                                     <p:animEffect transition="out" filter="fade">
@@ -17048,7 +13662,7 @@
                                         </p:tav>
                                         <p:tav tm="100000">
                                           <p:val>
-                                            <p:strVal val="ppt_y-.1"/>
+                                            <p:strVal val="ppt_y+.1"/>
                                           </p:val>
                                         </p:tav>
                                       </p:tavLst>
@@ -17108,7 +13722,7 @@
 </p:sld>
 </file>
 
-<file path=ppt/slides/slide7.xml><?xml version="1.0" encoding="utf-8"?>
+<file path=ppt/slides/slide6.xml><?xml version="1.0" encoding="utf-8"?>
 <p:sld xmlns:a="http://schemas.openxmlformats.org/drawingml/2006/main" xmlns:r="http://schemas.openxmlformats.org/officeDocument/2006/relationships" xmlns:p="http://schemas.openxmlformats.org/presentationml/2006/main">
   <p:cSld>
     <p:spTree>
@@ -17228,19 +13842,16 @@
               <a:buChar char="o"/>
             </a:pPr>
             <a:r>
-              <a:rPr lang="de-DE" sz="2400" dirty="0" err="1" smtClean="0">
+              <a:rPr lang="en-US" sz="2400" dirty="0" smtClean="0">
                 <a:latin typeface="MV Boli" pitchFamily="2" charset="0"/>
                 <a:cs typeface="MV Boli" pitchFamily="2" charset="0"/>
               </a:rPr>
-              <a:t>Storeroom</a:t>
-            </a:r>
-            <a:r>
-              <a:rPr lang="de-DE" sz="2400" dirty="0" smtClean="0">
-                <a:latin typeface="MV Boli" pitchFamily="2" charset="0"/>
-                <a:cs typeface="MV Boli" pitchFamily="2" charset="0"/>
-              </a:rPr>
-              <a:t> (Tutorial) oder Operationsraum?</a:t>
-            </a:r>
+              <a:t>Level 2 - Labor</a:t>
+            </a:r>
+            <a:endParaRPr lang="de-DE" sz="2400" dirty="0" smtClean="0">
+              <a:latin typeface="MV Boli" pitchFamily="2" charset="0"/>
+              <a:cs typeface="MV Boli" pitchFamily="2" charset="0"/>
+            </a:endParaRPr>
           </a:p>
           <a:p>
             <a:pPr marL="342900" indent="-342900">
@@ -17313,11 +13924,39 @@
               <a:buChar char="o"/>
             </a:pPr>
             <a:r>
+              <a:rPr lang="de-DE" sz="2400" dirty="0" err="1" smtClean="0">
+                <a:latin typeface="MV Boli" pitchFamily="2" charset="0"/>
+                <a:cs typeface="MV Boli" pitchFamily="2" charset="0"/>
+              </a:rPr>
+              <a:t>Full</a:t>
+            </a:r>
+            <a:r>
               <a:rPr lang="de-DE" sz="2400" dirty="0" smtClean="0">
                 <a:latin typeface="MV Boli" pitchFamily="2" charset="0"/>
                 <a:cs typeface="MV Boli" pitchFamily="2" charset="0"/>
               </a:rPr>
-              <a:t>Second core mechanic: </a:t>
+              <a:t> </a:t>
+            </a:r>
+            <a:r>
+              <a:rPr lang="de-DE" sz="2400" dirty="0" err="1" smtClean="0">
+                <a:latin typeface="MV Boli" pitchFamily="2" charset="0"/>
+                <a:cs typeface="MV Boli" pitchFamily="2" charset="0"/>
+              </a:rPr>
+              <a:t>second</a:t>
+            </a:r>
+            <a:r>
+              <a:rPr lang="de-DE" sz="2400" dirty="0" smtClean="0">
+                <a:latin typeface="MV Boli" pitchFamily="2" charset="0"/>
+                <a:cs typeface="MV Boli" pitchFamily="2" charset="0"/>
+              </a:rPr>
+              <a:t> </a:t>
+            </a:r>
+            <a:r>
+              <a:rPr lang="de-DE" sz="2400" dirty="0" smtClean="0">
+                <a:latin typeface="MV Boli" pitchFamily="2" charset="0"/>
+                <a:cs typeface="MV Boli" pitchFamily="2" charset="0"/>
+              </a:rPr>
+              <a:t>core mechanic: </a:t>
             </a:r>
             <a:r>
               <a:rPr lang="de-DE" sz="2400" dirty="0" err="1" smtClean="0">
@@ -17425,12 +14064,64 @@
                               <p:par>
                                 <p:cTn id="9" presetID="22" presetClass="entr" presetSubtype="8" fill="hold" nodeType="afterEffect">
                                   <p:stCondLst>
-                                    <p:cond delay="1000"/>
+                                    <p:cond delay="2000"/>
                                   </p:stCondLst>
                                   <p:childTnLst>
                                     <p:set>
                                       <p:cBhvr>
                                         <p:cTn id="10" dur="1" fill="hold">
+                                          <p:stCondLst>
+                                            <p:cond delay="0"/>
+                                          </p:stCondLst>
+                                        </p:cTn>
+                                        <p:tgtEl>
+                                          <p:spTgt spid="3">
+                                            <p:txEl>
+                                              <p:pRg st="2" end="2"/>
+                                            </p:txEl>
+                                          </p:spTgt>
+                                        </p:tgtEl>
+                                        <p:attrNameLst>
+                                          <p:attrName>style.visibility</p:attrName>
+                                        </p:attrNameLst>
+                                      </p:cBhvr>
+                                      <p:to>
+                                        <p:strVal val="visible"/>
+                                      </p:to>
+                                    </p:set>
+                                    <p:animEffect transition="in" filter="wipe(left)">
+                                      <p:cBhvr>
+                                        <p:cTn id="11" dur="500"/>
+                                        <p:tgtEl>
+                                          <p:spTgt spid="3">
+                                            <p:txEl>
+                                              <p:pRg st="2" end="2"/>
+                                            </p:txEl>
+                                          </p:spTgt>
+                                        </p:tgtEl>
+                                      </p:cBhvr>
+                                    </p:animEffect>
+                                  </p:childTnLst>
+                                </p:cTn>
+                              </p:par>
+                            </p:childTnLst>
+                          </p:cTn>
+                        </p:par>
+                        <p:par>
+                          <p:cTn id="12" fill="hold">
+                            <p:stCondLst>
+                              <p:cond delay="4500"/>
+                            </p:stCondLst>
+                            <p:childTnLst>
+                              <p:par>
+                                <p:cTn id="13" presetID="22" presetClass="entr" presetSubtype="8" fill="hold" nodeType="afterEffect">
+                                  <p:stCondLst>
+                                    <p:cond delay="2000"/>
+                                  </p:stCondLst>
+                                  <p:childTnLst>
+                                    <p:set>
+                                      <p:cBhvr>
+                                        <p:cTn id="14" dur="1" fill="hold">
                                           <p:stCondLst>
                                             <p:cond delay="0"/>
                                           </p:stCondLst>
@@ -17452,7 +14143,7 @@
                                     </p:set>
                                     <p:animEffect transition="in" filter="wipe(left)">
                                       <p:cBhvr>
-                                        <p:cTn id="11" dur="500"/>
+                                        <p:cTn id="15" dur="500"/>
                                         <p:tgtEl>
                                           <p:spTgt spid="3">
                                             <p:txEl>
@@ -17469,61 +14160,9 @@
                           </p:cTn>
                         </p:par>
                         <p:par>
-                          <p:cTn id="12" fill="hold">
-                            <p:stCondLst>
-                              <p:cond delay="3500"/>
-                            </p:stCondLst>
-                            <p:childTnLst>
-                              <p:par>
-                                <p:cTn id="13" presetID="22" presetClass="entr" presetSubtype="8" fill="hold" nodeType="afterEffect">
-                                  <p:stCondLst>
-                                    <p:cond delay="2000"/>
-                                  </p:stCondLst>
-                                  <p:childTnLst>
-                                    <p:set>
-                                      <p:cBhvr>
-                                        <p:cTn id="14" dur="1" fill="hold">
-                                          <p:stCondLst>
-                                            <p:cond delay="0"/>
-                                          </p:stCondLst>
-                                        </p:cTn>
-                                        <p:tgtEl>
-                                          <p:spTgt spid="3">
-                                            <p:txEl>
-                                              <p:pRg st="2" end="2"/>
-                                            </p:txEl>
-                                          </p:spTgt>
-                                        </p:tgtEl>
-                                        <p:attrNameLst>
-                                          <p:attrName>style.visibility</p:attrName>
-                                        </p:attrNameLst>
-                                      </p:cBhvr>
-                                      <p:to>
-                                        <p:strVal val="visible"/>
-                                      </p:to>
-                                    </p:set>
-                                    <p:animEffect transition="in" filter="wipe(left)">
-                                      <p:cBhvr>
-                                        <p:cTn id="15" dur="500"/>
-                                        <p:tgtEl>
-                                          <p:spTgt spid="3">
-                                            <p:txEl>
-                                              <p:pRg st="2" end="2"/>
-                                            </p:txEl>
-                                          </p:spTgt>
-                                        </p:tgtEl>
-                                      </p:cBhvr>
-                                    </p:animEffect>
-                                  </p:childTnLst>
-                                </p:cTn>
-                              </p:par>
-                            </p:childTnLst>
-                          </p:cTn>
-                        </p:par>
-                        <p:par>
                           <p:cTn id="16" fill="hold">
                             <p:stCondLst>
-                              <p:cond delay="6000"/>
+                              <p:cond delay="7000"/>
                             </p:stCondLst>
                             <p:childTnLst>
                               <p:par>
@@ -17603,7 +14242,7 @@
 </p:sld>
 </file>
 
-<file path=ppt/slides/slide8.xml><?xml version="1.0" encoding="utf-8"?>
+<file path=ppt/slides/slide7.xml><?xml version="1.0" encoding="utf-8"?>
 <p:sld xmlns:a="http://schemas.openxmlformats.org/drawingml/2006/main" xmlns:r="http://schemas.openxmlformats.org/officeDocument/2006/relationships" xmlns:p="http://schemas.openxmlformats.org/presentationml/2006/main">
   <p:cSld>
     <p:spTree>

--- a/_Organisation/Präsentation/Voodoo_PP1.pptx
+++ b/_Organisation/Präsentation/Voodoo_PP1.pptx
@@ -8960,7 +8960,7 @@
           <a:p>
             <a:pPr algn="ctr"/>
             <a:r>
-              <a:rPr lang="de-DE" sz="6000" b="1" dirty="0" smtClean="0">
+              <a:rPr lang="en-US" sz="6000" b="1" dirty="0" smtClean="0">
                 <a:latin typeface="MV Boli" pitchFamily="2" charset="0"/>
                 <a:cs typeface="MV Boli" pitchFamily="2" charset="0"/>
               </a:rPr>
@@ -9141,7 +9141,7 @@
         </p:blipFill>
         <p:spPr>
           <a:xfrm rot="21420000" flipH="1">
-            <a:off x="570308" y="120192"/>
+            <a:off x="674769" y="-167840"/>
             <a:ext cx="11096441" cy="8209621"/>
           </a:xfrm>
           <a:prstGeom prst="rect">
@@ -10257,7 +10257,7 @@
                 <a:latin typeface="MV Boli" panose="02000500030200090000" pitchFamily="2" charset="0"/>
                 <a:cs typeface="MV Boli" panose="02000500030200090000" pitchFamily="2" charset="0"/>
               </a:rPr>
-              <a:t> Larry </a:t>
+              <a:t> </a:t>
             </a:r>
             <a:r>
               <a:rPr lang="en-US" dirty="0" err="1" smtClean="0">
@@ -12076,14 +12076,7 @@
                 <a:latin typeface="MV Boli" pitchFamily="2" charset="0"/>
                 <a:cs typeface="MV Boli" pitchFamily="2" charset="0"/>
               </a:rPr>
-              <a:t> </a:t>
-            </a:r>
-            <a:r>
-              <a:rPr lang="de-DE" sz="1800" dirty="0" smtClean="0">
-                <a:latin typeface="MV Boli" pitchFamily="2" charset="0"/>
-                <a:cs typeface="MV Boli" pitchFamily="2" charset="0"/>
-              </a:rPr>
-              <a:t>stage</a:t>
+              <a:t> stage</a:t>
             </a:r>
           </a:p>
           <a:p>
@@ -13949,14 +13942,7 @@
                 <a:latin typeface="MV Boli" pitchFamily="2" charset="0"/>
                 <a:cs typeface="MV Boli" pitchFamily="2" charset="0"/>
               </a:rPr>
-              <a:t> </a:t>
-            </a:r>
-            <a:r>
-              <a:rPr lang="de-DE" sz="2400" dirty="0" smtClean="0">
-                <a:latin typeface="MV Boli" pitchFamily="2" charset="0"/>
-                <a:cs typeface="MV Boli" pitchFamily="2" charset="0"/>
-              </a:rPr>
-              <a:t>core mechanic: </a:t>
+              <a:t> core mechanic: </a:t>
             </a:r>
             <a:r>
               <a:rPr lang="de-DE" sz="2400" dirty="0" err="1" smtClean="0">

--- a/_Organisation/Präsentation/Voodoo_PP1.pptx
+++ b/_Organisation/Präsentation/Voodoo_PP1.pptx
@@ -577,6 +577,482 @@
     <p:extLst>
       <p:ext uri="{BB962C8B-B14F-4D97-AF65-F5344CB8AC3E}">
         <p14:creationId xmlns:p14="http://schemas.microsoft.com/office/powerpoint/2010/main" val="831309496"/>
+      </p:ext>
+    </p:extLst>
+  </p:cSld>
+  <p:clrMapOvr>
+    <a:masterClrMapping/>
+  </p:clrMapOvr>
+</p:notes>
+</file>
+
+<file path=ppt/notesSlides/notesSlide2.xml><?xml version="1.0" encoding="utf-8"?>
+<p:notes xmlns:a="http://schemas.openxmlformats.org/drawingml/2006/main" xmlns:r="http://schemas.openxmlformats.org/officeDocument/2006/relationships" xmlns:p="http://schemas.openxmlformats.org/presentationml/2006/main">
+  <p:cSld>
+    <p:spTree>
+      <p:nvGrpSpPr>
+        <p:cNvPr id="1" name=""/>
+        <p:cNvGrpSpPr/>
+        <p:nvPr/>
+      </p:nvGrpSpPr>
+      <p:grpSpPr>
+        <a:xfrm>
+          <a:off x="0" y="0"/>
+          <a:ext cx="0" cy="0"/>
+          <a:chOff x="0" y="0"/>
+          <a:chExt cx="0" cy="0"/>
+        </a:xfrm>
+      </p:grpSpPr>
+      <p:sp>
+        <p:nvSpPr>
+          <p:cNvPr id="2" name="Folienbildplatzhalter 1"/>
+          <p:cNvSpPr>
+            <a:spLocks noGrp="1" noRot="1" noChangeAspect="1"/>
+          </p:cNvSpPr>
+          <p:nvPr>
+            <p:ph type="sldImg"/>
+          </p:nvPr>
+        </p:nvSpPr>
+        <p:spPr/>
+      </p:sp>
+      <p:sp>
+        <p:nvSpPr>
+          <p:cNvPr id="3" name="Notizenplatzhalter 2"/>
+          <p:cNvSpPr>
+            <a:spLocks noGrp="1"/>
+          </p:cNvSpPr>
+          <p:nvPr>
+            <p:ph type="body" idx="1"/>
+          </p:nvPr>
+        </p:nvSpPr>
+        <p:spPr/>
+        <p:txBody>
+          <a:bodyPr/>
+          <a:lstStyle/>
+          <a:p>
+            <a:r>
+              <a:rPr lang="en-US" dirty="0" err="1" smtClean="0"/>
+              <a:t>Wir</a:t>
+            </a:r>
+            <a:r>
+              <a:rPr lang="en-US" dirty="0" smtClean="0"/>
+              <a:t> </a:t>
+            </a:r>
+            <a:r>
+              <a:rPr lang="en-US" dirty="0" err="1" smtClean="0"/>
+              <a:t>hatten</a:t>
+            </a:r>
+            <a:r>
+              <a:rPr lang="en-US" dirty="0" smtClean="0"/>
+              <a:t> </a:t>
+            </a:r>
+            <a:r>
+              <a:rPr lang="en-US" dirty="0" err="1" smtClean="0"/>
+              <a:t>anfangs</a:t>
+            </a:r>
+            <a:r>
+              <a:rPr lang="en-US" dirty="0" smtClean="0"/>
+              <a:t> </a:t>
+            </a:r>
+            <a:r>
+              <a:rPr lang="en-US" dirty="0" err="1" smtClean="0"/>
+              <a:t>Schwierigkeiten</a:t>
+            </a:r>
+            <a:r>
+              <a:rPr lang="en-US" baseline="0" dirty="0" smtClean="0"/>
+              <a:t> </a:t>
+            </a:r>
+            <a:r>
+              <a:rPr lang="en-US" baseline="0" dirty="0" err="1" smtClean="0"/>
+              <a:t>mit</a:t>
+            </a:r>
+            <a:r>
+              <a:rPr lang="en-US" baseline="0" dirty="0" smtClean="0"/>
+              <a:t> der </a:t>
+            </a:r>
+            <a:r>
+              <a:rPr lang="en-US" baseline="0" dirty="0" err="1" smtClean="0"/>
+              <a:t>Kommunikation</a:t>
+            </a:r>
+            <a:r>
+              <a:rPr lang="en-US" baseline="0" dirty="0" smtClean="0"/>
+              <a:t>, </a:t>
+            </a:r>
+            <a:r>
+              <a:rPr lang="en-US" baseline="0" dirty="0" err="1" smtClean="0"/>
+              <a:t>jedoch</a:t>
+            </a:r>
+            <a:r>
+              <a:rPr lang="en-US" baseline="0" dirty="0" smtClean="0"/>
+              <a:t> </a:t>
+            </a:r>
+            <a:r>
+              <a:rPr lang="en-US" baseline="0" dirty="0" err="1" smtClean="0"/>
+              <a:t>haben</a:t>
+            </a:r>
+            <a:r>
+              <a:rPr lang="en-US" baseline="0" dirty="0" smtClean="0"/>
+              <a:t> </a:t>
+            </a:r>
+            <a:r>
+              <a:rPr lang="en-US" baseline="0" dirty="0" err="1" smtClean="0"/>
+              <a:t>sich</a:t>
+            </a:r>
+            <a:r>
+              <a:rPr lang="en-US" baseline="0" dirty="0" smtClean="0"/>
+              <a:t> </a:t>
+            </a:r>
+            <a:r>
+              <a:rPr lang="en-US" baseline="0" dirty="0" err="1" smtClean="0"/>
+              <a:t>diese</a:t>
+            </a:r>
+            <a:r>
+              <a:rPr lang="en-US" baseline="0" dirty="0" smtClean="0"/>
+              <a:t> </a:t>
+            </a:r>
+            <a:r>
+              <a:rPr lang="en-US" baseline="0" dirty="0" err="1" smtClean="0"/>
+              <a:t>mit</a:t>
+            </a:r>
+            <a:r>
+              <a:rPr lang="en-US" baseline="0" dirty="0" smtClean="0"/>
+              <a:t> </a:t>
+            </a:r>
+            <a:r>
+              <a:rPr lang="en-US" baseline="0" dirty="0" err="1" smtClean="0"/>
+              <a:t>regelmaessigen</a:t>
+            </a:r>
+            <a:r>
+              <a:rPr lang="en-US" baseline="0" dirty="0" smtClean="0"/>
+              <a:t> </a:t>
+            </a:r>
+            <a:r>
+              <a:rPr lang="en-US" baseline="0" dirty="0" err="1" smtClean="0"/>
+              <a:t>Gespraechen</a:t>
+            </a:r>
+            <a:r>
+              <a:rPr lang="en-US" baseline="0" dirty="0" smtClean="0"/>
+              <a:t> </a:t>
+            </a:r>
+            <a:r>
+              <a:rPr lang="en-US" baseline="0" dirty="0" err="1" smtClean="0"/>
+              <a:t>zu</a:t>
+            </a:r>
+            <a:r>
+              <a:rPr lang="en-US" baseline="0" dirty="0" smtClean="0"/>
+              <a:t> ca. 80% </a:t>
+            </a:r>
+            <a:r>
+              <a:rPr lang="en-US" baseline="0" dirty="0" err="1" smtClean="0"/>
+              <a:t>klaeren</a:t>
+            </a:r>
+            <a:r>
+              <a:rPr lang="en-US" baseline="0" dirty="0" smtClean="0"/>
+              <a:t> </a:t>
+            </a:r>
+            <a:r>
+              <a:rPr lang="en-US" baseline="0" dirty="0" err="1" smtClean="0"/>
+              <a:t>lassen</a:t>
+            </a:r>
+            <a:r>
+              <a:rPr lang="en-US" baseline="0" dirty="0" smtClean="0"/>
+              <a:t>. </a:t>
+            </a:r>
+            <a:r>
+              <a:rPr lang="en-US" baseline="0" dirty="0" err="1" smtClean="0"/>
+              <a:t>Weiters</a:t>
+            </a:r>
+            <a:r>
+              <a:rPr lang="en-US" baseline="0" dirty="0" smtClean="0"/>
+              <a:t> </a:t>
+            </a:r>
+            <a:r>
+              <a:rPr lang="en-US" baseline="0" dirty="0" err="1" smtClean="0"/>
+              <a:t>hatten</a:t>
+            </a:r>
+            <a:r>
+              <a:rPr lang="en-US" baseline="0" dirty="0" smtClean="0"/>
+              <a:t> </a:t>
+            </a:r>
+            <a:r>
+              <a:rPr lang="en-US" baseline="0" dirty="0" err="1" smtClean="0"/>
+              <a:t>wir</a:t>
+            </a:r>
+            <a:r>
+              <a:rPr lang="en-US" baseline="0" dirty="0" smtClean="0"/>
+              <a:t> in </a:t>
+            </a:r>
+            <a:r>
+              <a:rPr lang="en-US" baseline="0" dirty="0" err="1" smtClean="0"/>
+              <a:t>unserem</a:t>
+            </a:r>
+            <a:r>
+              <a:rPr lang="en-US" baseline="0" dirty="0" smtClean="0"/>
+              <a:t> Art-Department </a:t>
+            </a:r>
+            <a:r>
+              <a:rPr lang="en-US" baseline="0" dirty="0" err="1" smtClean="0"/>
+              <a:t>einige</a:t>
+            </a:r>
+            <a:r>
+              <a:rPr lang="en-US" baseline="0" dirty="0" smtClean="0"/>
+              <a:t> </a:t>
+            </a:r>
+            <a:r>
+              <a:rPr lang="en-US" baseline="0" dirty="0" err="1" smtClean="0"/>
+              <a:t>krankheits</a:t>
+            </a:r>
+            <a:r>
+              <a:rPr lang="en-US" baseline="0" dirty="0" smtClean="0"/>
+              <a:t>- und </a:t>
+            </a:r>
+            <a:r>
+              <a:rPr lang="en-US" baseline="0" dirty="0" err="1" smtClean="0"/>
+              <a:t>durch</a:t>
+            </a:r>
+            <a:r>
+              <a:rPr lang="en-US" baseline="0" dirty="0" smtClean="0"/>
+              <a:t> </a:t>
+            </a:r>
+            <a:r>
+              <a:rPr lang="en-US" baseline="0" dirty="0" err="1" smtClean="0"/>
+              <a:t>anderweitige</a:t>
+            </a:r>
+            <a:r>
+              <a:rPr lang="en-US" baseline="0" dirty="0" smtClean="0"/>
+              <a:t> </a:t>
+            </a:r>
+            <a:r>
+              <a:rPr lang="en-US" baseline="0" dirty="0" err="1" smtClean="0"/>
+              <a:t>Arbeit</a:t>
+            </a:r>
+            <a:r>
+              <a:rPr lang="en-US" baseline="0" dirty="0" smtClean="0"/>
+              <a:t> </a:t>
+            </a:r>
+            <a:r>
+              <a:rPr lang="en-US" baseline="0" dirty="0" err="1" smtClean="0"/>
+              <a:t>bedingte</a:t>
+            </a:r>
+            <a:r>
+              <a:rPr lang="en-US" baseline="0" dirty="0" smtClean="0"/>
+              <a:t> </a:t>
+            </a:r>
+            <a:r>
+              <a:rPr lang="en-US" baseline="0" dirty="0" err="1" smtClean="0"/>
+              <a:t>Ausfaelle</a:t>
+            </a:r>
+            <a:r>
+              <a:rPr lang="en-US" baseline="0" dirty="0" smtClean="0"/>
+              <a:t>, </a:t>
+            </a:r>
+            <a:r>
+              <a:rPr lang="en-US" baseline="0" dirty="0" err="1" smtClean="0"/>
+              <a:t>doch</a:t>
+            </a:r>
+            <a:r>
+              <a:rPr lang="en-US" baseline="0" dirty="0" smtClean="0"/>
+              <a:t> die </a:t>
+            </a:r>
+            <a:r>
+              <a:rPr lang="en-US" baseline="0" dirty="0" err="1" smtClean="0"/>
+              <a:t>halten</a:t>
+            </a:r>
+            <a:r>
+              <a:rPr lang="en-US" baseline="0" dirty="0" smtClean="0"/>
+              <a:t> </a:t>
+            </a:r>
+            <a:r>
+              <a:rPr lang="en-US" baseline="0" dirty="0" err="1" smtClean="0"/>
+              <a:t>sich</a:t>
+            </a:r>
+            <a:r>
+              <a:rPr lang="en-US" baseline="0" dirty="0" smtClean="0"/>
+              <a:t> </a:t>
+            </a:r>
+            <a:r>
+              <a:rPr lang="en-US" baseline="0" dirty="0" err="1" smtClean="0"/>
+              <a:t>bisher</a:t>
+            </a:r>
+            <a:r>
+              <a:rPr lang="en-US" baseline="0" dirty="0" smtClean="0"/>
+              <a:t> </a:t>
+            </a:r>
+            <a:r>
+              <a:rPr lang="en-US" baseline="0" dirty="0" err="1" smtClean="0"/>
+              <a:t>noch</a:t>
+            </a:r>
+            <a:r>
+              <a:rPr lang="en-US" baseline="0" dirty="0" smtClean="0"/>
+              <a:t> in </a:t>
+            </a:r>
+            <a:r>
+              <a:rPr lang="en-US" baseline="0" dirty="0" err="1" smtClean="0"/>
+              <a:t>dem</a:t>
+            </a:r>
+            <a:r>
+              <a:rPr lang="en-US" baseline="0" dirty="0" smtClean="0"/>
+              <a:t> </a:t>
+            </a:r>
+            <a:r>
+              <a:rPr lang="en-US" baseline="0" dirty="0" err="1" smtClean="0"/>
+              <a:t>zuvor</a:t>
+            </a:r>
+            <a:r>
+              <a:rPr lang="en-US" baseline="0" dirty="0" smtClean="0"/>
+              <a:t> </a:t>
+            </a:r>
+            <a:r>
+              <a:rPr lang="en-US" baseline="0" dirty="0" err="1" smtClean="0"/>
+              <a:t>miteingerechneten</a:t>
+            </a:r>
+            <a:r>
+              <a:rPr lang="en-US" baseline="0" dirty="0" smtClean="0"/>
+              <a:t> </a:t>
+            </a:r>
+            <a:r>
+              <a:rPr lang="en-US" baseline="0" dirty="0" err="1" smtClean="0"/>
+              <a:t>Rahmen</a:t>
+            </a:r>
+            <a:r>
+              <a:rPr lang="en-US" baseline="0" dirty="0" smtClean="0"/>
+              <a:t>. </a:t>
+            </a:r>
+            <a:r>
+              <a:rPr lang="en-US" baseline="0" dirty="0" err="1" smtClean="0"/>
+              <a:t>Dennoch</a:t>
+            </a:r>
+            <a:r>
+              <a:rPr lang="en-US" baseline="0" dirty="0" smtClean="0"/>
+              <a:t> </a:t>
+            </a:r>
+            <a:r>
+              <a:rPr lang="en-US" baseline="0" dirty="0" err="1" smtClean="0"/>
+              <a:t>wurde</a:t>
+            </a:r>
+            <a:r>
+              <a:rPr lang="en-US" baseline="0" dirty="0" smtClean="0"/>
+              <a:t> </a:t>
+            </a:r>
+            <a:r>
+              <a:rPr lang="en-US" baseline="0" dirty="0" err="1" smtClean="0"/>
+              <a:t>diese</a:t>
+            </a:r>
+            <a:r>
+              <a:rPr lang="en-US" baseline="0" dirty="0" smtClean="0"/>
+              <a:t> in </a:t>
+            </a:r>
+            <a:r>
+              <a:rPr lang="en-US" baseline="0" dirty="0" err="1" smtClean="0"/>
+              <a:t>einzelnen</a:t>
+            </a:r>
+            <a:r>
+              <a:rPr lang="en-US" baseline="0" dirty="0" smtClean="0"/>
+              <a:t> </a:t>
+            </a:r>
+            <a:r>
+              <a:rPr lang="en-US" baseline="0" dirty="0" err="1" smtClean="0"/>
+              <a:t>Gespraechen</a:t>
+            </a:r>
+            <a:r>
+              <a:rPr lang="en-US" baseline="0" dirty="0" smtClean="0"/>
+              <a:t> </a:t>
+            </a:r>
+            <a:r>
+              <a:rPr lang="en-US" baseline="0" dirty="0" err="1" smtClean="0"/>
+              <a:t>bereits</a:t>
+            </a:r>
+            <a:r>
+              <a:rPr lang="en-US" baseline="0" dirty="0" smtClean="0"/>
+              <a:t> </a:t>
+            </a:r>
+            <a:r>
+              <a:rPr lang="en-US" baseline="0" dirty="0" err="1" smtClean="0"/>
+              <a:t>angesprochen</a:t>
+            </a:r>
+            <a:r>
+              <a:rPr lang="en-US" baseline="0" dirty="0" smtClean="0"/>
+              <a:t>, </a:t>
+            </a:r>
+            <a:r>
+              <a:rPr lang="en-US" baseline="0" dirty="0" err="1" smtClean="0"/>
+              <a:t>damit</a:t>
+            </a:r>
+            <a:r>
+              <a:rPr lang="en-US" baseline="0" dirty="0" smtClean="0"/>
+              <a:t> </a:t>
+            </a:r>
+            <a:r>
+              <a:rPr lang="en-US" baseline="0" dirty="0" err="1" smtClean="0"/>
+              <a:t>sich</a:t>
+            </a:r>
+            <a:r>
+              <a:rPr lang="en-US" baseline="0" dirty="0" smtClean="0"/>
+              <a:t> </a:t>
+            </a:r>
+            <a:r>
+              <a:rPr lang="en-US" baseline="0" dirty="0" err="1" smtClean="0"/>
+              <a:t>daraus</a:t>
+            </a:r>
+            <a:r>
+              <a:rPr lang="en-US" baseline="0" dirty="0" smtClean="0"/>
+              <a:t> </a:t>
+            </a:r>
+            <a:r>
+              <a:rPr lang="en-US" baseline="0" dirty="0" err="1" smtClean="0"/>
+              <a:t>kein</a:t>
+            </a:r>
+            <a:r>
+              <a:rPr lang="en-US" baseline="0" dirty="0" smtClean="0"/>
+              <a:t> Problem in </a:t>
+            </a:r>
+            <a:r>
+              <a:rPr lang="en-US" baseline="0" dirty="0" err="1" smtClean="0"/>
+              <a:t>Zukunft</a:t>
+            </a:r>
+            <a:r>
+              <a:rPr lang="en-US" baseline="0" dirty="0" smtClean="0"/>
+              <a:t> </a:t>
+            </a:r>
+            <a:r>
+              <a:rPr lang="en-US" baseline="0" dirty="0" err="1" smtClean="0"/>
+              <a:t>ergibt</a:t>
+            </a:r>
+            <a:r>
+              <a:rPr lang="en-US" baseline="0" dirty="0" smtClean="0"/>
+              <a:t>.</a:t>
+            </a:r>
+            <a:endParaRPr lang="de-DE" dirty="0"/>
+          </a:p>
+        </p:txBody>
+      </p:sp>
+      <p:sp>
+        <p:nvSpPr>
+          <p:cNvPr id="4" name="Foliennummernplatzhalter 3"/>
+          <p:cNvSpPr>
+            <a:spLocks noGrp="1"/>
+          </p:cNvSpPr>
+          <p:nvPr>
+            <p:ph type="sldNum" sz="quarter" idx="10"/>
+          </p:nvPr>
+        </p:nvSpPr>
+        <p:spPr/>
+        <p:txBody>
+          <a:bodyPr/>
+          <a:lstStyle/>
+          <a:p>
+            <a:fld id="{4D56AC9C-3557-4516-B20A-3092AF400081}" type="slidenum">
+              <a:rPr lang="de-DE" smtClean="0"/>
+              <a:t>3</a:t>
+            </a:fld>
+            <a:endParaRPr lang="de-DE"/>
+          </a:p>
+        </p:txBody>
+      </p:sp>
+    </p:spTree>
+    <p:extLst>
+      <p:ext uri="{BB962C8B-B14F-4D97-AF65-F5344CB8AC3E}">
+        <p14:creationId xmlns:p14="http://schemas.microsoft.com/office/powerpoint/2010/main" val="1918564868"/>
       </p:ext>
     </p:extLst>
   </p:cSld>
@@ -8924,7 +9400,7 @@
         </p:blipFill>
         <p:spPr>
           <a:xfrm>
-            <a:off x="179512" y="123478"/>
+            <a:off x="154953" y="123478"/>
             <a:ext cx="8826157" cy="4948014"/>
           </a:xfrm>
           <a:prstGeom prst="rect">
@@ -10195,325 +10671,21 @@
           <a:p>
             <a:pPr algn="ctr"/>
             <a:r>
-              <a:rPr lang="en-US" dirty="0" smtClean="0">
-                <a:solidFill>
-                  <a:schemeClr val="tx2">
-                    <a:lumMod val="20000"/>
-                    <a:lumOff val="80000"/>
-                  </a:schemeClr>
-                </a:solidFill>
+              <a:rPr lang="en-GB" dirty="0">
                 <a:latin typeface="MV Boli" panose="02000500030200090000" pitchFamily="2" charset="0"/>
                 <a:cs typeface="MV Boli" panose="02000500030200090000" pitchFamily="2" charset="0"/>
               </a:rPr>
-              <a:t>Die </a:t>
-            </a:r>
-            <a:r>
-              <a:rPr lang="en-US" dirty="0" err="1" smtClean="0">
-                <a:solidFill>
-                  <a:schemeClr val="tx2">
-                    <a:lumMod val="20000"/>
-                    <a:lumOff val="80000"/>
-                  </a:schemeClr>
-                </a:solidFill>
+              <a:t>Voodoo is a 3D platformer for lovers of the occult with minimized </a:t>
+            </a:r>
+            <a:r>
+              <a:rPr lang="en-GB" dirty="0" smtClean="0">
                 <a:latin typeface="MV Boli" panose="02000500030200090000" pitchFamily="2" charset="0"/>
                 <a:cs typeface="MV Boli" panose="02000500030200090000" pitchFamily="2" charset="0"/>
               </a:rPr>
-              <a:t>kleine</a:t>
-            </a:r>
-            <a:r>
-              <a:rPr lang="en-US" dirty="0" smtClean="0">
-                <a:solidFill>
-                  <a:schemeClr val="tx2">
-                    <a:lumMod val="20000"/>
-                    <a:lumOff val="80000"/>
-                  </a:schemeClr>
-                </a:solidFill>
-                <a:latin typeface="MV Boli" panose="02000500030200090000" pitchFamily="2" charset="0"/>
-                <a:cs typeface="MV Boli" panose="02000500030200090000" pitchFamily="2" charset="0"/>
-              </a:rPr>
-              <a:t> Voodoo-</a:t>
-            </a:r>
-            <a:r>
-              <a:rPr lang="en-US" dirty="0" err="1" smtClean="0">
-                <a:solidFill>
-                  <a:schemeClr val="tx2">
-                    <a:lumMod val="20000"/>
-                    <a:lumOff val="80000"/>
-                  </a:schemeClr>
-                </a:solidFill>
-                <a:latin typeface="MV Boli" panose="02000500030200090000" pitchFamily="2" charset="0"/>
-                <a:cs typeface="MV Boli" panose="02000500030200090000" pitchFamily="2" charset="0"/>
-              </a:rPr>
-              <a:t>Puppe</a:t>
-            </a:r>
-            <a:r>
-              <a:rPr lang="en-US" dirty="0" smtClean="0">
-                <a:solidFill>
-                  <a:schemeClr val="tx2">
-                    <a:lumMod val="20000"/>
-                    <a:lumOff val="80000"/>
-                  </a:schemeClr>
-                </a:solidFill>
-                <a:latin typeface="MV Boli" panose="02000500030200090000" pitchFamily="2" charset="0"/>
-                <a:cs typeface="MV Boli" panose="02000500030200090000" pitchFamily="2" charset="0"/>
-              </a:rPr>
-              <a:t> </a:t>
-            </a:r>
-            <a:r>
-              <a:rPr lang="en-US" dirty="0" err="1" smtClean="0">
-                <a:solidFill>
-                  <a:schemeClr val="tx2">
-                    <a:lumMod val="20000"/>
-                    <a:lumOff val="80000"/>
-                  </a:schemeClr>
-                </a:solidFill>
-                <a:latin typeface="MV Boli" panose="02000500030200090000" pitchFamily="2" charset="0"/>
-                <a:cs typeface="MV Boli" panose="02000500030200090000" pitchFamily="2" charset="0"/>
-              </a:rPr>
-              <a:t>ist</a:t>
-            </a:r>
-            <a:r>
-              <a:rPr lang="en-US" dirty="0" smtClean="0">
-                <a:solidFill>
-                  <a:schemeClr val="tx2">
-                    <a:lumMod val="20000"/>
-                    <a:lumOff val="80000"/>
-                  </a:schemeClr>
-                </a:solidFill>
-                <a:latin typeface="MV Boli" panose="02000500030200090000" pitchFamily="2" charset="0"/>
-                <a:cs typeface="MV Boli" panose="02000500030200090000" pitchFamily="2" charset="0"/>
-              </a:rPr>
-              <a:t> </a:t>
-            </a:r>
-            <a:r>
-              <a:rPr lang="en-US" dirty="0" err="1" smtClean="0">
-                <a:solidFill>
-                  <a:schemeClr val="tx2">
-                    <a:lumMod val="20000"/>
-                    <a:lumOff val="80000"/>
-                  </a:schemeClr>
-                </a:solidFill>
-                <a:latin typeface="MV Boli" panose="02000500030200090000" pitchFamily="2" charset="0"/>
-                <a:cs typeface="MV Boli" panose="02000500030200090000" pitchFamily="2" charset="0"/>
-              </a:rPr>
-              <a:t>zum</a:t>
-            </a:r>
-            <a:r>
-              <a:rPr lang="en-US" dirty="0" smtClean="0">
-                <a:solidFill>
-                  <a:schemeClr val="tx2">
-                    <a:lumMod val="20000"/>
-                    <a:lumOff val="80000"/>
-                  </a:schemeClr>
-                </a:solidFill>
-                <a:latin typeface="MV Boli" panose="02000500030200090000" pitchFamily="2" charset="0"/>
-                <a:cs typeface="MV Boli" panose="02000500030200090000" pitchFamily="2" charset="0"/>
-              </a:rPr>
-              <a:t> </a:t>
-            </a:r>
-            <a:r>
-              <a:rPr lang="en-US" dirty="0" err="1" smtClean="0">
-                <a:solidFill>
-                  <a:schemeClr val="tx2">
-                    <a:lumMod val="20000"/>
-                    <a:lumOff val="80000"/>
-                  </a:schemeClr>
-                </a:solidFill>
-                <a:latin typeface="MV Boli" panose="02000500030200090000" pitchFamily="2" charset="0"/>
-                <a:cs typeface="MV Boli" panose="02000500030200090000" pitchFamily="2" charset="0"/>
-              </a:rPr>
-              <a:t>Leben</a:t>
-            </a:r>
-            <a:r>
-              <a:rPr lang="en-US" dirty="0" smtClean="0">
-                <a:solidFill>
-                  <a:schemeClr val="tx2">
-                    <a:lumMod val="20000"/>
-                    <a:lumOff val="80000"/>
-                  </a:schemeClr>
-                </a:solidFill>
-                <a:latin typeface="MV Boli" panose="02000500030200090000" pitchFamily="2" charset="0"/>
-                <a:cs typeface="MV Boli" panose="02000500030200090000" pitchFamily="2" charset="0"/>
-              </a:rPr>
-              <a:t> </a:t>
-            </a:r>
-            <a:r>
-              <a:rPr lang="en-US" dirty="0" err="1" smtClean="0">
-                <a:solidFill>
-                  <a:schemeClr val="tx2">
-                    <a:lumMod val="20000"/>
-                    <a:lumOff val="80000"/>
-                  </a:schemeClr>
-                </a:solidFill>
-                <a:latin typeface="MV Boli" panose="02000500030200090000" pitchFamily="2" charset="0"/>
-                <a:cs typeface="MV Boli" panose="02000500030200090000" pitchFamily="2" charset="0"/>
-              </a:rPr>
-              <a:t>erwacht</a:t>
-            </a:r>
-            <a:r>
-              <a:rPr lang="en-US" dirty="0" smtClean="0">
-                <a:solidFill>
-                  <a:schemeClr val="tx2">
-                    <a:lumMod val="20000"/>
-                    <a:lumOff val="80000"/>
-                  </a:schemeClr>
-                </a:solidFill>
-                <a:latin typeface="MV Boli" panose="02000500030200090000" pitchFamily="2" charset="0"/>
-                <a:cs typeface="MV Boli" panose="02000500030200090000" pitchFamily="2" charset="0"/>
-              </a:rPr>
-              <a:t> und </a:t>
-            </a:r>
-            <a:r>
-              <a:rPr lang="en-US" dirty="0" err="1" smtClean="0">
-                <a:solidFill>
-                  <a:schemeClr val="tx2">
-                    <a:lumMod val="20000"/>
-                    <a:lumOff val="80000"/>
-                  </a:schemeClr>
-                </a:solidFill>
-                <a:latin typeface="MV Boli" panose="02000500030200090000" pitchFamily="2" charset="0"/>
-                <a:cs typeface="MV Boli" panose="02000500030200090000" pitchFamily="2" charset="0"/>
-              </a:rPr>
-              <a:t>versucht</a:t>
-            </a:r>
-            <a:r>
-              <a:rPr lang="en-US" dirty="0" smtClean="0">
-                <a:solidFill>
-                  <a:schemeClr val="tx2">
-                    <a:lumMod val="20000"/>
-                    <a:lumOff val="80000"/>
-                  </a:schemeClr>
-                </a:solidFill>
-                <a:latin typeface="MV Boli" panose="02000500030200090000" pitchFamily="2" charset="0"/>
-                <a:cs typeface="MV Boli" panose="02000500030200090000" pitchFamily="2" charset="0"/>
-              </a:rPr>
-              <a:t> nun </a:t>
-            </a:r>
-            <a:r>
-              <a:rPr lang="en-US" dirty="0" err="1" smtClean="0">
-                <a:solidFill>
-                  <a:schemeClr val="tx2">
-                    <a:lumMod val="20000"/>
-                    <a:lumOff val="80000"/>
-                  </a:schemeClr>
-                </a:solidFill>
-                <a:latin typeface="MV Boli" panose="02000500030200090000" pitchFamily="2" charset="0"/>
-                <a:cs typeface="MV Boli" panose="02000500030200090000" pitchFamily="2" charset="0"/>
-              </a:rPr>
-              <a:t>aus</a:t>
-            </a:r>
-            <a:r>
-              <a:rPr lang="en-US" dirty="0" smtClean="0">
-                <a:solidFill>
-                  <a:schemeClr val="tx2">
-                    <a:lumMod val="20000"/>
-                    <a:lumOff val="80000"/>
-                  </a:schemeClr>
-                </a:solidFill>
-                <a:latin typeface="MV Boli" panose="02000500030200090000" pitchFamily="2" charset="0"/>
-                <a:cs typeface="MV Boli" panose="02000500030200090000" pitchFamily="2" charset="0"/>
-              </a:rPr>
-              <a:t> </a:t>
-            </a:r>
-            <a:r>
-              <a:rPr lang="en-US" dirty="0" err="1" smtClean="0">
-                <a:solidFill>
-                  <a:schemeClr val="tx2">
-                    <a:lumMod val="20000"/>
-                    <a:lumOff val="80000"/>
-                  </a:schemeClr>
-                </a:solidFill>
-                <a:latin typeface="MV Boli" panose="02000500030200090000" pitchFamily="2" charset="0"/>
-                <a:cs typeface="MV Boli" panose="02000500030200090000" pitchFamily="2" charset="0"/>
-              </a:rPr>
-              <a:t>dem</a:t>
-            </a:r>
-            <a:r>
-              <a:rPr lang="en-US" dirty="0" smtClean="0">
-                <a:solidFill>
-                  <a:schemeClr val="tx2">
-                    <a:lumMod val="20000"/>
-                    <a:lumOff val="80000"/>
-                  </a:schemeClr>
-                </a:solidFill>
-                <a:latin typeface="MV Boli" panose="02000500030200090000" pitchFamily="2" charset="0"/>
-                <a:cs typeface="MV Boli" panose="02000500030200090000" pitchFamily="2" charset="0"/>
-              </a:rPr>
-              <a:t> </a:t>
-            </a:r>
-            <a:r>
-              <a:rPr lang="en-US" dirty="0" err="1" smtClean="0">
-                <a:solidFill>
-                  <a:schemeClr val="tx2">
-                    <a:lumMod val="20000"/>
-                    <a:lumOff val="80000"/>
-                  </a:schemeClr>
-                </a:solidFill>
-                <a:latin typeface="MV Boli" panose="02000500030200090000" pitchFamily="2" charset="0"/>
-                <a:cs typeface="MV Boli" panose="02000500030200090000" pitchFamily="2" charset="0"/>
-              </a:rPr>
-              <a:t>unterirdischen</a:t>
-            </a:r>
-            <a:r>
-              <a:rPr lang="en-US" dirty="0" smtClean="0">
-                <a:solidFill>
-                  <a:schemeClr val="tx2">
-                    <a:lumMod val="20000"/>
-                    <a:lumOff val="80000"/>
-                  </a:schemeClr>
-                </a:solidFill>
-                <a:latin typeface="MV Boli" panose="02000500030200090000" pitchFamily="2" charset="0"/>
-                <a:cs typeface="MV Boli" panose="02000500030200090000" pitchFamily="2" charset="0"/>
-              </a:rPr>
-              <a:t> Bunker </a:t>
-            </a:r>
-            <a:r>
-              <a:rPr lang="en-US" dirty="0" err="1" smtClean="0">
-                <a:solidFill>
-                  <a:schemeClr val="tx2">
-                    <a:lumMod val="20000"/>
-                    <a:lumOff val="80000"/>
-                  </a:schemeClr>
-                </a:solidFill>
-                <a:latin typeface="MV Boli" panose="02000500030200090000" pitchFamily="2" charset="0"/>
-                <a:cs typeface="MV Boli" panose="02000500030200090000" pitchFamily="2" charset="0"/>
-              </a:rPr>
-              <a:t>zu</a:t>
-            </a:r>
-            <a:r>
-              <a:rPr lang="en-US" dirty="0" smtClean="0">
-                <a:solidFill>
-                  <a:schemeClr val="tx2">
-                    <a:lumMod val="20000"/>
-                    <a:lumOff val="80000"/>
-                  </a:schemeClr>
-                </a:solidFill>
-                <a:latin typeface="MV Boli" panose="02000500030200090000" pitchFamily="2" charset="0"/>
-                <a:cs typeface="MV Boli" panose="02000500030200090000" pitchFamily="2" charset="0"/>
-              </a:rPr>
-              <a:t> </a:t>
-            </a:r>
-            <a:r>
-              <a:rPr lang="en-US" dirty="0" err="1" smtClean="0">
-                <a:solidFill>
-                  <a:schemeClr val="tx2">
-                    <a:lumMod val="20000"/>
-                    <a:lumOff val="80000"/>
-                  </a:schemeClr>
-                </a:solidFill>
-                <a:latin typeface="MV Boli" panose="02000500030200090000" pitchFamily="2" charset="0"/>
-                <a:cs typeface="MV Boli" panose="02000500030200090000" pitchFamily="2" charset="0"/>
-              </a:rPr>
-              <a:t>fliehen</a:t>
-            </a:r>
-            <a:r>
-              <a:rPr lang="en-US" dirty="0" smtClean="0">
-                <a:solidFill>
-                  <a:schemeClr val="tx2">
-                    <a:lumMod val="20000"/>
-                    <a:lumOff val="80000"/>
-                  </a:schemeClr>
-                </a:solidFill>
+              <a:t>stealth and puzzle-elements</a:t>
+            </a:r>
+            <a:r>
+              <a:rPr lang="en-GB" dirty="0">
                 <a:latin typeface="MV Boli" panose="02000500030200090000" pitchFamily="2" charset="0"/>
                 <a:cs typeface="MV Boli" panose="02000500030200090000" pitchFamily="2" charset="0"/>
               </a:rPr>
@@ -10964,7 +11136,7 @@
           <p:nvPr/>
         </p:nvPicPr>
         <p:blipFill>
-          <a:blip r:embed="rId2" cstate="print">
+          <a:blip r:embed="rId3" cstate="print">
             <a:extLst>
               <a:ext uri="{28A0092B-C50C-407E-A947-70E740481C1C}">
                 <a14:useLocalDpi xmlns:a14="http://schemas.microsoft.com/office/drawing/2010/main" val="0"/>
@@ -11353,7 +11525,7 @@
           <p:nvPr/>
         </p:nvPicPr>
         <p:blipFill>
-          <a:blip r:embed="rId3" cstate="print">
+          <a:blip r:embed="rId4" cstate="print">
             <a:extLst>
               <a:ext uri="{28A0092B-C50C-407E-A947-70E740481C1C}">
                 <a14:useLocalDpi xmlns:a14="http://schemas.microsoft.com/office/drawing/2010/main" val="0"/>

--- a/_Organisation/Präsentation/Voodoo_PP1.pptx
+++ b/_Organisation/Präsentation/Voodoo_PP1.pptx
@@ -2,7 +2,7 @@
 <file path=ppt/presentation.xml><?xml version="1.0" encoding="utf-8"?>
 <p:presentation xmlns:a="http://schemas.openxmlformats.org/drawingml/2006/main" xmlns:r="http://schemas.openxmlformats.org/officeDocument/2006/relationships" xmlns:p="http://schemas.openxmlformats.org/presentationml/2006/main" saveSubsetFonts="1">
   <p:sldMasterIdLst>
-    <p:sldMasterId id="2147483924" r:id="rId1"/>
+    <p:sldMasterId id="2147484169" r:id="rId1"/>
   </p:sldMasterIdLst>
   <p:notesMasterIdLst>
     <p:notesMasterId r:id="rId9"/>
@@ -214,7 +214,7 @@
           <a:p>
             <a:fld id="{6970F1A7-B44C-47F4-9D4E-59C4A99A588C}" type="datetimeFigureOut">
               <a:rPr lang="de-DE" smtClean="0"/>
-              <a:t>22.05.2018</a:t>
+              <a:t>23.05.2018</a:t>
             </a:fld>
             <a:endParaRPr lang="de-DE"/>
           </a:p>
@@ -544,7 +544,15 @@
           <a:p>
             <a:r>
               <a:rPr lang="de-DE" dirty="0" smtClean="0"/>
-              <a:t>Wir werden euch heute das Konzep unseres neuen Spiels Voodoo vorstellen.</a:t>
+              <a:t>Wir werden euch heute das </a:t>
+            </a:r>
+            <a:r>
+              <a:rPr lang="de-DE" dirty="0" smtClean="0"/>
+              <a:t>Konzept </a:t>
+            </a:r>
+            <a:r>
+              <a:rPr lang="de-DE" dirty="0" smtClean="0"/>
+              <a:t>unseres neuen Spiels Voodoo vorstellen.</a:t>
             </a:r>
             <a:endParaRPr lang="de-DE" dirty="0"/>
           </a:p>
@@ -1247,7 +1255,7 @@
           <a:p>
             <a:fld id="{1DC63592-9D31-432D-A510-4EFC698F70CA}" type="datetimeFigureOut">
               <a:rPr lang="de-DE" smtClean="0"/>
-              <a:t>22.05.2018</a:t>
+              <a:t>23.05.2018</a:t>
             </a:fld>
             <a:endParaRPr lang="de-DE"/>
           </a:p>
@@ -1296,6 +1304,11 @@
         </p:txBody>
       </p:sp>
     </p:spTree>
+    <p:extLst>
+      <p:ext uri="{BB962C8B-B14F-4D97-AF65-F5344CB8AC3E}">
+        <p14:creationId xmlns:p14="http://schemas.microsoft.com/office/powerpoint/2010/main" val="2816685505"/>
+      </p:ext>
+    </p:extLst>
   </p:cSld>
   <p:clrMapOvr>
     <a:masterClrMapping/>
@@ -1373,7 +1386,7 @@
             <a:pPr lvl="0"/>
             <a:r>
               <a:rPr lang="de-DE" smtClean="0"/>
-              <a:t>Textmasterformat bearbeiten</a:t>
+              <a:t>Formatvorlagen des Textmasters bearbeiten</a:t>
             </a:r>
           </a:p>
           <a:p>
@@ -1424,7 +1437,7 @@
           <a:p>
             <a:fld id="{1DC63592-9D31-432D-A510-4EFC698F70CA}" type="datetimeFigureOut">
               <a:rPr lang="de-DE" smtClean="0"/>
-              <a:t>22.05.2018</a:t>
+              <a:t>23.05.2018</a:t>
             </a:fld>
             <a:endParaRPr lang="de-DE"/>
           </a:p>
@@ -1473,6 +1486,11 @@
         </p:txBody>
       </p:sp>
     </p:spTree>
+    <p:extLst>
+      <p:ext uri="{BB962C8B-B14F-4D97-AF65-F5344CB8AC3E}">
+        <p14:creationId xmlns:p14="http://schemas.microsoft.com/office/powerpoint/2010/main" val="3360425714"/>
+      </p:ext>
+    </p:extLst>
   </p:cSld>
   <p:clrMapOvr>
     <a:masterClrMapping/>
@@ -1555,7 +1573,7 @@
             <a:pPr lvl="0"/>
             <a:r>
               <a:rPr lang="de-DE" smtClean="0"/>
-              <a:t>Textmasterformat bearbeiten</a:t>
+              <a:t>Formatvorlagen des Textmasters bearbeiten</a:t>
             </a:r>
           </a:p>
           <a:p>
@@ -1606,7 +1624,7 @@
           <a:p>
             <a:fld id="{1DC63592-9D31-432D-A510-4EFC698F70CA}" type="datetimeFigureOut">
               <a:rPr lang="de-DE" smtClean="0"/>
-              <a:t>22.05.2018</a:t>
+              <a:t>23.05.2018</a:t>
             </a:fld>
             <a:endParaRPr lang="de-DE"/>
           </a:p>
@@ -1655,6 +1673,11 @@
         </p:txBody>
       </p:sp>
     </p:spTree>
+    <p:extLst>
+      <p:ext uri="{BB962C8B-B14F-4D97-AF65-F5344CB8AC3E}">
+        <p14:creationId xmlns:p14="http://schemas.microsoft.com/office/powerpoint/2010/main" val="4268910377"/>
+      </p:ext>
+    </p:extLst>
   </p:cSld>
   <p:clrMapOvr>
     <a:masterClrMapping/>
@@ -1764,7 +1787,7 @@
             <a:pPr lvl="0"/>
             <a:r>
               <a:rPr lang="de-DE" smtClean="0"/>
-              <a:t>Textmasterformat bearbeiten</a:t>
+              <a:t>Formatvorlagen des Textmasters bearbeiten</a:t>
             </a:r>
           </a:p>
           <a:p>
@@ -1815,7 +1838,7 @@
           <a:p>
             <a:fld id="{1DC63592-9D31-432D-A510-4EFC698F70CA}" type="datetimeFigureOut">
               <a:rPr lang="de-DE" smtClean="0"/>
-              <a:t>22.05.2018</a:t>
+              <a:t>23.05.2018</a:t>
             </a:fld>
             <a:endParaRPr lang="de-DE"/>
           </a:p>
@@ -1864,6 +1887,11 @@
         </p:txBody>
       </p:sp>
     </p:spTree>
+    <p:extLst>
+      <p:ext uri="{BB962C8B-B14F-4D97-AF65-F5344CB8AC3E}">
+        <p14:creationId xmlns:p14="http://schemas.microsoft.com/office/powerpoint/2010/main" val="347367595"/>
+      </p:ext>
+    </p:extLst>
   </p:cSld>
   <p:clrMapOvr>
     <a:masterClrMapping/>
@@ -2041,7 +2069,7 @@
             <a:pPr lvl="0"/>
             <a:r>
               <a:rPr lang="de-DE" smtClean="0"/>
-              <a:t>Textmasterformat bearbeiten</a:t>
+              <a:t>Formatvorlagen des Textmasters bearbeiten</a:t>
             </a:r>
           </a:p>
         </p:txBody>
@@ -2063,7 +2091,7 @@
           <a:p>
             <a:fld id="{1DC63592-9D31-432D-A510-4EFC698F70CA}" type="datetimeFigureOut">
               <a:rPr lang="de-DE" smtClean="0"/>
-              <a:t>22.05.2018</a:t>
+              <a:t>23.05.2018</a:t>
             </a:fld>
             <a:endParaRPr lang="de-DE"/>
           </a:p>
@@ -2112,6 +2140,11 @@
         </p:txBody>
       </p:sp>
     </p:spTree>
+    <p:extLst>
+      <p:ext uri="{BB962C8B-B14F-4D97-AF65-F5344CB8AC3E}">
+        <p14:creationId xmlns:p14="http://schemas.microsoft.com/office/powerpoint/2010/main" val="3400241229"/>
+      </p:ext>
+    </p:extLst>
   </p:cSld>
   <p:clrMapOvr>
     <a:masterClrMapping/>
@@ -2233,7 +2266,7 @@
             <a:pPr lvl="0"/>
             <a:r>
               <a:rPr lang="de-DE" smtClean="0"/>
-              <a:t>Textmasterformat bearbeiten</a:t>
+              <a:t>Formatvorlagen des Textmasters bearbeiten</a:t>
             </a:r>
           </a:p>
           <a:p>
@@ -2329,7 +2362,7 @@
             <a:pPr lvl="0"/>
             <a:r>
               <a:rPr lang="de-DE" smtClean="0"/>
-              <a:t>Textmasterformat bearbeiten</a:t>
+              <a:t>Formatvorlagen des Textmasters bearbeiten</a:t>
             </a:r>
           </a:p>
           <a:p>
@@ -2380,7 +2413,7 @@
           <a:p>
             <a:fld id="{1DC63592-9D31-432D-A510-4EFC698F70CA}" type="datetimeFigureOut">
               <a:rPr lang="de-DE" smtClean="0"/>
-              <a:t>22.05.2018</a:t>
+              <a:t>23.05.2018</a:t>
             </a:fld>
             <a:endParaRPr lang="de-DE"/>
           </a:p>
@@ -2429,6 +2462,11 @@
         </p:txBody>
       </p:sp>
     </p:spTree>
+    <p:extLst>
+      <p:ext uri="{BB962C8B-B14F-4D97-AF65-F5344CB8AC3E}">
+        <p14:creationId xmlns:p14="http://schemas.microsoft.com/office/powerpoint/2010/main" val="4104404120"/>
+      </p:ext>
+    </p:extLst>
   </p:cSld>
   <p:clrMapOvr>
     <a:masterClrMapping/>
@@ -2440,6 +2478,11 @@
       </p:par>
     </p:tnLst>
   </p:timing>
+  <p:extLst>
+    <p:ext uri="{DCECCB84-F9BA-43D5-87BE-67443E8EF086}">
+      <p15:sldGuideLst xmlns:p15="http://schemas.microsoft.com/office/powerpoint/2012/main"/>
+    </p:ext>
+  </p:extLst>
 </p:sldLayout>
 </file>
 
@@ -2549,7 +2592,7 @@
             <a:pPr lvl="0"/>
             <a:r>
               <a:rPr lang="de-DE" smtClean="0"/>
-              <a:t>Textmasterformat bearbeiten</a:t>
+              <a:t>Formatvorlagen des Textmasters bearbeiten</a:t>
             </a:r>
           </a:p>
         </p:txBody>
@@ -2616,7 +2659,7 @@
             <a:pPr lvl="0"/>
             <a:r>
               <a:rPr lang="de-DE" smtClean="0"/>
-              <a:t>Textmasterformat bearbeiten</a:t>
+              <a:t>Formatvorlagen des Textmasters bearbeiten</a:t>
             </a:r>
           </a:p>
           <a:p>
@@ -2712,7 +2755,7 @@
             <a:pPr lvl="0"/>
             <a:r>
               <a:rPr lang="de-DE" smtClean="0"/>
-              <a:t>Textmasterformat bearbeiten</a:t>
+              <a:t>Formatvorlagen des Textmasters bearbeiten</a:t>
             </a:r>
           </a:p>
         </p:txBody>
@@ -2779,7 +2822,7 @@
             <a:pPr lvl="0"/>
             <a:r>
               <a:rPr lang="de-DE" smtClean="0"/>
-              <a:t>Textmasterformat bearbeiten</a:t>
+              <a:t>Formatvorlagen des Textmasters bearbeiten</a:t>
             </a:r>
           </a:p>
           <a:p>
@@ -2830,7 +2873,7 @@
           <a:p>
             <a:fld id="{1DC63592-9D31-432D-A510-4EFC698F70CA}" type="datetimeFigureOut">
               <a:rPr lang="de-DE" smtClean="0"/>
-              <a:t>22.05.2018</a:t>
+              <a:t>23.05.2018</a:t>
             </a:fld>
             <a:endParaRPr lang="de-DE"/>
           </a:p>
@@ -2879,6 +2922,11 @@
         </p:txBody>
       </p:sp>
     </p:spTree>
+    <p:extLst>
+      <p:ext uri="{BB962C8B-B14F-4D97-AF65-F5344CB8AC3E}">
+        <p14:creationId xmlns:p14="http://schemas.microsoft.com/office/powerpoint/2010/main" val="3008519171"/>
+      </p:ext>
+    </p:extLst>
   </p:cSld>
   <p:clrMapOvr>
     <a:masterClrMapping/>
@@ -2890,6 +2938,11 @@
       </p:par>
     </p:tnLst>
   </p:timing>
+  <p:extLst>
+    <p:ext uri="{DCECCB84-F9BA-43D5-87BE-67443E8EF086}">
+      <p15:sldGuideLst xmlns:p15="http://schemas.microsoft.com/office/powerpoint/2012/main"/>
+    </p:ext>
+  </p:extLst>
 </p:sldLayout>
 </file>
 
@@ -2950,7 +3003,7 @@
           <a:p>
             <a:fld id="{1DC63592-9D31-432D-A510-4EFC698F70CA}" type="datetimeFigureOut">
               <a:rPr lang="de-DE" smtClean="0"/>
-              <a:t>22.05.2018</a:t>
+              <a:t>23.05.2018</a:t>
             </a:fld>
             <a:endParaRPr lang="de-DE"/>
           </a:p>
@@ -2999,6 +3052,11 @@
         </p:txBody>
       </p:sp>
     </p:spTree>
+    <p:extLst>
+      <p:ext uri="{BB962C8B-B14F-4D97-AF65-F5344CB8AC3E}">
+        <p14:creationId xmlns:p14="http://schemas.microsoft.com/office/powerpoint/2010/main" val="1397580916"/>
+      </p:ext>
+    </p:extLst>
   </p:cSld>
   <p:clrMapOvr>
     <a:masterClrMapping/>
@@ -3047,7 +3105,7 @@
           <a:p>
             <a:fld id="{1DC63592-9D31-432D-A510-4EFC698F70CA}" type="datetimeFigureOut">
               <a:rPr lang="de-DE" smtClean="0"/>
-              <a:t>22.05.2018</a:t>
+              <a:t>23.05.2018</a:t>
             </a:fld>
             <a:endParaRPr lang="de-DE"/>
           </a:p>
@@ -3096,6 +3154,11 @@
         </p:txBody>
       </p:sp>
     </p:spTree>
+    <p:extLst>
+      <p:ext uri="{BB962C8B-B14F-4D97-AF65-F5344CB8AC3E}">
+        <p14:creationId xmlns:p14="http://schemas.microsoft.com/office/powerpoint/2010/main" val="3867870585"/>
+      </p:ext>
+    </p:extLst>
   </p:cSld>
   <p:clrMapOvr>
     <a:masterClrMapping/>
@@ -3221,7 +3284,7 @@
             <a:pPr lvl="0"/>
             <a:r>
               <a:rPr lang="de-DE" smtClean="0"/>
-              <a:t>Textmasterformat bearbeiten</a:t>
+              <a:t>Formatvorlagen des Textmasters bearbeiten</a:t>
             </a:r>
           </a:p>
           <a:p>
@@ -3317,7 +3380,7 @@
             <a:pPr lvl="0"/>
             <a:r>
               <a:rPr lang="de-DE" smtClean="0"/>
-              <a:t>Textmasterformat bearbeiten</a:t>
+              <a:t>Formatvorlagen des Textmasters bearbeiten</a:t>
             </a:r>
           </a:p>
         </p:txBody>
@@ -3339,7 +3402,7 @@
           <a:p>
             <a:fld id="{1DC63592-9D31-432D-A510-4EFC698F70CA}" type="datetimeFigureOut">
               <a:rPr lang="de-DE" smtClean="0"/>
-              <a:t>22.05.2018</a:t>
+              <a:t>23.05.2018</a:t>
             </a:fld>
             <a:endParaRPr lang="de-DE"/>
           </a:p>
@@ -3388,6 +3451,11 @@
         </p:txBody>
       </p:sp>
     </p:spTree>
+    <p:extLst>
+      <p:ext uri="{BB962C8B-B14F-4D97-AF65-F5344CB8AC3E}">
+        <p14:creationId xmlns:p14="http://schemas.microsoft.com/office/powerpoint/2010/main" val="4024679974"/>
+      </p:ext>
+    </p:extLst>
   </p:cSld>
   <p:clrMapOvr>
     <a:masterClrMapping/>
@@ -3399,6 +3467,11 @@
       </p:par>
     </p:tnLst>
   </p:timing>
+  <p:extLst>
+    <p:ext uri="{DCECCB84-F9BA-43D5-87BE-67443E8EF086}">
+      <p15:sldGuideLst xmlns:p15="http://schemas.microsoft.com/office/powerpoint/2012/main"/>
+    </p:ext>
+  </p:extLst>
 </p:sldLayout>
 </file>
 
@@ -3515,7 +3588,7 @@
             <a:pPr lvl="0"/>
             <a:r>
               <a:rPr lang="de-DE" smtClean="0"/>
-              <a:t>Textmasterformat bearbeiten</a:t>
+              <a:t>Formatvorlagen des Textmasters bearbeiten</a:t>
             </a:r>
           </a:p>
         </p:txBody>
@@ -3537,7 +3610,7 @@
           <a:p>
             <a:fld id="{1DC63592-9D31-432D-A510-4EFC698F70CA}" type="datetimeFigureOut">
               <a:rPr lang="de-DE" smtClean="0"/>
-              <a:t>22.05.2018</a:t>
+              <a:t>23.05.2018</a:t>
             </a:fld>
             <a:endParaRPr lang="de-DE"/>
           </a:p>
@@ -4087,6 +4160,11 @@
         </p:txBody>
       </p:sp>
     </p:spTree>
+    <p:extLst>
+      <p:ext uri="{BB962C8B-B14F-4D97-AF65-F5344CB8AC3E}">
+        <p14:creationId xmlns:p14="http://schemas.microsoft.com/office/powerpoint/2010/main" val="3347049361"/>
+      </p:ext>
+    </p:extLst>
   </p:cSld>
   <p:clrMapOvr>
     <a:masterClrMapping/>
@@ -8095,7 +8173,7 @@
           <a:p>
             <a:fld id="{1DC63592-9D31-432D-A510-4EFC698F70CA}" type="datetimeFigureOut">
               <a:rPr lang="de-DE" smtClean="0"/>
-              <a:t>22.05.2018</a:t>
+              <a:t>23.05.2018</a:t>
             </a:fld>
             <a:endParaRPr lang="de-DE"/>
           </a:p>
@@ -8822,20 +8900,25 @@
         </p:txBody>
       </p:sp>
     </p:spTree>
+    <p:extLst>
+      <p:ext uri="{BB962C8B-B14F-4D97-AF65-F5344CB8AC3E}">
+        <p14:creationId xmlns:p14="http://schemas.microsoft.com/office/powerpoint/2010/main" val="1916654697"/>
+      </p:ext>
+    </p:extLst>
   </p:cSld>
   <p:clrMap bg1="dk1" tx1="lt1" bg2="dk2" tx2="lt2" accent1="accent1" accent2="accent2" accent3="accent3" accent4="accent4" accent5="accent5" accent6="accent6" hlink="hlink" folHlink="folHlink"/>
   <p:sldLayoutIdLst>
-    <p:sldLayoutId id="2147483925" r:id="rId1"/>
-    <p:sldLayoutId id="2147483926" r:id="rId2"/>
-    <p:sldLayoutId id="2147483927" r:id="rId3"/>
-    <p:sldLayoutId id="2147483928" r:id="rId4"/>
-    <p:sldLayoutId id="2147483929" r:id="rId5"/>
-    <p:sldLayoutId id="2147483930" r:id="rId6"/>
-    <p:sldLayoutId id="2147483931" r:id="rId7"/>
-    <p:sldLayoutId id="2147483932" r:id="rId8"/>
-    <p:sldLayoutId id="2147483933" r:id="rId9"/>
-    <p:sldLayoutId id="2147483934" r:id="rId10"/>
-    <p:sldLayoutId id="2147483935" r:id="rId11"/>
+    <p:sldLayoutId id="2147484170" r:id="rId1"/>
+    <p:sldLayoutId id="2147484171" r:id="rId2"/>
+    <p:sldLayoutId id="2147484172" r:id="rId3"/>
+    <p:sldLayoutId id="2147484173" r:id="rId4"/>
+    <p:sldLayoutId id="2147484174" r:id="rId5"/>
+    <p:sldLayoutId id="2147484175" r:id="rId6"/>
+    <p:sldLayoutId id="2147484176" r:id="rId7"/>
+    <p:sldLayoutId id="2147484177" r:id="rId8"/>
+    <p:sldLayoutId id="2147484178" r:id="rId9"/>
+    <p:sldLayoutId id="2147484179" r:id="rId10"/>
+    <p:sldLayoutId id="2147484180" r:id="rId11"/>
   </p:sldLayoutIdLst>
   <p:timing>
     <p:tnLst>
@@ -9180,6 +9263,11 @@
       </a:lvl9pPr>
     </p:otherStyle>
   </p:txStyles>
+  <p:extLst>
+    <p:ext uri="{27BBF7A9-308A-43DC-89C8-2F10F3537804}">
+      <p15:sldGuideLst xmlns:p15="http://schemas.microsoft.com/office/powerpoint/2012/main"/>
+    </p:ext>
+  </p:extLst>
 </p:sldMaster>
 </file>
 
@@ -10487,14 +10575,14 @@
           <a:bodyPr/>
           <a:lstStyle/>
           <a:p>
-            <a:pPr lvl="0"/>
+            <a:pPr lvl="0" algn="l"/>
             <a:endParaRPr lang="en-GB" dirty="0" smtClean="0">
               <a:latin typeface="MV Boli" pitchFamily="2" charset="0"/>
               <a:cs typeface="MV Boli" pitchFamily="2" charset="0"/>
             </a:endParaRPr>
           </a:p>
           <a:p>
-            <a:pPr lvl="0"/>
+            <a:pPr lvl="0" algn="l"/>
             <a:r>
               <a:rPr lang="en-GB" dirty="0" smtClean="0">
                 <a:latin typeface="MV Boli" pitchFamily="2" charset="0"/>
@@ -10522,7 +10610,7 @@
             </a:endParaRPr>
           </a:p>
           <a:p>
-            <a:pPr lvl="0"/>
+            <a:pPr lvl="0" algn="l"/>
             <a:r>
               <a:rPr lang="en-GB" dirty="0">
                 <a:latin typeface="MV Boli" pitchFamily="2" charset="0"/>
@@ -10536,7 +10624,7 @@
             </a:endParaRPr>
           </a:p>
           <a:p>
-            <a:pPr lvl="0"/>
+            <a:pPr lvl="0" algn="l"/>
             <a:r>
               <a:rPr lang="en-GB" dirty="0">
                 <a:latin typeface="MV Boli" pitchFamily="2" charset="0"/>
@@ -10564,7 +10652,7 @@
             </a:endParaRPr>
           </a:p>
           <a:p>
-            <a:pPr lvl="0"/>
+            <a:pPr lvl="0" algn="l"/>
             <a:r>
               <a:rPr lang="en-GB" dirty="0">
                 <a:latin typeface="MV Boli" pitchFamily="2" charset="0"/>
@@ -10585,7 +10673,7 @@
             </a:endParaRPr>
           </a:p>
           <a:p>
-            <a:pPr lvl="0"/>
+            <a:pPr lvl="0" algn="l"/>
             <a:r>
               <a:rPr lang="en-GB" dirty="0">
                 <a:latin typeface="MV Boli" pitchFamily="2" charset="0"/>
@@ -10656,7 +10744,7 @@
         <p:spPr>
           <a:xfrm>
             <a:off x="685800" y="987574"/>
-            <a:ext cx="7772400" cy="646331"/>
+            <a:ext cx="7772400" cy="707886"/>
           </a:xfrm>
           <a:prstGeom prst="rect">
             <a:avLst/>
@@ -10671,27 +10759,27 @@
           <a:p>
             <a:pPr algn="ctr"/>
             <a:r>
-              <a:rPr lang="en-GB" dirty="0">
+              <a:rPr lang="en-GB" sz="2000" dirty="0">
                 <a:latin typeface="MV Boli" panose="02000500030200090000" pitchFamily="2" charset="0"/>
                 <a:cs typeface="MV Boli" panose="02000500030200090000" pitchFamily="2" charset="0"/>
               </a:rPr>
               <a:t>Voodoo is a 3D platformer for lovers of the occult with minimized </a:t>
             </a:r>
             <a:r>
-              <a:rPr lang="en-GB" dirty="0" smtClean="0">
+              <a:rPr lang="en-GB" sz="2000" dirty="0" smtClean="0">
                 <a:latin typeface="MV Boli" panose="02000500030200090000" pitchFamily="2" charset="0"/>
                 <a:cs typeface="MV Boli" panose="02000500030200090000" pitchFamily="2" charset="0"/>
               </a:rPr>
               <a:t>stealth and puzzle-elements</a:t>
             </a:r>
             <a:r>
-              <a:rPr lang="en-GB" dirty="0">
+              <a:rPr lang="en-GB" sz="2000" dirty="0">
                 <a:latin typeface="MV Boli" panose="02000500030200090000" pitchFamily="2" charset="0"/>
                 <a:cs typeface="MV Boli" panose="02000500030200090000" pitchFamily="2" charset="0"/>
               </a:rPr>
               <a:t>.</a:t>
             </a:r>
-            <a:endParaRPr lang="de-DE" dirty="0">
+            <a:endParaRPr lang="de-DE" sz="2000" dirty="0">
               <a:solidFill>
                 <a:schemeClr val="tx2">
                   <a:lumMod val="20000"/>
@@ -10782,14 +10870,102 @@
                             </p:stCondLst>
                             <p:childTnLst>
                               <p:par>
-                                <p:cTn id="9" presetID="22" presetClass="entr" presetSubtype="8" fill="hold" nodeType="afterEffect">
+                                <p:cTn id="9" presetID="14" presetClass="entr" presetSubtype="5" fill="hold" nodeType="afterEffect">
+                                  <p:stCondLst>
+                                    <p:cond delay="0"/>
+                                  </p:stCondLst>
+                                  <p:childTnLst>
+                                    <p:set>
+                                      <p:cBhvr>
+                                        <p:cTn id="10" dur="1" fill="hold">
+                                          <p:stCondLst>
+                                            <p:cond delay="0"/>
+                                          </p:stCondLst>
+                                        </p:cTn>
+                                        <p:tgtEl>
+                                          <p:spTgt spid="7"/>
+                                        </p:tgtEl>
+                                        <p:attrNameLst>
+                                          <p:attrName>style.visibility</p:attrName>
+                                        </p:attrNameLst>
+                                      </p:cBhvr>
+                                      <p:to>
+                                        <p:strVal val="visible"/>
+                                      </p:to>
+                                    </p:set>
+                                    <p:animEffect transition="in" filter="randombar(vertical)">
+                                      <p:cBhvr>
+                                        <p:cTn id="11" dur="500"/>
+                                        <p:tgtEl>
+                                          <p:spTgt spid="7"/>
+                                        </p:tgtEl>
+                                      </p:cBhvr>
+                                    </p:animEffect>
+                                  </p:childTnLst>
+                                </p:cTn>
+                              </p:par>
+                            </p:childTnLst>
+                          </p:cTn>
+                        </p:par>
+                        <p:par>
+                          <p:cTn id="12" fill="hold">
+                            <p:stCondLst>
+                              <p:cond delay="2500"/>
+                            </p:stCondLst>
+                            <p:childTnLst>
+                              <p:par>
+                                <p:cTn id="13" presetID="22" presetClass="entr" presetSubtype="8" fill="hold" grpId="0" nodeType="afterEffect">
                                   <p:stCondLst>
                                     <p:cond delay="500"/>
                                   </p:stCondLst>
                                   <p:childTnLst>
                                     <p:set>
                                       <p:cBhvr>
-                                        <p:cTn id="10" dur="1" fill="hold">
+                                        <p:cTn id="14" dur="1" fill="hold">
+                                          <p:stCondLst>
+                                            <p:cond delay="0"/>
+                                          </p:stCondLst>
+                                        </p:cTn>
+                                        <p:tgtEl>
+                                          <p:spTgt spid="4"/>
+                                        </p:tgtEl>
+                                        <p:attrNameLst>
+                                          <p:attrName>style.visibility</p:attrName>
+                                        </p:attrNameLst>
+                                      </p:cBhvr>
+                                      <p:to>
+                                        <p:strVal val="visible"/>
+                                      </p:to>
+                                    </p:set>
+                                    <p:animEffect transition="in" filter="wipe(left)">
+                                      <p:cBhvr>
+                                        <p:cTn id="15" dur="500"/>
+                                        <p:tgtEl>
+                                          <p:spTgt spid="4"/>
+                                        </p:tgtEl>
+                                      </p:cBhvr>
+                                    </p:animEffect>
+                                  </p:childTnLst>
+                                </p:cTn>
+                              </p:par>
+                            </p:childTnLst>
+                          </p:cTn>
+                        </p:par>
+                        <p:par>
+                          <p:cTn id="16" fill="hold">
+                            <p:stCondLst>
+                              <p:cond delay="3500"/>
+                            </p:stCondLst>
+                            <p:childTnLst>
+                              <p:par>
+                                <p:cTn id="17" presetID="22" presetClass="entr" presetSubtype="8" fill="hold" nodeType="afterEffect">
+                                  <p:stCondLst>
+                                    <p:cond delay="1500"/>
+                                  </p:stCondLst>
+                                  <p:childTnLst>
+                                    <p:set>
+                                      <p:cBhvr>
+                                        <p:cTn id="18" dur="1" fill="hold">
                                           <p:stCondLst>
                                             <p:cond delay="0"/>
                                           </p:stCondLst>
@@ -10811,7 +10987,7 @@
                                     </p:set>
                                     <p:animEffect transition="in" filter="wipe(left)">
                                       <p:cBhvr>
-                                        <p:cTn id="11" dur="500"/>
+                                        <p:cTn id="19" dur="500"/>
                                         <p:tgtEl>
                                           <p:spTgt spid="3">
                                             <p:txEl>
@@ -10828,20 +11004,20 @@
                           </p:cTn>
                         </p:par>
                         <p:par>
-                          <p:cTn id="12" fill="hold">
+                          <p:cTn id="20" fill="hold">
                             <p:stCondLst>
-                              <p:cond delay="3000"/>
+                              <p:cond delay="5500"/>
                             </p:stCondLst>
                             <p:childTnLst>
                               <p:par>
-                                <p:cTn id="13" presetID="22" presetClass="entr" presetSubtype="8" fill="hold" nodeType="afterEffect">
+                                <p:cTn id="21" presetID="22" presetClass="entr" presetSubtype="8" fill="hold" nodeType="afterEffect">
                                   <p:stCondLst>
                                     <p:cond delay="500"/>
                                   </p:stCondLst>
                                   <p:childTnLst>
                                     <p:set>
                                       <p:cBhvr>
-                                        <p:cTn id="14" dur="1" fill="hold">
+                                        <p:cTn id="22" dur="1" fill="hold">
                                           <p:stCondLst>
                                             <p:cond delay="0"/>
                                           </p:stCondLst>
@@ -10863,7 +11039,7 @@
                                     </p:set>
                                     <p:animEffect transition="in" filter="wipe(left)">
                                       <p:cBhvr>
-                                        <p:cTn id="15" dur="500"/>
+                                        <p:cTn id="23" dur="500"/>
                                         <p:tgtEl>
                                           <p:spTgt spid="3">
                                             <p:txEl>
@@ -10880,20 +11056,20 @@
                           </p:cTn>
                         </p:par>
                         <p:par>
-                          <p:cTn id="16" fill="hold">
+                          <p:cTn id="24" fill="hold">
                             <p:stCondLst>
-                              <p:cond delay="4000"/>
+                              <p:cond delay="6500"/>
                             </p:stCondLst>
                             <p:childTnLst>
                               <p:par>
-                                <p:cTn id="17" presetID="22" presetClass="entr" presetSubtype="8" fill="hold" nodeType="afterEffect">
+                                <p:cTn id="25" presetID="22" presetClass="entr" presetSubtype="8" fill="hold" nodeType="afterEffect">
                                   <p:stCondLst>
                                     <p:cond delay="500"/>
                                   </p:stCondLst>
                                   <p:childTnLst>
                                     <p:set>
                                       <p:cBhvr>
-                                        <p:cTn id="18" dur="1" fill="hold">
+                                        <p:cTn id="26" dur="1" fill="hold">
                                           <p:stCondLst>
                                             <p:cond delay="0"/>
                                           </p:stCondLst>
@@ -10915,7 +11091,7 @@
                                     </p:set>
                                     <p:animEffect transition="in" filter="wipe(left)">
                                       <p:cBhvr>
-                                        <p:cTn id="19" dur="500"/>
+                                        <p:cTn id="27" dur="500"/>
                                         <p:tgtEl>
                                           <p:spTgt spid="3">
                                             <p:txEl>
@@ -10932,20 +11108,20 @@
                           </p:cTn>
                         </p:par>
                         <p:par>
-                          <p:cTn id="20" fill="hold">
+                          <p:cTn id="28" fill="hold">
                             <p:stCondLst>
-                              <p:cond delay="5000"/>
+                              <p:cond delay="7500"/>
                             </p:stCondLst>
                             <p:childTnLst>
                               <p:par>
-                                <p:cTn id="21" presetID="22" presetClass="entr" presetSubtype="8" fill="hold" nodeType="afterEffect">
+                                <p:cTn id="29" presetID="22" presetClass="entr" presetSubtype="8" fill="hold" nodeType="afterEffect">
                                   <p:stCondLst>
                                     <p:cond delay="0"/>
                                   </p:stCondLst>
                                   <p:childTnLst>
                                     <p:set>
                                       <p:cBhvr>
-                                        <p:cTn id="22" dur="1" fill="hold">
+                                        <p:cTn id="30" dur="1" fill="hold">
                                           <p:stCondLst>
                                             <p:cond delay="0"/>
                                           </p:stCondLst>
@@ -10967,7 +11143,7 @@
                                     </p:set>
                                     <p:animEffect transition="in" filter="wipe(left)">
                                       <p:cBhvr>
-                                        <p:cTn id="23" dur="500"/>
+                                        <p:cTn id="31" dur="500"/>
                                         <p:tgtEl>
                                           <p:spTgt spid="3">
                                             <p:txEl>
@@ -10984,20 +11160,20 @@
                           </p:cTn>
                         </p:par>
                         <p:par>
-                          <p:cTn id="24" fill="hold">
+                          <p:cTn id="32" fill="hold">
                             <p:stCondLst>
-                              <p:cond delay="5500"/>
+                              <p:cond delay="8000"/>
                             </p:stCondLst>
                             <p:childTnLst>
                               <p:par>
-                                <p:cTn id="25" presetID="22" presetClass="entr" presetSubtype="8" fill="hold" nodeType="afterEffect">
+                                <p:cTn id="33" presetID="22" presetClass="entr" presetSubtype="8" fill="hold" nodeType="afterEffect">
                                   <p:stCondLst>
                                     <p:cond delay="500"/>
                                   </p:stCondLst>
                                   <p:childTnLst>
                                     <p:set>
                                       <p:cBhvr>
-                                        <p:cTn id="26" dur="1" fill="hold">
+                                        <p:cTn id="34" dur="1" fill="hold">
                                           <p:stCondLst>
                                             <p:cond delay="0"/>
                                           </p:stCondLst>
@@ -11019,57 +11195,13 @@
                                     </p:set>
                                     <p:animEffect transition="in" filter="wipe(left)">
                                       <p:cBhvr>
-                                        <p:cTn id="27" dur="500"/>
+                                        <p:cTn id="35" dur="500"/>
                                         <p:tgtEl>
                                           <p:spTgt spid="3">
                                             <p:txEl>
                                               <p:pRg st="5" end="5"/>
                                             </p:txEl>
                                           </p:spTgt>
-                                        </p:tgtEl>
-                                      </p:cBhvr>
-                                    </p:animEffect>
-                                  </p:childTnLst>
-                                </p:cTn>
-                              </p:par>
-                            </p:childTnLst>
-                          </p:cTn>
-                        </p:par>
-                        <p:par>
-                          <p:cTn id="28" fill="hold">
-                            <p:stCondLst>
-                              <p:cond delay="6500"/>
-                            </p:stCondLst>
-                            <p:childTnLst>
-                              <p:par>
-                                <p:cTn id="29" presetID="14" presetClass="entr" presetSubtype="5" fill="hold" nodeType="afterEffect">
-                                  <p:stCondLst>
-                                    <p:cond delay="500"/>
-                                  </p:stCondLst>
-                                  <p:childTnLst>
-                                    <p:set>
-                                      <p:cBhvr>
-                                        <p:cTn id="30" dur="1" fill="hold">
-                                          <p:stCondLst>
-                                            <p:cond delay="0"/>
-                                          </p:stCondLst>
-                                        </p:cTn>
-                                        <p:tgtEl>
-                                          <p:spTgt spid="7"/>
-                                        </p:tgtEl>
-                                        <p:attrNameLst>
-                                          <p:attrName>style.visibility</p:attrName>
-                                        </p:attrNameLst>
-                                      </p:cBhvr>
-                                      <p:to>
-                                        <p:strVal val="visible"/>
-                                      </p:to>
-                                    </p:set>
-                                    <p:animEffect transition="in" filter="randombar(vertical)">
-                                      <p:cBhvr>
-                                        <p:cTn id="31" dur="500"/>
-                                        <p:tgtEl>
-                                          <p:spTgt spid="7"/>
                                         </p:tgtEl>
                                       </p:cBhvr>
                                     </p:animEffect>
@@ -11105,6 +11237,7 @@
     </p:tnLst>
     <p:bldLst>
       <p:bldP spid="2" grpId="0"/>
+      <p:bldP spid="4" grpId="0"/>
     </p:bldLst>
   </p:timing>
 </p:sld>
@@ -11222,7 +11355,7 @@
           </a:bodyPr>
           <a:lstStyle/>
           <a:p>
-            <a:pPr lvl="0"/>
+            <a:pPr lvl="0" algn="l"/>
             <a:r>
               <a:rPr lang="en-GB" b="1" dirty="0">
                 <a:solidFill>
@@ -11264,7 +11397,14 @@
                 <a:latin typeface="MV Boli" pitchFamily="2" charset="0"/>
                 <a:cs typeface="MV Boli" pitchFamily="2" charset="0"/>
               </a:rPr>
-              <a:t>Sonja Köck</a:t>
+              <a:t>Sonja </a:t>
+            </a:r>
+            <a:r>
+              <a:rPr lang="en-GB" dirty="0" smtClean="0">
+                <a:latin typeface="MV Boli" pitchFamily="2" charset="0"/>
+                <a:cs typeface="MV Boli" pitchFamily="2" charset="0"/>
+              </a:rPr>
+              <a:t>Köck</a:t>
             </a:r>
             <a:endParaRPr lang="de-DE" dirty="0">
               <a:latin typeface="MV Boli" pitchFamily="2" charset="0"/>
@@ -11272,7 +11412,7 @@
             </a:endParaRPr>
           </a:p>
           <a:p>
-            <a:pPr lvl="0"/>
+            <a:pPr lvl="0" algn="l"/>
             <a:r>
               <a:rPr lang="en-GB" b="1" dirty="0">
                 <a:solidFill>
@@ -11310,11 +11450,25 @@
               <a:t>	</a:t>
             </a:r>
             <a:r>
+              <a:rPr lang="en-GB" dirty="0" err="1" smtClean="0">
+                <a:latin typeface="MV Boli" pitchFamily="2" charset="0"/>
+                <a:cs typeface="MV Boli" pitchFamily="2" charset="0"/>
+              </a:rPr>
+              <a:t>Artjom</a:t>
+            </a:r>
+            <a:r>
               <a:rPr lang="en-GB" dirty="0" smtClean="0">
                 <a:latin typeface="MV Boli" pitchFamily="2" charset="0"/>
                 <a:cs typeface="MV Boli" pitchFamily="2" charset="0"/>
               </a:rPr>
-              <a:t>Artjom Schmitke</a:t>
+              <a:t> </a:t>
+            </a:r>
+            <a:r>
+              <a:rPr lang="en-GB" dirty="0" smtClean="0">
+                <a:latin typeface="MV Boli" pitchFamily="2" charset="0"/>
+                <a:cs typeface="MV Boli" pitchFamily="2" charset="0"/>
+              </a:rPr>
+              <a:t>Schmitke</a:t>
             </a:r>
             <a:endParaRPr lang="de-DE" dirty="0">
               <a:latin typeface="MV Boli" pitchFamily="2" charset="0"/>
@@ -11322,7 +11476,7 @@
             </a:endParaRPr>
           </a:p>
           <a:p>
-            <a:pPr lvl="0"/>
+            <a:pPr lvl="0" algn="l"/>
             <a:r>
               <a:rPr lang="en-GB" b="1" dirty="0" smtClean="0">
                 <a:solidFill>
@@ -11364,11 +11518,18 @@
                 <a:latin typeface="MV Boli" pitchFamily="2" charset="0"/>
                 <a:cs typeface="MV Boli" pitchFamily="2" charset="0"/>
               </a:rPr>
-              <a:t>Tobias Schuster</a:t>
-            </a:r>
-          </a:p>
-          <a:p>
-            <a:pPr lvl="0"/>
+              <a:t>Tobias </a:t>
+            </a:r>
+            <a:r>
+              <a:rPr lang="en-GB" dirty="0" smtClean="0">
+                <a:latin typeface="MV Boli" pitchFamily="2" charset="0"/>
+                <a:cs typeface="MV Boli" pitchFamily="2" charset="0"/>
+              </a:rPr>
+              <a:t>Schuster</a:t>
+            </a:r>
+          </a:p>
+          <a:p>
+            <a:pPr lvl="0" algn="l"/>
             <a:r>
               <a:rPr lang="en-GB" b="1" dirty="0" smtClean="0">
                 <a:solidFill>
@@ -11379,7 +11540,19 @@
                 <a:latin typeface="MV Boli" pitchFamily="2" charset="0"/>
                 <a:cs typeface="MV Boli" pitchFamily="2" charset="0"/>
               </a:rPr>
-              <a:t>								Art:</a:t>
+              <a:t>							</a:t>
+            </a:r>
+            <a:r>
+              <a:rPr lang="en-GB" b="1" dirty="0" smtClean="0">
+                <a:solidFill>
+                  <a:schemeClr val="tx1">
+                    <a:lumMod val="95000"/>
+                  </a:schemeClr>
+                </a:solidFill>
+                <a:latin typeface="MV Boli" pitchFamily="2" charset="0"/>
+                <a:cs typeface="MV Boli" pitchFamily="2" charset="0"/>
+              </a:rPr>
+              <a:t>Art: </a:t>
             </a:r>
             <a:r>
               <a:rPr lang="en-GB" dirty="0" smtClean="0">
@@ -11394,15 +11567,29 @@
               <a:t>	</a:t>
             </a:r>
             <a:r>
+              <a:rPr lang="en-GB" dirty="0" err="1" smtClean="0">
+                <a:latin typeface="MV Boli" pitchFamily="2" charset="0"/>
+                <a:cs typeface="MV Boli" pitchFamily="2" charset="0"/>
+              </a:rPr>
+              <a:t>Marlou</a:t>
+            </a:r>
+            <a:r>
               <a:rPr lang="en-GB" dirty="0" smtClean="0">
                 <a:latin typeface="MV Boli" pitchFamily="2" charset="0"/>
                 <a:cs typeface="MV Boli" pitchFamily="2" charset="0"/>
               </a:rPr>
-              <a:t>Marlou Nolting</a:t>
-            </a:r>
-          </a:p>
-          <a:p>
-            <a:pPr lvl="0"/>
+              <a:t> </a:t>
+            </a:r>
+            <a:r>
+              <a:rPr lang="en-GB" dirty="0" smtClean="0">
+                <a:latin typeface="MV Boli" pitchFamily="2" charset="0"/>
+                <a:cs typeface="MV Boli" pitchFamily="2" charset="0"/>
+              </a:rPr>
+              <a:t>Nolting</a:t>
+            </a:r>
+          </a:p>
+          <a:p>
+            <a:pPr lvl="0" algn="l"/>
             <a:r>
               <a:rPr lang="en-GB" dirty="0" smtClean="0">
                 <a:solidFill>
@@ -11413,18 +11600,8 @@
                 <a:latin typeface="MV Boli" pitchFamily="2" charset="0"/>
                 <a:cs typeface="MV Boli" pitchFamily="2" charset="0"/>
               </a:rPr>
-              <a:t>										</a:t>
-            </a:r>
-            <a:r>
-              <a:rPr lang="en-GB" dirty="0" smtClean="0">
-                <a:latin typeface="MV Boli" pitchFamily="2" charset="0"/>
-                <a:cs typeface="MV Boli" pitchFamily="2" charset="0"/>
-              </a:rPr>
-              <a:t>Jesse Haines</a:t>
-            </a:r>
-          </a:p>
-          <a:p>
-            <a:pPr lvl="0"/>
+              <a:t>								</a:t>
+            </a:r>
             <a:r>
               <a:rPr lang="en-GB" dirty="0" smtClean="0">
                 <a:solidFill>
@@ -11435,18 +11612,66 @@
                 <a:latin typeface="MV Boli" pitchFamily="2" charset="0"/>
                 <a:cs typeface="MV Boli" pitchFamily="2" charset="0"/>
               </a:rPr>
-              <a:t>										</a:t>
+              <a:t>	</a:t>
             </a:r>
             <a:r>
               <a:rPr lang="en-GB" dirty="0" smtClean="0">
                 <a:latin typeface="MV Boli" pitchFamily="2" charset="0"/>
                 <a:cs typeface="MV Boli" pitchFamily="2" charset="0"/>
               </a:rPr>
-              <a:t>Michelle Mohn</a:t>
-            </a:r>
-          </a:p>
-          <a:p>
-            <a:pPr lvl="0"/>
+              <a:t>Jesse </a:t>
+            </a:r>
+            <a:r>
+              <a:rPr lang="en-GB" dirty="0" smtClean="0">
+                <a:latin typeface="MV Boli" pitchFamily="2" charset="0"/>
+                <a:cs typeface="MV Boli" pitchFamily="2" charset="0"/>
+              </a:rPr>
+              <a:t>Haines</a:t>
+            </a:r>
+          </a:p>
+          <a:p>
+            <a:pPr lvl="0" algn="l"/>
+            <a:r>
+              <a:rPr lang="en-GB" dirty="0" smtClean="0">
+                <a:solidFill>
+                  <a:schemeClr val="tx1">
+                    <a:lumMod val="95000"/>
+                  </a:schemeClr>
+                </a:solidFill>
+                <a:latin typeface="MV Boli" pitchFamily="2" charset="0"/>
+                <a:cs typeface="MV Boli" pitchFamily="2" charset="0"/>
+              </a:rPr>
+              <a:t>								</a:t>
+            </a:r>
+            <a:r>
+              <a:rPr lang="en-GB" dirty="0" smtClean="0">
+                <a:solidFill>
+                  <a:schemeClr val="tx1">
+                    <a:lumMod val="95000"/>
+                  </a:schemeClr>
+                </a:solidFill>
+                <a:latin typeface="MV Boli" pitchFamily="2" charset="0"/>
+                <a:cs typeface="MV Boli" pitchFamily="2" charset="0"/>
+              </a:rPr>
+              <a:t>	</a:t>
+            </a:r>
+            <a:r>
+              <a:rPr lang="en-GB" dirty="0" smtClean="0">
+                <a:latin typeface="MV Boli" pitchFamily="2" charset="0"/>
+                <a:cs typeface="MV Boli" pitchFamily="2" charset="0"/>
+              </a:rPr>
+              <a:t>Michelle </a:t>
+            </a:r>
+            <a:r>
+              <a:rPr lang="en-GB" dirty="0" smtClean="0">
+                <a:latin typeface="MV Boli" pitchFamily="2" charset="0"/>
+                <a:cs typeface="MV Boli" pitchFamily="2" charset="0"/>
+              </a:rPr>
+              <a:t>Mohn</a:t>
+            </a:r>
+          </a:p>
+          <a:p>
+            <a:pPr lvl="0" algn="l"/>
             <a:r>
               <a:rPr lang="en-GB" dirty="0" smtClean="0">
                 <a:solidFill>
@@ -11464,11 +11689,18 @@
                 <a:latin typeface="MV Boli" pitchFamily="2" charset="0"/>
                 <a:cs typeface="MV Boli" pitchFamily="2" charset="0"/>
               </a:rPr>
-              <a:t>	Levin Lang</a:t>
-            </a:r>
-          </a:p>
-          <a:p>
-            <a:pPr lvl="0"/>
+              <a:t>Levin </a:t>
+            </a:r>
+            <a:r>
+              <a:rPr lang="en-GB" dirty="0" smtClean="0">
+                <a:latin typeface="MV Boli" pitchFamily="2" charset="0"/>
+                <a:cs typeface="MV Boli" pitchFamily="2" charset="0"/>
+              </a:rPr>
+              <a:t>Lang</a:t>
+            </a:r>
+          </a:p>
+          <a:p>
+            <a:pPr lvl="0" algn="l"/>
             <a:r>
               <a:rPr lang="en-GB" dirty="0" smtClean="0">
                 <a:solidFill>
@@ -11479,21 +11711,21 @@
                 <a:latin typeface="MV Boli" pitchFamily="2" charset="0"/>
                 <a:cs typeface="MV Boli" pitchFamily="2" charset="0"/>
               </a:rPr>
-              <a:t>										</a:t>
+              <a:t>									</a:t>
             </a:r>
             <a:r>
               <a:rPr lang="en-GB" dirty="0" smtClean="0">
                 <a:latin typeface="MV Boli" pitchFamily="2" charset="0"/>
                 <a:cs typeface="MV Boli" pitchFamily="2" charset="0"/>
               </a:rPr>
-              <a:t>Michelle Gaußmann</a:t>
-            </a:r>
-            <a:r>
-              <a:rPr lang="en-GB" sz="1800" dirty="0" smtClean="0">
+              <a:t>Michelle </a:t>
+            </a:r>
+            <a:r>
+              <a:rPr lang="en-GB" dirty="0" smtClean="0">
                 <a:latin typeface="MV Boli" pitchFamily="2" charset="0"/>
                 <a:cs typeface="MV Boli" pitchFamily="2" charset="0"/>
               </a:rPr>
-              <a:t> </a:t>
+              <a:t>Gaußmann </a:t>
             </a:r>
           </a:p>
           <a:p>
@@ -12330,7 +12562,7 @@
         </p:spPr>
         <p:txBody>
           <a:bodyPr vert="horz" lIns="91440" tIns="45720" rIns="91440" bIns="45720" rtlCol="0" anchor="t">
-            <a:normAutofit fontScale="70000" lnSpcReduction="20000"/>
+            <a:normAutofit fontScale="62500" lnSpcReduction="20000"/>
           </a:bodyPr>
           <a:lstStyle>
             <a:lvl1pPr marL="0" indent="0" algn="l" defTabSz="457200" rtl="0" eaLnBrk="1" latinLnBrk="0" hangingPunct="1">
@@ -12521,48 +12753,48 @@
               <a:buChar char="o"/>
             </a:pPr>
             <a:r>
-              <a:rPr lang="de-DE" sz="2600" dirty="0" smtClean="0">
+              <a:rPr lang="de-DE" sz="2900" dirty="0" smtClean="0">
                 <a:latin typeface="MV Boli" pitchFamily="2" charset="0"/>
                 <a:cs typeface="MV Boli" pitchFamily="2" charset="0"/>
               </a:rPr>
               <a:t>Core Experience – 1 </a:t>
             </a:r>
             <a:r>
-              <a:rPr lang="de-DE" sz="2600" dirty="0" err="1" smtClean="0">
+              <a:rPr lang="de-DE" sz="2900" dirty="0" err="1" smtClean="0">
                 <a:latin typeface="MV Boli" pitchFamily="2" charset="0"/>
                 <a:cs typeface="MV Boli" pitchFamily="2" charset="0"/>
               </a:rPr>
               <a:t>basic</a:t>
             </a:r>
             <a:r>
-              <a:rPr lang="de-DE" sz="2600" dirty="0" smtClean="0">
+              <a:rPr lang="de-DE" sz="2900" dirty="0" smtClean="0">
                 <a:latin typeface="MV Boli" pitchFamily="2" charset="0"/>
                 <a:cs typeface="MV Boli" pitchFamily="2" charset="0"/>
               </a:rPr>
               <a:t> </a:t>
             </a:r>
             <a:r>
-              <a:rPr lang="de-DE" sz="2600" dirty="0" err="1" smtClean="0">
+              <a:rPr lang="de-DE" sz="2900" dirty="0" err="1" smtClean="0">
                 <a:latin typeface="MV Boli" pitchFamily="2" charset="0"/>
                 <a:cs typeface="MV Boli" pitchFamily="2" charset="0"/>
               </a:rPr>
               <a:t>playable</a:t>
             </a:r>
             <a:r>
-              <a:rPr lang="de-DE" sz="2600" dirty="0" smtClean="0">
+              <a:rPr lang="de-DE" sz="2900" dirty="0" smtClean="0">
                 <a:latin typeface="MV Boli" pitchFamily="2" charset="0"/>
                 <a:cs typeface="MV Boli" pitchFamily="2" charset="0"/>
               </a:rPr>
               <a:t> </a:t>
             </a:r>
             <a:r>
-              <a:rPr lang="de-DE" sz="2600" dirty="0" err="1" smtClean="0">
+              <a:rPr lang="de-DE" sz="2900" dirty="0" err="1" smtClean="0">
                 <a:latin typeface="MV Boli" pitchFamily="2" charset="0"/>
                 <a:cs typeface="MV Boli" pitchFamily="2" charset="0"/>
               </a:rPr>
               <a:t>stage</a:t>
             </a:r>
-            <a:endParaRPr lang="de-DE" sz="2600" dirty="0" smtClean="0">
+            <a:endParaRPr lang="de-DE" sz="2900" dirty="0" smtClean="0">
               <a:latin typeface="MV Boli" pitchFamily="2" charset="0"/>
               <a:cs typeface="MV Boli" pitchFamily="2" charset="0"/>
             </a:endParaRPr>
@@ -12572,7 +12804,7 @@
               <a:buFont typeface="Courier New" pitchFamily="49" charset="0"/>
               <a:buChar char="o"/>
             </a:pPr>
-            <a:endParaRPr lang="de-DE" sz="2600" dirty="0" smtClean="0">
+            <a:endParaRPr lang="de-DE" sz="2900" dirty="0" smtClean="0">
               <a:latin typeface="MV Boli" pitchFamily="2" charset="0"/>
               <a:cs typeface="MV Boli" pitchFamily="2" charset="0"/>
             </a:endParaRPr>
@@ -12583,90 +12815,90 @@
               <a:buChar char="o"/>
             </a:pPr>
             <a:r>
-              <a:rPr lang="de-DE" sz="2600" dirty="0" smtClean="0">
+              <a:rPr lang="de-DE" sz="2900" dirty="0" smtClean="0">
                 <a:latin typeface="MV Boli" pitchFamily="2" charset="0"/>
                 <a:cs typeface="MV Boli" pitchFamily="2" charset="0"/>
               </a:rPr>
               <a:t>Basic, non-</a:t>
             </a:r>
             <a:r>
-              <a:rPr lang="de-DE" sz="2600" dirty="0" err="1" smtClean="0">
+              <a:rPr lang="de-DE" sz="2900" dirty="0" err="1" smtClean="0">
                 <a:latin typeface="MV Boli" pitchFamily="2" charset="0"/>
                 <a:cs typeface="MV Boli" pitchFamily="2" charset="0"/>
               </a:rPr>
               <a:t>animated</a:t>
             </a:r>
             <a:r>
-              <a:rPr lang="de-DE" sz="2600" dirty="0" smtClean="0">
+              <a:rPr lang="de-DE" sz="2900" dirty="0" smtClean="0">
                 <a:latin typeface="MV Boli" pitchFamily="2" charset="0"/>
                 <a:cs typeface="MV Boli" pitchFamily="2" charset="0"/>
               </a:rPr>
               <a:t> </a:t>
             </a:r>
             <a:r>
-              <a:rPr lang="de-DE" sz="2600" dirty="0" err="1" smtClean="0">
+              <a:rPr lang="de-DE" sz="2900" dirty="0" err="1" smtClean="0">
                 <a:latin typeface="MV Boli" pitchFamily="2" charset="0"/>
                 <a:cs typeface="MV Boli" pitchFamily="2" charset="0"/>
               </a:rPr>
               <a:t>low-poly</a:t>
             </a:r>
             <a:r>
-              <a:rPr lang="de-DE" sz="2600" dirty="0" smtClean="0">
+              <a:rPr lang="de-DE" sz="2900" dirty="0" smtClean="0">
                 <a:latin typeface="MV Boli" pitchFamily="2" charset="0"/>
                 <a:cs typeface="MV Boli" pitchFamily="2" charset="0"/>
               </a:rPr>
               <a:t> </a:t>
             </a:r>
             <a:r>
-              <a:rPr lang="de-DE" sz="2600" dirty="0" err="1" smtClean="0">
+              <a:rPr lang="de-DE" sz="2900" dirty="0" err="1" smtClean="0">
                 <a:latin typeface="MV Boli" pitchFamily="2" charset="0"/>
                 <a:cs typeface="MV Boli" pitchFamily="2" charset="0"/>
               </a:rPr>
               <a:t>main</a:t>
             </a:r>
             <a:r>
-              <a:rPr lang="de-DE" sz="2600" dirty="0" smtClean="0">
+              <a:rPr lang="de-DE" sz="2900" dirty="0" smtClean="0">
                 <a:latin typeface="MV Boli" pitchFamily="2" charset="0"/>
                 <a:cs typeface="MV Boli" pitchFamily="2" charset="0"/>
               </a:rPr>
               <a:t> </a:t>
             </a:r>
             <a:r>
-              <a:rPr lang="de-DE" sz="2600" dirty="0" err="1" smtClean="0">
+              <a:rPr lang="de-DE" sz="2900" dirty="0" err="1" smtClean="0">
                 <a:latin typeface="MV Boli" pitchFamily="2" charset="0"/>
                 <a:cs typeface="MV Boli" pitchFamily="2" charset="0"/>
               </a:rPr>
               <a:t>character</a:t>
             </a:r>
             <a:r>
-              <a:rPr lang="de-DE" sz="2600" dirty="0" smtClean="0">
+              <a:rPr lang="de-DE" sz="2900" dirty="0" smtClean="0">
                 <a:latin typeface="MV Boli" pitchFamily="2" charset="0"/>
                 <a:cs typeface="MV Boli" pitchFamily="2" charset="0"/>
               </a:rPr>
               <a:t> </a:t>
             </a:r>
             <a:r>
-              <a:rPr lang="de-DE" sz="2600" dirty="0" err="1" smtClean="0">
+              <a:rPr lang="de-DE" sz="2900" dirty="0" err="1" smtClean="0">
                 <a:latin typeface="MV Boli" pitchFamily="2" charset="0"/>
                 <a:cs typeface="MV Boli" pitchFamily="2" charset="0"/>
               </a:rPr>
               <a:t>with</a:t>
             </a:r>
             <a:r>
-              <a:rPr lang="de-DE" sz="2600" dirty="0" smtClean="0">
+              <a:rPr lang="de-DE" sz="2900" dirty="0" smtClean="0">
                 <a:latin typeface="MV Boli" pitchFamily="2" charset="0"/>
                 <a:cs typeface="MV Boli" pitchFamily="2" charset="0"/>
               </a:rPr>
               <a:t> </a:t>
             </a:r>
             <a:r>
-              <a:rPr lang="de-DE" sz="2600" dirty="0" err="1" smtClean="0">
+              <a:rPr lang="de-DE" sz="2900" dirty="0" err="1" smtClean="0">
                 <a:latin typeface="MV Boli" pitchFamily="2" charset="0"/>
                 <a:cs typeface="MV Boli" pitchFamily="2" charset="0"/>
               </a:rPr>
               <a:t>textures</a:t>
             </a:r>
-            <a:endParaRPr lang="de-DE" sz="2600" dirty="0" smtClean="0">
+            <a:endParaRPr lang="de-DE" sz="2900" dirty="0" smtClean="0">
               <a:latin typeface="MV Boli" pitchFamily="2" charset="0"/>
               <a:cs typeface="MV Boli" pitchFamily="2" charset="0"/>
             </a:endParaRPr>
@@ -12676,7 +12908,7 @@
               <a:buFont typeface="Courier New" pitchFamily="49" charset="0"/>
               <a:buChar char="o"/>
             </a:pPr>
-            <a:endParaRPr lang="de-DE" sz="2600" dirty="0" smtClean="0">
+            <a:endParaRPr lang="de-DE" sz="2900" dirty="0" smtClean="0">
               <a:latin typeface="MV Boli" pitchFamily="2" charset="0"/>
               <a:cs typeface="MV Boli" pitchFamily="2" charset="0"/>
             </a:endParaRPr>
@@ -12687,76 +12919,76 @@
               <a:buChar char="o"/>
             </a:pPr>
             <a:r>
-              <a:rPr lang="de-DE" sz="2600" dirty="0" smtClean="0">
+              <a:rPr lang="de-DE" sz="2900" dirty="0" smtClean="0">
                 <a:latin typeface="MV Boli" pitchFamily="2" charset="0"/>
                 <a:cs typeface="MV Boli" pitchFamily="2" charset="0"/>
               </a:rPr>
               <a:t>First </a:t>
             </a:r>
             <a:r>
-              <a:rPr lang="de-DE" sz="2600" dirty="0" err="1" smtClean="0">
+              <a:rPr lang="de-DE" sz="2900" dirty="0" err="1" smtClean="0">
                 <a:latin typeface="MV Boli" pitchFamily="2" charset="0"/>
                 <a:cs typeface="MV Boli" pitchFamily="2" charset="0"/>
               </a:rPr>
               <a:t>core</a:t>
             </a:r>
             <a:r>
-              <a:rPr lang="de-DE" sz="2600" dirty="0" smtClean="0">
+              <a:rPr lang="de-DE" sz="2900" dirty="0" smtClean="0">
                 <a:latin typeface="MV Boli" pitchFamily="2" charset="0"/>
                 <a:cs typeface="MV Boli" pitchFamily="2" charset="0"/>
               </a:rPr>
               <a:t> </a:t>
             </a:r>
             <a:r>
-              <a:rPr lang="de-DE" sz="2600" dirty="0" err="1" smtClean="0">
+              <a:rPr lang="de-DE" sz="2900" dirty="0" err="1" smtClean="0">
                 <a:latin typeface="MV Boli" pitchFamily="2" charset="0"/>
                 <a:cs typeface="MV Boli" pitchFamily="2" charset="0"/>
               </a:rPr>
               <a:t>mechanic</a:t>
             </a:r>
             <a:r>
-              <a:rPr lang="de-DE" sz="2600" dirty="0" smtClean="0">
+              <a:rPr lang="de-DE" sz="2900" dirty="0" smtClean="0">
                 <a:latin typeface="MV Boli" pitchFamily="2" charset="0"/>
                 <a:cs typeface="MV Boli" pitchFamily="2" charset="0"/>
               </a:rPr>
               <a:t>: </a:t>
             </a:r>
             <a:r>
-              <a:rPr lang="de-DE" sz="2600" dirty="0" err="1" smtClean="0">
+              <a:rPr lang="de-DE" sz="2900" dirty="0" err="1" smtClean="0">
                 <a:latin typeface="MV Boli" pitchFamily="2" charset="0"/>
                 <a:cs typeface="MV Boli" pitchFamily="2" charset="0"/>
               </a:rPr>
               <a:t>Clairvoyance</a:t>
             </a:r>
             <a:r>
-              <a:rPr lang="de-DE" sz="2600" dirty="0" smtClean="0">
+              <a:rPr lang="de-DE" sz="2900" dirty="0" smtClean="0">
                 <a:latin typeface="MV Boli" pitchFamily="2" charset="0"/>
                 <a:cs typeface="MV Boli" pitchFamily="2" charset="0"/>
               </a:rPr>
               <a:t> + </a:t>
             </a:r>
             <a:r>
-              <a:rPr lang="de-DE" sz="2600" dirty="0" err="1" smtClean="0">
+              <a:rPr lang="de-DE" sz="2900" dirty="0" err="1" smtClean="0">
                 <a:latin typeface="MV Boli" pitchFamily="2" charset="0"/>
                 <a:cs typeface="MV Boli" pitchFamily="2" charset="0"/>
               </a:rPr>
               <a:t>forshadowing</a:t>
             </a:r>
             <a:r>
-              <a:rPr lang="de-DE" sz="2600" dirty="0" smtClean="0">
+              <a:rPr lang="de-DE" sz="2900" dirty="0" smtClean="0">
                 <a:latin typeface="MV Boli" pitchFamily="2" charset="0"/>
                 <a:cs typeface="MV Boli" pitchFamily="2" charset="0"/>
               </a:rPr>
               <a:t> </a:t>
             </a:r>
             <a:r>
-              <a:rPr lang="de-DE" sz="2600" dirty="0" err="1" smtClean="0">
+              <a:rPr lang="de-DE" sz="2900" dirty="0" err="1" smtClean="0">
                 <a:latin typeface="MV Boli" pitchFamily="2" charset="0"/>
                 <a:cs typeface="MV Boli" pitchFamily="2" charset="0"/>
               </a:rPr>
               <a:t>Posession</a:t>
             </a:r>
-            <a:endParaRPr lang="de-DE" sz="2600" dirty="0" smtClean="0">
+            <a:endParaRPr lang="de-DE" sz="2900" dirty="0" smtClean="0">
               <a:latin typeface="MV Boli" pitchFamily="2" charset="0"/>
               <a:cs typeface="MV Boli" pitchFamily="2" charset="0"/>
             </a:endParaRPr>
@@ -12784,7 +13016,7 @@
         <p:spPr>
           <a:xfrm>
             <a:off x="1331640" y="1059582"/>
-            <a:ext cx="2304256" cy="369332"/>
+            <a:ext cx="2304256" cy="400110"/>
           </a:xfrm>
           <a:prstGeom prst="rect">
             <a:avLst/>
@@ -12799,13 +13031,13 @@
           <a:p>
             <a:pPr algn="ctr"/>
             <a:r>
-              <a:rPr lang="en-US" dirty="0" smtClean="0">
+              <a:rPr lang="en-US" sz="2000" dirty="0" smtClean="0">
                 <a:latin typeface="MV Boli" panose="02000500030200090000" pitchFamily="2" charset="0"/>
                 <a:cs typeface="MV Boli" panose="02000500030200090000" pitchFamily="2" charset="0"/>
               </a:rPr>
               <a:t>Promise:</a:t>
             </a:r>
-            <a:endParaRPr lang="de-DE" dirty="0">
+            <a:endParaRPr lang="de-DE" sz="2000" dirty="0">
               <a:latin typeface="MV Boli" panose="02000500030200090000" pitchFamily="2" charset="0"/>
               <a:cs typeface="MV Boli" panose="02000500030200090000" pitchFamily="2" charset="0"/>
             </a:endParaRPr>
@@ -12821,7 +13053,7 @@
         <p:spPr>
           <a:xfrm>
             <a:off x="4856019" y="1059582"/>
-            <a:ext cx="2304256" cy="369332"/>
+            <a:ext cx="2304256" cy="400110"/>
           </a:xfrm>
           <a:prstGeom prst="rect">
             <a:avLst/>
@@ -12836,13 +13068,13 @@
           <a:p>
             <a:pPr algn="ctr"/>
             <a:r>
-              <a:rPr lang="en-US" dirty="0" smtClean="0">
+              <a:rPr lang="en-US" sz="2000" dirty="0" smtClean="0">
                 <a:latin typeface="MV Boli" panose="02000500030200090000" pitchFamily="2" charset="0"/>
                 <a:cs typeface="MV Boli" panose="02000500030200090000" pitchFamily="2" charset="0"/>
               </a:rPr>
               <a:t>Present:</a:t>
             </a:r>
-            <a:endParaRPr lang="de-DE" dirty="0">
+            <a:endParaRPr lang="de-DE" sz="2000" dirty="0">
               <a:latin typeface="MV Boli" panose="02000500030200090000" pitchFamily="2" charset="0"/>
               <a:cs typeface="MV Boli" panose="02000500030200090000" pitchFamily="2" charset="0"/>
             </a:endParaRPr>
@@ -12927,14 +13159,102 @@
                             </p:stCondLst>
                             <p:childTnLst>
                               <p:par>
-                                <p:cTn id="9" presetID="22" presetClass="entr" presetSubtype="8" fill="hold" nodeType="afterEffect">
+                                <p:cTn id="9" presetID="22" presetClass="entr" presetSubtype="8" fill="hold" grpId="0" nodeType="afterEffect">
                                   <p:stCondLst>
-                                    <p:cond delay="1000"/>
+                                    <p:cond delay="500"/>
                                   </p:stCondLst>
                                   <p:childTnLst>
                                     <p:set>
                                       <p:cBhvr>
                                         <p:cTn id="10" dur="1" fill="hold">
+                                          <p:stCondLst>
+                                            <p:cond delay="0"/>
+                                          </p:stCondLst>
+                                        </p:cTn>
+                                        <p:tgtEl>
+                                          <p:spTgt spid="6"/>
+                                        </p:tgtEl>
+                                        <p:attrNameLst>
+                                          <p:attrName>style.visibility</p:attrName>
+                                        </p:attrNameLst>
+                                      </p:cBhvr>
+                                      <p:to>
+                                        <p:strVal val="visible"/>
+                                      </p:to>
+                                    </p:set>
+                                    <p:animEffect transition="in" filter="wipe(left)">
+                                      <p:cBhvr>
+                                        <p:cTn id="11" dur="500"/>
+                                        <p:tgtEl>
+                                          <p:spTgt spid="6"/>
+                                        </p:tgtEl>
+                                      </p:cBhvr>
+                                    </p:animEffect>
+                                  </p:childTnLst>
+                                </p:cTn>
+                              </p:par>
+                            </p:childTnLst>
+                          </p:cTn>
+                        </p:par>
+                        <p:par>
+                          <p:cTn id="12" fill="hold">
+                            <p:stCondLst>
+                              <p:cond delay="3000"/>
+                            </p:stCondLst>
+                            <p:childTnLst>
+                              <p:par>
+                                <p:cTn id="13" presetID="22" presetClass="entr" presetSubtype="8" fill="hold" grpId="0" nodeType="afterEffect">
+                                  <p:stCondLst>
+                                    <p:cond delay="500"/>
+                                  </p:stCondLst>
+                                  <p:childTnLst>
+                                    <p:set>
+                                      <p:cBhvr>
+                                        <p:cTn id="14" dur="1" fill="hold">
+                                          <p:stCondLst>
+                                            <p:cond delay="0"/>
+                                          </p:stCondLst>
+                                        </p:cTn>
+                                        <p:tgtEl>
+                                          <p:spTgt spid="7"/>
+                                        </p:tgtEl>
+                                        <p:attrNameLst>
+                                          <p:attrName>style.visibility</p:attrName>
+                                        </p:attrNameLst>
+                                      </p:cBhvr>
+                                      <p:to>
+                                        <p:strVal val="visible"/>
+                                      </p:to>
+                                    </p:set>
+                                    <p:animEffect transition="in" filter="wipe(left)">
+                                      <p:cBhvr>
+                                        <p:cTn id="15" dur="500"/>
+                                        <p:tgtEl>
+                                          <p:spTgt spid="7"/>
+                                        </p:tgtEl>
+                                      </p:cBhvr>
+                                    </p:animEffect>
+                                  </p:childTnLst>
+                                </p:cTn>
+                              </p:par>
+                            </p:childTnLst>
+                          </p:cTn>
+                        </p:par>
+                        <p:par>
+                          <p:cTn id="16" fill="hold">
+                            <p:stCondLst>
+                              <p:cond delay="4000"/>
+                            </p:stCondLst>
+                            <p:childTnLst>
+                              <p:par>
+                                <p:cTn id="17" presetID="22" presetClass="entr" presetSubtype="8" fill="hold" nodeType="afterEffect">
+                                  <p:stCondLst>
+                                    <p:cond delay="500"/>
+                                  </p:stCondLst>
+                                  <p:childTnLst>
+                                    <p:set>
+                                      <p:cBhvr>
+                                        <p:cTn id="18" dur="1" fill="hold">
                                           <p:stCondLst>
                                             <p:cond delay="0"/>
                                           </p:stCondLst>
@@ -12956,7 +13276,7 @@
                                     </p:set>
                                     <p:animEffect transition="in" filter="wipe(left)">
                                       <p:cBhvr>
-                                        <p:cTn id="11" dur="500"/>
+                                        <p:cTn id="19" dur="500"/>
                                         <p:tgtEl>
                                           <p:spTgt spid="3">
                                             <p:txEl>
@@ -12973,119 +13293,15 @@
                           </p:cTn>
                         </p:par>
                         <p:par>
-                          <p:cTn id="12" fill="hold">
-                            <p:stCondLst>
-                              <p:cond delay="3500"/>
-                            </p:stCondLst>
-                            <p:childTnLst>
-                              <p:par>
-                                <p:cTn id="13" presetID="22" presetClass="entr" presetSubtype="8" fill="hold" nodeType="afterEffect">
-                                  <p:stCondLst>
-                                    <p:cond delay="2000"/>
-                                  </p:stCondLst>
-                                  <p:childTnLst>
-                                    <p:set>
-                                      <p:cBhvr>
-                                        <p:cTn id="14" dur="1" fill="hold">
-                                          <p:stCondLst>
-                                            <p:cond delay="0"/>
-                                          </p:stCondLst>
-                                        </p:cTn>
-                                        <p:tgtEl>
-                                          <p:spTgt spid="3">
-                                            <p:txEl>
-                                              <p:pRg st="2" end="2"/>
-                                            </p:txEl>
-                                          </p:spTgt>
-                                        </p:tgtEl>
-                                        <p:attrNameLst>
-                                          <p:attrName>style.visibility</p:attrName>
-                                        </p:attrNameLst>
-                                      </p:cBhvr>
-                                      <p:to>
-                                        <p:strVal val="visible"/>
-                                      </p:to>
-                                    </p:set>
-                                    <p:animEffect transition="in" filter="wipe(left)">
-                                      <p:cBhvr>
-                                        <p:cTn id="15" dur="500"/>
-                                        <p:tgtEl>
-                                          <p:spTgt spid="3">
-                                            <p:txEl>
-                                              <p:pRg st="2" end="2"/>
-                                            </p:txEl>
-                                          </p:spTgt>
-                                        </p:tgtEl>
-                                      </p:cBhvr>
-                                    </p:animEffect>
-                                  </p:childTnLst>
-                                </p:cTn>
-                              </p:par>
-                            </p:childTnLst>
-                          </p:cTn>
-                        </p:par>
-                        <p:par>
-                          <p:cTn id="16" fill="hold">
-                            <p:stCondLst>
-                              <p:cond delay="6000"/>
-                            </p:stCondLst>
-                            <p:childTnLst>
-                              <p:par>
-                                <p:cTn id="17" presetID="22" presetClass="entr" presetSubtype="8" fill="hold" nodeType="afterEffect">
-                                  <p:stCondLst>
-                                    <p:cond delay="2000"/>
-                                  </p:stCondLst>
-                                  <p:childTnLst>
-                                    <p:set>
-                                      <p:cBhvr>
-                                        <p:cTn id="18" dur="1" fill="hold">
-                                          <p:stCondLst>
-                                            <p:cond delay="0"/>
-                                          </p:stCondLst>
-                                        </p:cTn>
-                                        <p:tgtEl>
-                                          <p:spTgt spid="3">
-                                            <p:txEl>
-                                              <p:pRg st="4" end="4"/>
-                                            </p:txEl>
-                                          </p:spTgt>
-                                        </p:tgtEl>
-                                        <p:attrNameLst>
-                                          <p:attrName>style.visibility</p:attrName>
-                                        </p:attrNameLst>
-                                      </p:cBhvr>
-                                      <p:to>
-                                        <p:strVal val="visible"/>
-                                      </p:to>
-                                    </p:set>
-                                    <p:animEffect transition="in" filter="wipe(left)">
-                                      <p:cBhvr>
-                                        <p:cTn id="19" dur="500"/>
-                                        <p:tgtEl>
-                                          <p:spTgt spid="3">
-                                            <p:txEl>
-                                              <p:pRg st="4" end="4"/>
-                                            </p:txEl>
-                                          </p:spTgt>
-                                        </p:tgtEl>
-                                      </p:cBhvr>
-                                    </p:animEffect>
-                                  </p:childTnLst>
-                                </p:cTn>
-                              </p:par>
-                            </p:childTnLst>
-                          </p:cTn>
-                        </p:par>
-                        <p:par>
                           <p:cTn id="20" fill="hold">
                             <p:stCondLst>
-                              <p:cond delay="8500"/>
+                              <p:cond delay="5000"/>
                             </p:stCondLst>
                             <p:childTnLst>
                               <p:par>
                                 <p:cTn id="21" presetID="22" presetClass="entr" presetSubtype="8" fill="hold" nodeType="afterEffect">
                                   <p:stCondLst>
-                                    <p:cond delay="1000"/>
+                                    <p:cond delay="0"/>
                                   </p:stCondLst>
                                   <p:childTnLst>
                                     <p:set>
@@ -13131,7 +13347,7 @@
                         <p:par>
                           <p:cTn id="24" fill="hold">
                             <p:stCondLst>
-                              <p:cond delay="10000"/>
+                              <p:cond delay="5500"/>
                             </p:stCondLst>
                             <p:childTnLst>
                               <p:par>
@@ -13143,6 +13359,58 @@
                                     <p:set>
                                       <p:cBhvr>
                                         <p:cTn id="26" dur="1" fill="hold">
+                                          <p:stCondLst>
+                                            <p:cond delay="0"/>
+                                          </p:stCondLst>
+                                        </p:cTn>
+                                        <p:tgtEl>
+                                          <p:spTgt spid="3">
+                                            <p:txEl>
+                                              <p:pRg st="2" end="2"/>
+                                            </p:txEl>
+                                          </p:spTgt>
+                                        </p:tgtEl>
+                                        <p:attrNameLst>
+                                          <p:attrName>style.visibility</p:attrName>
+                                        </p:attrNameLst>
+                                      </p:cBhvr>
+                                      <p:to>
+                                        <p:strVal val="visible"/>
+                                      </p:to>
+                                    </p:set>
+                                    <p:animEffect transition="in" filter="wipe(left)">
+                                      <p:cBhvr>
+                                        <p:cTn id="27" dur="500"/>
+                                        <p:tgtEl>
+                                          <p:spTgt spid="3">
+                                            <p:txEl>
+                                              <p:pRg st="2" end="2"/>
+                                            </p:txEl>
+                                          </p:spTgt>
+                                        </p:tgtEl>
+                                      </p:cBhvr>
+                                    </p:animEffect>
+                                  </p:childTnLst>
+                                </p:cTn>
+                              </p:par>
+                            </p:childTnLst>
+                          </p:cTn>
+                        </p:par>
+                        <p:par>
+                          <p:cTn id="28" fill="hold">
+                            <p:stCondLst>
+                              <p:cond delay="8000"/>
+                            </p:stCondLst>
+                            <p:childTnLst>
+                              <p:par>
+                                <p:cTn id="29" presetID="22" presetClass="entr" presetSubtype="8" fill="hold" nodeType="afterEffect">
+                                  <p:stCondLst>
+                                    <p:cond delay="0"/>
+                                  </p:stCondLst>
+                                  <p:childTnLst>
+                                    <p:set>
+                                      <p:cBhvr>
+                                        <p:cTn id="30" dur="1" fill="hold">
                                           <p:stCondLst>
                                             <p:cond delay="0"/>
                                           </p:stCondLst>
@@ -13164,7 +13432,7 @@
                                     </p:set>
                                     <p:animEffect transition="in" filter="wipe(left)">
                                       <p:cBhvr>
-                                        <p:cTn id="27" dur="500"/>
+                                        <p:cTn id="31" dur="500"/>
                                         <p:tgtEl>
                                           <p:spTgt spid="5">
                                             <p:txEl>
@@ -13181,20 +13449,72 @@
                           </p:cTn>
                         </p:par>
                         <p:par>
-                          <p:cTn id="28" fill="hold">
+                          <p:cTn id="32" fill="hold">
                             <p:stCondLst>
-                              <p:cond delay="12500"/>
+                              <p:cond delay="8500"/>
                             </p:stCondLst>
                             <p:childTnLst>
                               <p:par>
-                                <p:cTn id="29" presetID="22" presetClass="entr" presetSubtype="8" fill="hold" nodeType="afterEffect">
+                                <p:cTn id="33" presetID="22" presetClass="entr" presetSubtype="8" fill="hold" nodeType="afterEffect">
                                   <p:stCondLst>
                                     <p:cond delay="2000"/>
                                   </p:stCondLst>
                                   <p:childTnLst>
                                     <p:set>
                                       <p:cBhvr>
-                                        <p:cTn id="30" dur="1" fill="hold">
+                                        <p:cTn id="34" dur="1" fill="hold">
+                                          <p:stCondLst>
+                                            <p:cond delay="0"/>
+                                          </p:stCondLst>
+                                        </p:cTn>
+                                        <p:tgtEl>
+                                          <p:spTgt spid="3">
+                                            <p:txEl>
+                                              <p:pRg st="4" end="4"/>
+                                            </p:txEl>
+                                          </p:spTgt>
+                                        </p:tgtEl>
+                                        <p:attrNameLst>
+                                          <p:attrName>style.visibility</p:attrName>
+                                        </p:attrNameLst>
+                                      </p:cBhvr>
+                                      <p:to>
+                                        <p:strVal val="visible"/>
+                                      </p:to>
+                                    </p:set>
+                                    <p:animEffect transition="in" filter="wipe(left)">
+                                      <p:cBhvr>
+                                        <p:cTn id="35" dur="500"/>
+                                        <p:tgtEl>
+                                          <p:spTgt spid="3">
+                                            <p:txEl>
+                                              <p:pRg st="4" end="4"/>
+                                            </p:txEl>
+                                          </p:spTgt>
+                                        </p:tgtEl>
+                                      </p:cBhvr>
+                                    </p:animEffect>
+                                  </p:childTnLst>
+                                </p:cTn>
+                              </p:par>
+                            </p:childTnLst>
+                          </p:cTn>
+                        </p:par>
+                        <p:par>
+                          <p:cTn id="36" fill="hold">
+                            <p:stCondLst>
+                              <p:cond delay="11000"/>
+                            </p:stCondLst>
+                            <p:childTnLst>
+                              <p:par>
+                                <p:cTn id="37" presetID="22" presetClass="entr" presetSubtype="8" fill="hold" nodeType="afterEffect">
+                                  <p:stCondLst>
+                                    <p:cond delay="500"/>
+                                  </p:stCondLst>
+                                  <p:childTnLst>
+                                    <p:set>
+                                      <p:cBhvr>
+                                        <p:cTn id="38" dur="1" fill="hold">
                                           <p:stCondLst>
                                             <p:cond delay="0"/>
                                           </p:stCondLst>
@@ -13216,7 +13536,7 @@
                                     </p:set>
                                     <p:animEffect transition="in" filter="wipe(left)">
                                       <p:cBhvr>
-                                        <p:cTn id="31" dur="500"/>
+                                        <p:cTn id="39" dur="500"/>
                                         <p:tgtEl>
                                           <p:spTgt spid="5">
                                             <p:txEl>
@@ -13258,6 +13578,8 @@
     </p:tnLst>
     <p:bldLst>
       <p:bldP spid="2" grpId="0"/>
+      <p:bldP spid="6" grpId="0"/>
+      <p:bldP spid="7" grpId="0"/>
     </p:bldLst>
   </p:timing>
 </p:sld>
@@ -13382,7 +13704,7 @@
         </p:blipFill>
         <p:spPr>
           <a:xfrm rot="60000">
-            <a:off x="1461180" y="-191378"/>
+            <a:off x="1934363" y="-119369"/>
             <a:ext cx="5234092" cy="6422275"/>
           </a:xfrm>
           <a:prstGeom prst="rect">
@@ -14007,13 +14329,20 @@
               <a:buChar char="o"/>
             </a:pPr>
             <a:r>
-              <a:rPr lang="en-US" sz="2400" dirty="0" smtClean="0">
+              <a:rPr lang="en-US" dirty="0" smtClean="0">
                 <a:latin typeface="MV Boli" pitchFamily="2" charset="0"/>
                 <a:cs typeface="MV Boli" pitchFamily="2" charset="0"/>
               </a:rPr>
-              <a:t>Level 2 - Labor</a:t>
-            </a:r>
-            <a:endParaRPr lang="de-DE" sz="2400" dirty="0" smtClean="0">
+              <a:t>Level 2 - </a:t>
+            </a:r>
+            <a:r>
+              <a:rPr lang="en-US" dirty="0" smtClean="0">
+                <a:latin typeface="MV Boli" pitchFamily="2" charset="0"/>
+                <a:cs typeface="MV Boli" pitchFamily="2" charset="0"/>
+              </a:rPr>
+              <a:t>Laboratory</a:t>
+            </a:r>
+            <a:endParaRPr lang="de-DE" dirty="0" smtClean="0">
               <a:latin typeface="MV Boli" pitchFamily="2" charset="0"/>
               <a:cs typeface="MV Boli" pitchFamily="2" charset="0"/>
             </a:endParaRPr>
@@ -14023,7 +14352,7 @@
               <a:buFont typeface="Courier New" pitchFamily="49" charset="0"/>
               <a:buChar char="o"/>
             </a:pPr>
-            <a:endParaRPr lang="de-DE" sz="2400" dirty="0" smtClean="0">
+            <a:endParaRPr lang="de-DE" dirty="0" smtClean="0">
               <a:latin typeface="MV Boli" pitchFamily="2" charset="0"/>
               <a:cs typeface="MV Boli" pitchFamily="2" charset="0"/>
             </a:endParaRPr>
@@ -14034,41 +14363,41 @@
               <a:buChar char="o"/>
             </a:pPr>
             <a:r>
-              <a:rPr lang="de-DE" sz="2400" dirty="0" err="1" smtClean="0">
+              <a:rPr lang="de-DE" dirty="0" err="1" smtClean="0">
                 <a:latin typeface="MV Boli" pitchFamily="2" charset="0"/>
                 <a:cs typeface="MV Boli" pitchFamily="2" charset="0"/>
               </a:rPr>
               <a:t>Textured</a:t>
             </a:r>
             <a:r>
-              <a:rPr lang="de-DE" sz="2400" dirty="0" smtClean="0">
+              <a:rPr lang="de-DE" dirty="0" smtClean="0">
                 <a:latin typeface="MV Boli" pitchFamily="2" charset="0"/>
                 <a:cs typeface="MV Boli" pitchFamily="2" charset="0"/>
               </a:rPr>
               <a:t> Environment, Basic </a:t>
             </a:r>
             <a:r>
-              <a:rPr lang="de-DE" sz="2400" dirty="0" err="1" smtClean="0">
+              <a:rPr lang="de-DE" dirty="0" err="1" smtClean="0">
                 <a:latin typeface="MV Boli" pitchFamily="2" charset="0"/>
                 <a:cs typeface="MV Boli" pitchFamily="2" charset="0"/>
               </a:rPr>
               <a:t>Animated</a:t>
             </a:r>
             <a:r>
-              <a:rPr lang="de-DE" sz="2400" dirty="0" smtClean="0">
+              <a:rPr lang="de-DE" dirty="0" smtClean="0">
                 <a:latin typeface="MV Boli" pitchFamily="2" charset="0"/>
                 <a:cs typeface="MV Boli" pitchFamily="2" charset="0"/>
               </a:rPr>
               <a:t> Main-</a:t>
             </a:r>
             <a:r>
-              <a:rPr lang="de-DE" sz="2400" dirty="0" err="1" smtClean="0">
+              <a:rPr lang="de-DE" dirty="0" err="1" smtClean="0">
                 <a:latin typeface="MV Boli" pitchFamily="2" charset="0"/>
                 <a:cs typeface="MV Boli" pitchFamily="2" charset="0"/>
               </a:rPr>
               <a:t>Character</a:t>
             </a:r>
-            <a:endParaRPr lang="de-DE" sz="2400" dirty="0" smtClean="0">
+            <a:endParaRPr lang="de-DE" dirty="0" smtClean="0">
               <a:latin typeface="MV Boli" pitchFamily="2" charset="0"/>
               <a:cs typeface="MV Boli" pitchFamily="2" charset="0"/>
             </a:endParaRPr>
@@ -14078,7 +14407,7 @@
               <a:buFont typeface="Courier New" pitchFamily="49" charset="0"/>
               <a:buChar char="o"/>
             </a:pPr>
-            <a:endParaRPr lang="de-DE" sz="2400" dirty="0" smtClean="0">
+            <a:endParaRPr lang="de-DE" dirty="0" smtClean="0">
               <a:latin typeface="MV Boli" pitchFamily="2" charset="0"/>
               <a:cs typeface="MV Boli" pitchFamily="2" charset="0"/>
             </a:endParaRPr>
@@ -14089,52 +14418,52 @@
               <a:buChar char="o"/>
             </a:pPr>
             <a:r>
-              <a:rPr lang="de-DE" sz="2400" dirty="0" err="1" smtClean="0">
+              <a:rPr lang="de-DE" dirty="0" err="1" smtClean="0">
                 <a:latin typeface="MV Boli" pitchFamily="2" charset="0"/>
                 <a:cs typeface="MV Boli" pitchFamily="2" charset="0"/>
               </a:rPr>
               <a:t>Full</a:t>
             </a:r>
             <a:r>
-              <a:rPr lang="de-DE" sz="2400" dirty="0" smtClean="0">
+              <a:rPr lang="de-DE" dirty="0" smtClean="0">
                 <a:latin typeface="MV Boli" pitchFamily="2" charset="0"/>
                 <a:cs typeface="MV Boli" pitchFamily="2" charset="0"/>
               </a:rPr>
               <a:t> </a:t>
             </a:r>
             <a:r>
-              <a:rPr lang="de-DE" sz="2400" dirty="0" err="1" smtClean="0">
+              <a:rPr lang="de-DE" dirty="0" err="1" smtClean="0">
                 <a:latin typeface="MV Boli" pitchFamily="2" charset="0"/>
                 <a:cs typeface="MV Boli" pitchFamily="2" charset="0"/>
               </a:rPr>
               <a:t>second</a:t>
             </a:r>
             <a:r>
-              <a:rPr lang="de-DE" sz="2400" dirty="0" smtClean="0">
+              <a:rPr lang="de-DE" dirty="0" smtClean="0">
                 <a:latin typeface="MV Boli" pitchFamily="2" charset="0"/>
                 <a:cs typeface="MV Boli" pitchFamily="2" charset="0"/>
               </a:rPr>
               <a:t> core mechanic: </a:t>
             </a:r>
             <a:r>
-              <a:rPr lang="de-DE" sz="2400" dirty="0" err="1" smtClean="0">
+              <a:rPr lang="de-DE" dirty="0" err="1" smtClean="0">
                 <a:latin typeface="MV Boli" pitchFamily="2" charset="0"/>
                 <a:cs typeface="MV Boli" pitchFamily="2" charset="0"/>
               </a:rPr>
               <a:t>Posession</a:t>
             </a:r>
-            <a:endParaRPr lang="de-DE" sz="2400" dirty="0" smtClean="0">
-              <a:latin typeface="MV Boli" pitchFamily="2" charset="0"/>
-              <a:cs typeface="MV Boli" pitchFamily="2" charset="0"/>
-            </a:endParaRPr>
-          </a:p>
-          <a:p>
             <a:endParaRPr lang="de-DE" dirty="0" smtClean="0">
               <a:latin typeface="MV Boli" pitchFamily="2" charset="0"/>
               <a:cs typeface="MV Boli" pitchFamily="2" charset="0"/>
             </a:endParaRPr>
           </a:p>
           <a:p>
+            <a:endParaRPr lang="de-DE" dirty="0" smtClean="0">
+              <a:latin typeface="MV Boli" pitchFamily="2" charset="0"/>
+              <a:cs typeface="MV Boli" pitchFamily="2" charset="0"/>
+            </a:endParaRPr>
+          </a:p>
+          <a:p>
             <a:endParaRPr lang="de-DE" dirty="0">
               <a:latin typeface="MV Boli" pitchFamily="2" charset="0"/>
               <a:cs typeface="MV Boli" pitchFamily="2" charset="0"/>
@@ -14142,6 +14471,43 @@
           </a:p>
         </p:txBody>
       </p:sp>
+      <p:pic>
+        <p:nvPicPr>
+          <p:cNvPr id="5" name="Grafik 4"/>
+          <p:cNvPicPr>
+            <a:picLocks noChangeAspect="1"/>
+          </p:cNvPicPr>
+          <p:nvPr/>
+        </p:nvPicPr>
+        <p:blipFill>
+          <a:blip r:embed="rId3" cstate="print">
+            <a:duotone>
+              <a:prstClr val="black"/>
+              <a:srgbClr val="D006B8">
+                <a:tint val="45000"/>
+                <a:satMod val="400000"/>
+              </a:srgbClr>
+            </a:duotone>
+            <a:extLst>
+              <a:ext uri="{28A0092B-C50C-407E-A947-70E740481C1C}">
+                <a14:useLocalDpi xmlns:a14="http://schemas.microsoft.com/office/drawing/2010/main" val="0"/>
+              </a:ext>
+            </a:extLst>
+          </a:blip>
+          <a:stretch>
+            <a:fillRect/>
+          </a:stretch>
+        </p:blipFill>
+        <p:spPr>
+          <a:xfrm rot="186654">
+            <a:off x="6297142" y="2647059"/>
+            <a:ext cx="3565878" cy="2638189"/>
+          </a:xfrm>
+          <a:prstGeom prst="rect">
+            <a:avLst/>
+          </a:prstGeom>
+        </p:spPr>
+      </p:pic>
     </p:spTree>
     <p:extLst>
       <p:ext uri="{BB962C8B-B14F-4D97-AF65-F5344CB8AC3E}">
@@ -14210,24 +14576,157 @@
                                   </p:childTnLst>
                                 </p:cTn>
                               </p:par>
+                              <p:par>
+                                <p:cTn id="8" presetID="42" presetClass="entr" presetSubtype="0" fill="hold" nodeType="withEffect">
+                                  <p:stCondLst>
+                                    <p:cond delay="0"/>
+                                  </p:stCondLst>
+                                  <p:childTnLst>
+                                    <p:set>
+                                      <p:cBhvr>
+                                        <p:cTn id="9" dur="1" fill="hold">
+                                          <p:stCondLst>
+                                            <p:cond delay="0"/>
+                                          </p:stCondLst>
+                                        </p:cTn>
+                                        <p:tgtEl>
+                                          <p:spTgt spid="5"/>
+                                        </p:tgtEl>
+                                        <p:attrNameLst>
+                                          <p:attrName>style.visibility</p:attrName>
+                                        </p:attrNameLst>
+                                      </p:cBhvr>
+                                      <p:to>
+                                        <p:strVal val="visible"/>
+                                      </p:to>
+                                    </p:set>
+                                    <p:animEffect transition="in" filter="fade">
+                                      <p:cBhvr>
+                                        <p:cTn id="10" dur="1000"/>
+                                        <p:tgtEl>
+                                          <p:spTgt spid="5"/>
+                                        </p:tgtEl>
+                                      </p:cBhvr>
+                                    </p:animEffect>
+                                    <p:anim calcmode="lin" valueType="num">
+                                      <p:cBhvr>
+                                        <p:cTn id="11" dur="1000" fill="hold"/>
+                                        <p:tgtEl>
+                                          <p:spTgt spid="5"/>
+                                        </p:tgtEl>
+                                        <p:attrNameLst>
+                                          <p:attrName>ppt_x</p:attrName>
+                                        </p:attrNameLst>
+                                      </p:cBhvr>
+                                      <p:tavLst>
+                                        <p:tav tm="0">
+                                          <p:val>
+                                            <p:strVal val="#ppt_x"/>
+                                          </p:val>
+                                        </p:tav>
+                                        <p:tav tm="100000">
+                                          <p:val>
+                                            <p:strVal val="#ppt_x"/>
+                                          </p:val>
+                                        </p:tav>
+                                      </p:tavLst>
+                                    </p:anim>
+                                    <p:anim calcmode="lin" valueType="num">
+                                      <p:cBhvr>
+                                        <p:cTn id="12" dur="1000" fill="hold"/>
+                                        <p:tgtEl>
+                                          <p:spTgt spid="5"/>
+                                        </p:tgtEl>
+                                        <p:attrNameLst>
+                                          <p:attrName>ppt_y</p:attrName>
+                                        </p:attrNameLst>
+                                      </p:cBhvr>
+                                      <p:tavLst>
+                                        <p:tav tm="0">
+                                          <p:val>
+                                            <p:strVal val="#ppt_y+.1"/>
+                                          </p:val>
+                                        </p:tav>
+                                        <p:tav tm="100000">
+                                          <p:val>
+                                            <p:strVal val="#ppt_y"/>
+                                          </p:val>
+                                        </p:tav>
+                                      </p:tavLst>
+                                    </p:anim>
+                                  </p:childTnLst>
+                                </p:cTn>
+                              </p:par>
                             </p:childTnLst>
                           </p:cTn>
                         </p:par>
                         <p:par>
-                          <p:cTn id="8" fill="hold">
+                          <p:cTn id="13" fill="hold">
                             <p:stCondLst>
                               <p:cond delay="2000"/>
                             </p:stCondLst>
                             <p:childTnLst>
                               <p:par>
-                                <p:cTn id="9" presetID="22" presetClass="entr" presetSubtype="8" fill="hold" nodeType="afterEffect">
+                                <p:cTn id="14" presetID="22" presetClass="entr" presetSubtype="8" fill="hold" nodeType="afterEffect">
+                                  <p:stCondLst>
+                                    <p:cond delay="0"/>
+                                  </p:stCondLst>
+                                  <p:childTnLst>
+                                    <p:set>
+                                      <p:cBhvr>
+                                        <p:cTn id="15" dur="1" fill="hold">
+                                          <p:stCondLst>
+                                            <p:cond delay="0"/>
+                                          </p:stCondLst>
+                                        </p:cTn>
+                                        <p:tgtEl>
+                                          <p:spTgt spid="3">
+                                            <p:txEl>
+                                              <p:pRg st="0" end="0"/>
+                                            </p:txEl>
+                                          </p:spTgt>
+                                        </p:tgtEl>
+                                        <p:attrNameLst>
+                                          <p:attrName>style.visibility</p:attrName>
+                                        </p:attrNameLst>
+                                      </p:cBhvr>
+                                      <p:to>
+                                        <p:strVal val="visible"/>
+                                      </p:to>
+                                    </p:set>
+                                    <p:animEffect transition="in" filter="wipe(left)">
+                                      <p:cBhvr>
+                                        <p:cTn id="16" dur="500"/>
+                                        <p:tgtEl>
+                                          <p:spTgt spid="3">
+                                            <p:txEl>
+                                              <p:pRg st="0" end="0"/>
+                                            </p:txEl>
+                                          </p:spTgt>
+                                        </p:tgtEl>
+                                      </p:cBhvr>
+                                    </p:animEffect>
+                                  </p:childTnLst>
+                                </p:cTn>
+                              </p:par>
+                            </p:childTnLst>
+                          </p:cTn>
+                        </p:par>
+                        <p:par>
+                          <p:cTn id="17" fill="hold">
+                            <p:stCondLst>
+                              <p:cond delay="2500"/>
+                            </p:stCondLst>
+                            <p:childTnLst>
+                              <p:par>
+                                <p:cTn id="18" presetID="22" presetClass="entr" presetSubtype="8" fill="hold" nodeType="afterEffect">
                                   <p:stCondLst>
                                     <p:cond delay="2000"/>
                                   </p:stCondLst>
                                   <p:childTnLst>
                                     <p:set>
                                       <p:cBhvr>
-                                        <p:cTn id="10" dur="1" fill="hold">
+                                        <p:cTn id="19" dur="1" fill="hold">
                                           <p:stCondLst>
                                             <p:cond delay="0"/>
                                           </p:stCondLst>
@@ -14249,7 +14748,7 @@
                                     </p:set>
                                     <p:animEffect transition="in" filter="wipe(left)">
                                       <p:cBhvr>
-                                        <p:cTn id="11" dur="500"/>
+                                        <p:cTn id="20" dur="500"/>
                                         <p:tgtEl>
                                           <p:spTgt spid="3">
                                             <p:txEl>
@@ -14266,72 +14765,20 @@
                           </p:cTn>
                         </p:par>
                         <p:par>
-                          <p:cTn id="12" fill="hold">
+                          <p:cTn id="21" fill="hold">
                             <p:stCondLst>
-                              <p:cond delay="4500"/>
+                              <p:cond delay="5000"/>
                             </p:stCondLst>
                             <p:childTnLst>
                               <p:par>
-                                <p:cTn id="13" presetID="22" presetClass="entr" presetSubtype="8" fill="hold" nodeType="afterEffect">
+                                <p:cTn id="22" presetID="22" presetClass="entr" presetSubtype="8" fill="hold" nodeType="afterEffect">
                                   <p:stCondLst>
                                     <p:cond delay="2000"/>
                                   </p:stCondLst>
                                   <p:childTnLst>
                                     <p:set>
                                       <p:cBhvr>
-                                        <p:cTn id="14" dur="1" fill="hold">
-                                          <p:stCondLst>
-                                            <p:cond delay="0"/>
-                                          </p:stCondLst>
-                                        </p:cTn>
-                                        <p:tgtEl>
-                                          <p:spTgt spid="3">
-                                            <p:txEl>
-                                              <p:pRg st="0" end="0"/>
-                                            </p:txEl>
-                                          </p:spTgt>
-                                        </p:tgtEl>
-                                        <p:attrNameLst>
-                                          <p:attrName>style.visibility</p:attrName>
-                                        </p:attrNameLst>
-                                      </p:cBhvr>
-                                      <p:to>
-                                        <p:strVal val="visible"/>
-                                      </p:to>
-                                    </p:set>
-                                    <p:animEffect transition="in" filter="wipe(left)">
-                                      <p:cBhvr>
-                                        <p:cTn id="15" dur="500"/>
-                                        <p:tgtEl>
-                                          <p:spTgt spid="3">
-                                            <p:txEl>
-                                              <p:pRg st="0" end="0"/>
-                                            </p:txEl>
-                                          </p:spTgt>
-                                        </p:tgtEl>
-                                      </p:cBhvr>
-                                    </p:animEffect>
-                                  </p:childTnLst>
-                                </p:cTn>
-                              </p:par>
-                            </p:childTnLst>
-                          </p:cTn>
-                        </p:par>
-                        <p:par>
-                          <p:cTn id="16" fill="hold">
-                            <p:stCondLst>
-                              <p:cond delay="7000"/>
-                            </p:stCondLst>
-                            <p:childTnLst>
-                              <p:par>
-                                <p:cTn id="17" presetID="22" presetClass="entr" presetSubtype="8" fill="hold" nodeType="afterEffect">
-                                  <p:stCondLst>
-                                    <p:cond delay="2000"/>
-                                  </p:stCondLst>
-                                  <p:childTnLst>
-                                    <p:set>
-                                      <p:cBhvr>
-                                        <p:cTn id="18" dur="1" fill="hold">
+                                        <p:cTn id="23" dur="1" fill="hold">
                                           <p:stCondLst>
                                             <p:cond delay="0"/>
                                           </p:stCondLst>
@@ -14353,7 +14800,7 @@
                                     </p:set>
                                     <p:animEffect transition="in" filter="wipe(left)">
                                       <p:cBhvr>
-                                        <p:cTn id="19" dur="500"/>
+                                        <p:cTn id="24" dur="500"/>
                                         <p:tgtEl>
                                           <p:spTgt spid="3">
                                             <p:txEl>
@@ -15028,7 +15475,7 @@
 <file path=ppt/theme/theme1.xml><?xml version="1.0" encoding="utf-8"?>
 <a:theme xmlns:a="http://schemas.openxmlformats.org/drawingml/2006/main" name="Summer">
   <a:themeElements>
-    <a:clrScheme name="Rot">
+    <a:clrScheme name="Gelborange">
       <a:dk1>
         <a:sysClr val="windowText" lastClr="000000"/>
       </a:dk1>
@@ -15036,34 +15483,34 @@
         <a:sysClr val="window" lastClr="FFFFFF"/>
       </a:lt1>
       <a:dk2>
-        <a:srgbClr val="323232"/>
+        <a:srgbClr val="4E3B30"/>
       </a:dk2>
       <a:lt2>
-        <a:srgbClr val="E5C243"/>
+        <a:srgbClr val="FBEEC9"/>
       </a:lt2>
       <a:accent1>
-        <a:srgbClr val="A5300F"/>
+        <a:srgbClr val="F0A22E"/>
       </a:accent1>
       <a:accent2>
-        <a:srgbClr val="D55816"/>
+        <a:srgbClr val="A5644E"/>
       </a:accent2>
       <a:accent3>
-        <a:srgbClr val="E19825"/>
+        <a:srgbClr val="B58B80"/>
       </a:accent3>
       <a:accent4>
-        <a:srgbClr val="B19C7D"/>
+        <a:srgbClr val="C3986D"/>
       </a:accent4>
       <a:accent5>
-        <a:srgbClr val="7F5F52"/>
+        <a:srgbClr val="A19574"/>
       </a:accent5>
       <a:accent6>
-        <a:srgbClr val="B27D49"/>
+        <a:srgbClr val="C17529"/>
       </a:accent6>
       <a:hlink>
-        <a:srgbClr val="6B9F25"/>
+        <a:srgbClr val="AD1F1F"/>
       </a:hlink>
       <a:folHlink>
-        <a:srgbClr val="B26B02"/>
+        <a:srgbClr val="FFC42F"/>
       </a:folHlink>
     </a:clrScheme>
     <a:fontScheme name="Summer">
@@ -15138,7 +15585,7 @@
         <a:font script="Geor" typeface="Sylfaen"/>
       </a:minorFont>
     </a:fontScheme>
-    <a:fmtScheme name="Summer">
+    <a:fmtScheme name="Milchglas">
       <a:fillStyleLst>
         <a:solidFill>
           <a:schemeClr val="phClr"/>
@@ -15147,13 +15594,32 @@
           <a:gsLst>
             <a:gs pos="0">
               <a:schemeClr val="phClr">
-                <a:tint val="70000"/>
-                <a:lumMod val="110000"/>
+                <a:tint val="15000"/>
+                <a:satMod val="250000"/>
+              </a:schemeClr>
+            </a:gs>
+            <a:gs pos="49000">
+              <a:schemeClr val="phClr">
+                <a:tint val="50000"/>
+                <a:satMod val="200000"/>
+              </a:schemeClr>
+            </a:gs>
+            <a:gs pos="49100">
+              <a:schemeClr val="phClr">
+                <a:tint val="64000"/>
+                <a:satMod val="160000"/>
+              </a:schemeClr>
+            </a:gs>
+            <a:gs pos="92000">
+              <a:schemeClr val="phClr">
+                <a:tint val="50000"/>
+                <a:satMod val="200000"/>
               </a:schemeClr>
             </a:gs>
             <a:gs pos="100000">
               <a:schemeClr val="phClr">
-                <a:tint val="90000"/>
+                <a:tint val="43000"/>
+                <a:satMod val="190000"/>
               </a:schemeClr>
             </a:gs>
           </a:gsLst>
@@ -15163,35 +15629,54 @@
           <a:gsLst>
             <a:gs pos="0">
               <a:schemeClr val="phClr">
+                <a:tint val="74000"/>
+              </a:schemeClr>
+            </a:gs>
+            <a:gs pos="49000">
+              <a:schemeClr val="phClr">
+                <a:tint val="96000"/>
+                <a:shade val="84000"/>
+                <a:satMod val="110000"/>
+              </a:schemeClr>
+            </a:gs>
+            <a:gs pos="49100">
+              <a:schemeClr val="phClr">
+                <a:shade val="55000"/>
+                <a:satMod val="150000"/>
+              </a:schemeClr>
+            </a:gs>
+            <a:gs pos="92000">
+              <a:schemeClr val="phClr">
                 <a:tint val="98000"/>
-                <a:satMod val="120000"/>
-                <a:lumMod val="110000"/>
+                <a:shade val="90000"/>
+                <a:satMod val="128000"/>
               </a:schemeClr>
             </a:gs>
             <a:gs pos="100000">
               <a:schemeClr val="phClr">
-                <a:shade val="90000"/>
-                <a:lumMod val="90000"/>
+                <a:tint val="90000"/>
+                <a:shade val="97000"/>
+                <a:satMod val="128000"/>
               </a:schemeClr>
             </a:gs>
           </a:gsLst>
-          <a:lin ang="5400000" scaled="0"/>
+          <a:lin ang="5400000" scaled="1"/>
         </a:gradFill>
       </a:fillStyleLst>
       <a:lnStyleLst>
-        <a:ln w="12700" cap="rnd" cmpd="sng" algn="ctr">
+        <a:ln w="11430" cap="flat" cmpd="sng" algn="ctr">
           <a:solidFill>
             <a:schemeClr val="phClr"/>
           </a:solidFill>
           <a:prstDash val="solid"/>
         </a:ln>
-        <a:ln w="19050" cap="rnd" cmpd="sng" algn="ctr">
+        <a:ln w="40000" cap="flat" cmpd="sng" algn="ctr">
           <a:solidFill>
             <a:schemeClr val="phClr"/>
           </a:solidFill>
           <a:prstDash val="solid"/>
         </a:ln>
-        <a:ln w="28575" cap="rnd" cmpd="sng" algn="ctr">
+        <a:ln w="31800" cap="flat" cmpd="sng" algn="ctr">
           <a:solidFill>
             <a:schemeClr val="phClr"/>
           </a:solidFill>
@@ -15200,35 +15685,45 @@
       </a:lnStyleLst>
       <a:effectStyleLst>
         <a:effectStyle>
-          <a:effectLst/>
-        </a:effectStyle>
-        <a:effectStyle>
           <a:effectLst>
-            <a:outerShdw blurRad="38100" dist="25400" dir="5400000" rotWithShape="0">
-              <a:srgbClr val="000000">
-                <a:alpha val="45000"/>
-              </a:srgbClr>
+            <a:outerShdw blurRad="50800" dist="25000" dir="5400000" rotWithShape="0">
+              <a:schemeClr val="phClr">
+                <a:shade val="30000"/>
+                <a:satMod val="150000"/>
+                <a:alpha val="38000"/>
+              </a:schemeClr>
             </a:outerShdw>
           </a:effectLst>
         </a:effectStyle>
         <a:effectStyle>
           <a:effectLst>
-            <a:outerShdw blurRad="88900" dist="38100" dir="5400000" algn="ctr" rotWithShape="0">
-              <a:srgbClr val="000000">
-                <a:alpha val="65000"/>
-              </a:srgbClr>
+            <a:outerShdw blurRad="39000" dist="25400" dir="5400000" rotWithShape="0">
+              <a:schemeClr val="phClr">
+                <a:shade val="33000"/>
+                <a:alpha val="83000"/>
+              </a:schemeClr>
+            </a:outerShdw>
+          </a:effectLst>
+        </a:effectStyle>
+        <a:effectStyle>
+          <a:effectLst>
+            <a:outerShdw blurRad="39000" dist="25400" dir="5400000" rotWithShape="0">
+              <a:schemeClr val="phClr">
+                <a:shade val="33000"/>
+                <a:alpha val="83000"/>
+              </a:schemeClr>
             </a:outerShdw>
           </a:effectLst>
           <a:scene3d>
-            <a:camera prst="orthographicFront">
+            <a:camera prst="orthographicFront" fov="0">
               <a:rot lat="0" lon="0" rev="0"/>
             </a:camera>
-            <a:lightRig rig="threePt" dir="tl">
-              <a:rot lat="0" lon="0" rev="5400000"/>
+            <a:lightRig rig="contrasting" dir="t">
+              <a:rot lat="0" lon="0" rev="1500000"/>
             </a:lightRig>
           </a:scene3d>
-          <a:sp3d>
-            <a:bevelT w="25400" h="38100"/>
+          <a:sp3d extrusionH="127000" prstMaterial="powder">
+            <a:bevelT w="50800" h="63500"/>
           </a:sp3d>
         </a:effectStyle>
       </a:effectStyleLst>

--- a/_Organisation/Präsentation/Voodoo_PP1.pptx
+++ b/_Organisation/Präsentation/Voodoo_PP1.pptx
@@ -214,7 +214,7 @@
           <a:p>
             <a:fld id="{6970F1A7-B44C-47F4-9D4E-59C4A99A588C}" type="datetimeFigureOut">
               <a:rPr lang="de-DE" smtClean="0"/>
-              <a:t>23.05.2018</a:t>
+              <a:t>24.05.2018</a:t>
             </a:fld>
             <a:endParaRPr lang="de-DE"/>
           </a:p>
@@ -530,31 +530,23 @@
               <a:rPr lang="de-DE" dirty="0" smtClean="0"/>
               <a:t>Hallo, mein Name ist Sonja Köck und ich bin der Producer von Team 13. </a:t>
             </a:r>
-            <a:br>
+            <a:r>
               <a:rPr lang="de-DE" dirty="0" smtClean="0"/>
-            </a:br>
-            <a:r>
-              <a:rPr lang="de-DE" dirty="0" smtClean="0"/>
-              <a:t>Hallo mein Name ist Tobias Schuster und ich bin der Game Designer. </a:t>
-            </a:r>
-          </a:p>
-          <a:p>
+              <a:t>Ich werde euch heute Gate 1 von unserem Projekt „Voodoo“</a:t>
+            </a:r>
+            <a:r>
+              <a:rPr lang="de-DE" baseline="0" dirty="0" smtClean="0"/>
+              <a:t> </a:t>
+            </a:r>
+            <a:r>
+              <a:rPr lang="de-DE" baseline="0" dirty="0" err="1" smtClean="0"/>
+              <a:t>praesentieren</a:t>
+            </a:r>
+            <a:r>
+              <a:rPr lang="de-DE" baseline="0" dirty="0" smtClean="0"/>
+              <a:t>.</a:t>
+            </a:r>
             <a:endParaRPr lang="de-DE" dirty="0" smtClean="0"/>
-          </a:p>
-          <a:p>
-            <a:r>
-              <a:rPr lang="de-DE" dirty="0" smtClean="0"/>
-              <a:t>Wir werden euch heute das </a:t>
-            </a:r>
-            <a:r>
-              <a:rPr lang="de-DE" dirty="0" smtClean="0"/>
-              <a:t>Konzept </a:t>
-            </a:r>
-            <a:r>
-              <a:rPr lang="de-DE" dirty="0" smtClean="0"/>
-              <a:t>unseres neuen Spiels Voodoo vorstellen.</a:t>
-            </a:r>
-            <a:endParaRPr lang="de-DE" dirty="0"/>
           </a:p>
         </p:txBody>
       </p:sp>
@@ -595,6 +587,126 @@
 </file>
 
 <file path=ppt/notesSlides/notesSlide2.xml><?xml version="1.0" encoding="utf-8"?>
+<p:notes xmlns:a="http://schemas.openxmlformats.org/drawingml/2006/main" xmlns:r="http://schemas.openxmlformats.org/officeDocument/2006/relationships" xmlns:p="http://schemas.openxmlformats.org/presentationml/2006/main">
+  <p:cSld>
+    <p:spTree>
+      <p:nvGrpSpPr>
+        <p:cNvPr id="1" name=""/>
+        <p:cNvGrpSpPr/>
+        <p:nvPr/>
+      </p:nvGrpSpPr>
+      <p:grpSpPr>
+        <a:xfrm>
+          <a:off x="0" y="0"/>
+          <a:ext cx="0" cy="0"/>
+          <a:chOff x="0" y="0"/>
+          <a:chExt cx="0" cy="0"/>
+        </a:xfrm>
+      </p:grpSpPr>
+      <p:sp>
+        <p:nvSpPr>
+          <p:cNvPr id="2" name="Folienbildplatzhalter 1"/>
+          <p:cNvSpPr>
+            <a:spLocks noGrp="1" noRot="1" noChangeAspect="1"/>
+          </p:cNvSpPr>
+          <p:nvPr>
+            <p:ph type="sldImg"/>
+          </p:nvPr>
+        </p:nvSpPr>
+        <p:spPr/>
+      </p:sp>
+      <p:sp>
+        <p:nvSpPr>
+          <p:cNvPr id="3" name="Notizenplatzhalter 2"/>
+          <p:cNvSpPr>
+            <a:spLocks noGrp="1"/>
+          </p:cNvSpPr>
+          <p:nvPr>
+            <p:ph type="body" idx="1"/>
+          </p:nvPr>
+        </p:nvSpPr>
+        <p:spPr/>
+        <p:txBody>
+          <a:bodyPr/>
+          <a:lstStyle/>
+          <a:p>
+            <a:r>
+              <a:rPr lang="en-US" dirty="0" err="1" smtClean="0"/>
+              <a:t>Zuerst</a:t>
+            </a:r>
+            <a:r>
+              <a:rPr lang="en-US" dirty="0" smtClean="0"/>
+              <a:t> </a:t>
+            </a:r>
+            <a:r>
+              <a:rPr lang="en-US" dirty="0" err="1" smtClean="0"/>
+              <a:t>allerdings</a:t>
+            </a:r>
+            <a:r>
+              <a:rPr lang="en-US" dirty="0" smtClean="0"/>
+              <a:t> </a:t>
+            </a:r>
+            <a:r>
+              <a:rPr lang="en-US" dirty="0" err="1" smtClean="0"/>
+              <a:t>ein</a:t>
+            </a:r>
+            <a:r>
+              <a:rPr lang="en-US" dirty="0" smtClean="0"/>
+              <a:t> </a:t>
+            </a:r>
+            <a:r>
+              <a:rPr lang="en-US" dirty="0" err="1" smtClean="0"/>
+              <a:t>kleines</a:t>
+            </a:r>
+            <a:r>
+              <a:rPr lang="en-US" dirty="0" smtClean="0"/>
+              <a:t> Review.</a:t>
+            </a:r>
+            <a:r>
+              <a:rPr lang="en-US" baseline="0" dirty="0" smtClean="0"/>
+              <a:t> </a:t>
+            </a:r>
+            <a:endParaRPr lang="de-DE" dirty="0"/>
+          </a:p>
+        </p:txBody>
+      </p:sp>
+      <p:sp>
+        <p:nvSpPr>
+          <p:cNvPr id="4" name="Foliennummernplatzhalter 3"/>
+          <p:cNvSpPr>
+            <a:spLocks noGrp="1"/>
+          </p:cNvSpPr>
+          <p:nvPr>
+            <p:ph type="sldNum" sz="quarter" idx="10"/>
+          </p:nvPr>
+        </p:nvSpPr>
+        <p:spPr/>
+        <p:txBody>
+          <a:bodyPr/>
+          <a:lstStyle/>
+          <a:p>
+            <a:fld id="{4D56AC9C-3557-4516-B20A-3092AF400081}" type="slidenum">
+              <a:rPr lang="de-DE" smtClean="0"/>
+              <a:t>2</a:t>
+            </a:fld>
+            <a:endParaRPr lang="de-DE"/>
+          </a:p>
+        </p:txBody>
+      </p:sp>
+    </p:spTree>
+    <p:extLst>
+      <p:ext uri="{BB962C8B-B14F-4D97-AF65-F5344CB8AC3E}">
+        <p14:creationId xmlns:p14="http://schemas.microsoft.com/office/powerpoint/2010/main" val="1503522633"/>
+      </p:ext>
+    </p:extLst>
+  </p:cSld>
+  <p:clrMapOvr>
+    <a:masterClrMapping/>
+  </p:clrMapOvr>
+</p:notes>
+</file>
+
+<file path=ppt/notesSlides/notesSlide3.xml><?xml version="1.0" encoding="utf-8"?>
 <p:notes xmlns:a="http://schemas.openxmlformats.org/drawingml/2006/main" xmlns:r="http://schemas.openxmlformats.org/officeDocument/2006/relationships" xmlns:p="http://schemas.openxmlformats.org/presentationml/2006/main">
   <p:cSld>
     <p:spTree>
@@ -1255,7 +1367,7 @@
           <a:p>
             <a:fld id="{1DC63592-9D31-432D-A510-4EFC698F70CA}" type="datetimeFigureOut">
               <a:rPr lang="de-DE" smtClean="0"/>
-              <a:t>23.05.2018</a:t>
+              <a:t>24.05.2018</a:t>
             </a:fld>
             <a:endParaRPr lang="de-DE"/>
           </a:p>
@@ -1437,7 +1549,7 @@
           <a:p>
             <a:fld id="{1DC63592-9D31-432D-A510-4EFC698F70CA}" type="datetimeFigureOut">
               <a:rPr lang="de-DE" smtClean="0"/>
-              <a:t>23.05.2018</a:t>
+              <a:t>24.05.2018</a:t>
             </a:fld>
             <a:endParaRPr lang="de-DE"/>
           </a:p>
@@ -1624,7 +1736,7 @@
           <a:p>
             <a:fld id="{1DC63592-9D31-432D-A510-4EFC698F70CA}" type="datetimeFigureOut">
               <a:rPr lang="de-DE" smtClean="0"/>
-              <a:t>23.05.2018</a:t>
+              <a:t>24.05.2018</a:t>
             </a:fld>
             <a:endParaRPr lang="de-DE"/>
           </a:p>
@@ -1838,7 +1950,7 @@
           <a:p>
             <a:fld id="{1DC63592-9D31-432D-A510-4EFC698F70CA}" type="datetimeFigureOut">
               <a:rPr lang="de-DE" smtClean="0"/>
-              <a:t>23.05.2018</a:t>
+              <a:t>24.05.2018</a:t>
             </a:fld>
             <a:endParaRPr lang="de-DE"/>
           </a:p>
@@ -2091,7 +2203,7 @@
           <a:p>
             <a:fld id="{1DC63592-9D31-432D-A510-4EFC698F70CA}" type="datetimeFigureOut">
               <a:rPr lang="de-DE" smtClean="0"/>
-              <a:t>23.05.2018</a:t>
+              <a:t>24.05.2018</a:t>
             </a:fld>
             <a:endParaRPr lang="de-DE"/>
           </a:p>
@@ -2413,7 +2525,7 @@
           <a:p>
             <a:fld id="{1DC63592-9D31-432D-A510-4EFC698F70CA}" type="datetimeFigureOut">
               <a:rPr lang="de-DE" smtClean="0"/>
-              <a:t>23.05.2018</a:t>
+              <a:t>24.05.2018</a:t>
             </a:fld>
             <a:endParaRPr lang="de-DE"/>
           </a:p>
@@ -2873,7 +2985,7 @@
           <a:p>
             <a:fld id="{1DC63592-9D31-432D-A510-4EFC698F70CA}" type="datetimeFigureOut">
               <a:rPr lang="de-DE" smtClean="0"/>
-              <a:t>23.05.2018</a:t>
+              <a:t>24.05.2018</a:t>
             </a:fld>
             <a:endParaRPr lang="de-DE"/>
           </a:p>
@@ -3003,7 +3115,7 @@
           <a:p>
             <a:fld id="{1DC63592-9D31-432D-A510-4EFC698F70CA}" type="datetimeFigureOut">
               <a:rPr lang="de-DE" smtClean="0"/>
-              <a:t>23.05.2018</a:t>
+              <a:t>24.05.2018</a:t>
             </a:fld>
             <a:endParaRPr lang="de-DE"/>
           </a:p>
@@ -3105,7 +3217,7 @@
           <a:p>
             <a:fld id="{1DC63592-9D31-432D-A510-4EFC698F70CA}" type="datetimeFigureOut">
               <a:rPr lang="de-DE" smtClean="0"/>
-              <a:t>23.05.2018</a:t>
+              <a:t>24.05.2018</a:t>
             </a:fld>
             <a:endParaRPr lang="de-DE"/>
           </a:p>
@@ -3402,7 +3514,7 @@
           <a:p>
             <a:fld id="{1DC63592-9D31-432D-A510-4EFC698F70CA}" type="datetimeFigureOut">
               <a:rPr lang="de-DE" smtClean="0"/>
-              <a:t>23.05.2018</a:t>
+              <a:t>24.05.2018</a:t>
             </a:fld>
             <a:endParaRPr lang="de-DE"/>
           </a:p>
@@ -3610,7 +3722,7 @@
           <a:p>
             <a:fld id="{1DC63592-9D31-432D-A510-4EFC698F70CA}" type="datetimeFigureOut">
               <a:rPr lang="de-DE" smtClean="0"/>
-              <a:t>23.05.2018</a:t>
+              <a:t>24.05.2018</a:t>
             </a:fld>
             <a:endParaRPr lang="de-DE"/>
           </a:p>
@@ -8173,7 +8285,7 @@
           <a:p>
             <a:fld id="{1DC63592-9D31-432D-A510-4EFC698F70CA}" type="datetimeFigureOut">
               <a:rPr lang="de-DE" smtClean="0"/>
-              <a:t>23.05.2018</a:t>
+              <a:t>24.05.2018</a:t>
             </a:fld>
             <a:endParaRPr lang="de-DE"/>
           </a:p>
@@ -10491,7 +10603,7 @@
           <p:nvPr/>
         </p:nvPicPr>
         <p:blipFill>
-          <a:blip r:embed="rId2" cstate="print">
+          <a:blip r:embed="rId3" cstate="print">
             <a:extLst>
               <a:ext uri="{28A0092B-C50C-407E-A947-70E740481C1C}">
                 <a14:useLocalDpi xmlns:a14="http://schemas.microsoft.com/office/drawing/2010/main" val="0"/>
@@ -10704,12 +10816,12 @@
           <p:nvPr/>
         </p:nvPicPr>
         <p:blipFill>
-          <a:blip r:embed="rId3" cstate="print">
+          <a:blip r:embed="rId4" cstate="print">
             <a:biLevel thresh="75000"/>
             <a:extLst>
               <a:ext uri="{BEBA8EAE-BF5A-486C-A8C5-ECC9F3942E4B}">
                 <a14:imgProps xmlns:a14="http://schemas.microsoft.com/office/drawing/2010/main">
-                  <a14:imgLayer r:embed="rId4">
+                  <a14:imgLayer r:embed="rId5">
                     <a14:imgEffect>
                       <a14:saturation sat="66000"/>
                     </a14:imgEffect>
@@ -11397,14 +11509,7 @@
                 <a:latin typeface="MV Boli" pitchFamily="2" charset="0"/>
                 <a:cs typeface="MV Boli" pitchFamily="2" charset="0"/>
               </a:rPr>
-              <a:t>Sonja </a:t>
-            </a:r>
-            <a:r>
-              <a:rPr lang="en-GB" dirty="0" smtClean="0">
-                <a:latin typeface="MV Boli" pitchFamily="2" charset="0"/>
-                <a:cs typeface="MV Boli" pitchFamily="2" charset="0"/>
-              </a:rPr>
-              <a:t>Köck</a:t>
+              <a:t>Sonja Köck</a:t>
             </a:r>
             <a:endParaRPr lang="de-DE" dirty="0">
               <a:latin typeface="MV Boli" pitchFamily="2" charset="0"/>
@@ -11461,14 +11566,7 @@
                 <a:latin typeface="MV Boli" pitchFamily="2" charset="0"/>
                 <a:cs typeface="MV Boli" pitchFamily="2" charset="0"/>
               </a:rPr>
-              <a:t> </a:t>
-            </a:r>
-            <a:r>
-              <a:rPr lang="en-GB" dirty="0" smtClean="0">
-                <a:latin typeface="MV Boli" pitchFamily="2" charset="0"/>
-                <a:cs typeface="MV Boli" pitchFamily="2" charset="0"/>
-              </a:rPr>
-              <a:t>Schmitke</a:t>
+              <a:t> Schmitke</a:t>
             </a:r>
             <a:endParaRPr lang="de-DE" dirty="0">
               <a:latin typeface="MV Boli" pitchFamily="2" charset="0"/>
@@ -11518,14 +11616,7 @@
                 <a:latin typeface="MV Boli" pitchFamily="2" charset="0"/>
                 <a:cs typeface="MV Boli" pitchFamily="2" charset="0"/>
               </a:rPr>
-              <a:t>Tobias </a:t>
-            </a:r>
-            <a:r>
-              <a:rPr lang="en-GB" dirty="0" smtClean="0">
-                <a:latin typeface="MV Boli" pitchFamily="2" charset="0"/>
-                <a:cs typeface="MV Boli" pitchFamily="2" charset="0"/>
-              </a:rPr>
-              <a:t>Schuster</a:t>
+              <a:t>Tobias Schuster</a:t>
             </a:r>
           </a:p>
           <a:p>
@@ -11540,19 +11631,7 @@
                 <a:latin typeface="MV Boli" pitchFamily="2" charset="0"/>
                 <a:cs typeface="MV Boli" pitchFamily="2" charset="0"/>
               </a:rPr>
-              <a:t>							</a:t>
-            </a:r>
-            <a:r>
-              <a:rPr lang="en-GB" b="1" dirty="0" smtClean="0">
-                <a:solidFill>
-                  <a:schemeClr val="tx1">
-                    <a:lumMod val="95000"/>
-                  </a:schemeClr>
-                </a:solidFill>
-                <a:latin typeface="MV Boli" pitchFamily="2" charset="0"/>
-                <a:cs typeface="MV Boli" pitchFamily="2" charset="0"/>
-              </a:rPr>
-              <a:t>Art: </a:t>
+              <a:t>							Art: </a:t>
             </a:r>
             <a:r>
               <a:rPr lang="en-GB" dirty="0" smtClean="0">
@@ -11578,96 +11657,7 @@
                 <a:latin typeface="MV Boli" pitchFamily="2" charset="0"/>
                 <a:cs typeface="MV Boli" pitchFamily="2" charset="0"/>
               </a:rPr>
-              <a:t> </a:t>
-            </a:r>
-            <a:r>
-              <a:rPr lang="en-GB" dirty="0" smtClean="0">
-                <a:latin typeface="MV Boli" pitchFamily="2" charset="0"/>
-                <a:cs typeface="MV Boli" pitchFamily="2" charset="0"/>
-              </a:rPr>
-              <a:t>Nolting</a:t>
-            </a:r>
-          </a:p>
-          <a:p>
-            <a:pPr lvl="0" algn="l"/>
-            <a:r>
-              <a:rPr lang="en-GB" dirty="0" smtClean="0">
-                <a:solidFill>
-                  <a:schemeClr val="tx1">
-                    <a:lumMod val="95000"/>
-                  </a:schemeClr>
-                </a:solidFill>
-                <a:latin typeface="MV Boli" pitchFamily="2" charset="0"/>
-                <a:cs typeface="MV Boli" pitchFamily="2" charset="0"/>
-              </a:rPr>
-              <a:t>								</a:t>
-            </a:r>
-            <a:r>
-              <a:rPr lang="en-GB" dirty="0" smtClean="0">
-                <a:solidFill>
-                  <a:schemeClr val="tx1">
-                    <a:lumMod val="95000"/>
-                  </a:schemeClr>
-                </a:solidFill>
-                <a:latin typeface="MV Boli" pitchFamily="2" charset="0"/>
-                <a:cs typeface="MV Boli" pitchFamily="2" charset="0"/>
-              </a:rPr>
-              <a:t>	</a:t>
-            </a:r>
-            <a:r>
-              <a:rPr lang="en-GB" dirty="0" smtClean="0">
-                <a:latin typeface="MV Boli" pitchFamily="2" charset="0"/>
-                <a:cs typeface="MV Boli" pitchFamily="2" charset="0"/>
-              </a:rPr>
-              <a:t>Jesse </a:t>
-            </a:r>
-            <a:r>
-              <a:rPr lang="en-GB" dirty="0" smtClean="0">
-                <a:latin typeface="MV Boli" pitchFamily="2" charset="0"/>
-                <a:cs typeface="MV Boli" pitchFamily="2" charset="0"/>
-              </a:rPr>
-              <a:t>Haines</a:t>
-            </a:r>
-          </a:p>
-          <a:p>
-            <a:pPr lvl="0" algn="l"/>
-            <a:r>
-              <a:rPr lang="en-GB" dirty="0" smtClean="0">
-                <a:solidFill>
-                  <a:schemeClr val="tx1">
-                    <a:lumMod val="95000"/>
-                  </a:schemeClr>
-                </a:solidFill>
-                <a:latin typeface="MV Boli" pitchFamily="2" charset="0"/>
-                <a:cs typeface="MV Boli" pitchFamily="2" charset="0"/>
-              </a:rPr>
-              <a:t>								</a:t>
-            </a:r>
-            <a:r>
-              <a:rPr lang="en-GB" dirty="0" smtClean="0">
-                <a:solidFill>
-                  <a:schemeClr val="tx1">
-                    <a:lumMod val="95000"/>
-                  </a:schemeClr>
-                </a:solidFill>
-                <a:latin typeface="MV Boli" pitchFamily="2" charset="0"/>
-                <a:cs typeface="MV Boli" pitchFamily="2" charset="0"/>
-              </a:rPr>
-              <a:t>	</a:t>
-            </a:r>
-            <a:r>
-              <a:rPr lang="en-GB" dirty="0" smtClean="0">
-                <a:latin typeface="MV Boli" pitchFamily="2" charset="0"/>
-                <a:cs typeface="MV Boli" pitchFamily="2" charset="0"/>
-              </a:rPr>
-              <a:t>Michelle </a:t>
-            </a:r>
-            <a:r>
-              <a:rPr lang="en-GB" dirty="0" smtClean="0">
-                <a:latin typeface="MV Boli" pitchFamily="2" charset="0"/>
-                <a:cs typeface="MV Boli" pitchFamily="2" charset="0"/>
-              </a:rPr>
-              <a:t>Mohn</a:t>
+              <a:t> Nolting</a:t>
             </a:r>
           </a:p>
           <a:p>
@@ -11689,14 +11679,7 @@
                 <a:latin typeface="MV Boli" pitchFamily="2" charset="0"/>
                 <a:cs typeface="MV Boli" pitchFamily="2" charset="0"/>
               </a:rPr>
-              <a:t>Levin </a:t>
-            </a:r>
-            <a:r>
-              <a:rPr lang="en-GB" dirty="0" smtClean="0">
-                <a:latin typeface="MV Boli" pitchFamily="2" charset="0"/>
-                <a:cs typeface="MV Boli" pitchFamily="2" charset="0"/>
-              </a:rPr>
-              <a:t>Lang</a:t>
+              <a:t>Jesse Haines</a:t>
             </a:r>
           </a:p>
           <a:p>
@@ -11718,14 +11701,51 @@
                 <a:latin typeface="MV Boli" pitchFamily="2" charset="0"/>
                 <a:cs typeface="MV Boli" pitchFamily="2" charset="0"/>
               </a:rPr>
-              <a:t>Michelle </a:t>
+              <a:t>Michelle Mohn</a:t>
+            </a:r>
+          </a:p>
+          <a:p>
+            <a:pPr lvl="0" algn="l"/>
+            <a:r>
+              <a:rPr lang="en-GB" dirty="0" smtClean="0">
+                <a:solidFill>
+                  <a:schemeClr val="tx1">
+                    <a:lumMod val="95000"/>
+                  </a:schemeClr>
+                </a:solidFill>
+                <a:latin typeface="MV Boli" pitchFamily="2" charset="0"/>
+                <a:cs typeface="MV Boli" pitchFamily="2" charset="0"/>
+              </a:rPr>
+              <a:t>									</a:t>
             </a:r>
             <a:r>
               <a:rPr lang="en-GB" dirty="0" smtClean="0">
                 <a:latin typeface="MV Boli" pitchFamily="2" charset="0"/>
                 <a:cs typeface="MV Boli" pitchFamily="2" charset="0"/>
               </a:rPr>
-              <a:t>Gaußmann </a:t>
+              <a:t>Levin Lang</a:t>
+            </a:r>
+          </a:p>
+          <a:p>
+            <a:pPr lvl="0" algn="l"/>
+            <a:r>
+              <a:rPr lang="en-GB" dirty="0" smtClean="0">
+                <a:solidFill>
+                  <a:schemeClr val="tx1">
+                    <a:lumMod val="95000"/>
+                  </a:schemeClr>
+                </a:solidFill>
+                <a:latin typeface="MV Boli" pitchFamily="2" charset="0"/>
+                <a:cs typeface="MV Boli" pitchFamily="2" charset="0"/>
+              </a:rPr>
+              <a:t>									</a:t>
+            </a:r>
+            <a:r>
+              <a:rPr lang="en-GB" dirty="0" smtClean="0">
+                <a:latin typeface="MV Boli" pitchFamily="2" charset="0"/>
+                <a:cs typeface="MV Boli" pitchFamily="2" charset="0"/>
+              </a:rPr>
+              <a:t>Michelle Gaußmann </a:t>
             </a:r>
           </a:p>
           <a:p>
@@ -14333,14 +14353,7 @@
                 <a:latin typeface="MV Boli" pitchFamily="2" charset="0"/>
                 <a:cs typeface="MV Boli" pitchFamily="2" charset="0"/>
               </a:rPr>
-              <a:t>Level 2 - </a:t>
-            </a:r>
-            <a:r>
-              <a:rPr lang="en-US" dirty="0" smtClean="0">
-                <a:latin typeface="MV Boli" pitchFamily="2" charset="0"/>
-                <a:cs typeface="MV Boli" pitchFamily="2" charset="0"/>
-              </a:rPr>
-              <a:t>Laboratory</a:t>
+              <a:t>Level 2 - Laboratory</a:t>
             </a:r>
             <a:endParaRPr lang="de-DE" dirty="0" smtClean="0">
               <a:latin typeface="MV Boli" pitchFamily="2" charset="0"/>

--- a/_Organisation/Präsentation/Voodoo_PP1.pptx
+++ b/_Organisation/Präsentation/Voodoo_PP1.pptx
@@ -214,7 +214,7 @@
           <a:p>
             <a:fld id="{6970F1A7-B44C-47F4-9D4E-59C4A99A588C}" type="datetimeFigureOut">
               <a:rPr lang="de-DE" smtClean="0"/>
-              <a:t>24.05.2018</a:t>
+              <a:t>25.05.2018</a:t>
             </a:fld>
             <a:endParaRPr lang="de-DE"/>
           </a:p>
@@ -528,11 +528,7 @@
           <a:p>
             <a:r>
               <a:rPr lang="de-DE" dirty="0" smtClean="0"/>
-              <a:t>Hallo, mein Name ist Sonja Köck und ich bin der Producer von Team 13. </a:t>
-            </a:r>
-            <a:r>
-              <a:rPr lang="de-DE" dirty="0" smtClean="0"/>
-              <a:t>Ich werde euch heute Gate 1 von unserem Projekt „Voodoo“</a:t>
+              <a:t>Hallo, mein Name ist Sonja Köck und ich bin der Producer von Team 13. Ich werde euch heute Gate 1 von unserem Projekt „Voodoo“</a:t>
             </a:r>
             <a:r>
               <a:rPr lang="de-DE" baseline="0" dirty="0" smtClean="0"/>
@@ -666,6 +662,146 @@
               <a:rPr lang="en-US" baseline="0" dirty="0" smtClean="0"/>
               <a:t> </a:t>
             </a:r>
+            <a:r>
+              <a:rPr lang="en-US" baseline="0" dirty="0" smtClean="0"/>
+              <a:t> Voodoo </a:t>
+            </a:r>
+            <a:r>
+              <a:rPr lang="en-US" baseline="0" dirty="0" err="1" smtClean="0"/>
+              <a:t>ist</a:t>
+            </a:r>
+            <a:r>
+              <a:rPr lang="en-US" baseline="0" dirty="0" smtClean="0"/>
+              <a:t> </a:t>
+            </a:r>
+            <a:r>
+              <a:rPr lang="en-US" baseline="0" dirty="0" err="1" smtClean="0"/>
+              <a:t>ein</a:t>
+            </a:r>
+            <a:r>
+              <a:rPr lang="en-US" baseline="0" dirty="0" smtClean="0"/>
+              <a:t> 3D platformer </a:t>
+            </a:r>
+            <a:r>
+              <a:rPr lang="en-US" baseline="0" dirty="0" err="1" smtClean="0"/>
+              <a:t>fuer</a:t>
+            </a:r>
+            <a:r>
+              <a:rPr lang="en-US" baseline="0" dirty="0" smtClean="0"/>
+              <a:t> </a:t>
+            </a:r>
+            <a:r>
+              <a:rPr lang="en-US" baseline="0" dirty="0" err="1" smtClean="0"/>
+              <a:t>Freunde</a:t>
+            </a:r>
+            <a:r>
+              <a:rPr lang="en-US" baseline="0" dirty="0" smtClean="0"/>
+              <a:t> des </a:t>
+            </a:r>
+            <a:r>
+              <a:rPr lang="en-US" baseline="0" dirty="0" err="1" smtClean="0"/>
+              <a:t>Okkulten</a:t>
+            </a:r>
+            <a:r>
+              <a:rPr lang="en-US" baseline="0" dirty="0" smtClean="0"/>
+              <a:t> </a:t>
+            </a:r>
+            <a:r>
+              <a:rPr lang="en-US" baseline="0" dirty="0" err="1" smtClean="0"/>
+              <a:t>mit</a:t>
+            </a:r>
+            <a:r>
+              <a:rPr lang="en-US" baseline="0" dirty="0" smtClean="0"/>
+              <a:t> </a:t>
+            </a:r>
+            <a:r>
+              <a:rPr lang="en-US" baseline="0" dirty="0" err="1" smtClean="0"/>
+              <a:t>einigen</a:t>
+            </a:r>
+            <a:r>
+              <a:rPr lang="en-US" baseline="0" dirty="0" smtClean="0"/>
+              <a:t> Stealth und Puzzle-</a:t>
+            </a:r>
+            <a:r>
+              <a:rPr lang="en-US" baseline="0" dirty="0" err="1" smtClean="0"/>
+              <a:t>Elementen</a:t>
+            </a:r>
+            <a:r>
+              <a:rPr lang="en-US" baseline="0" dirty="0" smtClean="0"/>
+              <a:t>. </a:t>
+            </a:r>
+            <a:r>
+              <a:rPr lang="en-US" baseline="0" dirty="0" err="1" smtClean="0"/>
+              <a:t>Es</a:t>
+            </a:r>
+            <a:r>
+              <a:rPr lang="en-US" baseline="0" dirty="0" smtClean="0"/>
+              <a:t> </a:t>
+            </a:r>
+            <a:r>
+              <a:rPr lang="en-US" baseline="0" dirty="0" err="1" smtClean="0"/>
+              <a:t>handelt</a:t>
+            </a:r>
+            <a:r>
+              <a:rPr lang="en-US" baseline="0" dirty="0" smtClean="0"/>
+              <a:t> </a:t>
+            </a:r>
+            <a:r>
+              <a:rPr lang="en-US" baseline="0" dirty="0" err="1" smtClean="0"/>
+              <a:t>sich</a:t>
+            </a:r>
+            <a:r>
+              <a:rPr lang="en-US" baseline="0" dirty="0" smtClean="0"/>
+              <a:t> um </a:t>
+            </a:r>
+            <a:r>
+              <a:rPr lang="en-US" baseline="0" dirty="0" err="1" smtClean="0"/>
+              <a:t>ein</a:t>
+            </a:r>
+            <a:r>
+              <a:rPr lang="en-US" baseline="0" dirty="0" smtClean="0"/>
+              <a:t> </a:t>
+            </a:r>
+            <a:r>
+              <a:rPr lang="en-US" baseline="0" dirty="0" err="1" smtClean="0"/>
+              <a:t>Singelplayer</a:t>
+            </a:r>
+            <a:r>
+              <a:rPr lang="en-US" baseline="0" dirty="0" smtClean="0"/>
+              <a:t>-Spiel, welches </a:t>
+            </a:r>
+            <a:r>
+              <a:rPr lang="en-US" baseline="0" dirty="0" err="1" smtClean="0"/>
+              <a:t>wir</a:t>
+            </a:r>
+            <a:r>
+              <a:rPr lang="en-US" baseline="0" dirty="0" smtClean="0"/>
+              <a:t> in Unity </a:t>
+            </a:r>
+            <a:r>
+              <a:rPr lang="en-US" baseline="0" dirty="0" err="1" smtClean="0"/>
+              <a:t>fuer</a:t>
+            </a:r>
+            <a:r>
+              <a:rPr lang="en-US" baseline="0" dirty="0" smtClean="0"/>
+              <a:t> den PC </a:t>
+            </a:r>
+            <a:r>
+              <a:rPr lang="en-US" baseline="0" dirty="0" err="1" smtClean="0"/>
+              <a:t>erstellt</a:t>
+            </a:r>
+            <a:r>
+              <a:rPr lang="en-US" baseline="0" dirty="0" smtClean="0"/>
+              <a:t> </a:t>
+            </a:r>
+            <a:r>
+              <a:rPr lang="en-US" baseline="0" dirty="0" err="1" smtClean="0"/>
+              <a:t>haben</a:t>
+            </a:r>
+            <a:r>
+              <a:rPr lang="en-US" baseline="0" dirty="0" smtClean="0"/>
+              <a:t>. </a:t>
+            </a:r>
             <a:endParaRPr lang="de-DE" dirty="0"/>
           </a:p>
         </p:txBody>
@@ -751,6 +887,217 @@
           <a:lstStyle/>
           <a:p>
             <a:r>
+              <a:rPr lang="en-US" dirty="0" smtClean="0"/>
+              <a:t>Unser Team </a:t>
+            </a:r>
+            <a:r>
+              <a:rPr lang="en-US" dirty="0" err="1" smtClean="0"/>
+              <a:t>dafuer</a:t>
+            </a:r>
+            <a:r>
+              <a:rPr lang="en-US" dirty="0" smtClean="0"/>
+              <a:t> </a:t>
+            </a:r>
+            <a:r>
+              <a:rPr lang="en-US" dirty="0" err="1" smtClean="0"/>
+              <a:t>besteht</a:t>
+            </a:r>
+            <a:r>
+              <a:rPr lang="en-US" dirty="0" smtClean="0"/>
+              <a:t> </a:t>
+            </a:r>
+            <a:r>
+              <a:rPr lang="en-US" dirty="0" err="1" smtClean="0"/>
+              <a:t>aus</a:t>
+            </a:r>
+            <a:r>
+              <a:rPr lang="en-US" dirty="0" smtClean="0"/>
+              <a:t> </a:t>
+            </a:r>
+            <a:r>
+              <a:rPr lang="en-US" dirty="0" err="1" smtClean="0"/>
+              <a:t>unseren</a:t>
+            </a:r>
+            <a:r>
+              <a:rPr lang="en-US" dirty="0" smtClean="0"/>
+              <a:t> Artists:</a:t>
+            </a:r>
+            <a:r>
+              <a:rPr lang="en-US" baseline="0" dirty="0" smtClean="0"/>
+              <a:t> Lou, Jesse, Michelle, Levin und </a:t>
+            </a:r>
+            <a:r>
+              <a:rPr lang="en-US" baseline="0" dirty="0" err="1" smtClean="0"/>
+              <a:t>Michi</a:t>
+            </a:r>
+            <a:r>
+              <a:rPr lang="en-US" baseline="0" dirty="0" smtClean="0"/>
+              <a:t>, </a:t>
+            </a:r>
+            <a:r>
+              <a:rPr lang="en-US" baseline="0" dirty="0" err="1" smtClean="0"/>
+              <a:t>wobei</a:t>
+            </a:r>
+            <a:r>
+              <a:rPr lang="en-US" baseline="0" dirty="0" smtClean="0"/>
+              <a:t> Jesse und Michelle </a:t>
+            </a:r>
+            <a:r>
+              <a:rPr lang="en-US" baseline="0" dirty="0" err="1" smtClean="0"/>
+              <a:t>heute</a:t>
+            </a:r>
+            <a:r>
+              <a:rPr lang="en-US" baseline="0" dirty="0" smtClean="0"/>
+              <a:t> </a:t>
+            </a:r>
+            <a:r>
+              <a:rPr lang="en-US" baseline="0" dirty="0" err="1" smtClean="0"/>
+              <a:t>leider</a:t>
+            </a:r>
+            <a:r>
+              <a:rPr lang="en-US" baseline="0" dirty="0" smtClean="0"/>
+              <a:t> </a:t>
+            </a:r>
+            <a:r>
+              <a:rPr lang="en-US" baseline="0" dirty="0" err="1" smtClean="0"/>
+              <a:t>krankheitsbedingt</a:t>
+            </a:r>
+            <a:r>
+              <a:rPr lang="en-US" baseline="0" dirty="0" smtClean="0"/>
+              <a:t> </a:t>
+            </a:r>
+            <a:r>
+              <a:rPr lang="en-US" baseline="0" dirty="0" err="1" smtClean="0"/>
+              <a:t>zu</a:t>
+            </a:r>
+            <a:r>
+              <a:rPr lang="en-US" baseline="0" dirty="0" smtClean="0"/>
+              <a:t> </a:t>
+            </a:r>
+            <a:r>
+              <a:rPr lang="en-US" baseline="0" dirty="0" err="1" smtClean="0"/>
+              <a:t>Hause</a:t>
+            </a:r>
+            <a:r>
+              <a:rPr lang="en-US" baseline="0" dirty="0" smtClean="0"/>
+              <a:t> </a:t>
+            </a:r>
+            <a:r>
+              <a:rPr lang="en-US" baseline="0" dirty="0" err="1" smtClean="0"/>
+              <a:t>bleiben</a:t>
+            </a:r>
+            <a:r>
+              <a:rPr lang="en-US" baseline="0" dirty="0" smtClean="0"/>
+              <a:t> </a:t>
+            </a:r>
+            <a:r>
+              <a:rPr lang="en-US" baseline="0" dirty="0" err="1" smtClean="0"/>
+              <a:t>mussten</a:t>
+            </a:r>
+            <a:r>
+              <a:rPr lang="en-US" baseline="0" dirty="0" smtClean="0"/>
+              <a:t>. </a:t>
+            </a:r>
+            <a:r>
+              <a:rPr lang="en-US" baseline="0" dirty="0" err="1" smtClean="0"/>
+              <a:t>Weiters</a:t>
+            </a:r>
+            <a:r>
+              <a:rPr lang="en-US" baseline="0" dirty="0" smtClean="0"/>
+              <a:t> </a:t>
+            </a:r>
+            <a:r>
+              <a:rPr lang="en-US" baseline="0" dirty="0" err="1" smtClean="0"/>
+              <a:t>haben</a:t>
+            </a:r>
+            <a:r>
+              <a:rPr lang="en-US" baseline="0" dirty="0" smtClean="0"/>
+              <a:t> </a:t>
+            </a:r>
+            <a:r>
+              <a:rPr lang="en-US" baseline="0" dirty="0" err="1" smtClean="0"/>
+              <a:t>wir</a:t>
+            </a:r>
+            <a:r>
+              <a:rPr lang="en-US" baseline="0" dirty="0" smtClean="0"/>
+              <a:t> </a:t>
+            </a:r>
+            <a:r>
+              <a:rPr lang="en-US" baseline="0" dirty="0" err="1" smtClean="0"/>
+              <a:t>noch</a:t>
+            </a:r>
+            <a:r>
+              <a:rPr lang="en-US" baseline="0" dirty="0" smtClean="0"/>
+              <a:t> </a:t>
+            </a:r>
+            <a:r>
+              <a:rPr lang="en-US" baseline="0" dirty="0" err="1" smtClean="0"/>
+              <a:t>unseren</a:t>
+            </a:r>
+            <a:r>
+              <a:rPr lang="en-US" baseline="0" dirty="0" smtClean="0"/>
+              <a:t> Game Designer Tobias, </a:t>
+            </a:r>
+            <a:r>
+              <a:rPr lang="en-US" baseline="0" dirty="0" err="1" smtClean="0"/>
+              <a:t>Artjom</a:t>
+            </a:r>
+            <a:r>
+              <a:rPr lang="en-US" baseline="0" dirty="0" smtClean="0"/>
+              <a:t> </a:t>
+            </a:r>
+            <a:r>
+              <a:rPr lang="en-US" baseline="0" dirty="0" err="1" smtClean="0"/>
+              <a:t>als</a:t>
+            </a:r>
+            <a:r>
+              <a:rPr lang="en-US" baseline="0" dirty="0" smtClean="0"/>
+              <a:t> </a:t>
+            </a:r>
+            <a:r>
+              <a:rPr lang="en-US" baseline="0" dirty="0" err="1" smtClean="0"/>
+              <a:t>Programmierer</a:t>
+            </a:r>
+            <a:r>
+              <a:rPr lang="en-US" baseline="0" dirty="0" smtClean="0"/>
+              <a:t> und </a:t>
+            </a:r>
+            <a:r>
+              <a:rPr lang="en-US" baseline="0" dirty="0" err="1" smtClean="0"/>
+              <a:t>schliesslich</a:t>
+            </a:r>
+            <a:r>
+              <a:rPr lang="en-US" baseline="0" dirty="0" smtClean="0"/>
+              <a:t> </a:t>
+            </a:r>
+            <a:r>
+              <a:rPr lang="en-US" baseline="0" dirty="0" err="1" smtClean="0"/>
+              <a:t>noch</a:t>
+            </a:r>
+            <a:r>
+              <a:rPr lang="en-US" baseline="0" dirty="0" smtClean="0"/>
+              <a:t> </a:t>
+            </a:r>
+            <a:r>
+              <a:rPr lang="en-US" baseline="0" dirty="0" err="1" smtClean="0"/>
+              <a:t>mich</a:t>
+            </a:r>
+            <a:r>
+              <a:rPr lang="en-US" baseline="0" dirty="0" smtClean="0"/>
+              <a:t> </a:t>
+            </a:r>
+            <a:r>
+              <a:rPr lang="en-US" baseline="0" dirty="0" err="1" smtClean="0"/>
+              <a:t>als</a:t>
+            </a:r>
+            <a:r>
+              <a:rPr lang="en-US" baseline="0" dirty="0" smtClean="0"/>
+              <a:t> Producer.</a:t>
+            </a:r>
+            <a:br>
+              <a:rPr lang="en-US" baseline="0" dirty="0" smtClean="0"/>
+            </a:br>
+            <a:r>
               <a:rPr lang="en-US" dirty="0" err="1" smtClean="0"/>
               <a:t>Wir</a:t>
             </a:r>
@@ -895,12 +1242,28 @@
               <a:t> </a:t>
             </a:r>
             <a:r>
+              <a:rPr lang="en-US" baseline="0" dirty="0" smtClean="0"/>
+              <a:t>und </a:t>
+            </a:r>
+            <a:r>
+              <a:rPr lang="en-US" baseline="0" dirty="0" err="1" smtClean="0"/>
+              <a:t>haben</a:t>
+            </a:r>
+            <a:r>
+              <a:rPr lang="en-US" baseline="0" dirty="0" smtClean="0"/>
+              <a:t> </a:t>
+            </a:r>
+            <a:r>
               <a:rPr lang="en-US" baseline="0" dirty="0" err="1" smtClean="0"/>
               <a:t>wir</a:t>
             </a:r>
             <a:r>
               <a:rPr lang="en-US" baseline="0" dirty="0" smtClean="0"/>
-              <a:t> in </a:t>
+              <a:t> </a:t>
+            </a:r>
+            <a:r>
+              <a:rPr lang="en-US" baseline="0" dirty="0" smtClean="0"/>
+              <a:t>in </a:t>
             </a:r>
             <a:r>
               <a:rPr lang="en-US" baseline="0" dirty="0" err="1" smtClean="0"/>
@@ -968,11 +1331,131 @@
             </a:r>
             <a:r>
               <a:rPr lang="en-US" baseline="0" dirty="0" err="1" smtClean="0"/>
-              <a:t>doch</a:t>
+              <a:t>wie</a:t>
             </a:r>
             <a:r>
               <a:rPr lang="en-US" baseline="0" dirty="0" smtClean="0"/>
-              <a:t> die </a:t>
+              <a:t> </a:t>
+            </a:r>
+            <a:r>
+              <a:rPr lang="en-US" baseline="0" dirty="0" err="1" smtClean="0"/>
+              <a:t>heute</a:t>
+            </a:r>
+            <a:r>
+              <a:rPr lang="en-US" baseline="0" dirty="0" smtClean="0"/>
+              <a:t> </a:t>
+            </a:r>
+            <a:r>
+              <a:rPr lang="en-US" baseline="0" dirty="0" err="1" smtClean="0"/>
+              <a:t>zum</a:t>
+            </a:r>
+            <a:r>
+              <a:rPr lang="en-US" baseline="0" dirty="0" smtClean="0"/>
+              <a:t> </a:t>
+            </a:r>
+            <a:r>
+              <a:rPr lang="en-US" baseline="0" dirty="0" err="1" smtClean="0"/>
+              <a:t>Beispiel</a:t>
+            </a:r>
+            <a:r>
+              <a:rPr lang="en-US" baseline="0" dirty="0" smtClean="0"/>
+              <a:t> von Michelle und Jesse. </a:t>
+            </a:r>
+            <a:r>
+              <a:rPr lang="en-US" baseline="0" dirty="0" err="1" smtClean="0"/>
+              <a:t>Ausserdem</a:t>
+            </a:r>
+            <a:r>
+              <a:rPr lang="en-US" baseline="0" dirty="0" smtClean="0"/>
+              <a:t> </a:t>
+            </a:r>
+            <a:r>
+              <a:rPr lang="en-US" baseline="0" dirty="0" err="1" smtClean="0"/>
+              <a:t>wird</a:t>
+            </a:r>
+            <a:r>
+              <a:rPr lang="en-US" baseline="0" dirty="0" smtClean="0"/>
+              <a:t> </a:t>
+            </a:r>
+            <a:r>
+              <a:rPr lang="en-US" baseline="0" dirty="0" err="1" smtClean="0"/>
+              <a:t>unsere</a:t>
+            </a:r>
+            <a:r>
+              <a:rPr lang="en-US" baseline="0" dirty="0" smtClean="0"/>
+              <a:t> </a:t>
+            </a:r>
+            <a:r>
+              <a:rPr lang="en-US" baseline="0" dirty="0" err="1" smtClean="0"/>
+              <a:t>Animatorin</a:t>
+            </a:r>
+            <a:r>
+              <a:rPr lang="en-US" baseline="0" dirty="0" smtClean="0"/>
+              <a:t> </a:t>
+            </a:r>
+            <a:r>
+              <a:rPr lang="en-US" baseline="0" dirty="0" err="1" smtClean="0"/>
+              <a:t>Michi</a:t>
+            </a:r>
+            <a:r>
+              <a:rPr lang="en-US" baseline="0" dirty="0" smtClean="0"/>
+              <a:t> </a:t>
+            </a:r>
+            <a:r>
+              <a:rPr lang="en-US" baseline="0" dirty="0" err="1" smtClean="0"/>
+              <a:t>noch</a:t>
+            </a:r>
+            <a:r>
+              <a:rPr lang="en-US" baseline="0" dirty="0" smtClean="0"/>
+              <a:t> </a:t>
+            </a:r>
+            <a:r>
+              <a:rPr lang="en-US" baseline="0" dirty="0" err="1" smtClean="0"/>
+              <a:t>fuer</a:t>
+            </a:r>
+            <a:r>
+              <a:rPr lang="en-US" baseline="0" dirty="0" smtClean="0"/>
+              <a:t> </a:t>
+            </a:r>
+            <a:r>
+              <a:rPr lang="en-US" baseline="0" dirty="0" err="1" smtClean="0"/>
+              <a:t>weitere</a:t>
+            </a:r>
+            <a:r>
+              <a:rPr lang="en-US" baseline="0" dirty="0" smtClean="0"/>
+              <a:t> 3 </a:t>
+            </a:r>
+            <a:r>
+              <a:rPr lang="en-US" baseline="0" dirty="0" err="1" smtClean="0"/>
+              <a:t>Wochen</a:t>
+            </a:r>
+            <a:r>
+              <a:rPr lang="en-US" baseline="0" dirty="0" smtClean="0"/>
+              <a:t> von Metric Minds </a:t>
+            </a:r>
+            <a:r>
+              <a:rPr lang="en-US" baseline="0" dirty="0" err="1" smtClean="0"/>
+              <a:t>beanschlagt</a:t>
+            </a:r>
+            <a:r>
+              <a:rPr lang="en-US" baseline="0" dirty="0" smtClean="0"/>
+              <a:t>. </a:t>
+            </a:r>
+            <a:r>
+              <a:rPr lang="en-US" baseline="0" dirty="0" err="1" smtClean="0"/>
+              <a:t>Diese</a:t>
+            </a:r>
+            <a:r>
+              <a:rPr lang="en-US" baseline="0" dirty="0" smtClean="0"/>
+              <a:t> </a:t>
+            </a:r>
+            <a:r>
+              <a:rPr lang="en-US" baseline="0" dirty="0" err="1" smtClean="0"/>
+              <a:t>Ausfaelle</a:t>
+            </a:r>
+            <a:r>
+              <a:rPr lang="en-US" baseline="0" dirty="0" smtClean="0"/>
+              <a:t> </a:t>
             </a:r>
             <a:r>
               <a:rPr lang="en-US" baseline="0" dirty="0" err="1" smtClean="0"/>
@@ -991,6 +1474,18 @@
               <a:t> </a:t>
             </a:r>
             <a:r>
+              <a:rPr lang="en-US" baseline="0" dirty="0" smtClean="0"/>
+              <a:t> </a:t>
+            </a:r>
+            <a:r>
+              <a:rPr lang="en-US" baseline="0" dirty="0" err="1" smtClean="0"/>
+              <a:t>aber</a:t>
+            </a:r>
+            <a:r>
+              <a:rPr lang="en-US" baseline="0" dirty="0" smtClean="0"/>
+              <a:t> </a:t>
+            </a:r>
+            <a:r>
               <a:rPr lang="en-US" baseline="0" dirty="0" err="1" smtClean="0"/>
               <a:t>bisher</a:t>
             </a:r>
@@ -1008,7 +1503,7 @@
             </a:r>
             <a:r>
               <a:rPr lang="en-US" baseline="0" dirty="0" err="1" smtClean="0"/>
-              <a:t>dem</a:t>
+              <a:t>einem</a:t>
             </a:r>
             <a:r>
               <a:rPr lang="en-US" baseline="0" dirty="0" smtClean="0"/>
@@ -1036,11 +1531,11 @@
             </a:r>
             <a:r>
               <a:rPr lang="en-US" baseline="0" dirty="0" smtClean="0"/>
-              <a:t>. </a:t>
+              <a:t> und </a:t>
             </a:r>
             <a:r>
               <a:rPr lang="en-US" baseline="0" dirty="0" err="1" smtClean="0"/>
-              <a:t>Dennoch</a:t>
+              <a:t>sollten</a:t>
             </a:r>
             <a:r>
               <a:rPr lang="en-US" baseline="0" dirty="0" smtClean="0"/>
@@ -1048,7 +1543,7 @@
             </a:r>
             <a:r>
               <a:rPr lang="en-US" baseline="0" dirty="0" err="1" smtClean="0"/>
-              <a:t>wurde</a:t>
+              <a:t>somit</a:t>
             </a:r>
             <a:r>
               <a:rPr lang="en-US" baseline="0" dirty="0" smtClean="0"/>
@@ -1056,15 +1551,7 @@
             </a:r>
             <a:r>
               <a:rPr lang="en-US" baseline="0" dirty="0" err="1" smtClean="0"/>
-              <a:t>diese</a:t>
-            </a:r>
-            <a:r>
-              <a:rPr lang="en-US" baseline="0" dirty="0" smtClean="0"/>
-              <a:t> in </a:t>
-            </a:r>
-            <a:r>
-              <a:rPr lang="en-US" baseline="0" dirty="0" err="1" smtClean="0"/>
-              <a:t>einzelnen</a:t>
+              <a:t>keine</a:t>
             </a:r>
             <a:r>
               <a:rPr lang="en-US" baseline="0" dirty="0" smtClean="0"/>
@@ -1072,7 +1559,23 @@
             </a:r>
             <a:r>
               <a:rPr lang="en-US" baseline="0" dirty="0" err="1" smtClean="0"/>
-              <a:t>Gespraechen</a:t>
+              <a:t>allzu</a:t>
+            </a:r>
+            <a:r>
+              <a:rPr lang="en-US" baseline="0" dirty="0" smtClean="0"/>
+              <a:t> negative </a:t>
+            </a:r>
+            <a:r>
+              <a:rPr lang="en-US" baseline="0" dirty="0" err="1" smtClean="0"/>
+              <a:t>Auswirkungen</a:t>
+            </a:r>
+            <a:r>
+              <a:rPr lang="en-US" baseline="0" dirty="0" smtClean="0"/>
+              <a:t> auf </a:t>
+            </a:r>
+            <a:r>
+              <a:rPr lang="en-US" baseline="0" dirty="0" err="1" smtClean="0"/>
+              <a:t>unsere</a:t>
             </a:r>
             <a:r>
               <a:rPr lang="en-US" baseline="0" dirty="0" smtClean="0"/>
@@ -1080,7 +1583,7 @@
             </a:r>
             <a:r>
               <a:rPr lang="en-US" baseline="0" dirty="0" err="1" smtClean="0"/>
-              <a:t>bereits</a:t>
+              <a:t>Produktion</a:t>
             </a:r>
             <a:r>
               <a:rPr lang="en-US" baseline="0" dirty="0" smtClean="0"/>
@@ -1088,15 +1591,18 @@
             </a:r>
             <a:r>
               <a:rPr lang="en-US" baseline="0" dirty="0" err="1" smtClean="0"/>
-              <a:t>angesprochen</a:t>
+              <a:t>haben</a:t>
             </a:r>
             <a:r>
               <a:rPr lang="en-US" baseline="0" dirty="0" smtClean="0"/>
-              <a:t>, </a:t>
-            </a:r>
+              <a:t>. </a:t>
+            </a:r>
+            <a:br>
+              <a:rPr lang="en-US" baseline="0" dirty="0" smtClean="0"/>
+            </a:br>
             <a:r>
               <a:rPr lang="en-US" baseline="0" dirty="0" err="1" smtClean="0"/>
-              <a:t>damit</a:t>
+              <a:t>Damit</a:t>
             </a:r>
             <a:r>
               <a:rPr lang="en-US" baseline="0" dirty="0" smtClean="0"/>
@@ -1104,7 +1610,7 @@
             </a:r>
             <a:r>
               <a:rPr lang="en-US" baseline="0" dirty="0" err="1" smtClean="0"/>
-              <a:t>sich</a:t>
+              <a:t>kommen</a:t>
             </a:r>
             <a:r>
               <a:rPr lang="en-US" baseline="0" dirty="0" smtClean="0"/>
@@ -1112,7 +1618,7 @@
             </a:r>
             <a:r>
               <a:rPr lang="en-US" baseline="0" dirty="0" err="1" smtClean="0"/>
-              <a:t>daraus</a:t>
+              <a:t>wir</a:t>
             </a:r>
             <a:r>
               <a:rPr lang="en-US" baseline="0" dirty="0" smtClean="0"/>
@@ -1120,15 +1626,7 @@
             </a:r>
             <a:r>
               <a:rPr lang="en-US" baseline="0" dirty="0" err="1" smtClean="0"/>
-              <a:t>kein</a:t>
-            </a:r>
-            <a:r>
-              <a:rPr lang="en-US" baseline="0" dirty="0" smtClean="0"/>
-              <a:t> Problem in </a:t>
-            </a:r>
-            <a:r>
-              <a:rPr lang="en-US" baseline="0" dirty="0" err="1" smtClean="0"/>
-              <a:t>Zukunft</a:t>
+              <a:t>dann</a:t>
             </a:r>
             <a:r>
               <a:rPr lang="en-US" baseline="0" dirty="0" smtClean="0"/>
@@ -1136,7 +1634,71 @@
             </a:r>
             <a:r>
               <a:rPr lang="en-US" baseline="0" dirty="0" err="1" smtClean="0"/>
-              <a:t>ergibt</a:t>
+              <a:t>auch</a:t>
+            </a:r>
+            <a:r>
+              <a:rPr lang="en-US" baseline="0" dirty="0" smtClean="0"/>
+              <a:t> direct </a:t>
+            </a:r>
+            <a:r>
+              <a:rPr lang="en-US" baseline="0" dirty="0" err="1" smtClean="0"/>
+              <a:t>zu</a:t>
+            </a:r>
+            <a:r>
+              <a:rPr lang="en-US" baseline="0" dirty="0" smtClean="0"/>
+              <a:t> </a:t>
+            </a:r>
+            <a:r>
+              <a:rPr lang="en-US" baseline="0" dirty="0" err="1" smtClean="0"/>
+              <a:t>unseren</a:t>
+            </a:r>
+            <a:r>
+              <a:rPr lang="en-US" baseline="0" dirty="0" smtClean="0"/>
+              <a:t> </a:t>
+            </a:r>
+            <a:r>
+              <a:rPr lang="en-US" baseline="0" dirty="0" err="1" smtClean="0"/>
+              <a:t>Zielen</a:t>
+            </a:r>
+            <a:r>
+              <a:rPr lang="en-US" baseline="0" dirty="0" smtClean="0"/>
+              <a:t>, die </a:t>
+            </a:r>
+            <a:r>
+              <a:rPr lang="en-US" baseline="0" dirty="0" err="1" smtClean="0"/>
+              <a:t>wir</a:t>
+            </a:r>
+            <a:r>
+              <a:rPr lang="en-US" baseline="0" dirty="0" smtClean="0"/>
+              <a:t> </a:t>
+            </a:r>
+            <a:r>
+              <a:rPr lang="en-US" baseline="0" dirty="0" err="1" smtClean="0"/>
+              <a:t>uns</a:t>
+            </a:r>
+            <a:r>
+              <a:rPr lang="en-US" baseline="0" dirty="0" smtClean="0"/>
+              <a:t> </a:t>
+            </a:r>
+            <a:r>
+              <a:rPr lang="en-US" baseline="0" dirty="0" err="1" smtClean="0"/>
+              <a:t>fuer</a:t>
+            </a:r>
+            <a:r>
+              <a:rPr lang="en-US" baseline="0" dirty="0" smtClean="0"/>
+              <a:t> gate 1 </a:t>
+            </a:r>
+            <a:r>
+              <a:rPr lang="en-US" baseline="0" dirty="0" err="1" smtClean="0"/>
+              <a:t>gesaetzt</a:t>
+            </a:r>
+            <a:r>
+              <a:rPr lang="en-US" baseline="0" dirty="0" smtClean="0"/>
+              <a:t> </a:t>
+            </a:r>
+            <a:r>
+              <a:rPr lang="en-US" baseline="0" dirty="0" err="1" smtClean="0"/>
+              <a:t>hatten</a:t>
             </a:r>
             <a:r>
               <a:rPr lang="en-US" baseline="0" dirty="0" smtClean="0"/>
@@ -1173,6 +1735,650 @@
     <p:extLst>
       <p:ext uri="{BB962C8B-B14F-4D97-AF65-F5344CB8AC3E}">
         <p14:creationId xmlns:p14="http://schemas.microsoft.com/office/powerpoint/2010/main" val="1918564868"/>
+      </p:ext>
+    </p:extLst>
+  </p:cSld>
+  <p:clrMapOvr>
+    <a:masterClrMapping/>
+  </p:clrMapOvr>
+</p:notes>
+</file>
+
+<file path=ppt/notesSlides/notesSlide4.xml><?xml version="1.0" encoding="utf-8"?>
+<p:notes xmlns:a="http://schemas.openxmlformats.org/drawingml/2006/main" xmlns:r="http://schemas.openxmlformats.org/officeDocument/2006/relationships" xmlns:p="http://schemas.openxmlformats.org/presentationml/2006/main">
+  <p:cSld>
+    <p:spTree>
+      <p:nvGrpSpPr>
+        <p:cNvPr id="1" name=""/>
+        <p:cNvGrpSpPr/>
+        <p:nvPr/>
+      </p:nvGrpSpPr>
+      <p:grpSpPr>
+        <a:xfrm>
+          <a:off x="0" y="0"/>
+          <a:ext cx="0" cy="0"/>
+          <a:chOff x="0" y="0"/>
+          <a:chExt cx="0" cy="0"/>
+        </a:xfrm>
+      </p:grpSpPr>
+      <p:sp>
+        <p:nvSpPr>
+          <p:cNvPr id="2" name="Folienbildplatzhalter 1"/>
+          <p:cNvSpPr>
+            <a:spLocks noGrp="1" noRot="1" noChangeAspect="1"/>
+          </p:cNvSpPr>
+          <p:nvPr>
+            <p:ph type="sldImg"/>
+          </p:nvPr>
+        </p:nvSpPr>
+        <p:spPr/>
+      </p:sp>
+      <p:sp>
+        <p:nvSpPr>
+          <p:cNvPr id="3" name="Notizenplatzhalter 2"/>
+          <p:cNvSpPr>
+            <a:spLocks noGrp="1"/>
+          </p:cNvSpPr>
+          <p:nvPr>
+            <p:ph type="body" idx="1"/>
+          </p:nvPr>
+        </p:nvSpPr>
+        <p:spPr/>
+        <p:txBody>
+          <a:bodyPr/>
+          <a:lstStyle/>
+          <a:p>
+            <a:r>
+              <a:rPr lang="en-US" dirty="0" err="1" smtClean="0"/>
+              <a:t>Wir</a:t>
+            </a:r>
+            <a:r>
+              <a:rPr lang="en-US" dirty="0" smtClean="0"/>
+              <a:t> </a:t>
+            </a:r>
+            <a:r>
+              <a:rPr lang="en-US" dirty="0" err="1" smtClean="0"/>
+              <a:t>hatten</a:t>
+            </a:r>
+            <a:r>
+              <a:rPr lang="en-US" dirty="0" smtClean="0"/>
+              <a:t> </a:t>
+            </a:r>
+            <a:r>
+              <a:rPr lang="en-US" dirty="0" err="1" smtClean="0"/>
+              <a:t>versprochen</a:t>
+            </a:r>
+            <a:r>
+              <a:rPr lang="en-US" dirty="0" smtClean="0"/>
+              <a:t> </a:t>
+            </a:r>
+            <a:r>
+              <a:rPr lang="en-US" dirty="0" err="1" smtClean="0"/>
+              <a:t>heute</a:t>
+            </a:r>
+            <a:r>
+              <a:rPr lang="en-US" dirty="0" smtClean="0"/>
+              <a:t> </a:t>
+            </a:r>
+            <a:r>
+              <a:rPr lang="en-US" dirty="0" err="1" smtClean="0"/>
+              <a:t>einen</a:t>
+            </a:r>
+            <a:r>
+              <a:rPr lang="en-US" dirty="0" smtClean="0"/>
+              <a:t> </a:t>
+            </a:r>
+            <a:r>
+              <a:rPr lang="en-US" dirty="0" err="1" smtClean="0"/>
+              <a:t>spielbaren</a:t>
+            </a:r>
+            <a:r>
+              <a:rPr lang="en-US" dirty="0" smtClean="0"/>
+              <a:t> </a:t>
+            </a:r>
+            <a:r>
+              <a:rPr lang="en-US" dirty="0" err="1" smtClean="0"/>
+              <a:t>Prototypen</a:t>
+            </a:r>
+            <a:r>
+              <a:rPr lang="en-US" dirty="0" smtClean="0"/>
+              <a:t> </a:t>
+            </a:r>
+            <a:r>
+              <a:rPr lang="en-US" dirty="0" err="1" smtClean="0"/>
+              <a:t>vorzustellen</a:t>
+            </a:r>
+            <a:r>
+              <a:rPr lang="en-US" dirty="0" smtClean="0"/>
+              <a:t>, </a:t>
+            </a:r>
+            <a:r>
+              <a:rPr lang="en-US" dirty="0" err="1" smtClean="0"/>
+              <a:t>zu</a:t>
+            </a:r>
+            <a:r>
+              <a:rPr lang="en-US" dirty="0" smtClean="0"/>
+              <a:t> </a:t>
+            </a:r>
+            <a:r>
+              <a:rPr lang="en-US" dirty="0" err="1" smtClean="0"/>
+              <a:t>dem</a:t>
+            </a:r>
+            <a:r>
+              <a:rPr lang="en-US" dirty="0" smtClean="0"/>
+              <a:t> </a:t>
+            </a:r>
+            <a:r>
+              <a:rPr lang="en-US" dirty="0" err="1" smtClean="0"/>
+              <a:t>wir</a:t>
+            </a:r>
+            <a:r>
+              <a:rPr lang="en-US" dirty="0" smtClean="0"/>
+              <a:t> </a:t>
+            </a:r>
+            <a:r>
+              <a:rPr lang="en-US" dirty="0" err="1" smtClean="0"/>
+              <a:t>auch</a:t>
+            </a:r>
+            <a:r>
+              <a:rPr lang="en-US" dirty="0" smtClean="0"/>
+              <a:t> </a:t>
+            </a:r>
+            <a:r>
+              <a:rPr lang="en-US" dirty="0" err="1" smtClean="0"/>
+              <a:t>gleich</a:t>
+            </a:r>
+            <a:r>
+              <a:rPr lang="en-US" dirty="0" smtClean="0"/>
+              <a:t> </a:t>
+            </a:r>
+            <a:r>
+              <a:rPr lang="en-US" dirty="0" err="1" smtClean="0"/>
+              <a:t>kommen</a:t>
+            </a:r>
+            <a:r>
+              <a:rPr lang="en-US" dirty="0" smtClean="0"/>
+              <a:t>. </a:t>
+            </a:r>
+            <a:r>
+              <a:rPr lang="en-US" dirty="0" err="1" smtClean="0"/>
+              <a:t>Ausserdem</a:t>
+            </a:r>
+            <a:r>
+              <a:rPr lang="en-US" dirty="0" smtClean="0"/>
+              <a:t> </a:t>
+            </a:r>
+            <a:r>
+              <a:rPr lang="en-US" dirty="0" err="1" smtClean="0"/>
+              <a:t>zeigen</a:t>
+            </a:r>
+            <a:r>
+              <a:rPr lang="en-US" dirty="0" smtClean="0"/>
+              <a:t> </a:t>
+            </a:r>
+            <a:r>
+              <a:rPr lang="en-US" dirty="0" err="1" smtClean="0"/>
+              <a:t>wir</a:t>
+            </a:r>
+            <a:r>
+              <a:rPr lang="en-US" dirty="0" smtClean="0"/>
+              <a:t> </a:t>
+            </a:r>
+            <a:r>
+              <a:rPr lang="en-US" dirty="0" err="1" smtClean="0"/>
+              <a:t>euch</a:t>
+            </a:r>
+            <a:r>
+              <a:rPr lang="en-US" dirty="0" smtClean="0"/>
+              <a:t> </a:t>
+            </a:r>
+            <a:r>
+              <a:rPr lang="en-US" dirty="0" err="1" smtClean="0"/>
+              <a:t>unseren</a:t>
+            </a:r>
+            <a:r>
+              <a:rPr lang="en-US" dirty="0" smtClean="0"/>
+              <a:t> </a:t>
+            </a:r>
+            <a:r>
+              <a:rPr lang="en-US" dirty="0" err="1" smtClean="0"/>
+              <a:t>bereits</a:t>
+            </a:r>
+            <a:r>
+              <a:rPr lang="en-US" dirty="0" smtClean="0"/>
+              <a:t> </a:t>
+            </a:r>
+            <a:r>
+              <a:rPr lang="en-US" dirty="0" err="1" smtClean="0"/>
+              <a:t>texturierten</a:t>
+            </a:r>
+            <a:r>
+              <a:rPr lang="en-US" dirty="0" smtClean="0"/>
+              <a:t> </a:t>
+            </a:r>
+            <a:r>
+              <a:rPr lang="en-US" dirty="0" err="1" smtClean="0"/>
+              <a:t>Hauptcharakter</a:t>
+            </a:r>
+            <a:r>
+              <a:rPr lang="en-US" dirty="0" smtClean="0"/>
+              <a:t>,</a:t>
+            </a:r>
+            <a:r>
+              <a:rPr lang="en-US" baseline="0" dirty="0" smtClean="0"/>
+              <a:t> </a:t>
+            </a:r>
+            <a:r>
+              <a:rPr lang="en-US" baseline="0" dirty="0" err="1" smtClean="0"/>
+              <a:t>sowie</a:t>
+            </a:r>
+            <a:r>
+              <a:rPr lang="en-US" baseline="0" dirty="0" smtClean="0"/>
+              <a:t> </a:t>
+            </a:r>
+            <a:r>
+              <a:rPr lang="en-US" baseline="0" dirty="0" err="1" smtClean="0"/>
+              <a:t>unsere</a:t>
+            </a:r>
+            <a:r>
+              <a:rPr lang="en-US" baseline="0" dirty="0" smtClean="0"/>
+              <a:t> </a:t>
+            </a:r>
+            <a:r>
+              <a:rPr lang="en-US" baseline="0" dirty="0" err="1" smtClean="0"/>
+              <a:t>erste</a:t>
+            </a:r>
+            <a:r>
+              <a:rPr lang="en-US" baseline="0" dirty="0" smtClean="0"/>
+              <a:t> </a:t>
+            </a:r>
+            <a:r>
+              <a:rPr lang="en-US" baseline="0" dirty="0" err="1" smtClean="0"/>
+              <a:t>Mechanik</a:t>
+            </a:r>
+            <a:r>
+              <a:rPr lang="en-US" baseline="0" dirty="0" smtClean="0"/>
+              <a:t>: Clairvoyance. Am </a:t>
+            </a:r>
+            <a:r>
+              <a:rPr lang="en-US" baseline="0" dirty="0" err="1" smtClean="0"/>
+              <a:t>besten</a:t>
+            </a:r>
+            <a:r>
+              <a:rPr lang="en-US" baseline="0" dirty="0" smtClean="0"/>
+              <a:t> </a:t>
+            </a:r>
+            <a:r>
+              <a:rPr lang="en-US" baseline="0" dirty="0" err="1" smtClean="0"/>
+              <a:t>sehen</a:t>
+            </a:r>
+            <a:r>
+              <a:rPr lang="en-US" baseline="0" dirty="0" smtClean="0"/>
+              <a:t> </a:t>
+            </a:r>
+            <a:r>
+              <a:rPr lang="en-US" baseline="0" dirty="0" err="1" smtClean="0"/>
+              <a:t>wir</a:t>
+            </a:r>
+            <a:r>
+              <a:rPr lang="en-US" baseline="0" dirty="0" smtClean="0"/>
+              <a:t> </a:t>
+            </a:r>
+            <a:r>
+              <a:rPr lang="en-US" baseline="0" dirty="0" err="1" smtClean="0"/>
+              <a:t>uns</a:t>
+            </a:r>
+            <a:r>
+              <a:rPr lang="en-US" baseline="0" dirty="0" smtClean="0"/>
+              <a:t> das Spiel direct </a:t>
+            </a:r>
+            <a:r>
+              <a:rPr lang="en-US" baseline="0" dirty="0" err="1" smtClean="0"/>
+              <a:t>einmal</a:t>
+            </a:r>
+            <a:r>
+              <a:rPr lang="en-US" baseline="0" dirty="0" smtClean="0"/>
+              <a:t> an. </a:t>
+            </a:r>
+            <a:endParaRPr lang="de-DE" dirty="0"/>
+          </a:p>
+        </p:txBody>
+      </p:sp>
+      <p:sp>
+        <p:nvSpPr>
+          <p:cNvPr id="4" name="Foliennummernplatzhalter 3"/>
+          <p:cNvSpPr>
+            <a:spLocks noGrp="1"/>
+          </p:cNvSpPr>
+          <p:nvPr>
+            <p:ph type="sldNum" sz="quarter" idx="10"/>
+          </p:nvPr>
+        </p:nvSpPr>
+        <p:spPr/>
+        <p:txBody>
+          <a:bodyPr/>
+          <a:lstStyle/>
+          <a:p>
+            <a:fld id="{4D56AC9C-3557-4516-B20A-3092AF400081}" type="slidenum">
+              <a:rPr lang="de-DE" smtClean="0"/>
+              <a:t>4</a:t>
+            </a:fld>
+            <a:endParaRPr lang="de-DE"/>
+          </a:p>
+        </p:txBody>
+      </p:sp>
+    </p:spTree>
+    <p:extLst>
+      <p:ext uri="{BB962C8B-B14F-4D97-AF65-F5344CB8AC3E}">
+        <p14:creationId xmlns:p14="http://schemas.microsoft.com/office/powerpoint/2010/main" val="174173265"/>
+      </p:ext>
+    </p:extLst>
+  </p:cSld>
+  <p:clrMapOvr>
+    <a:masterClrMapping/>
+  </p:clrMapOvr>
+</p:notes>
+</file>
+
+<file path=ppt/notesSlides/notesSlide5.xml><?xml version="1.0" encoding="utf-8"?>
+<p:notes xmlns:a="http://schemas.openxmlformats.org/drawingml/2006/main" xmlns:r="http://schemas.openxmlformats.org/officeDocument/2006/relationships" xmlns:p="http://schemas.openxmlformats.org/presentationml/2006/main">
+  <p:cSld>
+    <p:spTree>
+      <p:nvGrpSpPr>
+        <p:cNvPr id="1" name=""/>
+        <p:cNvGrpSpPr/>
+        <p:nvPr/>
+      </p:nvGrpSpPr>
+      <p:grpSpPr>
+        <a:xfrm>
+          <a:off x="0" y="0"/>
+          <a:ext cx="0" cy="0"/>
+          <a:chOff x="0" y="0"/>
+          <a:chExt cx="0" cy="0"/>
+        </a:xfrm>
+      </p:grpSpPr>
+      <p:sp>
+        <p:nvSpPr>
+          <p:cNvPr id="2" name="Folienbildplatzhalter 1"/>
+          <p:cNvSpPr>
+            <a:spLocks noGrp="1" noRot="1" noChangeAspect="1"/>
+          </p:cNvSpPr>
+          <p:nvPr>
+            <p:ph type="sldImg"/>
+          </p:nvPr>
+        </p:nvSpPr>
+        <p:spPr/>
+      </p:sp>
+      <p:sp>
+        <p:nvSpPr>
+          <p:cNvPr id="3" name="Notizenplatzhalter 2"/>
+          <p:cNvSpPr>
+            <a:spLocks noGrp="1"/>
+          </p:cNvSpPr>
+          <p:nvPr>
+            <p:ph type="body" idx="1"/>
+          </p:nvPr>
+        </p:nvSpPr>
+        <p:spPr/>
+        <p:txBody>
+          <a:bodyPr/>
+          <a:lstStyle/>
+          <a:p>
+            <a:r>
+              <a:rPr lang="en-US" dirty="0" err="1" smtClean="0"/>
+              <a:t>Fuer</a:t>
+            </a:r>
+            <a:r>
+              <a:rPr lang="en-US" dirty="0" smtClean="0"/>
+              <a:t> Gate 2 </a:t>
+            </a:r>
+            <a:r>
+              <a:rPr lang="en-US" dirty="0" err="1" smtClean="0"/>
+              <a:t>werden</a:t>
+            </a:r>
+            <a:r>
+              <a:rPr lang="en-US" dirty="0" smtClean="0"/>
+              <a:t> </a:t>
+            </a:r>
+            <a:r>
+              <a:rPr lang="en-US" dirty="0" err="1" smtClean="0"/>
+              <a:t>wir</a:t>
+            </a:r>
+            <a:r>
+              <a:rPr lang="en-US" dirty="0" smtClean="0"/>
+              <a:t> </a:t>
+            </a:r>
+            <a:r>
+              <a:rPr lang="en-US" dirty="0" err="1" smtClean="0"/>
+              <a:t>einen</a:t>
+            </a:r>
+            <a:r>
+              <a:rPr lang="en-US" baseline="0" dirty="0" smtClean="0"/>
+              <a:t> </a:t>
+            </a:r>
+            <a:r>
+              <a:rPr lang="en-US" baseline="0" dirty="0" err="1" smtClean="0"/>
+              <a:t>zweiten</a:t>
+            </a:r>
+            <a:r>
+              <a:rPr lang="en-US" baseline="0" dirty="0" smtClean="0"/>
+              <a:t> </a:t>
+            </a:r>
+            <a:r>
+              <a:rPr lang="en-US" baseline="0" dirty="0" err="1" smtClean="0"/>
+              <a:t>Raum</a:t>
+            </a:r>
+            <a:r>
+              <a:rPr lang="en-US" baseline="0" dirty="0" smtClean="0"/>
+              <a:t>, </a:t>
+            </a:r>
+            <a:r>
+              <a:rPr lang="en-US" baseline="0" dirty="0" err="1" smtClean="0"/>
+              <a:t>naemlich</a:t>
+            </a:r>
+            <a:r>
+              <a:rPr lang="en-US" baseline="0" dirty="0" smtClean="0"/>
+              <a:t> das </a:t>
+            </a:r>
+            <a:r>
+              <a:rPr lang="en-US" baseline="0" dirty="0" err="1" smtClean="0"/>
+              <a:t>voll</a:t>
+            </a:r>
+            <a:r>
+              <a:rPr lang="en-US" baseline="0" dirty="0" smtClean="0"/>
+              <a:t> </a:t>
+            </a:r>
+            <a:r>
+              <a:rPr lang="en-US" baseline="0" dirty="0" err="1" smtClean="0"/>
+              <a:t>texturierte</a:t>
+            </a:r>
+            <a:r>
+              <a:rPr lang="en-US" baseline="0" dirty="0" smtClean="0"/>
+              <a:t> Labor, </a:t>
+            </a:r>
+            <a:r>
+              <a:rPr lang="en-US" baseline="0" dirty="0" err="1" smtClean="0"/>
+              <a:t>vorstellen</a:t>
+            </a:r>
+            <a:r>
+              <a:rPr lang="en-US" baseline="0" dirty="0" smtClean="0"/>
+              <a:t> und </a:t>
+            </a:r>
+            <a:r>
+              <a:rPr lang="en-US" baseline="0" dirty="0" err="1" smtClean="0"/>
+              <a:t>unser</a:t>
+            </a:r>
+            <a:r>
+              <a:rPr lang="en-US" baseline="0" dirty="0" smtClean="0"/>
+              <a:t> </a:t>
+            </a:r>
+            <a:r>
+              <a:rPr lang="en-US" baseline="0" dirty="0" err="1" smtClean="0"/>
+              <a:t>Hauptcharacter</a:t>
+            </a:r>
+            <a:r>
+              <a:rPr lang="en-US" baseline="0" dirty="0" smtClean="0"/>
+              <a:t> </a:t>
+            </a:r>
+            <a:r>
+              <a:rPr lang="en-US" baseline="0" dirty="0" err="1" smtClean="0"/>
+              <a:t>sollte</a:t>
+            </a:r>
+            <a:r>
+              <a:rPr lang="en-US" baseline="0" dirty="0" smtClean="0"/>
+              <a:t> </a:t>
+            </a:r>
+            <a:r>
+              <a:rPr lang="en-US" baseline="0" dirty="0" err="1" smtClean="0"/>
+              <a:t>dann</a:t>
+            </a:r>
+            <a:r>
+              <a:rPr lang="en-US" baseline="0" dirty="0" smtClean="0"/>
+              <a:t> </a:t>
+            </a:r>
+            <a:r>
+              <a:rPr lang="en-US" baseline="0" dirty="0" err="1" smtClean="0"/>
+              <a:t>auch</a:t>
+            </a:r>
+            <a:r>
+              <a:rPr lang="en-US" baseline="0" dirty="0" smtClean="0"/>
+              <a:t> </a:t>
+            </a:r>
+            <a:r>
+              <a:rPr lang="en-US" baseline="0" dirty="0" err="1" smtClean="0"/>
+              <a:t>bereits</a:t>
+            </a:r>
+            <a:r>
+              <a:rPr lang="en-US" baseline="0" dirty="0" smtClean="0"/>
+              <a:t> </a:t>
+            </a:r>
+            <a:r>
+              <a:rPr lang="en-US" baseline="0" dirty="0" err="1" smtClean="0"/>
+              <a:t>einige</a:t>
+            </a:r>
+            <a:r>
+              <a:rPr lang="en-US" baseline="0" dirty="0" smtClean="0"/>
+              <a:t> Basis-</a:t>
+            </a:r>
+            <a:r>
+              <a:rPr lang="en-US" baseline="0" dirty="0" err="1" smtClean="0"/>
+              <a:t>Animationen</a:t>
+            </a:r>
+            <a:r>
+              <a:rPr lang="en-US" baseline="0" dirty="0" smtClean="0"/>
+              <a:t> </a:t>
+            </a:r>
+            <a:r>
+              <a:rPr lang="en-US" baseline="0" dirty="0" err="1" smtClean="0"/>
+              <a:t>besitzen</a:t>
+            </a:r>
+            <a:r>
+              <a:rPr lang="en-US" baseline="0" dirty="0" smtClean="0"/>
+              <a:t>. </a:t>
+            </a:r>
+            <a:r>
+              <a:rPr lang="en-US" baseline="0" dirty="0" err="1" smtClean="0"/>
+              <a:t>Ausserdem</a:t>
+            </a:r>
+            <a:r>
+              <a:rPr lang="en-US" baseline="0" dirty="0" smtClean="0"/>
+              <a:t> </a:t>
+            </a:r>
+            <a:r>
+              <a:rPr lang="en-US" baseline="0" dirty="0" err="1" smtClean="0"/>
+              <a:t>werden</a:t>
+            </a:r>
+            <a:r>
+              <a:rPr lang="en-US" baseline="0" dirty="0" smtClean="0"/>
+              <a:t> </a:t>
+            </a:r>
+            <a:r>
+              <a:rPr lang="en-US" baseline="0" dirty="0" err="1" smtClean="0"/>
+              <a:t>wir</a:t>
+            </a:r>
+            <a:r>
+              <a:rPr lang="en-US" baseline="0" dirty="0" smtClean="0"/>
+              <a:t> </a:t>
+            </a:r>
+            <a:r>
+              <a:rPr lang="en-US" baseline="0" dirty="0" err="1" smtClean="0"/>
+              <a:t>euch</a:t>
+            </a:r>
+            <a:r>
+              <a:rPr lang="en-US" baseline="0" dirty="0" smtClean="0"/>
+              <a:t> die </a:t>
+            </a:r>
+            <a:r>
+              <a:rPr lang="en-US" baseline="0" dirty="0" err="1" smtClean="0"/>
+              <a:t>komplette</a:t>
+            </a:r>
+            <a:r>
+              <a:rPr lang="en-US" baseline="0" dirty="0" smtClean="0"/>
+              <a:t> </a:t>
+            </a:r>
+            <a:r>
+              <a:rPr lang="en-US" baseline="0" dirty="0" err="1" smtClean="0"/>
+              <a:t>Posession-Mechanik</a:t>
+            </a:r>
+            <a:r>
+              <a:rPr lang="en-US" baseline="0" dirty="0" smtClean="0"/>
+              <a:t> </a:t>
+            </a:r>
+            <a:r>
+              <a:rPr lang="en-US" baseline="0" dirty="0" err="1" smtClean="0"/>
+              <a:t>samt</a:t>
+            </a:r>
+            <a:r>
+              <a:rPr lang="en-US" baseline="0" dirty="0" smtClean="0"/>
+              <a:t> des </a:t>
+            </a:r>
+            <a:r>
+              <a:rPr lang="en-US" baseline="0" dirty="0" err="1" smtClean="0"/>
+              <a:t>dazugehoerigen</a:t>
+            </a:r>
+            <a:r>
+              <a:rPr lang="en-US" baseline="0" dirty="0" smtClean="0"/>
+              <a:t> Mini-Spiels </a:t>
+            </a:r>
+            <a:r>
+              <a:rPr lang="en-US" baseline="0" dirty="0" err="1" smtClean="0"/>
+              <a:t>praesentieren</a:t>
+            </a:r>
+            <a:r>
+              <a:rPr lang="en-US" baseline="0" smtClean="0"/>
+              <a:t>.</a:t>
+            </a:r>
+            <a:endParaRPr lang="de-DE" dirty="0"/>
+          </a:p>
+        </p:txBody>
+      </p:sp>
+      <p:sp>
+        <p:nvSpPr>
+          <p:cNvPr id="4" name="Foliennummernplatzhalter 3"/>
+          <p:cNvSpPr>
+            <a:spLocks noGrp="1"/>
+          </p:cNvSpPr>
+          <p:nvPr>
+            <p:ph type="sldNum" sz="quarter" idx="10"/>
+          </p:nvPr>
+        </p:nvSpPr>
+        <p:spPr/>
+        <p:txBody>
+          <a:bodyPr/>
+          <a:lstStyle/>
+          <a:p>
+            <a:fld id="{4D56AC9C-3557-4516-B20A-3092AF400081}" type="slidenum">
+              <a:rPr lang="de-DE" smtClean="0"/>
+              <a:t>6</a:t>
+            </a:fld>
+            <a:endParaRPr lang="de-DE"/>
+          </a:p>
+        </p:txBody>
+      </p:sp>
+    </p:spTree>
+    <p:extLst>
+      <p:ext uri="{BB962C8B-B14F-4D97-AF65-F5344CB8AC3E}">
+        <p14:creationId xmlns:p14="http://schemas.microsoft.com/office/powerpoint/2010/main" val="2414678745"/>
       </p:ext>
     </p:extLst>
   </p:cSld>
@@ -1367,7 +2573,7 @@
           <a:p>
             <a:fld id="{1DC63592-9D31-432D-A510-4EFC698F70CA}" type="datetimeFigureOut">
               <a:rPr lang="de-DE" smtClean="0"/>
-              <a:t>24.05.2018</a:t>
+              <a:t>25.05.2018</a:t>
             </a:fld>
             <a:endParaRPr lang="de-DE"/>
           </a:p>
@@ -1549,7 +2755,7 @@
           <a:p>
             <a:fld id="{1DC63592-9D31-432D-A510-4EFC698F70CA}" type="datetimeFigureOut">
               <a:rPr lang="de-DE" smtClean="0"/>
-              <a:t>24.05.2018</a:t>
+              <a:t>25.05.2018</a:t>
             </a:fld>
             <a:endParaRPr lang="de-DE"/>
           </a:p>
@@ -1736,7 +2942,7 @@
           <a:p>
             <a:fld id="{1DC63592-9D31-432D-A510-4EFC698F70CA}" type="datetimeFigureOut">
               <a:rPr lang="de-DE" smtClean="0"/>
-              <a:t>24.05.2018</a:t>
+              <a:t>25.05.2018</a:t>
             </a:fld>
             <a:endParaRPr lang="de-DE"/>
           </a:p>
@@ -1950,7 +3156,7 @@
           <a:p>
             <a:fld id="{1DC63592-9D31-432D-A510-4EFC698F70CA}" type="datetimeFigureOut">
               <a:rPr lang="de-DE" smtClean="0"/>
-              <a:t>24.05.2018</a:t>
+              <a:t>25.05.2018</a:t>
             </a:fld>
             <a:endParaRPr lang="de-DE"/>
           </a:p>
@@ -2203,7 +3409,7 @@
           <a:p>
             <a:fld id="{1DC63592-9D31-432D-A510-4EFC698F70CA}" type="datetimeFigureOut">
               <a:rPr lang="de-DE" smtClean="0"/>
-              <a:t>24.05.2018</a:t>
+              <a:t>25.05.2018</a:t>
             </a:fld>
             <a:endParaRPr lang="de-DE"/>
           </a:p>
@@ -2525,7 +3731,7 @@
           <a:p>
             <a:fld id="{1DC63592-9D31-432D-A510-4EFC698F70CA}" type="datetimeFigureOut">
               <a:rPr lang="de-DE" smtClean="0"/>
-              <a:t>24.05.2018</a:t>
+              <a:t>25.05.2018</a:t>
             </a:fld>
             <a:endParaRPr lang="de-DE"/>
           </a:p>
@@ -2985,7 +4191,7 @@
           <a:p>
             <a:fld id="{1DC63592-9D31-432D-A510-4EFC698F70CA}" type="datetimeFigureOut">
               <a:rPr lang="de-DE" smtClean="0"/>
-              <a:t>24.05.2018</a:t>
+              <a:t>25.05.2018</a:t>
             </a:fld>
             <a:endParaRPr lang="de-DE"/>
           </a:p>
@@ -3115,7 +4321,7 @@
           <a:p>
             <a:fld id="{1DC63592-9D31-432D-A510-4EFC698F70CA}" type="datetimeFigureOut">
               <a:rPr lang="de-DE" smtClean="0"/>
-              <a:t>24.05.2018</a:t>
+              <a:t>25.05.2018</a:t>
             </a:fld>
             <a:endParaRPr lang="de-DE"/>
           </a:p>
@@ -3217,7 +4423,7 @@
           <a:p>
             <a:fld id="{1DC63592-9D31-432D-A510-4EFC698F70CA}" type="datetimeFigureOut">
               <a:rPr lang="de-DE" smtClean="0"/>
-              <a:t>24.05.2018</a:t>
+              <a:t>25.05.2018</a:t>
             </a:fld>
             <a:endParaRPr lang="de-DE"/>
           </a:p>
@@ -3514,7 +4720,7 @@
           <a:p>
             <a:fld id="{1DC63592-9D31-432D-A510-4EFC698F70CA}" type="datetimeFigureOut">
               <a:rPr lang="de-DE" smtClean="0"/>
-              <a:t>24.05.2018</a:t>
+              <a:t>25.05.2018</a:t>
             </a:fld>
             <a:endParaRPr lang="de-DE"/>
           </a:p>
@@ -3722,7 +4928,7 @@
           <a:p>
             <a:fld id="{1DC63592-9D31-432D-A510-4EFC698F70CA}" type="datetimeFigureOut">
               <a:rPr lang="de-DE" smtClean="0"/>
-              <a:t>24.05.2018</a:t>
+              <a:t>25.05.2018</a:t>
             </a:fld>
             <a:endParaRPr lang="de-DE"/>
           </a:p>
@@ -8285,7 +9491,7 @@
           <a:p>
             <a:fld id="{1DC63592-9D31-432D-A510-4EFC698F70CA}" type="datetimeFigureOut">
               <a:rPr lang="de-DE" smtClean="0"/>
-              <a:t>24.05.2018</a:t>
+              <a:t>25.05.2018</a:t>
             </a:fld>
             <a:endParaRPr lang="de-DE"/>
           </a:p>
@@ -12377,7 +13583,7 @@
           <p:nvPr/>
         </p:nvPicPr>
         <p:blipFill>
-          <a:blip r:embed="rId2" cstate="print">
+          <a:blip r:embed="rId3" cstate="print">
             <a:extLst>
               <a:ext uri="{28A0092B-C50C-407E-A947-70E740481C1C}">
                 <a14:useLocalDpi xmlns:a14="http://schemas.microsoft.com/office/drawing/2010/main" val="0"/>
@@ -12847,20 +14053,6 @@
                 <a:cs typeface="MV Boli" pitchFamily="2" charset="0"/>
               </a:rPr>
               <a:t>animated</a:t>
-            </a:r>
-            <a:r>
-              <a:rPr lang="de-DE" sz="2900" dirty="0" smtClean="0">
-                <a:latin typeface="MV Boli" pitchFamily="2" charset="0"/>
-                <a:cs typeface="MV Boli" pitchFamily="2" charset="0"/>
-              </a:rPr>
-              <a:t> </a:t>
-            </a:r>
-            <a:r>
-              <a:rPr lang="de-DE" sz="2900" dirty="0" err="1" smtClean="0">
-                <a:latin typeface="MV Boli" pitchFamily="2" charset="0"/>
-                <a:cs typeface="MV Boli" pitchFamily="2" charset="0"/>
-              </a:rPr>
-              <a:t>low-poly</a:t>
             </a:r>
             <a:r>
               <a:rPr lang="de-DE" sz="2900" dirty="0" smtClean="0">
@@ -14255,7 +15447,7 @@
           <p:nvPr/>
         </p:nvPicPr>
         <p:blipFill>
-          <a:blip r:embed="rId2" cstate="print">
+          <a:blip r:embed="rId3" cstate="print">
             <a:extLst>
               <a:ext uri="{28A0092B-C50C-407E-A947-70E740481C1C}">
                 <a14:useLocalDpi xmlns:a14="http://schemas.microsoft.com/office/drawing/2010/main" val="0"/>
@@ -14493,7 +15685,7 @@
           <p:nvPr/>
         </p:nvPicPr>
         <p:blipFill>
-          <a:blip r:embed="rId3" cstate="print">
+          <a:blip r:embed="rId4" cstate="print">
             <a:duotone>
               <a:prstClr val="black"/>
               <a:srgbClr val="D006B8">
